--- a/Plots/Figures Pool.pptx
+++ b/Plots/Figures Pool.pptx
@@ -5,17 +5,18 @@
     <p:sldMasterId id="2147483659" r:id="rId1"/>
   </p:sldMasterIdLst>
   <p:notesMasterIdLst>
-    <p:notesMasterId r:id="rId10"/>
+    <p:notesMasterId r:id="rId11"/>
   </p:notesMasterIdLst>
   <p:sldIdLst>
     <p:sldId id="256" r:id="rId2"/>
     <p:sldId id="259" r:id="rId3"/>
-    <p:sldId id="260" r:id="rId4"/>
-    <p:sldId id="261" r:id="rId5"/>
+    <p:sldId id="263" r:id="rId4"/>
+    <p:sldId id="264" r:id="rId5"/>
     <p:sldId id="262" r:id="rId6"/>
-    <p:sldId id="263" r:id="rId7"/>
-    <p:sldId id="264" r:id="rId8"/>
-    <p:sldId id="265" r:id="rId9"/>
+    <p:sldId id="260" r:id="rId7"/>
+    <p:sldId id="266" r:id="rId8"/>
+    <p:sldId id="267" r:id="rId9"/>
+    <p:sldId id="265" r:id="rId10"/>
   </p:sldIdLst>
   <p:sldSz cx="16200438" cy="5143500"/>
   <p:notesSz cx="6858000" cy="9144000"/>
@@ -921,7 +922,7 @@
   <p:cSld>
     <p:spTree>
       <p:nvGrpSpPr>
-        <p:cNvPr id="1" name="Shape 77"/>
+        <p:cNvPr id="1" name="Shape 92"/>
         <p:cNvGrpSpPr/>
         <p:nvPr/>
       </p:nvGrpSpPr>
@@ -935,7 +936,7 @@
       </p:grpSpPr>
       <p:sp>
         <p:nvSpPr>
-          <p:cNvPr id="78" name="Google Shape;78;g2768f34ac6f_0_0:notes"/>
+          <p:cNvPr id="93" name="Google Shape;93;g2768f34ac6f_0_6:notes"/>
           <p:cNvSpPr>
             <a:spLocks noGrp="1" noRot="1" noChangeAspect="1"/>
           </p:cNvSpPr>
@@ -976,7 +977,7 @@
       </p:sp>
       <p:sp>
         <p:nvSpPr>
-          <p:cNvPr id="79" name="Google Shape;79;g2768f34ac6f_0_0:notes"/>
+          <p:cNvPr id="94" name="Google Shape;94;g2768f34ac6f_0_6:notes"/>
           <p:cNvSpPr txBox="1">
             <a:spLocks noGrp="1"/>
           </p:cNvSpPr>
@@ -1025,7 +1026,7 @@
   <p:cSld>
     <p:spTree>
       <p:nvGrpSpPr>
-        <p:cNvPr id="1" name="Shape 82"/>
+        <p:cNvPr id="1" name="Shape 97"/>
         <p:cNvGrpSpPr/>
         <p:nvPr/>
       </p:nvGrpSpPr>
@@ -1039,7 +1040,7 @@
       </p:grpSpPr>
       <p:sp>
         <p:nvSpPr>
-          <p:cNvPr id="83" name="Google Shape;83;g2768f34ac6f_0_50:notes"/>
+          <p:cNvPr id="98" name="Google Shape;98;g2768f34ac6f_0_9:notes"/>
           <p:cNvSpPr>
             <a:spLocks noGrp="1" noRot="1" noChangeAspect="1"/>
           </p:cNvSpPr>
@@ -1080,7 +1081,7 @@
       </p:sp>
       <p:sp>
         <p:nvSpPr>
-          <p:cNvPr id="84" name="Google Shape;84;g2768f34ac6f_0_50:notes"/>
+          <p:cNvPr id="99" name="Google Shape;99;g2768f34ac6f_0_9:notes"/>
           <p:cNvSpPr txBox="1">
             <a:spLocks noGrp="1"/>
           </p:cNvSpPr>
@@ -1233,7 +1234,7 @@
   <p:cSld>
     <p:spTree>
       <p:nvGrpSpPr>
-        <p:cNvPr id="1" name="Shape 92"/>
+        <p:cNvPr id="1" name="Shape 77"/>
         <p:cNvGrpSpPr/>
         <p:nvPr/>
       </p:nvGrpSpPr>
@@ -1247,7 +1248,7 @@
       </p:grpSpPr>
       <p:sp>
         <p:nvSpPr>
-          <p:cNvPr id="93" name="Google Shape;93;g2768f34ac6f_0_6:notes"/>
+          <p:cNvPr id="78" name="Google Shape;78;g2768f34ac6f_0_0:notes"/>
           <p:cNvSpPr>
             <a:spLocks noGrp="1" noRot="1" noChangeAspect="1"/>
           </p:cNvSpPr>
@@ -1288,7 +1289,7 @@
       </p:sp>
       <p:sp>
         <p:nvSpPr>
-          <p:cNvPr id="94" name="Google Shape;94;g2768f34ac6f_0_6:notes"/>
+          <p:cNvPr id="79" name="Google Shape;79;g2768f34ac6f_0_0:notes"/>
           <p:cNvSpPr txBox="1">
             <a:spLocks noGrp="1"/>
           </p:cNvSpPr>
@@ -1337,7 +1338,7 @@
   <p:cSld>
     <p:spTree>
       <p:nvGrpSpPr>
-        <p:cNvPr id="1" name="Shape 97"/>
+        <p:cNvPr id="1" name="Shape 77"/>
         <p:cNvGrpSpPr/>
         <p:nvPr/>
       </p:nvGrpSpPr>
@@ -1351,7 +1352,7 @@
       </p:grpSpPr>
       <p:sp>
         <p:nvSpPr>
-          <p:cNvPr id="98" name="Google Shape;98;g2768f34ac6f_0_9:notes"/>
+          <p:cNvPr id="78" name="Google Shape;78;g2768f34ac6f_0_0:notes"/>
           <p:cNvSpPr>
             <a:spLocks noGrp="1" noRot="1" noChangeAspect="1"/>
           </p:cNvSpPr>
@@ -1392,7 +1393,7 @@
       </p:sp>
       <p:sp>
         <p:nvSpPr>
-          <p:cNvPr id="99" name="Google Shape;99;g2768f34ac6f_0_9:notes"/>
+          <p:cNvPr id="79" name="Google Shape;79;g2768f34ac6f_0_0:notes"/>
           <p:cNvSpPr txBox="1">
             <a:spLocks noGrp="1"/>
           </p:cNvSpPr>
@@ -1429,6 +1430,11 @@
         </p:txBody>
       </p:sp>
     </p:spTree>
+    <p:extLst>
+      <p:ext uri="{BB962C8B-B14F-4D97-AF65-F5344CB8AC3E}">
+        <p14:creationId xmlns:p14="http://schemas.microsoft.com/office/powerpoint/2010/main" val="1290509470"/>
+      </p:ext>
+    </p:extLst>
   </p:cSld>
   <p:clrMapOvr>
     <a:masterClrMapping/>
@@ -1437,6 +1443,115 @@
 </file>
 
 <file path=ppt/notesSlides/notesSlide8.xml><?xml version="1.0" encoding="utf-8"?>
+<p:notes xmlns:a="http://schemas.openxmlformats.org/drawingml/2006/main" xmlns:r="http://schemas.openxmlformats.org/officeDocument/2006/relationships" xmlns:p="http://schemas.openxmlformats.org/presentationml/2006/main" showMasterSp="0" showMasterPhAnim="0">
+  <p:cSld>
+    <p:spTree>
+      <p:nvGrpSpPr>
+        <p:cNvPr id="1" name="Shape 87"/>
+        <p:cNvGrpSpPr/>
+        <p:nvPr/>
+      </p:nvGrpSpPr>
+      <p:grpSpPr>
+        <a:xfrm>
+          <a:off x="0" y="0"/>
+          <a:ext cx="0" cy="0"/>
+          <a:chOff x="0" y="0"/>
+          <a:chExt cx="0" cy="0"/>
+        </a:xfrm>
+      </p:grpSpPr>
+      <p:sp>
+        <p:nvSpPr>
+          <p:cNvPr id="88" name="Google Shape;88;g2768f34ac6f_0_3:notes"/>
+          <p:cNvSpPr>
+            <a:spLocks noGrp="1" noRot="1" noChangeAspect="1"/>
+          </p:cNvSpPr>
+          <p:nvPr>
+            <p:ph type="sldImg" idx="2"/>
+          </p:nvPr>
+        </p:nvSpPr>
+        <p:spPr>
+          <a:xfrm>
+            <a:off x="-1970088" y="685800"/>
+            <a:ext cx="10798176" cy="3429000"/>
+          </a:xfrm>
+          <a:custGeom>
+            <a:avLst/>
+            <a:gdLst/>
+            <a:ahLst/>
+            <a:cxnLst/>
+            <a:rect l="l" t="t" r="r" b="b"/>
+            <a:pathLst>
+              <a:path w="120000" h="120000" extrusionOk="0">
+                <a:moveTo>
+                  <a:pt x="0" y="0"/>
+                </a:moveTo>
+                <a:lnTo>
+                  <a:pt x="120000" y="0"/>
+                </a:lnTo>
+                <a:lnTo>
+                  <a:pt x="120000" y="120000"/>
+                </a:lnTo>
+                <a:lnTo>
+                  <a:pt x="0" y="120000"/>
+                </a:lnTo>
+                <a:close/>
+              </a:path>
+            </a:pathLst>
+          </a:custGeom>
+        </p:spPr>
+      </p:sp>
+      <p:sp>
+        <p:nvSpPr>
+          <p:cNvPr id="89" name="Google Shape;89;g2768f34ac6f_0_3:notes"/>
+          <p:cNvSpPr txBox="1">
+            <a:spLocks noGrp="1"/>
+          </p:cNvSpPr>
+          <p:nvPr>
+            <p:ph type="body" idx="1"/>
+          </p:nvPr>
+        </p:nvSpPr>
+        <p:spPr>
+          <a:xfrm>
+            <a:off x="685800" y="4343400"/>
+            <a:ext cx="5486400" cy="4114800"/>
+          </a:xfrm>
+          <a:prstGeom prst="rect">
+            <a:avLst/>
+          </a:prstGeom>
+        </p:spPr>
+        <p:txBody>
+          <a:bodyPr spcFirstLastPara="1" wrap="square" lIns="91425" tIns="91425" rIns="91425" bIns="91425" anchor="t" anchorCtr="0">
+            <a:noAutofit/>
+          </a:bodyPr>
+          <a:lstStyle/>
+          <a:p>
+            <a:pPr marL="0" lvl="0" indent="0" algn="l" rtl="0">
+              <a:spcBef>
+                <a:spcPts val="0"/>
+              </a:spcBef>
+              <a:spcAft>
+                <a:spcPts val="0"/>
+              </a:spcAft>
+              <a:buNone/>
+            </a:pPr>
+            <a:endParaRPr/>
+          </a:p>
+        </p:txBody>
+      </p:sp>
+    </p:spTree>
+    <p:extLst>
+      <p:ext uri="{BB962C8B-B14F-4D97-AF65-F5344CB8AC3E}">
+        <p14:creationId xmlns:p14="http://schemas.microsoft.com/office/powerpoint/2010/main" val="1703901114"/>
+      </p:ext>
+    </p:extLst>
+  </p:cSld>
+  <p:clrMapOvr>
+    <a:masterClrMapping/>
+  </p:clrMapOvr>
+</p:notes>
+</file>
+
+<file path=ppt/notesSlides/notesSlide9.xml><?xml version="1.0" encoding="utf-8"?>
 <p:notes xmlns:a="http://schemas.openxmlformats.org/drawingml/2006/main" xmlns:r="http://schemas.openxmlformats.org/officeDocument/2006/relationships" xmlns:p="http://schemas.openxmlformats.org/presentationml/2006/main" showMasterSp="0" showMasterPhAnim="0">
   <p:cSld>
     <p:spTree>
@@ -6663,7 +6778,7 @@
     </p:bg>
     <p:spTree>
       <p:nvGrpSpPr>
-        <p:cNvPr id="1" name="Shape 80"/>
+        <p:cNvPr id="1" name="Shape 95"/>
         <p:cNvGrpSpPr/>
         <p:nvPr/>
       </p:nvGrpSpPr>
@@ -6677,10 +6792,10 @@
       </p:grpSpPr>
       <p:grpSp>
         <p:nvGrpSpPr>
-          <p:cNvPr id="26" name="Group 25">
+          <p:cNvPr id="122" name="Group 121">
             <a:extLst>
               <a:ext uri="{FF2B5EF4-FFF2-40B4-BE49-F238E27FC236}">
-                <a16:creationId xmlns:a16="http://schemas.microsoft.com/office/drawing/2014/main" id="{59289F19-9425-B742-49D1-19C16C155EEA}"/>
+                <a16:creationId xmlns:a16="http://schemas.microsoft.com/office/drawing/2014/main" id="{DF1AE1D5-CFA4-DE86-804C-D585AAA0D7E2}"/>
               </a:ext>
             </a:extLst>
           </p:cNvPr>
@@ -6689,861 +6804,18 @@
         </p:nvGrpSpPr>
         <p:grpSpPr>
           <a:xfrm>
-            <a:off x="0" y="108498"/>
-            <a:ext cx="13210411" cy="4926504"/>
-            <a:chOff x="0" y="108498"/>
-            <a:chExt cx="13210411" cy="4926504"/>
-          </a:xfrm>
-        </p:grpSpPr>
-        <p:grpSp>
-          <p:nvGrpSpPr>
-            <p:cNvPr id="23" name="Group 22">
-              <a:extLst>
-                <a:ext uri="{FF2B5EF4-FFF2-40B4-BE49-F238E27FC236}">
-                  <a16:creationId xmlns:a16="http://schemas.microsoft.com/office/drawing/2014/main" id="{B5CEAAAF-61E8-772C-9757-5E3A06A5C2A4}"/>
-                </a:ext>
-              </a:extLst>
-            </p:cNvPr>
-            <p:cNvGrpSpPr/>
-            <p:nvPr/>
-          </p:nvGrpSpPr>
-          <p:grpSpPr>
-            <a:xfrm>
-              <a:off x="0" y="108498"/>
-              <a:ext cx="13210411" cy="4926504"/>
-              <a:chOff x="91690" y="-19478"/>
-              <a:chExt cx="13210411" cy="4926504"/>
-            </a:xfrm>
-          </p:grpSpPr>
-          <p:grpSp>
-            <p:nvGrpSpPr>
-              <p:cNvPr id="18" name="Group 17">
-                <a:extLst>
-                  <a:ext uri="{FF2B5EF4-FFF2-40B4-BE49-F238E27FC236}">
-                    <a16:creationId xmlns:a16="http://schemas.microsoft.com/office/drawing/2014/main" id="{D68DA4A6-C1D8-C9DC-6E5E-2A2E3ADAA636}"/>
-                  </a:ext>
-                </a:extLst>
-              </p:cNvPr>
-              <p:cNvGrpSpPr/>
-              <p:nvPr/>
-            </p:nvGrpSpPr>
-            <p:grpSpPr>
-              <a:xfrm>
-                <a:off x="91690" y="-19478"/>
-                <a:ext cx="13210411" cy="4926504"/>
-                <a:chOff x="91690" y="-19478"/>
-                <a:chExt cx="13210411" cy="4926504"/>
-              </a:xfrm>
-            </p:grpSpPr>
-            <p:sp>
-              <p:nvSpPr>
-                <p:cNvPr id="13" name="Rectangle 12">
-                  <a:extLst>
-                    <a:ext uri="{FF2B5EF4-FFF2-40B4-BE49-F238E27FC236}">
-                      <a16:creationId xmlns:a16="http://schemas.microsoft.com/office/drawing/2014/main" id="{D743ACEA-90E6-5FC0-4E62-2E507DE3B6FF}"/>
-                    </a:ext>
-                  </a:extLst>
-                </p:cNvPr>
-                <p:cNvSpPr/>
-                <p:nvPr/>
-              </p:nvSpPr>
-              <p:spPr>
-                <a:xfrm>
-                  <a:off x="91690" y="-19478"/>
-                  <a:ext cx="13210411" cy="4925603"/>
-                </a:xfrm>
-                <a:prstGeom prst="rect">
-                  <a:avLst/>
-                </a:prstGeom>
-                <a:solidFill>
-                  <a:schemeClr val="bg1"/>
-                </a:solidFill>
-                <a:ln>
-                  <a:noFill/>
-                </a:ln>
-              </p:spPr>
-              <p:style>
-                <a:lnRef idx="2">
-                  <a:schemeClr val="accent1">
-                    <a:shade val="50000"/>
-                  </a:schemeClr>
-                </a:lnRef>
-                <a:fillRef idx="1">
-                  <a:schemeClr val="accent1"/>
-                </a:fillRef>
-                <a:effectRef idx="0">
-                  <a:schemeClr val="accent1"/>
-                </a:effectRef>
-                <a:fontRef idx="minor">
-                  <a:schemeClr val="lt1"/>
-                </a:fontRef>
-              </p:style>
-              <p:txBody>
-                <a:bodyPr rtlCol="0" anchor="ctr"/>
-                <a:lstStyle/>
-                <a:p>
-                  <a:pPr algn="ctr"/>
-                  <a:endParaRPr lang="en-AU" dirty="0">
-                    <a:solidFill>
-                      <a:schemeClr val="bg1"/>
-                    </a:solidFill>
-                  </a:endParaRPr>
-                </a:p>
-              </p:txBody>
-            </p:sp>
-            <p:pic>
-              <p:nvPicPr>
-                <p:cNvPr id="5" name="Google Shape;55;p13">
-                  <a:extLst>
-                    <a:ext uri="{FF2B5EF4-FFF2-40B4-BE49-F238E27FC236}">
-                      <a16:creationId xmlns:a16="http://schemas.microsoft.com/office/drawing/2014/main" id="{027ACC19-A9FF-3981-6AD7-9BD154765EEF}"/>
-                    </a:ext>
-                  </a:extLst>
-                </p:cNvPr>
-                <p:cNvPicPr preferRelativeResize="0"/>
-                <p:nvPr/>
-              </p:nvPicPr>
-              <p:blipFill rotWithShape="1">
-                <a:blip r:embed="rId3">
-                  <a:alphaModFix/>
-                </a:blip>
-                <a:srcRect r="21120"/>
-                <a:stretch/>
-              </p:blipFill>
-              <p:spPr>
-                <a:xfrm>
-                  <a:off x="4226685" y="590698"/>
-                  <a:ext cx="4537708" cy="4314525"/>
-                </a:xfrm>
-                <a:prstGeom prst="rect">
-                  <a:avLst/>
-                </a:prstGeom>
-                <a:noFill/>
-                <a:ln>
-                  <a:noFill/>
-                </a:ln>
-              </p:spPr>
-            </p:pic>
-            <p:grpSp>
-              <p:nvGrpSpPr>
-                <p:cNvPr id="6" name="Google Shape;56;p13">
-                  <a:extLst>
-                    <a:ext uri="{FF2B5EF4-FFF2-40B4-BE49-F238E27FC236}">
-                      <a16:creationId xmlns:a16="http://schemas.microsoft.com/office/drawing/2014/main" id="{94149ED8-F583-6C03-C1D6-96D740E9DF63}"/>
-                    </a:ext>
-                  </a:extLst>
-                </p:cNvPr>
-                <p:cNvGrpSpPr/>
-                <p:nvPr/>
-              </p:nvGrpSpPr>
-              <p:grpSpPr>
-                <a:xfrm>
-                  <a:off x="91690" y="1"/>
-                  <a:ext cx="2004763" cy="4907025"/>
-                  <a:chOff x="152400" y="84075"/>
-                  <a:chExt cx="2004763" cy="4907025"/>
-                </a:xfrm>
-              </p:grpSpPr>
-              <p:pic>
-                <p:nvPicPr>
-                  <p:cNvPr id="7" name="Google Shape;57;p13">
-                    <a:extLst>
-                      <a:ext uri="{FF2B5EF4-FFF2-40B4-BE49-F238E27FC236}">
-                        <a16:creationId xmlns:a16="http://schemas.microsoft.com/office/drawing/2014/main" id="{10F94A7C-88E9-5C51-67B3-A0D626F0ED7E}"/>
-                      </a:ext>
-                    </a:extLst>
-                  </p:cNvPr>
-                  <p:cNvPicPr preferRelativeResize="0"/>
-                  <p:nvPr/>
-                </p:nvPicPr>
-                <p:blipFill rotWithShape="1">
-                  <a:blip r:embed="rId4">
-                    <a:alphaModFix/>
-                  </a:blip>
-                  <a:srcRect r="30302"/>
-                  <a:stretch/>
-                </p:blipFill>
-                <p:spPr>
-                  <a:xfrm>
-                    <a:off x="152400" y="676575"/>
-                    <a:ext cx="2004763" cy="4314525"/>
-                  </a:xfrm>
-                  <a:prstGeom prst="rect">
-                    <a:avLst/>
-                  </a:prstGeom>
-                  <a:noFill/>
-                  <a:ln>
-                    <a:noFill/>
-                  </a:ln>
-                </p:spPr>
-              </p:pic>
-              <p:cxnSp>
-                <p:nvCxnSpPr>
-                  <p:cNvPr id="8" name="Google Shape;58;p13">
-                    <a:extLst>
-                      <a:ext uri="{FF2B5EF4-FFF2-40B4-BE49-F238E27FC236}">
-                        <a16:creationId xmlns:a16="http://schemas.microsoft.com/office/drawing/2014/main" id="{46962B81-738C-975C-4D3F-B26A335B9574}"/>
-                      </a:ext>
-                    </a:extLst>
-                  </p:cNvPr>
-                  <p:cNvCxnSpPr>
-                    <a:cxnSpLocks/>
-                  </p:cNvCxnSpPr>
-                  <p:nvPr/>
-                </p:nvCxnSpPr>
-                <p:spPr>
-                  <a:xfrm flipV="1">
-                    <a:off x="1053450" y="433026"/>
-                    <a:ext cx="0" cy="541525"/>
-                  </a:xfrm>
-                  <a:prstGeom prst="straightConnector1">
-                    <a:avLst/>
-                  </a:prstGeom>
-                  <a:noFill/>
-                  <a:ln w="19050" cap="flat" cmpd="sng">
-                    <a:solidFill>
-                      <a:schemeClr val="dk1"/>
-                    </a:solidFill>
-                    <a:prstDash val="solid"/>
-                    <a:round/>
-                    <a:headEnd type="none" w="med" len="med"/>
-                    <a:tailEnd type="none" w="med" len="med"/>
-                  </a:ln>
-                </p:spPr>
-              </p:cxnSp>
-              <p:cxnSp>
-                <p:nvCxnSpPr>
-                  <p:cNvPr id="9" name="Google Shape;59;p13">
-                    <a:extLst>
-                      <a:ext uri="{FF2B5EF4-FFF2-40B4-BE49-F238E27FC236}">
-                        <a16:creationId xmlns:a16="http://schemas.microsoft.com/office/drawing/2014/main" id="{339EA3E9-41EE-D314-3767-DF4C845AB741}"/>
-                      </a:ext>
-                    </a:extLst>
-                  </p:cNvPr>
-                  <p:cNvCxnSpPr>
-                    <a:cxnSpLocks/>
-                  </p:cNvCxnSpPr>
-                  <p:nvPr/>
-                </p:nvCxnSpPr>
-                <p:spPr>
-                  <a:xfrm>
-                    <a:off x="1053450" y="442550"/>
-                    <a:ext cx="698125" cy="0"/>
-                  </a:xfrm>
-                  <a:prstGeom prst="straightConnector1">
-                    <a:avLst/>
-                  </a:prstGeom>
-                  <a:noFill/>
-                  <a:ln w="19050" cap="flat" cmpd="sng">
-                    <a:solidFill>
-                      <a:schemeClr val="dk1"/>
-                    </a:solidFill>
-                    <a:prstDash val="solid"/>
-                    <a:round/>
-                    <a:headEnd type="none" w="med" len="med"/>
-                    <a:tailEnd type="none" w="med" len="med"/>
-                  </a:ln>
-                </p:spPr>
-              </p:cxnSp>
-              <p:cxnSp>
-                <p:nvCxnSpPr>
-                  <p:cNvPr id="10" name="Google Shape;60;p13">
-                    <a:extLst>
-                      <a:ext uri="{FF2B5EF4-FFF2-40B4-BE49-F238E27FC236}">
-                        <a16:creationId xmlns:a16="http://schemas.microsoft.com/office/drawing/2014/main" id="{655AC665-672D-A2A1-B893-4F8EED5C882A}"/>
-                      </a:ext>
-                    </a:extLst>
-                  </p:cNvPr>
-                  <p:cNvCxnSpPr/>
-                  <p:nvPr/>
-                </p:nvCxnSpPr>
-                <p:spPr>
-                  <a:xfrm rot="10800000">
-                    <a:off x="1741650" y="447850"/>
-                    <a:ext cx="0" cy="283200"/>
-                  </a:xfrm>
-                  <a:prstGeom prst="straightConnector1">
-                    <a:avLst/>
-                  </a:prstGeom>
-                  <a:noFill/>
-                  <a:ln w="19050" cap="flat" cmpd="sng">
-                    <a:solidFill>
-                      <a:schemeClr val="dk1"/>
-                    </a:solidFill>
-                    <a:prstDash val="solid"/>
-                    <a:round/>
-                    <a:headEnd type="none" w="med" len="med"/>
-                    <a:tailEnd type="none" w="med" len="med"/>
-                  </a:ln>
-                </p:spPr>
-              </p:cxnSp>
-              <p:sp>
-                <p:nvSpPr>
-                  <p:cNvPr id="11" name="Google Shape;61;p13">
-                    <a:extLst>
-                      <a:ext uri="{FF2B5EF4-FFF2-40B4-BE49-F238E27FC236}">
-                        <a16:creationId xmlns:a16="http://schemas.microsoft.com/office/drawing/2014/main" id="{591C140D-C4C0-CD44-115F-CD70982B611B}"/>
-                      </a:ext>
-                    </a:extLst>
-                  </p:cNvPr>
-                  <p:cNvSpPr txBox="1"/>
-                  <p:nvPr/>
-                </p:nvSpPr>
-                <p:spPr>
-                  <a:xfrm>
-                    <a:off x="1053450" y="84075"/>
-                    <a:ext cx="688200" cy="341100"/>
-                  </a:xfrm>
-                  <a:prstGeom prst="rect">
-                    <a:avLst/>
-                  </a:prstGeom>
-                  <a:noFill/>
-                  <a:ln>
-                    <a:noFill/>
-                  </a:ln>
-                </p:spPr>
-                <p:txBody>
-                  <a:bodyPr spcFirstLastPara="1" wrap="square" lIns="91425" tIns="91425" rIns="91425" bIns="91425" anchor="t" anchorCtr="0">
-                    <a:noAutofit/>
-                  </a:bodyPr>
-                  <a:lstStyle/>
-                  <a:p>
-                    <a:pPr algn="ctr"/>
-                    <a:r>
-                      <a:rPr lang="en-GB" sz="2400" dirty="0"/>
-                      <a:t>*</a:t>
-                    </a:r>
-                    <a:endParaRPr sz="2400" dirty="0"/>
-                  </a:p>
-                </p:txBody>
-              </p:sp>
-            </p:grpSp>
-            <p:pic>
-              <p:nvPicPr>
-                <p:cNvPr id="15" name="Picture 14" descr="A bar graph showing a number of objects&#10;&#10;Description automatically generated with medium confidence">
-                  <a:extLst>
-                    <a:ext uri="{FF2B5EF4-FFF2-40B4-BE49-F238E27FC236}">
-                      <a16:creationId xmlns:a16="http://schemas.microsoft.com/office/drawing/2014/main" id="{BCCF2FF2-CE98-BBBF-DF1E-B3F4A27672F5}"/>
-                    </a:ext>
-                  </a:extLst>
-                </p:cNvPr>
-                <p:cNvPicPr>
-                  <a:picLocks noChangeAspect="1"/>
-                </p:cNvPicPr>
-                <p:nvPr/>
-              </p:nvPicPr>
-              <p:blipFill rotWithShape="1">
-                <a:blip r:embed="rId5"/>
-                <a:srcRect r="30302"/>
-                <a:stretch/>
-              </p:blipFill>
-              <p:spPr>
-                <a:xfrm>
-                  <a:off x="2159187" y="591601"/>
-                  <a:ext cx="2004764" cy="4314525"/>
-                </a:xfrm>
-                <a:prstGeom prst="rect">
-                  <a:avLst/>
-                </a:prstGeom>
-              </p:spPr>
-            </p:pic>
-            <p:pic>
-              <p:nvPicPr>
-                <p:cNvPr id="16" name="Picture 15" descr="A graph showing different colored squares&#10;&#10;Description automatically generated">
-                  <a:extLst>
-                    <a:ext uri="{FF2B5EF4-FFF2-40B4-BE49-F238E27FC236}">
-                      <a16:creationId xmlns:a16="http://schemas.microsoft.com/office/drawing/2014/main" id="{044426D3-86CF-2916-4091-262C44945223}"/>
-                    </a:ext>
-                  </a:extLst>
-                </p:cNvPr>
-                <p:cNvPicPr>
-                  <a:picLocks noChangeAspect="1"/>
-                </p:cNvPicPr>
-                <p:nvPr/>
-              </p:nvPicPr>
-              <p:blipFill rotWithShape="1">
-                <a:blip r:embed="rId6"/>
-                <a:srcRect r="21120"/>
-                <a:stretch/>
-              </p:blipFill>
-              <p:spPr>
-                <a:xfrm>
-                  <a:off x="8764393" y="589796"/>
-                  <a:ext cx="4537708" cy="4314526"/>
-                </a:xfrm>
-                <a:prstGeom prst="rect">
-                  <a:avLst/>
-                </a:prstGeom>
-              </p:spPr>
-            </p:pic>
-            <p:pic>
-              <p:nvPicPr>
-                <p:cNvPr id="17" name="Picture 16" descr="A bar graph showing a number of objects&#10;&#10;Description automatically generated with medium confidence">
-                  <a:extLst>
-                    <a:ext uri="{FF2B5EF4-FFF2-40B4-BE49-F238E27FC236}">
-                      <a16:creationId xmlns:a16="http://schemas.microsoft.com/office/drawing/2014/main" id="{ADD1BB7A-9EC1-6496-7DDE-C5027DDCBD42}"/>
-                    </a:ext>
-                  </a:extLst>
-                </p:cNvPr>
-                <p:cNvPicPr>
-                  <a:picLocks noChangeAspect="1"/>
-                </p:cNvPicPr>
-                <p:nvPr/>
-              </p:nvPicPr>
-              <p:blipFill rotWithShape="1">
-                <a:blip r:embed="rId5"/>
-                <a:srcRect l="71338" t="40404" b="44781"/>
-                <a:stretch/>
-              </p:blipFill>
-              <p:spPr>
-                <a:xfrm>
-                  <a:off x="3366950" y="1"/>
-                  <a:ext cx="824404" cy="639192"/>
-                </a:xfrm>
-                <a:prstGeom prst="rect">
-                  <a:avLst/>
-                </a:prstGeom>
-              </p:spPr>
-            </p:pic>
-          </p:grpSp>
-          <p:sp>
-            <p:nvSpPr>
-              <p:cNvPr id="19" name="TextBox 18">
-                <a:extLst>
-                  <a:ext uri="{FF2B5EF4-FFF2-40B4-BE49-F238E27FC236}">
-                    <a16:creationId xmlns:a16="http://schemas.microsoft.com/office/drawing/2014/main" id="{D4538021-7876-20BF-2AF2-1E5680E877E7}"/>
-                  </a:ext>
-                </a:extLst>
-              </p:cNvPr>
-              <p:cNvSpPr txBox="1"/>
-              <p:nvPr/>
-            </p:nvSpPr>
-            <p:spPr>
-              <a:xfrm>
-                <a:off x="264926" y="4597447"/>
-                <a:ext cx="281940" cy="307777"/>
-              </a:xfrm>
-              <a:prstGeom prst="rect">
-                <a:avLst/>
-              </a:prstGeom>
-              <a:noFill/>
-            </p:spPr>
-            <p:txBody>
-              <a:bodyPr wrap="square" rtlCol="0">
-                <a:spAutoFit/>
-              </a:bodyPr>
-              <a:lstStyle/>
-              <a:p>
-                <a:r>
-                  <a:rPr lang="en-US" dirty="0"/>
-                  <a:t>a</a:t>
-                </a:r>
-                <a:endParaRPr lang="en-AU" dirty="0"/>
-              </a:p>
-            </p:txBody>
-          </p:sp>
-          <p:sp>
-            <p:nvSpPr>
-              <p:cNvPr id="20" name="TextBox 19">
-                <a:extLst>
-                  <a:ext uri="{FF2B5EF4-FFF2-40B4-BE49-F238E27FC236}">
-                    <a16:creationId xmlns:a16="http://schemas.microsoft.com/office/drawing/2014/main" id="{68AC2E59-57FD-B995-452A-4289ADCBD828}"/>
-                  </a:ext>
-                </a:extLst>
-              </p:cNvPr>
-              <p:cNvSpPr txBox="1"/>
-              <p:nvPr/>
-            </p:nvSpPr>
-            <p:spPr>
-              <a:xfrm>
-                <a:off x="2361865" y="4597447"/>
-                <a:ext cx="281940" cy="307777"/>
-              </a:xfrm>
-              <a:prstGeom prst="rect">
-                <a:avLst/>
-              </a:prstGeom>
-              <a:noFill/>
-            </p:spPr>
-            <p:txBody>
-              <a:bodyPr wrap="square" rtlCol="0">
-                <a:spAutoFit/>
-              </a:bodyPr>
-              <a:lstStyle/>
-              <a:p>
-                <a:r>
-                  <a:rPr lang="en-US" dirty="0"/>
-                  <a:t>b</a:t>
-                </a:r>
-                <a:endParaRPr lang="en-AU" dirty="0"/>
-              </a:p>
-            </p:txBody>
-          </p:sp>
-          <p:sp>
-            <p:nvSpPr>
-              <p:cNvPr id="21" name="TextBox 20">
-                <a:extLst>
-                  <a:ext uri="{FF2B5EF4-FFF2-40B4-BE49-F238E27FC236}">
-                    <a16:creationId xmlns:a16="http://schemas.microsoft.com/office/drawing/2014/main" id="{FC92BD5D-2ECD-92EF-3186-0F23EF231ECB}"/>
-                  </a:ext>
-                </a:extLst>
-              </p:cNvPr>
-              <p:cNvSpPr txBox="1"/>
-              <p:nvPr/>
-            </p:nvSpPr>
-            <p:spPr>
-              <a:xfrm>
-                <a:off x="4480725" y="4597447"/>
-                <a:ext cx="281940" cy="307777"/>
-              </a:xfrm>
-              <a:prstGeom prst="rect">
-                <a:avLst/>
-              </a:prstGeom>
-              <a:noFill/>
-            </p:spPr>
-            <p:txBody>
-              <a:bodyPr wrap="square" rtlCol="0">
-                <a:spAutoFit/>
-              </a:bodyPr>
-              <a:lstStyle/>
-              <a:p>
-                <a:r>
-                  <a:rPr lang="en-US" dirty="0"/>
-                  <a:t>c</a:t>
-                </a:r>
-                <a:endParaRPr lang="en-AU" dirty="0"/>
-              </a:p>
-            </p:txBody>
-          </p:sp>
-          <p:sp>
-            <p:nvSpPr>
-              <p:cNvPr id="22" name="TextBox 21">
-                <a:extLst>
-                  <a:ext uri="{FF2B5EF4-FFF2-40B4-BE49-F238E27FC236}">
-                    <a16:creationId xmlns:a16="http://schemas.microsoft.com/office/drawing/2014/main" id="{AB84159E-CB40-BBCA-1C29-99FD5EC5CCF5}"/>
-                  </a:ext>
-                </a:extLst>
-              </p:cNvPr>
-              <p:cNvSpPr txBox="1"/>
-              <p:nvPr/>
-            </p:nvSpPr>
-            <p:spPr>
-              <a:xfrm>
-                <a:off x="9050392" y="4597446"/>
-                <a:ext cx="281940" cy="307777"/>
-              </a:xfrm>
-              <a:prstGeom prst="rect">
-                <a:avLst/>
-              </a:prstGeom>
-              <a:noFill/>
-            </p:spPr>
-            <p:txBody>
-              <a:bodyPr wrap="square" rtlCol="0">
-                <a:spAutoFit/>
-              </a:bodyPr>
-              <a:lstStyle/>
-              <a:p>
-                <a:r>
-                  <a:rPr lang="en-US" dirty="0"/>
-                  <a:t>d</a:t>
-                </a:r>
-                <a:endParaRPr lang="en-AU" dirty="0"/>
-              </a:p>
-            </p:txBody>
-          </p:sp>
-        </p:grpSp>
-        <p:grpSp>
-          <p:nvGrpSpPr>
-            <p:cNvPr id="24" name="Group 23">
-              <a:extLst>
-                <a:ext uri="{FF2B5EF4-FFF2-40B4-BE49-F238E27FC236}">
-                  <a16:creationId xmlns:a16="http://schemas.microsoft.com/office/drawing/2014/main" id="{42CA0478-081C-B8B7-171D-6976FEB7D4DA}"/>
-                </a:ext>
-              </a:extLst>
-            </p:cNvPr>
-            <p:cNvGrpSpPr/>
-            <p:nvPr/>
-          </p:nvGrpSpPr>
-          <p:grpSpPr>
-            <a:xfrm>
-              <a:off x="7718456" y="388086"/>
-              <a:ext cx="5491955" cy="196732"/>
-              <a:chOff x="8100220" y="467274"/>
-              <a:chExt cx="5491955" cy="196732"/>
-            </a:xfrm>
-          </p:grpSpPr>
-          <p:pic>
-            <p:nvPicPr>
-              <p:cNvPr id="2" name="Picture 1" descr="A graph showing different colored squares&#10;&#10;Description automatically generated">
-                <a:extLst>
-                  <a:ext uri="{FF2B5EF4-FFF2-40B4-BE49-F238E27FC236}">
-                    <a16:creationId xmlns:a16="http://schemas.microsoft.com/office/drawing/2014/main" id="{34F5747C-B622-82C4-D0A8-F45A54832BAB}"/>
-                  </a:ext>
-                </a:extLst>
-              </p:cNvPr>
-              <p:cNvPicPr>
-                <a:picLocks noChangeAspect="1"/>
-              </p:cNvPicPr>
-              <p:nvPr/>
-            </p:nvPicPr>
-            <p:blipFill rotWithShape="1">
-              <a:blip r:embed="rId6"/>
-              <a:srcRect l="79783" t="36005" r="314" b="59880"/>
-              <a:stretch/>
-            </p:blipFill>
-            <p:spPr>
-              <a:xfrm>
-                <a:off x="8100220" y="486452"/>
-                <a:ext cx="1144966" cy="177554"/>
-              </a:xfrm>
-              <a:prstGeom prst="rect">
-                <a:avLst/>
-              </a:prstGeom>
-            </p:spPr>
-          </p:pic>
-          <p:pic>
-            <p:nvPicPr>
-              <p:cNvPr id="3" name="Picture 2" descr="A graph showing different colored squares&#10;&#10;Description automatically generated">
-                <a:extLst>
-                  <a:ext uri="{FF2B5EF4-FFF2-40B4-BE49-F238E27FC236}">
-                    <a16:creationId xmlns:a16="http://schemas.microsoft.com/office/drawing/2014/main" id="{FD5DA6EB-860B-D2DE-23C8-2F9D70C882D8}"/>
-                  </a:ext>
-                </a:extLst>
-              </p:cNvPr>
-              <p:cNvPicPr>
-                <a:picLocks noChangeAspect="1"/>
-              </p:cNvPicPr>
-              <p:nvPr/>
-            </p:nvPicPr>
-            <p:blipFill rotWithShape="1">
-              <a:blip r:embed="rId6"/>
-              <a:srcRect l="79776" t="40902" r="1222" b="54983"/>
-              <a:stretch/>
-            </p:blipFill>
-            <p:spPr>
-              <a:xfrm>
-                <a:off x="8992991" y="469077"/>
-                <a:ext cx="1093163" cy="177555"/>
-              </a:xfrm>
-              <a:prstGeom prst="rect">
-                <a:avLst/>
-              </a:prstGeom>
-            </p:spPr>
-          </p:pic>
-          <p:pic>
-            <p:nvPicPr>
-              <p:cNvPr id="4" name="Picture 3" descr="A graph showing different colored squares&#10;&#10;Description automatically generated">
-                <a:extLst>
-                  <a:ext uri="{FF2B5EF4-FFF2-40B4-BE49-F238E27FC236}">
-                    <a16:creationId xmlns:a16="http://schemas.microsoft.com/office/drawing/2014/main" id="{C5BCC620-4CEB-5204-5190-2F3FC9E8C92D}"/>
-                  </a:ext>
-                </a:extLst>
-              </p:cNvPr>
-              <p:cNvPicPr>
-                <a:picLocks noChangeAspect="1"/>
-              </p:cNvPicPr>
-              <p:nvPr/>
-            </p:nvPicPr>
-            <p:blipFill rotWithShape="1">
-              <a:blip r:embed="rId6"/>
-              <a:srcRect l="79500" t="45441" r="1498" b="50444"/>
-              <a:stretch/>
-            </p:blipFill>
-            <p:spPr>
-              <a:xfrm>
-                <a:off x="10086154" y="467274"/>
-                <a:ext cx="1093163" cy="177555"/>
-              </a:xfrm>
-              <a:prstGeom prst="rect">
-                <a:avLst/>
-              </a:prstGeom>
-            </p:spPr>
-          </p:pic>
-          <p:pic>
-            <p:nvPicPr>
-              <p:cNvPr id="12" name="Picture 11" descr="A graph showing different colored squares&#10;&#10;Description automatically generated">
-                <a:extLst>
-                  <a:ext uri="{FF2B5EF4-FFF2-40B4-BE49-F238E27FC236}">
-                    <a16:creationId xmlns:a16="http://schemas.microsoft.com/office/drawing/2014/main" id="{B22CFE36-5B29-1196-1497-A43DC538C517}"/>
-                  </a:ext>
-                </a:extLst>
-              </p:cNvPr>
-              <p:cNvPicPr>
-                <a:picLocks noChangeAspect="1"/>
-              </p:cNvPicPr>
-              <p:nvPr/>
-            </p:nvPicPr>
-            <p:blipFill rotWithShape="1">
-              <a:blip r:embed="rId6"/>
-              <a:srcRect l="79500" t="50076" r="-28" b="45809"/>
-              <a:stretch/>
-            </p:blipFill>
-            <p:spPr>
-              <a:xfrm>
-                <a:off x="11179317" y="470544"/>
-                <a:ext cx="1180958" cy="177555"/>
-              </a:xfrm>
-              <a:prstGeom prst="rect">
-                <a:avLst/>
-              </a:prstGeom>
-            </p:spPr>
-          </p:pic>
-          <p:pic>
-            <p:nvPicPr>
-              <p:cNvPr id="14" name="Picture 13" descr="A graph showing different colored squares&#10;&#10;Description automatically generated">
-                <a:extLst>
-                  <a:ext uri="{FF2B5EF4-FFF2-40B4-BE49-F238E27FC236}">
-                    <a16:creationId xmlns:a16="http://schemas.microsoft.com/office/drawing/2014/main" id="{24B23684-1F73-6601-76ED-23018D50837E}"/>
-                  </a:ext>
-                </a:extLst>
-              </p:cNvPr>
-              <p:cNvPicPr>
-                <a:picLocks noChangeAspect="1"/>
-              </p:cNvPicPr>
-              <p:nvPr/>
-            </p:nvPicPr>
-            <p:blipFill rotWithShape="1">
-              <a:blip r:embed="rId6"/>
-              <a:srcRect l="79611" t="54491" r="-139" b="41394"/>
-              <a:stretch/>
-            </p:blipFill>
-            <p:spPr>
-              <a:xfrm>
-                <a:off x="12411217" y="467496"/>
-                <a:ext cx="1180958" cy="177555"/>
-              </a:xfrm>
-              <a:prstGeom prst="rect">
-                <a:avLst/>
-              </a:prstGeom>
-            </p:spPr>
-          </p:pic>
-        </p:grpSp>
-      </p:grpSp>
-    </p:spTree>
-  </p:cSld>
-  <p:clrMapOvr>
-    <a:masterClrMapping/>
-  </p:clrMapOvr>
-</p:sld>
-</file>
-
-<file path=ppt/slides/slide4.xml><?xml version="1.0" encoding="utf-8"?>
-<p:sld xmlns:a="http://schemas.openxmlformats.org/drawingml/2006/main" xmlns:r="http://schemas.openxmlformats.org/officeDocument/2006/relationships" xmlns:p="http://schemas.openxmlformats.org/presentationml/2006/main">
-  <p:cSld>
-    <p:bg>
-      <p:bgPr>
-        <a:solidFill>
-          <a:schemeClr val="bg2"/>
-        </a:solidFill>
-        <a:effectLst/>
-      </p:bgPr>
-    </p:bg>
-    <p:spTree>
-      <p:nvGrpSpPr>
-        <p:cNvPr id="1" name="Shape 85"/>
-        <p:cNvGrpSpPr/>
-        <p:nvPr/>
-      </p:nvGrpSpPr>
-      <p:grpSpPr>
-        <a:xfrm>
-          <a:off x="0" y="0"/>
-          <a:ext cx="0" cy="0"/>
-          <a:chOff x="0" y="0"/>
-          <a:chExt cx="0" cy="0"/>
-        </a:xfrm>
-      </p:grpSpPr>
-      <p:sp>
-        <p:nvSpPr>
-          <p:cNvPr id="86" name="Google Shape;86;p18"/>
-          <p:cNvSpPr txBox="1"/>
-          <p:nvPr/>
-        </p:nvSpPr>
-        <p:spPr>
-          <a:xfrm>
-            <a:off x="6324669" y="237375"/>
-            <a:ext cx="3551100" cy="286800"/>
-          </a:xfrm>
-          <a:prstGeom prst="rect">
-            <a:avLst/>
-          </a:prstGeom>
-          <a:noFill/>
-          <a:ln>
-            <a:noFill/>
-          </a:ln>
-        </p:spPr>
-        <p:txBody>
-          <a:bodyPr spcFirstLastPara="1" wrap="square" lIns="91425" tIns="91425" rIns="91425" bIns="91425" anchor="ctr" anchorCtr="0">
-            <a:noAutofit/>
-          </a:bodyPr>
-          <a:lstStyle/>
-          <a:p>
-            <a:pPr algn="ctr"/>
-            <a:r>
-              <a:rPr lang="en-GB"/>
-              <a:t>Head Rotation Figure</a:t>
-            </a:r>
-            <a:endParaRPr/>
-          </a:p>
-        </p:txBody>
-      </p:sp>
-    </p:spTree>
-  </p:cSld>
-  <p:clrMapOvr>
-    <a:masterClrMapping/>
-  </p:clrMapOvr>
-</p:sld>
-</file>
-
-<file path=ppt/slides/slide5.xml><?xml version="1.0" encoding="utf-8"?>
-<p:sld xmlns:a="http://schemas.openxmlformats.org/drawingml/2006/main" xmlns:r="http://schemas.openxmlformats.org/officeDocument/2006/relationships" xmlns:p="http://schemas.openxmlformats.org/presentationml/2006/main">
-  <p:cSld>
-    <p:bg>
-      <p:bgPr>
-        <a:solidFill>
-          <a:schemeClr val="bg2"/>
-        </a:solidFill>
-        <a:effectLst/>
-      </p:bgPr>
-    </p:bg>
-    <p:spTree>
-      <p:nvGrpSpPr>
-        <p:cNvPr id="1" name="Shape 90"/>
-        <p:cNvGrpSpPr/>
-        <p:nvPr/>
-      </p:nvGrpSpPr>
-      <p:grpSpPr>
-        <a:xfrm>
-          <a:off x="0" y="0"/>
-          <a:ext cx="0" cy="0"/>
-          <a:chOff x="0" y="0"/>
-          <a:chExt cx="0" cy="0"/>
-        </a:xfrm>
-      </p:grpSpPr>
-      <p:grpSp>
-        <p:nvGrpSpPr>
-          <p:cNvPr id="12" name="Group 11">
-            <a:extLst>
-              <a:ext uri="{FF2B5EF4-FFF2-40B4-BE49-F238E27FC236}">
-                <a16:creationId xmlns:a16="http://schemas.microsoft.com/office/drawing/2014/main" id="{FC7FCD3C-D148-E363-6419-D3DAEED009F8}"/>
-              </a:ext>
-            </a:extLst>
-          </p:cNvPr>
-          <p:cNvGrpSpPr/>
-          <p:nvPr/>
-        </p:nvGrpSpPr>
-        <p:grpSpPr>
-          <a:xfrm>
-            <a:off x="116797" y="151517"/>
-            <a:ext cx="13563681" cy="4840466"/>
-            <a:chOff x="906910" y="165872"/>
-            <a:chExt cx="13563681" cy="4840466"/>
+            <a:off x="3598069" y="548404"/>
+            <a:ext cx="6350000" cy="4518897"/>
+            <a:chOff x="69850" y="548402"/>
+            <a:chExt cx="6350000" cy="4518897"/>
           </a:xfrm>
         </p:grpSpPr>
         <p:sp>
           <p:nvSpPr>
-            <p:cNvPr id="6" name="Rectangle 5">
-              <a:extLst>
-                <a:ext uri="{FF2B5EF4-FFF2-40B4-BE49-F238E27FC236}">
-                  <a16:creationId xmlns:a16="http://schemas.microsoft.com/office/drawing/2014/main" id="{C0BB6597-9BF5-DD11-19A1-1F9A397682E8}"/>
+            <p:cNvPr id="120" name="Rectangle 119">
+              <a:extLst>
+                <a:ext uri="{FF2B5EF4-FFF2-40B4-BE49-F238E27FC236}">
+                  <a16:creationId xmlns:a16="http://schemas.microsoft.com/office/drawing/2014/main" id="{D55DD015-C9E2-4367-D7F8-4CCB3DC2E9A9}"/>
                 </a:ext>
               </a:extLst>
             </p:cNvPr>
@@ -7552,8 +6824,8 @@
           </p:nvSpPr>
           <p:spPr>
             <a:xfrm>
-              <a:off x="909039" y="165872"/>
-              <a:ext cx="13561552" cy="4840466"/>
+              <a:off x="69850" y="548402"/>
+              <a:ext cx="6350000" cy="4518897"/>
             </a:xfrm>
             <a:prstGeom prst="rect">
               <a:avLst/>
@@ -7590,6 +6862,5485 @@
             </a:p>
           </p:txBody>
         </p:sp>
+        <p:pic>
+          <p:nvPicPr>
+            <p:cNvPr id="3" name="Picture 2" descr="A graph of different colored bars&#10;&#10;Description automatically generated with medium confidence">
+              <a:extLst>
+                <a:ext uri="{FF2B5EF4-FFF2-40B4-BE49-F238E27FC236}">
+                  <a16:creationId xmlns:a16="http://schemas.microsoft.com/office/drawing/2014/main" id="{74DF6D8D-5585-FBEA-C080-E6CF9C83791C}"/>
+                </a:ext>
+              </a:extLst>
+            </p:cNvPr>
+            <p:cNvPicPr>
+              <a:picLocks noChangeAspect="1"/>
+            </p:cNvPicPr>
+            <p:nvPr/>
+          </p:nvPicPr>
+          <p:blipFill rotWithShape="1">
+            <a:blip r:embed="rId3"/>
+            <a:srcRect t="14118" r="8002" b="10124"/>
+            <a:stretch/>
+          </p:blipFill>
+          <p:spPr>
+            <a:xfrm>
+              <a:off x="69850" y="1170632"/>
+              <a:ext cx="6309236" cy="3896667"/>
+            </a:xfrm>
+            <a:prstGeom prst="rect">
+              <a:avLst/>
+            </a:prstGeom>
+          </p:spPr>
+        </p:pic>
+        <p:cxnSp>
+          <p:nvCxnSpPr>
+            <p:cNvPr id="4" name="Google Shape;58;p13">
+              <a:extLst>
+                <a:ext uri="{FF2B5EF4-FFF2-40B4-BE49-F238E27FC236}">
+                  <a16:creationId xmlns:a16="http://schemas.microsoft.com/office/drawing/2014/main" id="{688C2D36-DBD5-741D-2A1D-F132E03DB99A}"/>
+                </a:ext>
+              </a:extLst>
+            </p:cNvPr>
+            <p:cNvCxnSpPr>
+              <a:cxnSpLocks/>
+            </p:cNvCxnSpPr>
+            <p:nvPr/>
+          </p:nvCxnSpPr>
+          <p:spPr>
+            <a:xfrm flipV="1">
+              <a:off x="1122507" y="1331826"/>
+              <a:ext cx="0" cy="612776"/>
+            </a:xfrm>
+            <a:prstGeom prst="straightConnector1">
+              <a:avLst/>
+            </a:prstGeom>
+            <a:noFill/>
+            <a:ln w="19050" cap="flat" cmpd="sng">
+              <a:solidFill>
+                <a:schemeClr val="dk1"/>
+              </a:solidFill>
+              <a:prstDash val="solid"/>
+              <a:round/>
+              <a:headEnd type="none" w="med" len="med"/>
+              <a:tailEnd type="none" w="med" len="med"/>
+            </a:ln>
+          </p:spPr>
+        </p:cxnSp>
+        <p:cxnSp>
+          <p:nvCxnSpPr>
+            <p:cNvPr id="5" name="Google Shape;59;p13">
+              <a:extLst>
+                <a:ext uri="{FF2B5EF4-FFF2-40B4-BE49-F238E27FC236}">
+                  <a16:creationId xmlns:a16="http://schemas.microsoft.com/office/drawing/2014/main" id="{8738CEA6-4C09-9A65-99ED-F62C3F5D597B}"/>
+                </a:ext>
+              </a:extLst>
+            </p:cNvPr>
+            <p:cNvCxnSpPr>
+              <a:cxnSpLocks/>
+            </p:cNvCxnSpPr>
+            <p:nvPr/>
+          </p:nvCxnSpPr>
+          <p:spPr>
+            <a:xfrm>
+              <a:off x="1122507" y="1341350"/>
+              <a:ext cx="269099" cy="0"/>
+            </a:xfrm>
+            <a:prstGeom prst="straightConnector1">
+              <a:avLst/>
+            </a:prstGeom>
+            <a:noFill/>
+            <a:ln w="19050" cap="flat" cmpd="sng">
+              <a:solidFill>
+                <a:schemeClr val="dk1"/>
+              </a:solidFill>
+              <a:prstDash val="solid"/>
+              <a:round/>
+              <a:headEnd type="none" w="med" len="med"/>
+              <a:tailEnd type="none" w="med" len="med"/>
+            </a:ln>
+          </p:spPr>
+        </p:cxnSp>
+        <p:cxnSp>
+          <p:nvCxnSpPr>
+            <p:cNvPr id="6" name="Google Shape;60;p13">
+              <a:extLst>
+                <a:ext uri="{FF2B5EF4-FFF2-40B4-BE49-F238E27FC236}">
+                  <a16:creationId xmlns:a16="http://schemas.microsoft.com/office/drawing/2014/main" id="{A7C6E458-447D-ABB9-74B8-1DD46F10E7D5}"/>
+                </a:ext>
+              </a:extLst>
+            </p:cNvPr>
+            <p:cNvCxnSpPr>
+              <a:cxnSpLocks/>
+            </p:cNvCxnSpPr>
+            <p:nvPr/>
+          </p:nvCxnSpPr>
+          <p:spPr>
+            <a:xfrm flipV="1">
+              <a:off x="1391607" y="1331826"/>
+              <a:ext cx="0" cy="100064"/>
+            </a:xfrm>
+            <a:prstGeom prst="straightConnector1">
+              <a:avLst/>
+            </a:prstGeom>
+            <a:noFill/>
+            <a:ln w="19050" cap="flat" cmpd="sng">
+              <a:solidFill>
+                <a:schemeClr val="dk1"/>
+              </a:solidFill>
+              <a:prstDash val="solid"/>
+              <a:round/>
+              <a:headEnd type="none" w="med" len="med"/>
+              <a:tailEnd type="none" w="med" len="med"/>
+            </a:ln>
+          </p:spPr>
+        </p:cxnSp>
+        <p:sp>
+          <p:nvSpPr>
+            <p:cNvPr id="7" name="Google Shape;61;p13">
+              <a:extLst>
+                <a:ext uri="{FF2B5EF4-FFF2-40B4-BE49-F238E27FC236}">
+                  <a16:creationId xmlns:a16="http://schemas.microsoft.com/office/drawing/2014/main" id="{A40AB4CE-886C-951B-EE66-06DE41816743}"/>
+                </a:ext>
+              </a:extLst>
+            </p:cNvPr>
+            <p:cNvSpPr txBox="1"/>
+            <p:nvPr/>
+          </p:nvSpPr>
+          <p:spPr>
+            <a:xfrm>
+              <a:off x="957850" y="985964"/>
+              <a:ext cx="598411" cy="341100"/>
+            </a:xfrm>
+            <a:prstGeom prst="rect">
+              <a:avLst/>
+            </a:prstGeom>
+            <a:noFill/>
+            <a:ln>
+              <a:noFill/>
+            </a:ln>
+          </p:spPr>
+          <p:txBody>
+            <a:bodyPr spcFirstLastPara="1" wrap="square" lIns="91425" tIns="91425" rIns="91425" bIns="91425" anchor="t" anchorCtr="0">
+              <a:noAutofit/>
+            </a:bodyPr>
+            <a:lstStyle/>
+            <a:p>
+              <a:pPr algn="ctr"/>
+              <a:r>
+                <a:rPr lang="en-GB" sz="2400" dirty="0"/>
+                <a:t>***</a:t>
+              </a:r>
+              <a:endParaRPr sz="2400" dirty="0"/>
+            </a:p>
+          </p:txBody>
+        </p:sp>
+        <p:cxnSp>
+          <p:nvCxnSpPr>
+            <p:cNvPr id="10" name="Google Shape;58;p13">
+              <a:extLst>
+                <a:ext uri="{FF2B5EF4-FFF2-40B4-BE49-F238E27FC236}">
+                  <a16:creationId xmlns:a16="http://schemas.microsoft.com/office/drawing/2014/main" id="{9B4D9000-29E5-3B88-3BBB-3181D0995B5D}"/>
+                </a:ext>
+              </a:extLst>
+            </p:cNvPr>
+            <p:cNvCxnSpPr>
+              <a:cxnSpLocks/>
+            </p:cNvCxnSpPr>
+            <p:nvPr/>
+          </p:nvCxnSpPr>
+          <p:spPr>
+            <a:xfrm flipV="1">
+              <a:off x="1919432" y="1331826"/>
+              <a:ext cx="0" cy="771525"/>
+            </a:xfrm>
+            <a:prstGeom prst="straightConnector1">
+              <a:avLst/>
+            </a:prstGeom>
+            <a:noFill/>
+            <a:ln w="19050" cap="flat" cmpd="sng">
+              <a:solidFill>
+                <a:schemeClr val="dk1"/>
+              </a:solidFill>
+              <a:prstDash val="solid"/>
+              <a:round/>
+              <a:headEnd type="none" w="med" len="med"/>
+              <a:tailEnd type="none" w="med" len="med"/>
+            </a:ln>
+          </p:spPr>
+        </p:cxnSp>
+        <p:cxnSp>
+          <p:nvCxnSpPr>
+            <p:cNvPr id="11" name="Google Shape;59;p13">
+              <a:extLst>
+                <a:ext uri="{FF2B5EF4-FFF2-40B4-BE49-F238E27FC236}">
+                  <a16:creationId xmlns:a16="http://schemas.microsoft.com/office/drawing/2014/main" id="{E14AC5CC-810A-7294-E760-F5218F2B16C0}"/>
+                </a:ext>
+              </a:extLst>
+            </p:cNvPr>
+            <p:cNvCxnSpPr>
+              <a:cxnSpLocks/>
+            </p:cNvCxnSpPr>
+            <p:nvPr/>
+          </p:nvCxnSpPr>
+          <p:spPr>
+            <a:xfrm>
+              <a:off x="1919432" y="1341350"/>
+              <a:ext cx="269099" cy="0"/>
+            </a:xfrm>
+            <a:prstGeom prst="straightConnector1">
+              <a:avLst/>
+            </a:prstGeom>
+            <a:noFill/>
+            <a:ln w="19050" cap="flat" cmpd="sng">
+              <a:solidFill>
+                <a:schemeClr val="dk1"/>
+              </a:solidFill>
+              <a:prstDash val="solid"/>
+              <a:round/>
+              <a:headEnd type="none" w="med" len="med"/>
+              <a:tailEnd type="none" w="med" len="med"/>
+            </a:ln>
+          </p:spPr>
+        </p:cxnSp>
+        <p:cxnSp>
+          <p:nvCxnSpPr>
+            <p:cNvPr id="12" name="Google Shape;60;p13">
+              <a:extLst>
+                <a:ext uri="{FF2B5EF4-FFF2-40B4-BE49-F238E27FC236}">
+                  <a16:creationId xmlns:a16="http://schemas.microsoft.com/office/drawing/2014/main" id="{4974DD92-ED5F-0E85-4F96-5E58F9347DA2}"/>
+                </a:ext>
+              </a:extLst>
+            </p:cNvPr>
+            <p:cNvCxnSpPr>
+              <a:cxnSpLocks/>
+            </p:cNvCxnSpPr>
+            <p:nvPr/>
+          </p:nvCxnSpPr>
+          <p:spPr>
+            <a:xfrm flipV="1">
+              <a:off x="2188532" y="1331826"/>
+              <a:ext cx="0" cy="436684"/>
+            </a:xfrm>
+            <a:prstGeom prst="straightConnector1">
+              <a:avLst/>
+            </a:prstGeom>
+            <a:noFill/>
+            <a:ln w="19050" cap="flat" cmpd="sng">
+              <a:solidFill>
+                <a:schemeClr val="dk1"/>
+              </a:solidFill>
+              <a:prstDash val="solid"/>
+              <a:round/>
+              <a:headEnd type="none" w="med" len="med"/>
+              <a:tailEnd type="none" w="med" len="med"/>
+            </a:ln>
+          </p:spPr>
+        </p:cxnSp>
+        <p:cxnSp>
+          <p:nvCxnSpPr>
+            <p:cNvPr id="17" name="Google Shape;58;p13">
+              <a:extLst>
+                <a:ext uri="{FF2B5EF4-FFF2-40B4-BE49-F238E27FC236}">
+                  <a16:creationId xmlns:a16="http://schemas.microsoft.com/office/drawing/2014/main" id="{E1400834-EDB5-172D-5F4E-47585D6C2B29}"/>
+                </a:ext>
+              </a:extLst>
+            </p:cNvPr>
+            <p:cNvCxnSpPr>
+              <a:cxnSpLocks/>
+            </p:cNvCxnSpPr>
+            <p:nvPr/>
+          </p:nvCxnSpPr>
+          <p:spPr>
+            <a:xfrm flipV="1">
+              <a:off x="3532332" y="1331826"/>
+              <a:ext cx="0" cy="612776"/>
+            </a:xfrm>
+            <a:prstGeom prst="straightConnector1">
+              <a:avLst/>
+            </a:prstGeom>
+            <a:noFill/>
+            <a:ln w="19050" cap="flat" cmpd="sng">
+              <a:solidFill>
+                <a:schemeClr val="dk1"/>
+              </a:solidFill>
+              <a:prstDash val="solid"/>
+              <a:round/>
+              <a:headEnd type="none" w="med" len="med"/>
+              <a:tailEnd type="none" w="med" len="med"/>
+            </a:ln>
+          </p:spPr>
+        </p:cxnSp>
+        <p:cxnSp>
+          <p:nvCxnSpPr>
+            <p:cNvPr id="18" name="Google Shape;59;p13">
+              <a:extLst>
+                <a:ext uri="{FF2B5EF4-FFF2-40B4-BE49-F238E27FC236}">
+                  <a16:creationId xmlns:a16="http://schemas.microsoft.com/office/drawing/2014/main" id="{857FB21C-A2D7-63A1-B47C-FE3EDBC5C125}"/>
+                </a:ext>
+              </a:extLst>
+            </p:cNvPr>
+            <p:cNvCxnSpPr>
+              <a:cxnSpLocks/>
+            </p:cNvCxnSpPr>
+            <p:nvPr/>
+          </p:nvCxnSpPr>
+          <p:spPr>
+            <a:xfrm>
+              <a:off x="3532332" y="1341350"/>
+              <a:ext cx="269099" cy="0"/>
+            </a:xfrm>
+            <a:prstGeom prst="straightConnector1">
+              <a:avLst/>
+            </a:prstGeom>
+            <a:noFill/>
+            <a:ln w="19050" cap="flat" cmpd="sng">
+              <a:solidFill>
+                <a:schemeClr val="dk1"/>
+              </a:solidFill>
+              <a:prstDash val="solid"/>
+              <a:round/>
+              <a:headEnd type="none" w="med" len="med"/>
+              <a:tailEnd type="none" w="med" len="med"/>
+            </a:ln>
+          </p:spPr>
+        </p:cxnSp>
+        <p:cxnSp>
+          <p:nvCxnSpPr>
+            <p:cNvPr id="19" name="Google Shape;60;p13">
+              <a:extLst>
+                <a:ext uri="{FF2B5EF4-FFF2-40B4-BE49-F238E27FC236}">
+                  <a16:creationId xmlns:a16="http://schemas.microsoft.com/office/drawing/2014/main" id="{AD5ADC08-E984-91E8-7A67-9EA3C44B811D}"/>
+                </a:ext>
+              </a:extLst>
+            </p:cNvPr>
+            <p:cNvCxnSpPr>
+              <a:cxnSpLocks/>
+            </p:cNvCxnSpPr>
+            <p:nvPr/>
+          </p:nvCxnSpPr>
+          <p:spPr>
+            <a:xfrm flipV="1">
+              <a:off x="3801432" y="1331826"/>
+              <a:ext cx="0" cy="175427"/>
+            </a:xfrm>
+            <a:prstGeom prst="straightConnector1">
+              <a:avLst/>
+            </a:prstGeom>
+            <a:noFill/>
+            <a:ln w="19050" cap="flat" cmpd="sng">
+              <a:solidFill>
+                <a:schemeClr val="dk1"/>
+              </a:solidFill>
+              <a:prstDash val="solid"/>
+              <a:round/>
+              <a:headEnd type="none" w="med" len="med"/>
+              <a:tailEnd type="none" w="med" len="med"/>
+            </a:ln>
+          </p:spPr>
+        </p:cxnSp>
+        <p:cxnSp>
+          <p:nvCxnSpPr>
+            <p:cNvPr id="22" name="Google Shape;58;p13">
+              <a:extLst>
+                <a:ext uri="{FF2B5EF4-FFF2-40B4-BE49-F238E27FC236}">
+                  <a16:creationId xmlns:a16="http://schemas.microsoft.com/office/drawing/2014/main" id="{5FAE7A98-06AB-67D7-221A-3D96E02CFA8F}"/>
+                </a:ext>
+              </a:extLst>
+            </p:cNvPr>
+            <p:cNvCxnSpPr>
+              <a:cxnSpLocks/>
+            </p:cNvCxnSpPr>
+            <p:nvPr/>
+          </p:nvCxnSpPr>
+          <p:spPr>
+            <a:xfrm flipV="1">
+              <a:off x="4341957" y="1331826"/>
+              <a:ext cx="0" cy="532143"/>
+            </a:xfrm>
+            <a:prstGeom prst="straightConnector1">
+              <a:avLst/>
+            </a:prstGeom>
+            <a:noFill/>
+            <a:ln w="19050" cap="flat" cmpd="sng">
+              <a:solidFill>
+                <a:schemeClr val="dk1"/>
+              </a:solidFill>
+              <a:prstDash val="solid"/>
+              <a:round/>
+              <a:headEnd type="none" w="med" len="med"/>
+              <a:tailEnd type="none" w="med" len="med"/>
+            </a:ln>
+          </p:spPr>
+        </p:cxnSp>
+        <p:cxnSp>
+          <p:nvCxnSpPr>
+            <p:cNvPr id="23" name="Google Shape;59;p13">
+              <a:extLst>
+                <a:ext uri="{FF2B5EF4-FFF2-40B4-BE49-F238E27FC236}">
+                  <a16:creationId xmlns:a16="http://schemas.microsoft.com/office/drawing/2014/main" id="{24D1520F-1AE6-564C-733C-DBCD5EB66A63}"/>
+                </a:ext>
+              </a:extLst>
+            </p:cNvPr>
+            <p:cNvCxnSpPr>
+              <a:cxnSpLocks/>
+            </p:cNvCxnSpPr>
+            <p:nvPr/>
+          </p:nvCxnSpPr>
+          <p:spPr>
+            <a:xfrm>
+              <a:off x="4341957" y="1341350"/>
+              <a:ext cx="269099" cy="0"/>
+            </a:xfrm>
+            <a:prstGeom prst="straightConnector1">
+              <a:avLst/>
+            </a:prstGeom>
+            <a:noFill/>
+            <a:ln w="19050" cap="flat" cmpd="sng">
+              <a:solidFill>
+                <a:schemeClr val="dk1"/>
+              </a:solidFill>
+              <a:prstDash val="solid"/>
+              <a:round/>
+              <a:headEnd type="none" w="med" len="med"/>
+              <a:tailEnd type="none" w="med" len="med"/>
+            </a:ln>
+          </p:spPr>
+        </p:cxnSp>
+        <p:cxnSp>
+          <p:nvCxnSpPr>
+            <p:cNvPr id="24" name="Google Shape;60;p13">
+              <a:extLst>
+                <a:ext uri="{FF2B5EF4-FFF2-40B4-BE49-F238E27FC236}">
+                  <a16:creationId xmlns:a16="http://schemas.microsoft.com/office/drawing/2014/main" id="{CD9A0A3A-4BF0-7553-79F8-040898F0C3A8}"/>
+                </a:ext>
+              </a:extLst>
+            </p:cNvPr>
+            <p:cNvCxnSpPr>
+              <a:cxnSpLocks/>
+            </p:cNvCxnSpPr>
+            <p:nvPr/>
+          </p:nvCxnSpPr>
+          <p:spPr>
+            <a:xfrm flipV="1">
+              <a:off x="4611057" y="1331826"/>
+              <a:ext cx="0" cy="175427"/>
+            </a:xfrm>
+            <a:prstGeom prst="straightConnector1">
+              <a:avLst/>
+            </a:prstGeom>
+            <a:noFill/>
+            <a:ln w="19050" cap="flat" cmpd="sng">
+              <a:solidFill>
+                <a:schemeClr val="dk1"/>
+              </a:solidFill>
+              <a:prstDash val="solid"/>
+              <a:round/>
+              <a:headEnd type="none" w="med" len="med"/>
+              <a:tailEnd type="none" w="med" len="med"/>
+            </a:ln>
+          </p:spPr>
+        </p:cxnSp>
+        <p:cxnSp>
+          <p:nvCxnSpPr>
+            <p:cNvPr id="25" name="Google Shape;58;p13">
+              <a:extLst>
+                <a:ext uri="{FF2B5EF4-FFF2-40B4-BE49-F238E27FC236}">
+                  <a16:creationId xmlns:a16="http://schemas.microsoft.com/office/drawing/2014/main" id="{CCD5AA91-B690-BDF4-090B-23EB04FD2D48}"/>
+                </a:ext>
+              </a:extLst>
+            </p:cNvPr>
+            <p:cNvCxnSpPr>
+              <a:cxnSpLocks/>
+            </p:cNvCxnSpPr>
+            <p:nvPr/>
+          </p:nvCxnSpPr>
+          <p:spPr>
+            <a:xfrm flipV="1">
+              <a:off x="5145232" y="1328650"/>
+              <a:ext cx="0" cy="1118124"/>
+            </a:xfrm>
+            <a:prstGeom prst="straightConnector1">
+              <a:avLst/>
+            </a:prstGeom>
+            <a:noFill/>
+            <a:ln w="19050" cap="flat" cmpd="sng">
+              <a:solidFill>
+                <a:schemeClr val="dk1"/>
+              </a:solidFill>
+              <a:prstDash val="solid"/>
+              <a:round/>
+              <a:headEnd type="none" w="med" len="med"/>
+              <a:tailEnd type="none" w="med" len="med"/>
+            </a:ln>
+          </p:spPr>
+        </p:cxnSp>
+        <p:cxnSp>
+          <p:nvCxnSpPr>
+            <p:cNvPr id="26" name="Google Shape;59;p13">
+              <a:extLst>
+                <a:ext uri="{FF2B5EF4-FFF2-40B4-BE49-F238E27FC236}">
+                  <a16:creationId xmlns:a16="http://schemas.microsoft.com/office/drawing/2014/main" id="{52402E8B-6B4C-9E86-4A9E-05C55EBBDF67}"/>
+                </a:ext>
+              </a:extLst>
+            </p:cNvPr>
+            <p:cNvCxnSpPr>
+              <a:cxnSpLocks/>
+            </p:cNvCxnSpPr>
+            <p:nvPr/>
+          </p:nvCxnSpPr>
+          <p:spPr>
+            <a:xfrm>
+              <a:off x="5145232" y="1338174"/>
+              <a:ext cx="269099" cy="0"/>
+            </a:xfrm>
+            <a:prstGeom prst="straightConnector1">
+              <a:avLst/>
+            </a:prstGeom>
+            <a:noFill/>
+            <a:ln w="19050" cap="flat" cmpd="sng">
+              <a:solidFill>
+                <a:schemeClr val="dk1"/>
+              </a:solidFill>
+              <a:prstDash val="solid"/>
+              <a:round/>
+              <a:headEnd type="none" w="med" len="med"/>
+              <a:tailEnd type="none" w="med" len="med"/>
+            </a:ln>
+          </p:spPr>
+        </p:cxnSp>
+        <p:cxnSp>
+          <p:nvCxnSpPr>
+            <p:cNvPr id="27" name="Google Shape;60;p13">
+              <a:extLst>
+                <a:ext uri="{FF2B5EF4-FFF2-40B4-BE49-F238E27FC236}">
+                  <a16:creationId xmlns:a16="http://schemas.microsoft.com/office/drawing/2014/main" id="{404B8531-069F-B2F3-157D-941EC9BE7F45}"/>
+                </a:ext>
+              </a:extLst>
+            </p:cNvPr>
+            <p:cNvCxnSpPr>
+              <a:cxnSpLocks/>
+            </p:cNvCxnSpPr>
+            <p:nvPr/>
+          </p:nvCxnSpPr>
+          <p:spPr>
+            <a:xfrm flipV="1">
+              <a:off x="5414332" y="1328650"/>
+              <a:ext cx="0" cy="774701"/>
+            </a:xfrm>
+            <a:prstGeom prst="straightConnector1">
+              <a:avLst/>
+            </a:prstGeom>
+            <a:noFill/>
+            <a:ln w="19050" cap="flat" cmpd="sng">
+              <a:solidFill>
+                <a:schemeClr val="dk1"/>
+              </a:solidFill>
+              <a:prstDash val="solid"/>
+              <a:round/>
+              <a:headEnd type="none" w="med" len="med"/>
+              <a:tailEnd type="none" w="med" len="med"/>
+            </a:ln>
+          </p:spPr>
+        </p:cxnSp>
+        <p:cxnSp>
+          <p:nvCxnSpPr>
+            <p:cNvPr id="30" name="Google Shape;58;p13">
+              <a:extLst>
+                <a:ext uri="{FF2B5EF4-FFF2-40B4-BE49-F238E27FC236}">
+                  <a16:creationId xmlns:a16="http://schemas.microsoft.com/office/drawing/2014/main" id="{445D986A-9E0B-86C2-1E91-04F832206120}"/>
+                </a:ext>
+              </a:extLst>
+            </p:cNvPr>
+            <p:cNvCxnSpPr>
+              <a:cxnSpLocks/>
+            </p:cNvCxnSpPr>
+            <p:nvPr/>
+          </p:nvCxnSpPr>
+          <p:spPr>
+            <a:xfrm flipV="1">
+              <a:off x="5945332" y="1328650"/>
+              <a:ext cx="0" cy="675996"/>
+            </a:xfrm>
+            <a:prstGeom prst="straightConnector1">
+              <a:avLst/>
+            </a:prstGeom>
+            <a:noFill/>
+            <a:ln w="19050" cap="flat" cmpd="sng">
+              <a:solidFill>
+                <a:schemeClr val="dk1"/>
+              </a:solidFill>
+              <a:prstDash val="solid"/>
+              <a:round/>
+              <a:headEnd type="none" w="med" len="med"/>
+              <a:tailEnd type="none" w="med" len="med"/>
+            </a:ln>
+          </p:spPr>
+        </p:cxnSp>
+        <p:cxnSp>
+          <p:nvCxnSpPr>
+            <p:cNvPr id="31" name="Google Shape;59;p13">
+              <a:extLst>
+                <a:ext uri="{FF2B5EF4-FFF2-40B4-BE49-F238E27FC236}">
+                  <a16:creationId xmlns:a16="http://schemas.microsoft.com/office/drawing/2014/main" id="{4E59457B-53F8-C6BB-37E4-909B74BD1C0D}"/>
+                </a:ext>
+              </a:extLst>
+            </p:cNvPr>
+            <p:cNvCxnSpPr>
+              <a:cxnSpLocks/>
+            </p:cNvCxnSpPr>
+            <p:nvPr/>
+          </p:nvCxnSpPr>
+          <p:spPr>
+            <a:xfrm>
+              <a:off x="5945332" y="1338174"/>
+              <a:ext cx="269099" cy="0"/>
+            </a:xfrm>
+            <a:prstGeom prst="straightConnector1">
+              <a:avLst/>
+            </a:prstGeom>
+            <a:noFill/>
+            <a:ln w="19050" cap="flat" cmpd="sng">
+              <a:solidFill>
+                <a:schemeClr val="dk1"/>
+              </a:solidFill>
+              <a:prstDash val="solid"/>
+              <a:round/>
+              <a:headEnd type="none" w="med" len="med"/>
+              <a:tailEnd type="none" w="med" len="med"/>
+            </a:ln>
+          </p:spPr>
+        </p:cxnSp>
+        <p:cxnSp>
+          <p:nvCxnSpPr>
+            <p:cNvPr id="97" name="Google Shape;60;p13">
+              <a:extLst>
+                <a:ext uri="{FF2B5EF4-FFF2-40B4-BE49-F238E27FC236}">
+                  <a16:creationId xmlns:a16="http://schemas.microsoft.com/office/drawing/2014/main" id="{F6678F08-E0E8-4D4F-926C-49D4ADA0DF0E}"/>
+                </a:ext>
+              </a:extLst>
+            </p:cNvPr>
+            <p:cNvCxnSpPr>
+              <a:cxnSpLocks/>
+            </p:cNvCxnSpPr>
+            <p:nvPr/>
+          </p:nvCxnSpPr>
+          <p:spPr>
+            <a:xfrm flipV="1">
+              <a:off x="6214432" y="1328650"/>
+              <a:ext cx="0" cy="334352"/>
+            </a:xfrm>
+            <a:prstGeom prst="straightConnector1">
+              <a:avLst/>
+            </a:prstGeom>
+            <a:noFill/>
+            <a:ln w="19050" cap="flat" cmpd="sng">
+              <a:solidFill>
+                <a:schemeClr val="dk1"/>
+              </a:solidFill>
+              <a:prstDash val="solid"/>
+              <a:round/>
+              <a:headEnd type="none" w="med" len="med"/>
+              <a:tailEnd type="none" w="med" len="med"/>
+            </a:ln>
+          </p:spPr>
+        </p:cxnSp>
+        <p:sp>
+          <p:nvSpPr>
+            <p:cNvPr id="114" name="Google Shape;61;p13">
+              <a:extLst>
+                <a:ext uri="{FF2B5EF4-FFF2-40B4-BE49-F238E27FC236}">
+                  <a16:creationId xmlns:a16="http://schemas.microsoft.com/office/drawing/2014/main" id="{CB9CBF6D-5BA6-06C1-9BEF-4462BEAD0E94}"/>
+                </a:ext>
+              </a:extLst>
+            </p:cNvPr>
+            <p:cNvSpPr txBox="1"/>
+            <p:nvPr/>
+          </p:nvSpPr>
+          <p:spPr>
+            <a:xfrm>
+              <a:off x="1754775" y="985964"/>
+              <a:ext cx="598411" cy="341100"/>
+            </a:xfrm>
+            <a:prstGeom prst="rect">
+              <a:avLst/>
+            </a:prstGeom>
+            <a:noFill/>
+            <a:ln>
+              <a:noFill/>
+            </a:ln>
+          </p:spPr>
+          <p:txBody>
+            <a:bodyPr spcFirstLastPara="1" wrap="square" lIns="91425" tIns="91425" rIns="91425" bIns="91425" anchor="t" anchorCtr="0">
+              <a:noAutofit/>
+            </a:bodyPr>
+            <a:lstStyle/>
+            <a:p>
+              <a:pPr algn="ctr"/>
+              <a:r>
+                <a:rPr lang="en-GB" sz="2400" b="1" dirty="0"/>
+                <a:t>*</a:t>
+              </a:r>
+              <a:endParaRPr sz="2400" b="1" dirty="0"/>
+            </a:p>
+          </p:txBody>
+        </p:sp>
+        <p:sp>
+          <p:nvSpPr>
+            <p:cNvPr id="115" name="Google Shape;61;p13">
+              <a:extLst>
+                <a:ext uri="{FF2B5EF4-FFF2-40B4-BE49-F238E27FC236}">
+                  <a16:creationId xmlns:a16="http://schemas.microsoft.com/office/drawing/2014/main" id="{43FEF645-1E02-FAEC-1086-C4EE038A60C7}"/>
+                </a:ext>
+              </a:extLst>
+            </p:cNvPr>
+            <p:cNvSpPr txBox="1"/>
+            <p:nvPr/>
+          </p:nvSpPr>
+          <p:spPr>
+            <a:xfrm>
+              <a:off x="3372209" y="985964"/>
+              <a:ext cx="598411" cy="341100"/>
+            </a:xfrm>
+            <a:prstGeom prst="rect">
+              <a:avLst/>
+            </a:prstGeom>
+            <a:noFill/>
+            <a:ln>
+              <a:noFill/>
+            </a:ln>
+          </p:spPr>
+          <p:txBody>
+            <a:bodyPr spcFirstLastPara="1" wrap="square" lIns="91425" tIns="91425" rIns="91425" bIns="91425" anchor="t" anchorCtr="0">
+              <a:noAutofit/>
+            </a:bodyPr>
+            <a:lstStyle/>
+            <a:p>
+              <a:pPr algn="ctr"/>
+              <a:r>
+                <a:rPr lang="en-GB" sz="2400" b="1" dirty="0"/>
+                <a:t>**</a:t>
+              </a:r>
+              <a:endParaRPr sz="2400" b="1" dirty="0"/>
+            </a:p>
+          </p:txBody>
+        </p:sp>
+        <p:sp>
+          <p:nvSpPr>
+            <p:cNvPr id="116" name="Google Shape;61;p13">
+              <a:extLst>
+                <a:ext uri="{FF2B5EF4-FFF2-40B4-BE49-F238E27FC236}">
+                  <a16:creationId xmlns:a16="http://schemas.microsoft.com/office/drawing/2014/main" id="{E62FE6F9-FE94-9D70-1A38-EA82F3DE7093}"/>
+                </a:ext>
+              </a:extLst>
+            </p:cNvPr>
+            <p:cNvSpPr txBox="1"/>
+            <p:nvPr/>
+          </p:nvSpPr>
+          <p:spPr>
+            <a:xfrm>
+              <a:off x="4177300" y="985964"/>
+              <a:ext cx="598411" cy="341100"/>
+            </a:xfrm>
+            <a:prstGeom prst="rect">
+              <a:avLst/>
+            </a:prstGeom>
+            <a:noFill/>
+            <a:ln>
+              <a:noFill/>
+            </a:ln>
+          </p:spPr>
+          <p:txBody>
+            <a:bodyPr spcFirstLastPara="1" wrap="square" lIns="91425" tIns="91425" rIns="91425" bIns="91425" anchor="t" anchorCtr="0">
+              <a:noAutofit/>
+            </a:bodyPr>
+            <a:lstStyle/>
+            <a:p>
+              <a:pPr algn="ctr"/>
+              <a:r>
+                <a:rPr lang="en-GB" sz="2400" b="1" dirty="0"/>
+                <a:t>**</a:t>
+              </a:r>
+              <a:endParaRPr sz="2400" b="1" dirty="0"/>
+            </a:p>
+          </p:txBody>
+        </p:sp>
+        <p:sp>
+          <p:nvSpPr>
+            <p:cNvPr id="117" name="Google Shape;61;p13">
+              <a:extLst>
+                <a:ext uri="{FF2B5EF4-FFF2-40B4-BE49-F238E27FC236}">
+                  <a16:creationId xmlns:a16="http://schemas.microsoft.com/office/drawing/2014/main" id="{E2B191C2-E619-E603-EC52-7E53B4EC8FA7}"/>
+                </a:ext>
+              </a:extLst>
+            </p:cNvPr>
+            <p:cNvSpPr txBox="1"/>
+            <p:nvPr/>
+          </p:nvSpPr>
+          <p:spPr>
+            <a:xfrm>
+              <a:off x="4982391" y="982788"/>
+              <a:ext cx="598411" cy="341100"/>
+            </a:xfrm>
+            <a:prstGeom prst="rect">
+              <a:avLst/>
+            </a:prstGeom>
+            <a:noFill/>
+            <a:ln>
+              <a:noFill/>
+            </a:ln>
+          </p:spPr>
+          <p:txBody>
+            <a:bodyPr spcFirstLastPara="1" wrap="square" lIns="91425" tIns="91425" rIns="91425" bIns="91425" anchor="t" anchorCtr="0">
+              <a:noAutofit/>
+            </a:bodyPr>
+            <a:lstStyle/>
+            <a:p>
+              <a:pPr algn="ctr"/>
+              <a:r>
+                <a:rPr lang="en-GB" sz="2400" b="1" dirty="0"/>
+                <a:t>*</a:t>
+              </a:r>
+              <a:endParaRPr sz="2400" b="1" dirty="0"/>
+            </a:p>
+          </p:txBody>
+        </p:sp>
+        <p:sp>
+          <p:nvSpPr>
+            <p:cNvPr id="118" name="Google Shape;61;p13">
+              <a:extLst>
+                <a:ext uri="{FF2B5EF4-FFF2-40B4-BE49-F238E27FC236}">
+                  <a16:creationId xmlns:a16="http://schemas.microsoft.com/office/drawing/2014/main" id="{1E71B5E9-61CF-B59B-B0EA-A5974DB9F400}"/>
+                </a:ext>
+              </a:extLst>
+            </p:cNvPr>
+            <p:cNvSpPr txBox="1"/>
+            <p:nvPr/>
+          </p:nvSpPr>
+          <p:spPr>
+            <a:xfrm>
+              <a:off x="5780675" y="990726"/>
+              <a:ext cx="598411" cy="341100"/>
+            </a:xfrm>
+            <a:prstGeom prst="rect">
+              <a:avLst/>
+            </a:prstGeom>
+            <a:noFill/>
+            <a:ln>
+              <a:noFill/>
+            </a:ln>
+          </p:spPr>
+          <p:txBody>
+            <a:bodyPr spcFirstLastPara="1" wrap="square" lIns="91425" tIns="91425" rIns="91425" bIns="91425" anchor="t" anchorCtr="0">
+              <a:noAutofit/>
+            </a:bodyPr>
+            <a:lstStyle/>
+            <a:p>
+              <a:pPr algn="ctr"/>
+              <a:r>
+                <a:rPr lang="en-GB" sz="2400" b="1" dirty="0"/>
+                <a:t>***</a:t>
+              </a:r>
+              <a:endParaRPr sz="2400" b="1" dirty="0"/>
+            </a:p>
+          </p:txBody>
+        </p:sp>
+        <p:pic>
+          <p:nvPicPr>
+            <p:cNvPr id="119" name="Picture 118" descr="A graph of different colored bars&#10;&#10;Description automatically generated with medium confidence">
+              <a:extLst>
+                <a:ext uri="{FF2B5EF4-FFF2-40B4-BE49-F238E27FC236}">
+                  <a16:creationId xmlns:a16="http://schemas.microsoft.com/office/drawing/2014/main" id="{D7271F7C-9732-84F1-88D0-CFF697DA962D}"/>
+                </a:ext>
+              </a:extLst>
+            </p:cNvPr>
+            <p:cNvPicPr>
+              <a:picLocks noChangeAspect="1"/>
+            </p:cNvPicPr>
+            <p:nvPr/>
+          </p:nvPicPr>
+          <p:blipFill rotWithShape="1">
+            <a:blip r:embed="rId3"/>
+            <a:srcRect l="75034" t="3536" r="4368" b="85437"/>
+            <a:stretch/>
+          </p:blipFill>
+          <p:spPr>
+            <a:xfrm>
+              <a:off x="4968555" y="548402"/>
+              <a:ext cx="1412564" cy="567139"/>
+            </a:xfrm>
+            <a:prstGeom prst="rect">
+              <a:avLst/>
+            </a:prstGeom>
+          </p:spPr>
+        </p:pic>
+      </p:grpSp>
+    </p:spTree>
+  </p:cSld>
+  <p:clrMapOvr>
+    <a:masterClrMapping/>
+  </p:clrMapOvr>
+</p:sld>
+</file>
+
+<file path=ppt/slides/slide4.xml><?xml version="1.0" encoding="utf-8"?>
+<p:sld xmlns:a="http://schemas.openxmlformats.org/drawingml/2006/main" xmlns:r="http://schemas.openxmlformats.org/officeDocument/2006/relationships" xmlns:p="http://schemas.openxmlformats.org/presentationml/2006/main">
+  <p:cSld>
+    <p:bg>
+      <p:bgPr>
+        <a:solidFill>
+          <a:schemeClr val="bg2"/>
+        </a:solidFill>
+        <a:effectLst/>
+      </p:bgPr>
+    </p:bg>
+    <p:spTree>
+      <p:nvGrpSpPr>
+        <p:cNvPr id="1" name="Shape 100"/>
+        <p:cNvGrpSpPr/>
+        <p:nvPr/>
+      </p:nvGrpSpPr>
+      <p:grpSpPr>
+        <a:xfrm>
+          <a:off x="0" y="0"/>
+          <a:ext cx="0" cy="0"/>
+          <a:chOff x="0" y="0"/>
+          <a:chExt cx="0" cy="0"/>
+        </a:xfrm>
+      </p:grpSpPr>
+      <p:grpSp>
+        <p:nvGrpSpPr>
+          <p:cNvPr id="99" name="Group 98">
+            <a:extLst>
+              <a:ext uri="{FF2B5EF4-FFF2-40B4-BE49-F238E27FC236}">
+                <a16:creationId xmlns:a16="http://schemas.microsoft.com/office/drawing/2014/main" id="{62FC7EBD-BE25-2868-67BB-AE0399FA74A6}"/>
+              </a:ext>
+            </a:extLst>
+          </p:cNvPr>
+          <p:cNvGrpSpPr/>
+          <p:nvPr/>
+        </p:nvGrpSpPr>
+        <p:grpSpPr>
+          <a:xfrm>
+            <a:off x="4045744" y="233346"/>
+            <a:ext cx="6350000" cy="4857766"/>
+            <a:chOff x="517525" y="233346"/>
+            <a:chExt cx="6350000" cy="4857766"/>
+          </a:xfrm>
+        </p:grpSpPr>
+        <p:sp>
+          <p:nvSpPr>
+            <p:cNvPr id="98" name="Rectangle 97">
+              <a:extLst>
+                <a:ext uri="{FF2B5EF4-FFF2-40B4-BE49-F238E27FC236}">
+                  <a16:creationId xmlns:a16="http://schemas.microsoft.com/office/drawing/2014/main" id="{A89E47C2-D1DB-795B-0612-BA1BDE4B2E1E}"/>
+                </a:ext>
+              </a:extLst>
+            </p:cNvPr>
+            <p:cNvSpPr/>
+            <p:nvPr/>
+          </p:nvSpPr>
+          <p:spPr>
+            <a:xfrm>
+              <a:off x="517525" y="233346"/>
+              <a:ext cx="6350000" cy="4857766"/>
+            </a:xfrm>
+            <a:prstGeom prst="rect">
+              <a:avLst/>
+            </a:prstGeom>
+            <a:solidFill>
+              <a:schemeClr val="bg1"/>
+            </a:solidFill>
+            <a:ln>
+              <a:noFill/>
+            </a:ln>
+          </p:spPr>
+          <p:style>
+            <a:lnRef idx="2">
+              <a:schemeClr val="accent1">
+                <a:shade val="50000"/>
+              </a:schemeClr>
+            </a:lnRef>
+            <a:fillRef idx="1">
+              <a:schemeClr val="accent1"/>
+            </a:fillRef>
+            <a:effectRef idx="0">
+              <a:schemeClr val="accent1"/>
+            </a:effectRef>
+            <a:fontRef idx="minor">
+              <a:schemeClr val="lt1"/>
+            </a:fontRef>
+          </p:style>
+          <p:txBody>
+            <a:bodyPr rtlCol="0" anchor="ctr"/>
+            <a:lstStyle/>
+            <a:p>
+              <a:pPr algn="ctr"/>
+              <a:endParaRPr lang="en-AU"/>
+            </a:p>
+          </p:txBody>
+        </p:sp>
+        <p:pic>
+          <p:nvPicPr>
+            <p:cNvPr id="3" name="Picture 2" descr="A bar graph with different colored bars&#10;&#10;Description automatically generated">
+              <a:extLst>
+                <a:ext uri="{FF2B5EF4-FFF2-40B4-BE49-F238E27FC236}">
+                  <a16:creationId xmlns:a16="http://schemas.microsoft.com/office/drawing/2014/main" id="{C05C46D8-BA65-2B95-6449-1D0360ED0DD9}"/>
+                </a:ext>
+              </a:extLst>
+            </p:cNvPr>
+            <p:cNvPicPr>
+              <a:picLocks noChangeAspect="1"/>
+            </p:cNvPicPr>
+            <p:nvPr/>
+          </p:nvPicPr>
+          <p:blipFill rotWithShape="1">
+            <a:blip r:embed="rId3"/>
+            <a:srcRect t="18055" r="7570" b="10000"/>
+            <a:stretch/>
+          </p:blipFill>
+          <p:spPr>
+            <a:xfrm>
+              <a:off x="528637" y="1390649"/>
+              <a:ext cx="6338888" cy="3700463"/>
+            </a:xfrm>
+            <a:prstGeom prst="rect">
+              <a:avLst/>
+            </a:prstGeom>
+          </p:spPr>
+        </p:pic>
+        <p:pic>
+          <p:nvPicPr>
+            <p:cNvPr id="4" name="Picture 3" descr="A bar graph with different colored bars&#10;&#10;Description automatically generated">
+              <a:extLst>
+                <a:ext uri="{FF2B5EF4-FFF2-40B4-BE49-F238E27FC236}">
+                  <a16:creationId xmlns:a16="http://schemas.microsoft.com/office/drawing/2014/main" id="{A2F25DD1-3299-5A60-ED84-EB285E28D83B}"/>
+                </a:ext>
+              </a:extLst>
+            </p:cNvPr>
+            <p:cNvPicPr>
+              <a:picLocks noChangeAspect="1"/>
+            </p:cNvPicPr>
+            <p:nvPr/>
+          </p:nvPicPr>
+          <p:blipFill rotWithShape="1">
+            <a:blip r:embed="rId3"/>
+            <a:srcRect l="66110" t="-649" r="4654" b="83797"/>
+            <a:stretch/>
+          </p:blipFill>
+          <p:spPr>
+            <a:xfrm>
+              <a:off x="4862512" y="233346"/>
+              <a:ext cx="2005013" cy="866776"/>
+            </a:xfrm>
+            <a:prstGeom prst="rect">
+              <a:avLst/>
+            </a:prstGeom>
+          </p:spPr>
+        </p:pic>
+        <p:cxnSp>
+          <p:nvCxnSpPr>
+            <p:cNvPr id="8" name="Google Shape;58;p13">
+              <a:extLst>
+                <a:ext uri="{FF2B5EF4-FFF2-40B4-BE49-F238E27FC236}">
+                  <a16:creationId xmlns:a16="http://schemas.microsoft.com/office/drawing/2014/main" id="{E9168466-7F86-27B7-A3F2-108A101002F4}"/>
+                </a:ext>
+              </a:extLst>
+            </p:cNvPr>
+            <p:cNvCxnSpPr>
+              <a:cxnSpLocks/>
+            </p:cNvCxnSpPr>
+            <p:nvPr/>
+          </p:nvCxnSpPr>
+          <p:spPr>
+            <a:xfrm flipV="1">
+              <a:off x="1678925" y="1339885"/>
+              <a:ext cx="0" cy="771525"/>
+            </a:xfrm>
+            <a:prstGeom prst="straightConnector1">
+              <a:avLst/>
+            </a:prstGeom>
+            <a:noFill/>
+            <a:ln w="19050" cap="flat" cmpd="sng">
+              <a:solidFill>
+                <a:schemeClr val="dk1"/>
+              </a:solidFill>
+              <a:prstDash val="solid"/>
+              <a:round/>
+              <a:headEnd type="none" w="med" len="med"/>
+              <a:tailEnd type="none" w="med" len="med"/>
+            </a:ln>
+          </p:spPr>
+        </p:cxnSp>
+        <p:cxnSp>
+          <p:nvCxnSpPr>
+            <p:cNvPr id="9" name="Google Shape;59;p13">
+              <a:extLst>
+                <a:ext uri="{FF2B5EF4-FFF2-40B4-BE49-F238E27FC236}">
+                  <a16:creationId xmlns:a16="http://schemas.microsoft.com/office/drawing/2014/main" id="{435E9E27-A9A7-CDF3-5B34-8BBC7F656008}"/>
+                </a:ext>
+              </a:extLst>
+            </p:cNvPr>
+            <p:cNvCxnSpPr>
+              <a:cxnSpLocks/>
+            </p:cNvCxnSpPr>
+            <p:nvPr/>
+          </p:nvCxnSpPr>
+          <p:spPr>
+            <a:xfrm>
+              <a:off x="1674162" y="1350114"/>
+              <a:ext cx="169089" cy="0"/>
+            </a:xfrm>
+            <a:prstGeom prst="straightConnector1">
+              <a:avLst/>
+            </a:prstGeom>
+            <a:noFill/>
+            <a:ln w="19050" cap="flat" cmpd="sng">
+              <a:solidFill>
+                <a:schemeClr val="dk1"/>
+              </a:solidFill>
+              <a:prstDash val="solid"/>
+              <a:round/>
+              <a:headEnd type="none" w="med" len="med"/>
+              <a:tailEnd type="none" w="med" len="med"/>
+            </a:ln>
+          </p:spPr>
+        </p:cxnSp>
+        <p:cxnSp>
+          <p:nvCxnSpPr>
+            <p:cNvPr id="10" name="Google Shape;60;p13">
+              <a:extLst>
+                <a:ext uri="{FF2B5EF4-FFF2-40B4-BE49-F238E27FC236}">
+                  <a16:creationId xmlns:a16="http://schemas.microsoft.com/office/drawing/2014/main" id="{EA8DFFC4-5EF1-8F32-387B-1072D315F853}"/>
+                </a:ext>
+              </a:extLst>
+            </p:cNvPr>
+            <p:cNvCxnSpPr>
+              <a:cxnSpLocks/>
+            </p:cNvCxnSpPr>
+            <p:nvPr/>
+          </p:nvCxnSpPr>
+          <p:spPr>
+            <a:xfrm flipV="1">
+              <a:off x="1843251" y="1339885"/>
+              <a:ext cx="0" cy="218342"/>
+            </a:xfrm>
+            <a:prstGeom prst="straightConnector1">
+              <a:avLst/>
+            </a:prstGeom>
+            <a:noFill/>
+            <a:ln w="19050" cap="flat" cmpd="sng">
+              <a:solidFill>
+                <a:schemeClr val="dk1"/>
+              </a:solidFill>
+              <a:prstDash val="solid"/>
+              <a:round/>
+              <a:headEnd type="none" w="med" len="med"/>
+              <a:tailEnd type="none" w="med" len="med"/>
+            </a:ln>
+          </p:spPr>
+        </p:cxnSp>
+        <p:sp>
+          <p:nvSpPr>
+            <p:cNvPr id="11" name="Google Shape;61;p13">
+              <a:extLst>
+                <a:ext uri="{FF2B5EF4-FFF2-40B4-BE49-F238E27FC236}">
+                  <a16:creationId xmlns:a16="http://schemas.microsoft.com/office/drawing/2014/main" id="{A72E448F-D798-F7AA-D42B-8A7AF798CF81}"/>
+                </a:ext>
+              </a:extLst>
+            </p:cNvPr>
+            <p:cNvSpPr txBox="1"/>
+            <p:nvPr/>
+          </p:nvSpPr>
+          <p:spPr>
+            <a:xfrm>
+              <a:off x="1459500" y="1027218"/>
+              <a:ext cx="598411" cy="341100"/>
+            </a:xfrm>
+            <a:prstGeom prst="rect">
+              <a:avLst/>
+            </a:prstGeom>
+            <a:noFill/>
+            <a:ln>
+              <a:noFill/>
+            </a:ln>
+          </p:spPr>
+          <p:txBody>
+            <a:bodyPr spcFirstLastPara="1" wrap="square" lIns="91425" tIns="91425" rIns="91425" bIns="91425" anchor="t" anchorCtr="0">
+              <a:noAutofit/>
+            </a:bodyPr>
+            <a:lstStyle/>
+            <a:p>
+              <a:pPr algn="ctr"/>
+              <a:r>
+                <a:rPr lang="en-GB" sz="1800" b="1" dirty="0"/>
+                <a:t>*</a:t>
+              </a:r>
+              <a:endParaRPr sz="1800" b="1" dirty="0"/>
+            </a:p>
+          </p:txBody>
+        </p:sp>
+        <p:cxnSp>
+          <p:nvCxnSpPr>
+            <p:cNvPr id="18" name="Google Shape;58;p13">
+              <a:extLst>
+                <a:ext uri="{FF2B5EF4-FFF2-40B4-BE49-F238E27FC236}">
+                  <a16:creationId xmlns:a16="http://schemas.microsoft.com/office/drawing/2014/main" id="{EC543E24-BAF0-2E58-5D44-B217FAA7C137}"/>
+                </a:ext>
+              </a:extLst>
+            </p:cNvPr>
+            <p:cNvCxnSpPr>
+              <a:cxnSpLocks/>
+            </p:cNvCxnSpPr>
+            <p:nvPr/>
+          </p:nvCxnSpPr>
+          <p:spPr>
+            <a:xfrm flipV="1">
+              <a:off x="2463424" y="1339885"/>
+              <a:ext cx="0" cy="938971"/>
+            </a:xfrm>
+            <a:prstGeom prst="straightConnector1">
+              <a:avLst/>
+            </a:prstGeom>
+            <a:noFill/>
+            <a:ln w="19050" cap="flat" cmpd="sng">
+              <a:solidFill>
+                <a:schemeClr val="dk1"/>
+              </a:solidFill>
+              <a:prstDash val="solid"/>
+              <a:round/>
+              <a:headEnd type="none" w="med" len="med"/>
+              <a:tailEnd type="none" w="med" len="med"/>
+            </a:ln>
+          </p:spPr>
+        </p:cxnSp>
+        <p:cxnSp>
+          <p:nvCxnSpPr>
+            <p:cNvPr id="19" name="Google Shape;59;p13">
+              <a:extLst>
+                <a:ext uri="{FF2B5EF4-FFF2-40B4-BE49-F238E27FC236}">
+                  <a16:creationId xmlns:a16="http://schemas.microsoft.com/office/drawing/2014/main" id="{9E28C352-35D7-EC0A-D5E7-F9E291308769}"/>
+                </a:ext>
+              </a:extLst>
+            </p:cNvPr>
+            <p:cNvCxnSpPr>
+              <a:cxnSpLocks/>
+            </p:cNvCxnSpPr>
+            <p:nvPr/>
+          </p:nvCxnSpPr>
+          <p:spPr>
+            <a:xfrm>
+              <a:off x="2458661" y="1350114"/>
+              <a:ext cx="169089" cy="0"/>
+            </a:xfrm>
+            <a:prstGeom prst="straightConnector1">
+              <a:avLst/>
+            </a:prstGeom>
+            <a:noFill/>
+            <a:ln w="19050" cap="flat" cmpd="sng">
+              <a:solidFill>
+                <a:schemeClr val="dk1"/>
+              </a:solidFill>
+              <a:prstDash val="solid"/>
+              <a:round/>
+              <a:headEnd type="none" w="med" len="med"/>
+              <a:tailEnd type="none" w="med" len="med"/>
+            </a:ln>
+          </p:spPr>
+        </p:cxnSp>
+        <p:cxnSp>
+          <p:nvCxnSpPr>
+            <p:cNvPr id="20" name="Google Shape;60;p13">
+              <a:extLst>
+                <a:ext uri="{FF2B5EF4-FFF2-40B4-BE49-F238E27FC236}">
+                  <a16:creationId xmlns:a16="http://schemas.microsoft.com/office/drawing/2014/main" id="{7D246DBC-A0CB-9261-0F4B-7368AFDDA752}"/>
+                </a:ext>
+              </a:extLst>
+            </p:cNvPr>
+            <p:cNvCxnSpPr>
+              <a:cxnSpLocks/>
+            </p:cNvCxnSpPr>
+            <p:nvPr/>
+          </p:nvCxnSpPr>
+          <p:spPr>
+            <a:xfrm flipV="1">
+              <a:off x="2627750" y="1339885"/>
+              <a:ext cx="0" cy="379378"/>
+            </a:xfrm>
+            <a:prstGeom prst="straightConnector1">
+              <a:avLst/>
+            </a:prstGeom>
+            <a:noFill/>
+            <a:ln w="19050" cap="flat" cmpd="sng">
+              <a:solidFill>
+                <a:schemeClr val="dk1"/>
+              </a:solidFill>
+              <a:prstDash val="solid"/>
+              <a:round/>
+              <a:headEnd type="none" w="med" len="med"/>
+              <a:tailEnd type="none" w="med" len="med"/>
+            </a:ln>
+          </p:spPr>
+        </p:cxnSp>
+        <p:sp>
+          <p:nvSpPr>
+            <p:cNvPr id="21" name="Google Shape;61;p13">
+              <a:extLst>
+                <a:ext uri="{FF2B5EF4-FFF2-40B4-BE49-F238E27FC236}">
+                  <a16:creationId xmlns:a16="http://schemas.microsoft.com/office/drawing/2014/main" id="{C26FDA7A-35ED-ED2B-B120-A298D5115745}"/>
+                </a:ext>
+              </a:extLst>
+            </p:cNvPr>
+            <p:cNvSpPr txBox="1"/>
+            <p:nvPr/>
+          </p:nvSpPr>
+          <p:spPr>
+            <a:xfrm>
+              <a:off x="2243999" y="1027218"/>
+              <a:ext cx="598411" cy="341100"/>
+            </a:xfrm>
+            <a:prstGeom prst="rect">
+              <a:avLst/>
+            </a:prstGeom>
+            <a:noFill/>
+            <a:ln>
+              <a:noFill/>
+            </a:ln>
+          </p:spPr>
+          <p:txBody>
+            <a:bodyPr spcFirstLastPara="1" wrap="square" lIns="91425" tIns="91425" rIns="91425" bIns="91425" anchor="t" anchorCtr="0">
+              <a:noAutofit/>
+            </a:bodyPr>
+            <a:lstStyle/>
+            <a:p>
+              <a:pPr algn="ctr"/>
+              <a:r>
+                <a:rPr lang="en-GB" sz="1800" b="1" dirty="0"/>
+                <a:t>*</a:t>
+              </a:r>
+              <a:endParaRPr sz="1800" b="1" dirty="0"/>
+            </a:p>
+          </p:txBody>
+        </p:sp>
+        <p:cxnSp>
+          <p:nvCxnSpPr>
+            <p:cNvPr id="24" name="Google Shape;58;p13">
+              <a:extLst>
+                <a:ext uri="{FF2B5EF4-FFF2-40B4-BE49-F238E27FC236}">
+                  <a16:creationId xmlns:a16="http://schemas.microsoft.com/office/drawing/2014/main" id="{179DADEA-24F2-F01D-AD7A-B753ACE935D8}"/>
+                </a:ext>
+              </a:extLst>
+            </p:cNvPr>
+            <p:cNvCxnSpPr>
+              <a:cxnSpLocks/>
+            </p:cNvCxnSpPr>
+            <p:nvPr/>
+          </p:nvCxnSpPr>
+          <p:spPr>
+            <a:xfrm flipV="1">
+              <a:off x="6412330" y="1625723"/>
+              <a:ext cx="0" cy="642992"/>
+            </a:xfrm>
+            <a:prstGeom prst="straightConnector1">
+              <a:avLst/>
+            </a:prstGeom>
+            <a:noFill/>
+            <a:ln w="19050" cap="flat" cmpd="sng">
+              <a:solidFill>
+                <a:schemeClr val="dk1"/>
+              </a:solidFill>
+              <a:prstDash val="solid"/>
+              <a:round/>
+              <a:headEnd type="none" w="med" len="med"/>
+              <a:tailEnd type="none" w="med" len="med"/>
+            </a:ln>
+          </p:spPr>
+        </p:cxnSp>
+        <p:cxnSp>
+          <p:nvCxnSpPr>
+            <p:cNvPr id="25" name="Google Shape;59;p13">
+              <a:extLst>
+                <a:ext uri="{FF2B5EF4-FFF2-40B4-BE49-F238E27FC236}">
+                  <a16:creationId xmlns:a16="http://schemas.microsoft.com/office/drawing/2014/main" id="{1471951A-31C4-3681-4E33-49BA55B00480}"/>
+                </a:ext>
+              </a:extLst>
+            </p:cNvPr>
+            <p:cNvCxnSpPr>
+              <a:cxnSpLocks/>
+            </p:cNvCxnSpPr>
+            <p:nvPr/>
+          </p:nvCxnSpPr>
+          <p:spPr>
+            <a:xfrm>
+              <a:off x="6402805" y="1625723"/>
+              <a:ext cx="169089" cy="0"/>
+            </a:xfrm>
+            <a:prstGeom prst="straightConnector1">
+              <a:avLst/>
+            </a:prstGeom>
+            <a:noFill/>
+            <a:ln w="19050" cap="flat" cmpd="sng">
+              <a:solidFill>
+                <a:schemeClr val="dk1"/>
+              </a:solidFill>
+              <a:prstDash val="solid"/>
+              <a:round/>
+              <a:headEnd type="none" w="med" len="med"/>
+              <a:tailEnd type="none" w="med" len="med"/>
+            </a:ln>
+          </p:spPr>
+        </p:cxnSp>
+        <p:cxnSp>
+          <p:nvCxnSpPr>
+            <p:cNvPr id="26" name="Google Shape;60;p13">
+              <a:extLst>
+                <a:ext uri="{FF2B5EF4-FFF2-40B4-BE49-F238E27FC236}">
+                  <a16:creationId xmlns:a16="http://schemas.microsoft.com/office/drawing/2014/main" id="{27719A97-8096-FE18-99F6-419153107683}"/>
+                </a:ext>
+              </a:extLst>
+            </p:cNvPr>
+            <p:cNvCxnSpPr>
+              <a:cxnSpLocks/>
+            </p:cNvCxnSpPr>
+            <p:nvPr/>
+          </p:nvCxnSpPr>
+          <p:spPr>
+            <a:xfrm flipV="1">
+              <a:off x="6571894" y="1329744"/>
+              <a:ext cx="0" cy="379378"/>
+            </a:xfrm>
+            <a:prstGeom prst="straightConnector1">
+              <a:avLst/>
+            </a:prstGeom>
+            <a:noFill/>
+            <a:ln w="19050" cap="flat" cmpd="sng">
+              <a:solidFill>
+                <a:schemeClr val="dk1"/>
+              </a:solidFill>
+              <a:prstDash val="solid"/>
+              <a:round/>
+              <a:headEnd type="none" w="med" len="med"/>
+              <a:tailEnd type="none" w="med" len="med"/>
+            </a:ln>
+          </p:spPr>
+        </p:cxnSp>
+        <p:sp>
+          <p:nvSpPr>
+            <p:cNvPr id="27" name="Google Shape;61;p13">
+              <a:extLst>
+                <a:ext uri="{FF2B5EF4-FFF2-40B4-BE49-F238E27FC236}">
+                  <a16:creationId xmlns:a16="http://schemas.microsoft.com/office/drawing/2014/main" id="{EBFF971C-BC68-C60C-6D03-236F50DE6D6E}"/>
+                </a:ext>
+              </a:extLst>
+            </p:cNvPr>
+            <p:cNvSpPr txBox="1"/>
+            <p:nvPr/>
+          </p:nvSpPr>
+          <p:spPr>
+            <a:xfrm>
+              <a:off x="6124038" y="1024211"/>
+              <a:ext cx="598411" cy="341100"/>
+            </a:xfrm>
+            <a:prstGeom prst="rect">
+              <a:avLst/>
+            </a:prstGeom>
+            <a:noFill/>
+            <a:ln>
+              <a:noFill/>
+            </a:ln>
+          </p:spPr>
+          <p:txBody>
+            <a:bodyPr spcFirstLastPara="1" wrap="square" lIns="91425" tIns="91425" rIns="91425" bIns="91425" anchor="t" anchorCtr="0">
+              <a:noAutofit/>
+            </a:bodyPr>
+            <a:lstStyle/>
+            <a:p>
+              <a:pPr algn="ctr"/>
+              <a:r>
+                <a:rPr lang="en-GB" sz="1800" b="1" dirty="0"/>
+                <a:t>*</a:t>
+              </a:r>
+              <a:endParaRPr sz="1800" b="1" dirty="0"/>
+            </a:p>
+          </p:txBody>
+        </p:sp>
+        <p:cxnSp>
+          <p:nvCxnSpPr>
+            <p:cNvPr id="28" name="Google Shape;59;p13">
+              <a:extLst>
+                <a:ext uri="{FF2B5EF4-FFF2-40B4-BE49-F238E27FC236}">
+                  <a16:creationId xmlns:a16="http://schemas.microsoft.com/office/drawing/2014/main" id="{684EF03A-8471-B0BD-0869-91277375C50E}"/>
+                </a:ext>
+              </a:extLst>
+            </p:cNvPr>
+            <p:cNvCxnSpPr>
+              <a:cxnSpLocks/>
+            </p:cNvCxnSpPr>
+            <p:nvPr/>
+          </p:nvCxnSpPr>
+          <p:spPr>
+            <a:xfrm>
+              <a:off x="6265069" y="1338598"/>
+              <a:ext cx="316350" cy="0"/>
+            </a:xfrm>
+            <a:prstGeom prst="straightConnector1">
+              <a:avLst/>
+            </a:prstGeom>
+            <a:noFill/>
+            <a:ln w="19050" cap="flat" cmpd="sng">
+              <a:solidFill>
+                <a:schemeClr val="dk1"/>
+              </a:solidFill>
+              <a:prstDash val="solid"/>
+              <a:round/>
+              <a:headEnd type="none" w="med" len="med"/>
+              <a:tailEnd type="none" w="med" len="med"/>
+            </a:ln>
+          </p:spPr>
+        </p:cxnSp>
+        <p:cxnSp>
+          <p:nvCxnSpPr>
+            <p:cNvPr id="31" name="Google Shape;58;p13">
+              <a:extLst>
+                <a:ext uri="{FF2B5EF4-FFF2-40B4-BE49-F238E27FC236}">
+                  <a16:creationId xmlns:a16="http://schemas.microsoft.com/office/drawing/2014/main" id="{929FACD4-10D3-936A-09AD-E9618654EC60}"/>
+                </a:ext>
+              </a:extLst>
+            </p:cNvPr>
+            <p:cNvCxnSpPr>
+              <a:cxnSpLocks/>
+            </p:cNvCxnSpPr>
+            <p:nvPr/>
+          </p:nvCxnSpPr>
+          <p:spPr>
+            <a:xfrm flipV="1">
+              <a:off x="6265069" y="1329744"/>
+              <a:ext cx="0" cy="781666"/>
+            </a:xfrm>
+            <a:prstGeom prst="straightConnector1">
+              <a:avLst/>
+            </a:prstGeom>
+            <a:noFill/>
+            <a:ln w="19050" cap="flat" cmpd="sng">
+              <a:solidFill>
+                <a:schemeClr val="dk1"/>
+              </a:solidFill>
+              <a:prstDash val="solid"/>
+              <a:round/>
+              <a:headEnd type="none" w="med" len="med"/>
+              <a:tailEnd type="none" w="med" len="med"/>
+            </a:ln>
+          </p:spPr>
+        </p:cxnSp>
+        <p:sp>
+          <p:nvSpPr>
+            <p:cNvPr id="97" name="Google Shape;61;p13">
+              <a:extLst>
+                <a:ext uri="{FF2B5EF4-FFF2-40B4-BE49-F238E27FC236}">
+                  <a16:creationId xmlns:a16="http://schemas.microsoft.com/office/drawing/2014/main" id="{D6F67493-7453-47A5-8A04-D77A359BA7E5}"/>
+                </a:ext>
+              </a:extLst>
+            </p:cNvPr>
+            <p:cNvSpPr txBox="1"/>
+            <p:nvPr/>
+          </p:nvSpPr>
+          <p:spPr>
+            <a:xfrm>
+              <a:off x="6188143" y="1323832"/>
+              <a:ext cx="598411" cy="341100"/>
+            </a:xfrm>
+            <a:prstGeom prst="rect">
+              <a:avLst/>
+            </a:prstGeom>
+            <a:noFill/>
+            <a:ln>
+              <a:noFill/>
+            </a:ln>
+          </p:spPr>
+          <p:txBody>
+            <a:bodyPr spcFirstLastPara="1" wrap="square" lIns="91425" tIns="91425" rIns="91425" bIns="91425" anchor="t" anchorCtr="0">
+              <a:noAutofit/>
+            </a:bodyPr>
+            <a:lstStyle/>
+            <a:p>
+              <a:pPr algn="ctr"/>
+              <a:r>
+                <a:rPr lang="en-GB" sz="1800" b="1" dirty="0"/>
+                <a:t>*</a:t>
+              </a:r>
+              <a:endParaRPr sz="1800" b="1" dirty="0"/>
+            </a:p>
+          </p:txBody>
+        </p:sp>
+      </p:grpSp>
+    </p:spTree>
+  </p:cSld>
+  <p:clrMapOvr>
+    <a:masterClrMapping/>
+  </p:clrMapOvr>
+</p:sld>
+</file>
+
+<file path=ppt/slides/slide5.xml><?xml version="1.0" encoding="utf-8"?>
+<p:sld xmlns:a="http://schemas.openxmlformats.org/drawingml/2006/main" xmlns:r="http://schemas.openxmlformats.org/officeDocument/2006/relationships" xmlns:p="http://schemas.openxmlformats.org/presentationml/2006/main">
+  <p:cSld>
+    <p:bg>
+      <p:bgPr>
+        <a:solidFill>
+          <a:schemeClr val="bg2"/>
+        </a:solidFill>
+        <a:effectLst/>
+      </p:bgPr>
+    </p:bg>
+    <p:spTree>
+      <p:nvGrpSpPr>
+        <p:cNvPr id="1" name="Shape 90"/>
+        <p:cNvGrpSpPr/>
+        <p:nvPr/>
+      </p:nvGrpSpPr>
+      <p:grpSpPr>
+        <a:xfrm>
+          <a:off x="0" y="0"/>
+          <a:ext cx="0" cy="0"/>
+          <a:chOff x="0" y="0"/>
+          <a:chExt cx="0" cy="0"/>
+        </a:xfrm>
+      </p:grpSpPr>
+      <p:sp>
+        <p:nvSpPr>
+          <p:cNvPr id="6" name="Rectangle 5">
+            <a:extLst>
+              <a:ext uri="{FF2B5EF4-FFF2-40B4-BE49-F238E27FC236}">
+                <a16:creationId xmlns:a16="http://schemas.microsoft.com/office/drawing/2014/main" id="{C0BB6597-9BF5-DD11-19A1-1F9A397682E8}"/>
+              </a:ext>
+            </a:extLst>
+          </p:cNvPr>
+          <p:cNvSpPr/>
+          <p:nvPr/>
+        </p:nvSpPr>
+        <p:spPr>
+          <a:xfrm>
+            <a:off x="118926" y="151517"/>
+            <a:ext cx="13772046" cy="4904638"/>
+          </a:xfrm>
+          <a:prstGeom prst="rect">
+            <a:avLst/>
+          </a:prstGeom>
+          <a:solidFill>
+            <a:schemeClr val="bg1"/>
+          </a:solidFill>
+          <a:ln>
+            <a:noFill/>
+          </a:ln>
+        </p:spPr>
+        <p:style>
+          <a:lnRef idx="2">
+            <a:schemeClr val="accent1">
+              <a:shade val="50000"/>
+            </a:schemeClr>
+          </a:lnRef>
+          <a:fillRef idx="1">
+            <a:schemeClr val="accent1"/>
+          </a:fillRef>
+          <a:effectRef idx="0">
+            <a:schemeClr val="accent1"/>
+          </a:effectRef>
+          <a:fontRef idx="minor">
+            <a:schemeClr val="lt1"/>
+          </a:fontRef>
+        </p:style>
+        <p:txBody>
+          <a:bodyPr rtlCol="0" anchor="ctr"/>
+          <a:lstStyle/>
+          <a:p>
+            <a:pPr algn="ctr"/>
+            <a:endParaRPr lang="en-AU"/>
+          </a:p>
+        </p:txBody>
+      </p:sp>
+      <p:grpSp>
+        <p:nvGrpSpPr>
+          <p:cNvPr id="2" name="Group 1">
+            <a:extLst>
+              <a:ext uri="{FF2B5EF4-FFF2-40B4-BE49-F238E27FC236}">
+                <a16:creationId xmlns:a16="http://schemas.microsoft.com/office/drawing/2014/main" id="{8FBFC18C-A895-BD99-54E7-BDE391CC155A}"/>
+              </a:ext>
+            </a:extLst>
+          </p:cNvPr>
+          <p:cNvGrpSpPr/>
+          <p:nvPr/>
+        </p:nvGrpSpPr>
+        <p:grpSpPr>
+          <a:xfrm>
+            <a:off x="8132909" y="447930"/>
+            <a:ext cx="5547569" cy="4538203"/>
+            <a:chOff x="909037" y="477247"/>
+            <a:chExt cx="5547569" cy="4538203"/>
+          </a:xfrm>
+        </p:grpSpPr>
+        <p:pic>
+          <p:nvPicPr>
+            <p:cNvPr id="70" name="Picture 69" descr="A graph showing different colored bars&#10;&#10;Description automatically generated">
+              <a:extLst>
+                <a:ext uri="{FF2B5EF4-FFF2-40B4-BE49-F238E27FC236}">
+                  <a16:creationId xmlns:a16="http://schemas.microsoft.com/office/drawing/2014/main" id="{76ABAD60-6D5A-B64F-959B-C05264D66929}"/>
+                </a:ext>
+              </a:extLst>
+            </p:cNvPr>
+            <p:cNvPicPr>
+              <a:picLocks noChangeAspect="1"/>
+            </p:cNvPicPr>
+            <p:nvPr/>
+          </p:nvPicPr>
+          <p:blipFill rotWithShape="1">
+            <a:blip r:embed="rId3"/>
+            <a:srcRect r="-535" b="5778"/>
+            <a:stretch/>
+          </p:blipFill>
+          <p:spPr>
+            <a:xfrm>
+              <a:off x="909037" y="867765"/>
+              <a:ext cx="5547569" cy="3899453"/>
+            </a:xfrm>
+            <a:prstGeom prst="rect">
+              <a:avLst/>
+            </a:prstGeom>
+          </p:spPr>
+        </p:pic>
+        <p:cxnSp>
+          <p:nvCxnSpPr>
+            <p:cNvPr id="71" name="Google Shape;58;p13">
+              <a:extLst>
+                <a:ext uri="{FF2B5EF4-FFF2-40B4-BE49-F238E27FC236}">
+                  <a16:creationId xmlns:a16="http://schemas.microsoft.com/office/drawing/2014/main" id="{C61F1495-5D51-2710-13E5-D38ACA6FBAF0}"/>
+                </a:ext>
+              </a:extLst>
+            </p:cNvPr>
+            <p:cNvCxnSpPr>
+              <a:cxnSpLocks/>
+            </p:cNvCxnSpPr>
+            <p:nvPr/>
+          </p:nvCxnSpPr>
+          <p:spPr>
+            <a:xfrm flipV="1">
+              <a:off x="3794800" y="779851"/>
+              <a:ext cx="0" cy="912424"/>
+            </a:xfrm>
+            <a:prstGeom prst="straightConnector1">
+              <a:avLst/>
+            </a:prstGeom>
+            <a:noFill/>
+            <a:ln w="19050" cap="flat" cmpd="sng">
+              <a:solidFill>
+                <a:schemeClr val="dk1"/>
+              </a:solidFill>
+              <a:prstDash val="solid"/>
+              <a:round/>
+              <a:headEnd type="none" w="med" len="med"/>
+              <a:tailEnd type="none" w="med" len="med"/>
+            </a:ln>
+          </p:spPr>
+        </p:cxnSp>
+        <p:cxnSp>
+          <p:nvCxnSpPr>
+            <p:cNvPr id="72" name="Google Shape;59;p13">
+              <a:extLst>
+                <a:ext uri="{FF2B5EF4-FFF2-40B4-BE49-F238E27FC236}">
+                  <a16:creationId xmlns:a16="http://schemas.microsoft.com/office/drawing/2014/main" id="{2756A508-BE3F-2B62-597E-103B2D40774C}"/>
+                </a:ext>
+              </a:extLst>
+            </p:cNvPr>
+            <p:cNvCxnSpPr>
+              <a:cxnSpLocks/>
+            </p:cNvCxnSpPr>
+            <p:nvPr/>
+          </p:nvCxnSpPr>
+          <p:spPr>
+            <a:xfrm>
+              <a:off x="3794800" y="791174"/>
+              <a:ext cx="909588" cy="0"/>
+            </a:xfrm>
+            <a:prstGeom prst="straightConnector1">
+              <a:avLst/>
+            </a:prstGeom>
+            <a:noFill/>
+            <a:ln w="19050" cap="flat" cmpd="sng">
+              <a:solidFill>
+                <a:schemeClr val="dk1"/>
+              </a:solidFill>
+              <a:prstDash val="solid"/>
+              <a:round/>
+              <a:headEnd type="none" w="med" len="med"/>
+              <a:tailEnd type="none" w="med" len="med"/>
+            </a:ln>
+          </p:spPr>
+        </p:cxnSp>
+        <p:cxnSp>
+          <p:nvCxnSpPr>
+            <p:cNvPr id="73" name="Google Shape;60;p13">
+              <a:extLst>
+                <a:ext uri="{FF2B5EF4-FFF2-40B4-BE49-F238E27FC236}">
+                  <a16:creationId xmlns:a16="http://schemas.microsoft.com/office/drawing/2014/main" id="{FBB4BEA3-5135-1680-94EF-D68C2AA5FF08}"/>
+                </a:ext>
+              </a:extLst>
+            </p:cNvPr>
+            <p:cNvCxnSpPr>
+              <a:cxnSpLocks/>
+            </p:cNvCxnSpPr>
+            <p:nvPr/>
+          </p:nvCxnSpPr>
+          <p:spPr>
+            <a:xfrm flipV="1">
+              <a:off x="4704388" y="779851"/>
+              <a:ext cx="0" cy="305999"/>
+            </a:xfrm>
+            <a:prstGeom prst="straightConnector1">
+              <a:avLst/>
+            </a:prstGeom>
+            <a:noFill/>
+            <a:ln w="19050" cap="flat" cmpd="sng">
+              <a:solidFill>
+                <a:schemeClr val="dk1"/>
+              </a:solidFill>
+              <a:prstDash val="solid"/>
+              <a:round/>
+              <a:headEnd type="none" w="med" len="med"/>
+              <a:tailEnd type="none" w="med" len="med"/>
+            </a:ln>
+          </p:spPr>
+        </p:cxnSp>
+        <p:sp>
+          <p:nvSpPr>
+            <p:cNvPr id="74" name="Google Shape;61;p13">
+              <a:extLst>
+                <a:ext uri="{FF2B5EF4-FFF2-40B4-BE49-F238E27FC236}">
+                  <a16:creationId xmlns:a16="http://schemas.microsoft.com/office/drawing/2014/main" id="{BA025311-DEA5-E958-F9C3-F05B619A8164}"/>
+                </a:ext>
+              </a:extLst>
+            </p:cNvPr>
+            <p:cNvSpPr txBox="1"/>
+            <p:nvPr/>
+          </p:nvSpPr>
+          <p:spPr>
+            <a:xfrm>
+              <a:off x="3794800" y="477247"/>
+              <a:ext cx="907459" cy="306678"/>
+            </a:xfrm>
+            <a:prstGeom prst="rect">
+              <a:avLst/>
+            </a:prstGeom>
+            <a:noFill/>
+            <a:ln>
+              <a:noFill/>
+            </a:ln>
+          </p:spPr>
+          <p:txBody>
+            <a:bodyPr spcFirstLastPara="1" wrap="square" lIns="91425" tIns="91425" rIns="91425" bIns="91425" anchor="t" anchorCtr="0">
+              <a:noAutofit/>
+            </a:bodyPr>
+            <a:lstStyle/>
+            <a:p>
+              <a:pPr algn="ctr"/>
+              <a:r>
+                <a:rPr lang="en-GB" sz="2400" dirty="0"/>
+                <a:t>*</a:t>
+              </a:r>
+              <a:endParaRPr sz="2400" dirty="0"/>
+            </a:p>
+          </p:txBody>
+        </p:sp>
+        <p:sp>
+          <p:nvSpPr>
+            <p:cNvPr id="80" name="TextBox 79">
+              <a:extLst>
+                <a:ext uri="{FF2B5EF4-FFF2-40B4-BE49-F238E27FC236}">
+                  <a16:creationId xmlns:a16="http://schemas.microsoft.com/office/drawing/2014/main" id="{3C821C10-4030-2A55-5C52-232935A35296}"/>
+                </a:ext>
+              </a:extLst>
+            </p:cNvPr>
+            <p:cNvSpPr txBox="1"/>
+            <p:nvPr/>
+          </p:nvSpPr>
+          <p:spPr>
+            <a:xfrm>
+              <a:off x="1240286" y="4707673"/>
+              <a:ext cx="281940" cy="307777"/>
+            </a:xfrm>
+            <a:prstGeom prst="rect">
+              <a:avLst/>
+            </a:prstGeom>
+            <a:noFill/>
+          </p:spPr>
+          <p:txBody>
+            <a:bodyPr wrap="square" rtlCol="0">
+              <a:spAutoFit/>
+            </a:bodyPr>
+            <a:lstStyle/>
+            <a:p>
+              <a:r>
+                <a:rPr lang="en-US" dirty="0"/>
+                <a:t>c</a:t>
+              </a:r>
+              <a:endParaRPr lang="en-AU" dirty="0"/>
+            </a:p>
+          </p:txBody>
+        </p:sp>
+      </p:grpSp>
+      <p:pic>
+        <p:nvPicPr>
+          <p:cNvPr id="3" name="Picture 2" descr="A bar graph with different colored bars&#10;&#10;Description automatically generated with medium confidence">
+            <a:extLst>
+              <a:ext uri="{FF2B5EF4-FFF2-40B4-BE49-F238E27FC236}">
+                <a16:creationId xmlns:a16="http://schemas.microsoft.com/office/drawing/2014/main" id="{6237924F-536E-5C5C-88AF-88AA6737ADD2}"/>
+              </a:ext>
+            </a:extLst>
+          </p:cNvPr>
+          <p:cNvPicPr>
+            <a:picLocks noChangeAspect="1"/>
+          </p:cNvPicPr>
+          <p:nvPr/>
+        </p:nvPicPr>
+        <p:blipFill rotWithShape="1">
+          <a:blip r:embed="rId4"/>
+          <a:srcRect l="4724" b="4411"/>
+          <a:stretch/>
+        </p:blipFill>
+        <p:spPr>
+          <a:xfrm>
+            <a:off x="369622" y="852468"/>
+            <a:ext cx="3089618" cy="3955749"/>
+          </a:xfrm>
+          <a:prstGeom prst="rect">
+            <a:avLst/>
+          </a:prstGeom>
+        </p:spPr>
+      </p:pic>
+      <p:cxnSp>
+        <p:nvCxnSpPr>
+          <p:cNvPr id="7" name="Google Shape;58;p13">
+            <a:extLst>
+              <a:ext uri="{FF2B5EF4-FFF2-40B4-BE49-F238E27FC236}">
+                <a16:creationId xmlns:a16="http://schemas.microsoft.com/office/drawing/2014/main" id="{7027E329-8E48-EB66-875F-CD5A4C2B2C18}"/>
+              </a:ext>
+            </a:extLst>
+          </p:cNvPr>
+          <p:cNvCxnSpPr>
+            <a:cxnSpLocks/>
+          </p:cNvCxnSpPr>
+          <p:nvPr/>
+        </p:nvCxnSpPr>
+        <p:spPr>
+          <a:xfrm flipV="1">
+            <a:off x="1131660" y="764282"/>
+            <a:ext cx="0" cy="165145"/>
+          </a:xfrm>
+          <a:prstGeom prst="straightConnector1">
+            <a:avLst/>
+          </a:prstGeom>
+          <a:noFill/>
+          <a:ln w="19050" cap="flat" cmpd="sng">
+            <a:solidFill>
+              <a:schemeClr val="dk1"/>
+            </a:solidFill>
+            <a:prstDash val="solid"/>
+            <a:round/>
+            <a:headEnd type="none" w="med" len="med"/>
+            <a:tailEnd type="none" w="med" len="med"/>
+          </a:ln>
+        </p:spPr>
+      </p:cxnSp>
+      <p:cxnSp>
+        <p:nvCxnSpPr>
+          <p:cNvPr id="8" name="Google Shape;59;p13">
+            <a:extLst>
+              <a:ext uri="{FF2B5EF4-FFF2-40B4-BE49-F238E27FC236}">
+                <a16:creationId xmlns:a16="http://schemas.microsoft.com/office/drawing/2014/main" id="{134E4E59-91ED-E80F-CBC5-1C09E9E0EF4C}"/>
+              </a:ext>
+            </a:extLst>
+          </p:cNvPr>
+          <p:cNvCxnSpPr>
+            <a:cxnSpLocks/>
+          </p:cNvCxnSpPr>
+          <p:nvPr/>
+        </p:nvCxnSpPr>
+        <p:spPr>
+          <a:xfrm>
+            <a:off x="1131660" y="772430"/>
+            <a:ext cx="1036588" cy="0"/>
+          </a:xfrm>
+          <a:prstGeom prst="straightConnector1">
+            <a:avLst/>
+          </a:prstGeom>
+          <a:noFill/>
+          <a:ln w="19050" cap="flat" cmpd="sng">
+            <a:solidFill>
+              <a:schemeClr val="dk1"/>
+            </a:solidFill>
+            <a:prstDash val="solid"/>
+            <a:round/>
+            <a:headEnd type="none" w="med" len="med"/>
+            <a:tailEnd type="none" w="med" len="med"/>
+          </a:ln>
+        </p:spPr>
+      </p:cxnSp>
+      <p:cxnSp>
+        <p:nvCxnSpPr>
+          <p:cNvPr id="9" name="Google Shape;60;p13">
+            <a:extLst>
+              <a:ext uri="{FF2B5EF4-FFF2-40B4-BE49-F238E27FC236}">
+                <a16:creationId xmlns:a16="http://schemas.microsoft.com/office/drawing/2014/main" id="{3C509AF9-D4F6-5756-AC50-65450E36C53E}"/>
+              </a:ext>
+            </a:extLst>
+          </p:cNvPr>
+          <p:cNvCxnSpPr>
+            <a:cxnSpLocks/>
+          </p:cNvCxnSpPr>
+          <p:nvPr/>
+        </p:nvCxnSpPr>
+        <p:spPr>
+          <a:xfrm flipV="1">
+            <a:off x="2168248" y="764282"/>
+            <a:ext cx="0" cy="1272850"/>
+          </a:xfrm>
+          <a:prstGeom prst="straightConnector1">
+            <a:avLst/>
+          </a:prstGeom>
+          <a:noFill/>
+          <a:ln w="19050" cap="flat" cmpd="sng">
+            <a:solidFill>
+              <a:schemeClr val="dk1"/>
+            </a:solidFill>
+            <a:prstDash val="solid"/>
+            <a:round/>
+            <a:headEnd type="none" w="med" len="med"/>
+            <a:tailEnd type="none" w="med" len="med"/>
+          </a:ln>
+        </p:spPr>
+      </p:cxnSp>
+      <p:sp>
+        <p:nvSpPr>
+          <p:cNvPr id="10" name="Google Shape;61;p13">
+            <a:extLst>
+              <a:ext uri="{FF2B5EF4-FFF2-40B4-BE49-F238E27FC236}">
+                <a16:creationId xmlns:a16="http://schemas.microsoft.com/office/drawing/2014/main" id="{D4E47743-3822-57F0-EF5E-7002F8F4649B}"/>
+              </a:ext>
+            </a:extLst>
+          </p:cNvPr>
+          <p:cNvSpPr txBox="1"/>
+          <p:nvPr/>
+        </p:nvSpPr>
+        <p:spPr>
+          <a:xfrm>
+            <a:off x="1131660" y="461678"/>
+            <a:ext cx="1036588" cy="306678"/>
+          </a:xfrm>
+          <a:prstGeom prst="rect">
+            <a:avLst/>
+          </a:prstGeom>
+          <a:noFill/>
+          <a:ln>
+            <a:noFill/>
+          </a:ln>
+        </p:spPr>
+        <p:txBody>
+          <a:bodyPr spcFirstLastPara="1" wrap="square" lIns="91425" tIns="91425" rIns="91425" bIns="91425" anchor="t" anchorCtr="0">
+            <a:noAutofit/>
+          </a:bodyPr>
+          <a:lstStyle/>
+          <a:p>
+            <a:pPr algn="ctr"/>
+            <a:r>
+              <a:rPr lang="en-GB" sz="2400" dirty="0"/>
+              <a:t>***</a:t>
+            </a:r>
+            <a:endParaRPr sz="2400" dirty="0"/>
+          </a:p>
+        </p:txBody>
+      </p:sp>
+      <p:pic>
+        <p:nvPicPr>
+          <p:cNvPr id="78" name="Picture 77" descr="A graph showing different colored squares&#10;&#10;Description automatically generated">
+            <a:extLst>
+              <a:ext uri="{FF2B5EF4-FFF2-40B4-BE49-F238E27FC236}">
+                <a16:creationId xmlns:a16="http://schemas.microsoft.com/office/drawing/2014/main" id="{53C7E8B6-EA3A-0E41-5040-3D617F704A49}"/>
+              </a:ext>
+            </a:extLst>
+          </p:cNvPr>
+          <p:cNvPicPr>
+            <a:picLocks noChangeAspect="1"/>
+          </p:cNvPicPr>
+          <p:nvPr/>
+        </p:nvPicPr>
+        <p:blipFill rotWithShape="1">
+          <a:blip r:embed="rId5"/>
+          <a:srcRect r="95612"/>
+          <a:stretch/>
+        </p:blipFill>
+        <p:spPr>
+          <a:xfrm>
+            <a:off x="116797" y="846854"/>
+            <a:ext cx="252824" cy="4136206"/>
+          </a:xfrm>
+          <a:prstGeom prst="rect">
+            <a:avLst/>
+          </a:prstGeom>
+        </p:spPr>
+      </p:pic>
+      <p:sp>
+        <p:nvSpPr>
+          <p:cNvPr id="81" name="TextBox 80">
+            <a:extLst>
+              <a:ext uri="{FF2B5EF4-FFF2-40B4-BE49-F238E27FC236}">
+                <a16:creationId xmlns:a16="http://schemas.microsoft.com/office/drawing/2014/main" id="{151007C4-2FEF-AAC6-4F1B-B6A133DB1A31}"/>
+              </a:ext>
+            </a:extLst>
+          </p:cNvPr>
+          <p:cNvSpPr txBox="1"/>
+          <p:nvPr/>
+        </p:nvSpPr>
+        <p:spPr>
+          <a:xfrm>
+            <a:off x="269487" y="4684483"/>
+            <a:ext cx="281940" cy="307777"/>
+          </a:xfrm>
+          <a:prstGeom prst="rect">
+            <a:avLst/>
+          </a:prstGeom>
+          <a:noFill/>
+        </p:spPr>
+        <p:txBody>
+          <a:bodyPr wrap="square" rtlCol="0">
+            <a:spAutoFit/>
+          </a:bodyPr>
+          <a:lstStyle/>
+          <a:p>
+            <a:r>
+              <a:rPr lang="en-US" dirty="0"/>
+              <a:t>a</a:t>
+            </a:r>
+            <a:endParaRPr lang="en-AU" dirty="0"/>
+          </a:p>
+        </p:txBody>
+      </p:sp>
+      <p:grpSp>
+        <p:nvGrpSpPr>
+          <p:cNvPr id="11" name="Group 10">
+            <a:extLst>
+              <a:ext uri="{FF2B5EF4-FFF2-40B4-BE49-F238E27FC236}">
+                <a16:creationId xmlns:a16="http://schemas.microsoft.com/office/drawing/2014/main" id="{D2327EAB-A0B0-EB52-D651-7CCAB114A2B8}"/>
+              </a:ext>
+            </a:extLst>
+          </p:cNvPr>
+          <p:cNvGrpSpPr/>
+          <p:nvPr/>
+        </p:nvGrpSpPr>
+        <p:grpSpPr>
+          <a:xfrm>
+            <a:off x="3480536" y="275480"/>
+            <a:ext cx="4562633" cy="4718271"/>
+            <a:chOff x="10377076" y="304798"/>
+            <a:chExt cx="4562633" cy="4718271"/>
+          </a:xfrm>
+        </p:grpSpPr>
+        <p:pic>
+          <p:nvPicPr>
+            <p:cNvPr id="5" name="Picture 4" descr="A graph showing different colored squares&#10;&#10;Description automatically generated">
+              <a:extLst>
+                <a:ext uri="{FF2B5EF4-FFF2-40B4-BE49-F238E27FC236}">
+                  <a16:creationId xmlns:a16="http://schemas.microsoft.com/office/drawing/2014/main" id="{5E91A268-970F-A7BB-B4E5-FA09C0291396}"/>
+                </a:ext>
+              </a:extLst>
+            </p:cNvPr>
+            <p:cNvPicPr>
+              <a:picLocks noChangeAspect="1"/>
+            </p:cNvPicPr>
+            <p:nvPr/>
+          </p:nvPicPr>
+          <p:blipFill rotWithShape="1">
+            <a:blip r:embed="rId5"/>
+            <a:srcRect r="20816" b="5724"/>
+            <a:stretch/>
+          </p:blipFill>
+          <p:spPr>
+            <a:xfrm>
+              <a:off x="10377076" y="870132"/>
+              <a:ext cx="4562633" cy="3899454"/>
+            </a:xfrm>
+            <a:prstGeom prst="rect">
+              <a:avLst/>
+            </a:prstGeom>
+          </p:spPr>
+        </p:pic>
+        <p:cxnSp>
+          <p:nvCxnSpPr>
+            <p:cNvPr id="15" name="Google Shape;58;p13">
+              <a:extLst>
+                <a:ext uri="{FF2B5EF4-FFF2-40B4-BE49-F238E27FC236}">
+                  <a16:creationId xmlns:a16="http://schemas.microsoft.com/office/drawing/2014/main" id="{12451075-B9ED-896D-13DF-0C4BBF851A5B}"/>
+                </a:ext>
+              </a:extLst>
+            </p:cNvPr>
+            <p:cNvCxnSpPr>
+              <a:cxnSpLocks/>
+            </p:cNvCxnSpPr>
+            <p:nvPr/>
+          </p:nvCxnSpPr>
+          <p:spPr>
+            <a:xfrm flipV="1">
+              <a:off x="11403091" y="601937"/>
+              <a:ext cx="0" cy="412870"/>
+            </a:xfrm>
+            <a:prstGeom prst="straightConnector1">
+              <a:avLst/>
+            </a:prstGeom>
+            <a:noFill/>
+            <a:ln w="19050" cap="flat" cmpd="sng">
+              <a:solidFill>
+                <a:schemeClr val="dk1"/>
+              </a:solidFill>
+              <a:prstDash val="solid"/>
+              <a:round/>
+              <a:headEnd type="none" w="med" len="med"/>
+              <a:tailEnd type="none" w="med" len="med"/>
+            </a:ln>
+          </p:spPr>
+        </p:cxnSp>
+        <p:cxnSp>
+          <p:nvCxnSpPr>
+            <p:cNvPr id="16" name="Google Shape;59;p13">
+              <a:extLst>
+                <a:ext uri="{FF2B5EF4-FFF2-40B4-BE49-F238E27FC236}">
+                  <a16:creationId xmlns:a16="http://schemas.microsoft.com/office/drawing/2014/main" id="{FB262304-6812-C8F6-44D8-02F8C3A88FE8}"/>
+                </a:ext>
+              </a:extLst>
+            </p:cNvPr>
+            <p:cNvCxnSpPr>
+              <a:cxnSpLocks/>
+            </p:cNvCxnSpPr>
+            <p:nvPr/>
+          </p:nvCxnSpPr>
+          <p:spPr>
+            <a:xfrm>
+              <a:off x="12377953" y="890537"/>
+              <a:ext cx="981835" cy="0"/>
+            </a:xfrm>
+            <a:prstGeom prst="straightConnector1">
+              <a:avLst/>
+            </a:prstGeom>
+            <a:noFill/>
+            <a:ln w="19050" cap="flat" cmpd="sng">
+              <a:solidFill>
+                <a:schemeClr val="dk1"/>
+              </a:solidFill>
+              <a:prstDash val="solid"/>
+              <a:round/>
+              <a:headEnd type="none" w="med" len="med"/>
+              <a:tailEnd type="none" w="med" len="med"/>
+            </a:ln>
+          </p:spPr>
+        </p:cxnSp>
+        <p:cxnSp>
+          <p:nvCxnSpPr>
+            <p:cNvPr id="17" name="Google Shape;60;p13">
+              <a:extLst>
+                <a:ext uri="{FF2B5EF4-FFF2-40B4-BE49-F238E27FC236}">
+                  <a16:creationId xmlns:a16="http://schemas.microsoft.com/office/drawing/2014/main" id="{E61751BB-B2B5-7C2D-EE80-C064DA7BA8BD}"/>
+                </a:ext>
+              </a:extLst>
+            </p:cNvPr>
+            <p:cNvCxnSpPr>
+              <a:cxnSpLocks/>
+            </p:cNvCxnSpPr>
+            <p:nvPr/>
+          </p:nvCxnSpPr>
+          <p:spPr>
+            <a:xfrm flipV="1">
+              <a:off x="12380082" y="882389"/>
+              <a:ext cx="0" cy="136492"/>
+            </a:xfrm>
+            <a:prstGeom prst="straightConnector1">
+              <a:avLst/>
+            </a:prstGeom>
+            <a:noFill/>
+            <a:ln w="19050" cap="flat" cmpd="sng">
+              <a:solidFill>
+                <a:schemeClr val="dk1"/>
+              </a:solidFill>
+              <a:prstDash val="solid"/>
+              <a:round/>
+              <a:headEnd type="none" w="med" len="med"/>
+              <a:tailEnd type="none" w="med" len="med"/>
+            </a:ln>
+          </p:spPr>
+        </p:cxnSp>
+        <p:sp>
+          <p:nvSpPr>
+            <p:cNvPr id="18" name="Google Shape;61;p13">
+              <a:extLst>
+                <a:ext uri="{FF2B5EF4-FFF2-40B4-BE49-F238E27FC236}">
+                  <a16:creationId xmlns:a16="http://schemas.microsoft.com/office/drawing/2014/main" id="{5A675CEA-E701-3433-3423-14433A2AB7B9}"/>
+                </a:ext>
+              </a:extLst>
+            </p:cNvPr>
+            <p:cNvSpPr txBox="1"/>
+            <p:nvPr/>
+          </p:nvSpPr>
+          <p:spPr>
+            <a:xfrm>
+              <a:off x="12377953" y="571637"/>
+              <a:ext cx="966938" cy="306678"/>
+            </a:xfrm>
+            <a:prstGeom prst="rect">
+              <a:avLst/>
+            </a:prstGeom>
+            <a:noFill/>
+            <a:ln>
+              <a:noFill/>
+            </a:ln>
+          </p:spPr>
+          <p:txBody>
+            <a:bodyPr spcFirstLastPara="1" wrap="square" lIns="91425" tIns="91425" rIns="91425" bIns="91425" anchor="t" anchorCtr="0">
+              <a:noAutofit/>
+            </a:bodyPr>
+            <a:lstStyle/>
+            <a:p>
+              <a:pPr algn="ctr"/>
+              <a:r>
+                <a:rPr lang="en-GB" sz="2400" dirty="0"/>
+                <a:t>*</a:t>
+              </a:r>
+              <a:endParaRPr sz="2400" dirty="0"/>
+            </a:p>
+          </p:txBody>
+        </p:sp>
+        <p:cxnSp>
+          <p:nvCxnSpPr>
+            <p:cNvPr id="23" name="Google Shape;60;p13">
+              <a:extLst>
+                <a:ext uri="{FF2B5EF4-FFF2-40B4-BE49-F238E27FC236}">
+                  <a16:creationId xmlns:a16="http://schemas.microsoft.com/office/drawing/2014/main" id="{EBB07E3E-2EFB-AA54-4C3E-228D137AEB08}"/>
+                </a:ext>
+              </a:extLst>
+            </p:cNvPr>
+            <p:cNvCxnSpPr>
+              <a:cxnSpLocks/>
+            </p:cNvCxnSpPr>
+            <p:nvPr/>
+          </p:nvCxnSpPr>
+          <p:spPr>
+            <a:xfrm flipV="1">
+              <a:off x="13353404" y="606011"/>
+              <a:ext cx="0" cy="1731611"/>
+            </a:xfrm>
+            <a:prstGeom prst="straightConnector1">
+              <a:avLst/>
+            </a:prstGeom>
+            <a:noFill/>
+            <a:ln w="19050" cap="flat" cmpd="sng">
+              <a:solidFill>
+                <a:schemeClr val="dk1"/>
+              </a:solidFill>
+              <a:prstDash val="solid"/>
+              <a:round/>
+              <a:headEnd type="none" w="med" len="med"/>
+              <a:tailEnd type="none" w="med" len="med"/>
+            </a:ln>
+          </p:spPr>
+        </p:cxnSp>
+        <p:cxnSp>
+          <p:nvCxnSpPr>
+            <p:cNvPr id="28" name="Google Shape;59;p13">
+              <a:extLst>
+                <a:ext uri="{FF2B5EF4-FFF2-40B4-BE49-F238E27FC236}">
+                  <a16:creationId xmlns:a16="http://schemas.microsoft.com/office/drawing/2014/main" id="{49E810F9-BD02-0DC0-0AB6-C10EF70EF43A}"/>
+                </a:ext>
+              </a:extLst>
+            </p:cNvPr>
+            <p:cNvCxnSpPr>
+              <a:cxnSpLocks/>
+            </p:cNvCxnSpPr>
+            <p:nvPr/>
+          </p:nvCxnSpPr>
+          <p:spPr>
+            <a:xfrm>
+              <a:off x="11403091" y="610085"/>
+              <a:ext cx="1958826" cy="0"/>
+            </a:xfrm>
+            <a:prstGeom prst="straightConnector1">
+              <a:avLst/>
+            </a:prstGeom>
+            <a:noFill/>
+            <a:ln w="19050" cap="flat" cmpd="sng">
+              <a:solidFill>
+                <a:schemeClr val="dk1"/>
+              </a:solidFill>
+              <a:prstDash val="solid"/>
+              <a:round/>
+              <a:headEnd type="none" w="med" len="med"/>
+              <a:tailEnd type="none" w="med" len="med"/>
+            </a:ln>
+          </p:spPr>
+        </p:cxnSp>
+        <p:sp>
+          <p:nvSpPr>
+            <p:cNvPr id="67" name="Google Shape;61;p13">
+              <a:extLst>
+                <a:ext uri="{FF2B5EF4-FFF2-40B4-BE49-F238E27FC236}">
+                  <a16:creationId xmlns:a16="http://schemas.microsoft.com/office/drawing/2014/main" id="{65BE50E7-96BC-A70F-9952-9D3C9C7964B7}"/>
+                </a:ext>
+              </a:extLst>
+            </p:cNvPr>
+            <p:cNvSpPr txBox="1"/>
+            <p:nvPr/>
+          </p:nvSpPr>
+          <p:spPr>
+            <a:xfrm>
+              <a:off x="11403090" y="304798"/>
+              <a:ext cx="1956698" cy="306678"/>
+            </a:xfrm>
+            <a:prstGeom prst="rect">
+              <a:avLst/>
+            </a:prstGeom>
+            <a:noFill/>
+            <a:ln>
+              <a:noFill/>
+            </a:ln>
+          </p:spPr>
+          <p:txBody>
+            <a:bodyPr spcFirstLastPara="1" wrap="square" lIns="91425" tIns="91425" rIns="91425" bIns="91425" anchor="t" anchorCtr="0">
+              <a:noAutofit/>
+            </a:bodyPr>
+            <a:lstStyle/>
+            <a:p>
+              <a:pPr algn="ctr"/>
+              <a:r>
+                <a:rPr lang="en-GB" sz="2400" dirty="0"/>
+                <a:t>*</a:t>
+              </a:r>
+              <a:endParaRPr sz="2400" dirty="0"/>
+            </a:p>
+          </p:txBody>
+        </p:sp>
+        <p:sp>
+          <p:nvSpPr>
+            <p:cNvPr id="82" name="TextBox 81">
+              <a:extLst>
+                <a:ext uri="{FF2B5EF4-FFF2-40B4-BE49-F238E27FC236}">
+                  <a16:creationId xmlns:a16="http://schemas.microsoft.com/office/drawing/2014/main" id="{B6E2C364-F808-8A0B-1E39-75BE708A19EB}"/>
+                </a:ext>
+              </a:extLst>
+            </p:cNvPr>
+            <p:cNvSpPr txBox="1"/>
+            <p:nvPr/>
+          </p:nvSpPr>
+          <p:spPr>
+            <a:xfrm>
+              <a:off x="10587725" y="4715292"/>
+              <a:ext cx="281940" cy="307777"/>
+            </a:xfrm>
+            <a:prstGeom prst="rect">
+              <a:avLst/>
+            </a:prstGeom>
+            <a:noFill/>
+          </p:spPr>
+          <p:txBody>
+            <a:bodyPr wrap="square" rtlCol="0">
+              <a:spAutoFit/>
+            </a:bodyPr>
+            <a:lstStyle/>
+            <a:p>
+              <a:r>
+                <a:rPr lang="en-US" dirty="0"/>
+                <a:t>b</a:t>
+              </a:r>
+              <a:endParaRPr lang="en-AU" dirty="0"/>
+            </a:p>
+          </p:txBody>
+        </p:sp>
+      </p:grpSp>
+      <p:sp>
+        <p:nvSpPr>
+          <p:cNvPr id="29" name="TextBox 28">
+            <a:extLst>
+              <a:ext uri="{FF2B5EF4-FFF2-40B4-BE49-F238E27FC236}">
+                <a16:creationId xmlns:a16="http://schemas.microsoft.com/office/drawing/2014/main" id="{153201E5-91E5-479F-85B9-00E7A232916B}"/>
+              </a:ext>
+            </a:extLst>
+          </p:cNvPr>
+          <p:cNvSpPr txBox="1"/>
+          <p:nvPr/>
+        </p:nvSpPr>
+        <p:spPr>
+          <a:xfrm>
+            <a:off x="631185" y="4763188"/>
+            <a:ext cx="963589" cy="230832"/>
+          </a:xfrm>
+          <a:prstGeom prst="rect">
+            <a:avLst/>
+          </a:prstGeom>
+          <a:noFill/>
+        </p:spPr>
+        <p:txBody>
+          <a:bodyPr wrap="square" rtlCol="0">
+            <a:spAutoFit/>
+          </a:bodyPr>
+          <a:lstStyle/>
+          <a:p>
+            <a:pPr algn="ctr"/>
+            <a:r>
+              <a:rPr lang="en-AU" sz="900" b="1" dirty="0"/>
+              <a:t>Furniture</a:t>
+            </a:r>
+          </a:p>
+        </p:txBody>
+      </p:sp>
+      <p:sp>
+        <p:nvSpPr>
+          <p:cNvPr id="30" name="TextBox 29">
+            <a:extLst>
+              <a:ext uri="{FF2B5EF4-FFF2-40B4-BE49-F238E27FC236}">
+                <a16:creationId xmlns:a16="http://schemas.microsoft.com/office/drawing/2014/main" id="{70C496F2-28C4-4EA4-BB39-2DF77E78195C}"/>
+              </a:ext>
+            </a:extLst>
+          </p:cNvPr>
+          <p:cNvSpPr txBox="1"/>
+          <p:nvPr/>
+        </p:nvSpPr>
+        <p:spPr>
+          <a:xfrm>
+            <a:off x="1639644" y="4763188"/>
+            <a:ext cx="1057208" cy="230832"/>
+          </a:xfrm>
+          <a:prstGeom prst="rect">
+            <a:avLst/>
+          </a:prstGeom>
+          <a:noFill/>
+        </p:spPr>
+        <p:txBody>
+          <a:bodyPr wrap="square" rtlCol="0">
+            <a:spAutoFit/>
+          </a:bodyPr>
+          <a:lstStyle/>
+          <a:p>
+            <a:pPr algn="ctr"/>
+            <a:r>
+              <a:rPr lang="en-AU" sz="900" b="1" dirty="0" err="1"/>
+              <a:t>NoFurniture</a:t>
+            </a:r>
+            <a:endParaRPr lang="en-AU" sz="900" b="1" dirty="0"/>
+          </a:p>
+        </p:txBody>
+      </p:sp>
+      <p:sp>
+        <p:nvSpPr>
+          <p:cNvPr id="31" name="TextBox 30">
+            <a:extLst>
+              <a:ext uri="{FF2B5EF4-FFF2-40B4-BE49-F238E27FC236}">
+                <a16:creationId xmlns:a16="http://schemas.microsoft.com/office/drawing/2014/main" id="{0EC15CCD-E1CE-4EFD-ABCC-E011D7F71B64}"/>
+              </a:ext>
+            </a:extLst>
+          </p:cNvPr>
+          <p:cNvSpPr txBox="1"/>
+          <p:nvPr/>
+        </p:nvSpPr>
+        <p:spPr>
+          <a:xfrm>
+            <a:off x="3903800" y="4694493"/>
+            <a:ext cx="1221164" cy="400110"/>
+          </a:xfrm>
+          <a:prstGeom prst="rect">
+            <a:avLst/>
+          </a:prstGeom>
+          <a:noFill/>
+        </p:spPr>
+        <p:txBody>
+          <a:bodyPr wrap="square" rtlCol="0">
+            <a:spAutoFit/>
+          </a:bodyPr>
+          <a:lstStyle/>
+          <a:p>
+            <a:pPr algn="ctr"/>
+            <a:r>
+              <a:rPr lang="en-AU" sz="1000" b="1" dirty="0"/>
+              <a:t>Furniture-</a:t>
+            </a:r>
+          </a:p>
+          <a:p>
+            <a:pPr algn="ctr"/>
+            <a:r>
+              <a:rPr lang="en-AU" sz="1000" b="1" dirty="0"/>
+              <a:t>Irregular</a:t>
+            </a:r>
+          </a:p>
+        </p:txBody>
+      </p:sp>
+      <p:sp>
+        <p:nvSpPr>
+          <p:cNvPr id="32" name="TextBox 31">
+            <a:extLst>
+              <a:ext uri="{FF2B5EF4-FFF2-40B4-BE49-F238E27FC236}">
+                <a16:creationId xmlns:a16="http://schemas.microsoft.com/office/drawing/2014/main" id="{74B7103B-80B7-4F40-A446-D46D7E6E6291}"/>
+              </a:ext>
+            </a:extLst>
+          </p:cNvPr>
+          <p:cNvSpPr txBox="1"/>
+          <p:nvPr/>
+        </p:nvSpPr>
+        <p:spPr>
+          <a:xfrm>
+            <a:off x="4875496" y="4694493"/>
+            <a:ext cx="1221164" cy="400110"/>
+          </a:xfrm>
+          <a:prstGeom prst="rect">
+            <a:avLst/>
+          </a:prstGeom>
+          <a:noFill/>
+        </p:spPr>
+        <p:txBody>
+          <a:bodyPr wrap="square" rtlCol="0">
+            <a:spAutoFit/>
+          </a:bodyPr>
+          <a:lstStyle/>
+          <a:p>
+            <a:pPr algn="ctr"/>
+            <a:r>
+              <a:rPr lang="en-AU" sz="1000" b="1" dirty="0"/>
+              <a:t>Furniture-</a:t>
+            </a:r>
+          </a:p>
+          <a:p>
+            <a:pPr algn="ctr"/>
+            <a:r>
+              <a:rPr lang="en-AU" sz="1000" b="1" dirty="0"/>
+              <a:t>Regular</a:t>
+            </a:r>
+          </a:p>
+        </p:txBody>
+      </p:sp>
+      <p:sp>
+        <p:nvSpPr>
+          <p:cNvPr id="33" name="TextBox 32">
+            <a:extLst>
+              <a:ext uri="{FF2B5EF4-FFF2-40B4-BE49-F238E27FC236}">
+                <a16:creationId xmlns:a16="http://schemas.microsoft.com/office/drawing/2014/main" id="{4A63E84C-F59F-42D7-BED4-325BC10AEADB}"/>
+              </a:ext>
+            </a:extLst>
+          </p:cNvPr>
+          <p:cNvSpPr txBox="1"/>
+          <p:nvPr/>
+        </p:nvSpPr>
+        <p:spPr>
+          <a:xfrm>
+            <a:off x="5831978" y="4694493"/>
+            <a:ext cx="1221164" cy="400110"/>
+          </a:xfrm>
+          <a:prstGeom prst="rect">
+            <a:avLst/>
+          </a:prstGeom>
+          <a:noFill/>
+        </p:spPr>
+        <p:txBody>
+          <a:bodyPr wrap="square" rtlCol="0">
+            <a:spAutoFit/>
+          </a:bodyPr>
+          <a:lstStyle/>
+          <a:p>
+            <a:pPr algn="ctr"/>
+            <a:r>
+              <a:rPr lang="en-AU" sz="1000" b="1" dirty="0" err="1"/>
+              <a:t>NoFurniture</a:t>
+            </a:r>
+            <a:r>
+              <a:rPr lang="en-AU" sz="1000" b="1" dirty="0"/>
+              <a:t>-</a:t>
+            </a:r>
+          </a:p>
+          <a:p>
+            <a:pPr algn="ctr"/>
+            <a:r>
+              <a:rPr lang="en-AU" sz="1000" b="1" dirty="0"/>
+              <a:t>Irregular</a:t>
+            </a:r>
+          </a:p>
+        </p:txBody>
+      </p:sp>
+      <p:sp>
+        <p:nvSpPr>
+          <p:cNvPr id="34" name="TextBox 33">
+            <a:extLst>
+              <a:ext uri="{FF2B5EF4-FFF2-40B4-BE49-F238E27FC236}">
+                <a16:creationId xmlns:a16="http://schemas.microsoft.com/office/drawing/2014/main" id="{62DB307E-339C-418A-B89C-29B75E421419}"/>
+              </a:ext>
+            </a:extLst>
+          </p:cNvPr>
+          <p:cNvSpPr txBox="1"/>
+          <p:nvPr/>
+        </p:nvSpPr>
+        <p:spPr>
+          <a:xfrm>
+            <a:off x="6798897" y="4694493"/>
+            <a:ext cx="1221164" cy="400110"/>
+          </a:xfrm>
+          <a:prstGeom prst="rect">
+            <a:avLst/>
+          </a:prstGeom>
+          <a:noFill/>
+        </p:spPr>
+        <p:txBody>
+          <a:bodyPr wrap="square" rtlCol="0">
+            <a:spAutoFit/>
+          </a:bodyPr>
+          <a:lstStyle/>
+          <a:p>
+            <a:pPr algn="ctr"/>
+            <a:r>
+              <a:rPr lang="en-AU" sz="1000" b="1" dirty="0" err="1"/>
+              <a:t>NoFurniture</a:t>
+            </a:r>
+            <a:r>
+              <a:rPr lang="en-AU" sz="1000" b="1" dirty="0"/>
+              <a:t>-</a:t>
+            </a:r>
+          </a:p>
+          <a:p>
+            <a:pPr algn="ctr"/>
+            <a:r>
+              <a:rPr lang="en-AU" sz="1000" b="1" dirty="0"/>
+              <a:t>Regular</a:t>
+            </a:r>
+          </a:p>
+        </p:txBody>
+      </p:sp>
+      <p:sp>
+        <p:nvSpPr>
+          <p:cNvPr id="35" name="TextBox 34">
+            <a:extLst>
+              <a:ext uri="{FF2B5EF4-FFF2-40B4-BE49-F238E27FC236}">
+                <a16:creationId xmlns:a16="http://schemas.microsoft.com/office/drawing/2014/main" id="{EC3FC811-0B03-4B06-A4EB-59B301ABB117}"/>
+              </a:ext>
+            </a:extLst>
+          </p:cNvPr>
+          <p:cNvSpPr txBox="1"/>
+          <p:nvPr/>
+        </p:nvSpPr>
+        <p:spPr>
+          <a:xfrm>
+            <a:off x="8613835" y="4694493"/>
+            <a:ext cx="1221164" cy="400110"/>
+          </a:xfrm>
+          <a:prstGeom prst="rect">
+            <a:avLst/>
+          </a:prstGeom>
+          <a:noFill/>
+        </p:spPr>
+        <p:txBody>
+          <a:bodyPr wrap="square" rtlCol="0">
+            <a:spAutoFit/>
+          </a:bodyPr>
+          <a:lstStyle/>
+          <a:p>
+            <a:pPr algn="ctr"/>
+            <a:r>
+              <a:rPr lang="en-AU" sz="1000" b="1" dirty="0"/>
+              <a:t>Furniture-</a:t>
+            </a:r>
+          </a:p>
+          <a:p>
+            <a:pPr algn="ctr"/>
+            <a:r>
+              <a:rPr lang="en-AU" sz="1000" b="1" dirty="0"/>
+              <a:t>Irregular</a:t>
+            </a:r>
+          </a:p>
+        </p:txBody>
+      </p:sp>
+      <p:sp>
+        <p:nvSpPr>
+          <p:cNvPr id="36" name="TextBox 35">
+            <a:extLst>
+              <a:ext uri="{FF2B5EF4-FFF2-40B4-BE49-F238E27FC236}">
+                <a16:creationId xmlns:a16="http://schemas.microsoft.com/office/drawing/2014/main" id="{10ADB7BC-7784-4CFD-8031-4673EBEFEE2A}"/>
+              </a:ext>
+            </a:extLst>
+          </p:cNvPr>
+          <p:cNvSpPr txBox="1"/>
+          <p:nvPr/>
+        </p:nvSpPr>
+        <p:spPr>
+          <a:xfrm>
+            <a:off x="9516933" y="4694493"/>
+            <a:ext cx="1221164" cy="400110"/>
+          </a:xfrm>
+          <a:prstGeom prst="rect">
+            <a:avLst/>
+          </a:prstGeom>
+          <a:noFill/>
+        </p:spPr>
+        <p:txBody>
+          <a:bodyPr wrap="square" rtlCol="0">
+            <a:spAutoFit/>
+          </a:bodyPr>
+          <a:lstStyle/>
+          <a:p>
+            <a:pPr algn="ctr"/>
+            <a:r>
+              <a:rPr lang="en-AU" sz="1000" b="1" dirty="0"/>
+              <a:t>Furniture-</a:t>
+            </a:r>
+          </a:p>
+          <a:p>
+            <a:pPr algn="ctr"/>
+            <a:r>
+              <a:rPr lang="en-AU" sz="1000" b="1" dirty="0"/>
+              <a:t>Regular</a:t>
+            </a:r>
+          </a:p>
+        </p:txBody>
+      </p:sp>
+      <p:sp>
+        <p:nvSpPr>
+          <p:cNvPr id="37" name="TextBox 36">
+            <a:extLst>
+              <a:ext uri="{FF2B5EF4-FFF2-40B4-BE49-F238E27FC236}">
+                <a16:creationId xmlns:a16="http://schemas.microsoft.com/office/drawing/2014/main" id="{FED84D8A-947C-4A43-B367-1DA08682FBAA}"/>
+              </a:ext>
+            </a:extLst>
+          </p:cNvPr>
+          <p:cNvSpPr txBox="1"/>
+          <p:nvPr/>
+        </p:nvSpPr>
+        <p:spPr>
+          <a:xfrm>
+            <a:off x="10408090" y="4695066"/>
+            <a:ext cx="1221164" cy="400110"/>
+          </a:xfrm>
+          <a:prstGeom prst="rect">
+            <a:avLst/>
+          </a:prstGeom>
+          <a:noFill/>
+        </p:spPr>
+        <p:txBody>
+          <a:bodyPr wrap="square" rtlCol="0">
+            <a:spAutoFit/>
+          </a:bodyPr>
+          <a:lstStyle/>
+          <a:p>
+            <a:pPr algn="ctr"/>
+            <a:r>
+              <a:rPr lang="en-AU" sz="1000" b="1" dirty="0" err="1"/>
+              <a:t>NoFurniture</a:t>
+            </a:r>
+            <a:r>
+              <a:rPr lang="en-AU" sz="1000" b="1" dirty="0"/>
+              <a:t>-</a:t>
+            </a:r>
+          </a:p>
+          <a:p>
+            <a:pPr algn="ctr"/>
+            <a:r>
+              <a:rPr lang="en-AU" sz="1000" b="1" dirty="0"/>
+              <a:t>Irregular</a:t>
+            </a:r>
+          </a:p>
+        </p:txBody>
+      </p:sp>
+      <p:sp>
+        <p:nvSpPr>
+          <p:cNvPr id="38" name="TextBox 37">
+            <a:extLst>
+              <a:ext uri="{FF2B5EF4-FFF2-40B4-BE49-F238E27FC236}">
+                <a16:creationId xmlns:a16="http://schemas.microsoft.com/office/drawing/2014/main" id="{6FD771EF-96EF-43BB-A5CC-15C6E086B2D4}"/>
+              </a:ext>
+            </a:extLst>
+          </p:cNvPr>
+          <p:cNvSpPr txBox="1"/>
+          <p:nvPr/>
+        </p:nvSpPr>
+        <p:spPr>
+          <a:xfrm>
+            <a:off x="11311188" y="4699475"/>
+            <a:ext cx="1221164" cy="400110"/>
+          </a:xfrm>
+          <a:prstGeom prst="rect">
+            <a:avLst/>
+          </a:prstGeom>
+          <a:noFill/>
+        </p:spPr>
+        <p:txBody>
+          <a:bodyPr wrap="square" rtlCol="0">
+            <a:spAutoFit/>
+          </a:bodyPr>
+          <a:lstStyle/>
+          <a:p>
+            <a:pPr algn="ctr"/>
+            <a:r>
+              <a:rPr lang="en-AU" sz="1000" b="1" dirty="0" err="1"/>
+              <a:t>NoFurniture</a:t>
+            </a:r>
+            <a:r>
+              <a:rPr lang="en-AU" sz="1000" b="1" dirty="0"/>
+              <a:t>-</a:t>
+            </a:r>
+          </a:p>
+          <a:p>
+            <a:pPr algn="ctr"/>
+            <a:r>
+              <a:rPr lang="en-AU" sz="1000" b="1" dirty="0"/>
+              <a:t>Regular</a:t>
+            </a:r>
+          </a:p>
+        </p:txBody>
+      </p:sp>
+    </p:spTree>
+  </p:cSld>
+  <p:clrMapOvr>
+    <a:masterClrMapping/>
+  </p:clrMapOvr>
+</p:sld>
+</file>
+
+<file path=ppt/slides/slide6.xml><?xml version="1.0" encoding="utf-8"?>
+<p:sld xmlns:a="http://schemas.openxmlformats.org/drawingml/2006/main" xmlns:r="http://schemas.openxmlformats.org/officeDocument/2006/relationships" xmlns:p="http://schemas.openxmlformats.org/presentationml/2006/main">
+  <p:cSld>
+    <p:bg>
+      <p:bgPr>
+        <a:solidFill>
+          <a:schemeClr val="bg2"/>
+        </a:solidFill>
+        <a:effectLst/>
+      </p:bgPr>
+    </p:bg>
+    <p:spTree>
+      <p:nvGrpSpPr>
+        <p:cNvPr id="1" name="Shape 80"/>
+        <p:cNvGrpSpPr/>
+        <p:nvPr/>
+      </p:nvGrpSpPr>
+      <p:grpSpPr>
+        <a:xfrm>
+          <a:off x="0" y="0"/>
+          <a:ext cx="0" cy="0"/>
+          <a:chOff x="0" y="0"/>
+          <a:chExt cx="0" cy="0"/>
+        </a:xfrm>
+      </p:grpSpPr>
+      <p:grpSp>
+        <p:nvGrpSpPr>
+          <p:cNvPr id="18" name="Group 17">
+            <a:extLst>
+              <a:ext uri="{FF2B5EF4-FFF2-40B4-BE49-F238E27FC236}">
+                <a16:creationId xmlns:a16="http://schemas.microsoft.com/office/drawing/2014/main" id="{6D0A4487-AB78-4B16-A07C-ACA12A599B89}"/>
+              </a:ext>
+            </a:extLst>
+          </p:cNvPr>
+          <p:cNvGrpSpPr/>
+          <p:nvPr/>
+        </p:nvGrpSpPr>
+        <p:grpSpPr>
+          <a:xfrm>
+            <a:off x="0" y="108498"/>
+            <a:ext cx="13245742" cy="5000767"/>
+            <a:chOff x="0" y="108498"/>
+            <a:chExt cx="13245742" cy="5000767"/>
+          </a:xfrm>
+        </p:grpSpPr>
+        <p:sp>
+          <p:nvSpPr>
+            <p:cNvPr id="13" name="Rectangle 12">
+              <a:extLst>
+                <a:ext uri="{FF2B5EF4-FFF2-40B4-BE49-F238E27FC236}">
+                  <a16:creationId xmlns:a16="http://schemas.microsoft.com/office/drawing/2014/main" id="{D743ACEA-90E6-5FC0-4E62-2E507DE3B6FF}"/>
+                </a:ext>
+              </a:extLst>
+            </p:cNvPr>
+            <p:cNvSpPr/>
+            <p:nvPr/>
+          </p:nvSpPr>
+          <p:spPr>
+            <a:xfrm>
+              <a:off x="0" y="108498"/>
+              <a:ext cx="13210411" cy="5000767"/>
+            </a:xfrm>
+            <a:prstGeom prst="rect">
+              <a:avLst/>
+            </a:prstGeom>
+            <a:solidFill>
+              <a:schemeClr val="bg1"/>
+            </a:solidFill>
+            <a:ln>
+              <a:noFill/>
+            </a:ln>
+          </p:spPr>
+          <p:style>
+            <a:lnRef idx="2">
+              <a:schemeClr val="accent1">
+                <a:shade val="50000"/>
+              </a:schemeClr>
+            </a:lnRef>
+            <a:fillRef idx="1">
+              <a:schemeClr val="accent1"/>
+            </a:fillRef>
+            <a:effectRef idx="0">
+              <a:schemeClr val="accent1"/>
+            </a:effectRef>
+            <a:fontRef idx="minor">
+              <a:schemeClr val="lt1"/>
+            </a:fontRef>
+          </p:style>
+          <p:txBody>
+            <a:bodyPr rtlCol="0" anchor="ctr"/>
+            <a:lstStyle/>
+            <a:p>
+              <a:pPr algn="ctr"/>
+              <a:endParaRPr lang="en-AU" dirty="0">
+                <a:solidFill>
+                  <a:schemeClr val="bg1"/>
+                </a:solidFill>
+              </a:endParaRPr>
+            </a:p>
+          </p:txBody>
+        </p:sp>
+        <p:pic>
+          <p:nvPicPr>
+            <p:cNvPr id="5" name="Google Shape;55;p13">
+              <a:extLst>
+                <a:ext uri="{FF2B5EF4-FFF2-40B4-BE49-F238E27FC236}">
+                  <a16:creationId xmlns:a16="http://schemas.microsoft.com/office/drawing/2014/main" id="{027ACC19-A9FF-3981-6AD7-9BD154765EEF}"/>
+                </a:ext>
+              </a:extLst>
+            </p:cNvPr>
+            <p:cNvPicPr preferRelativeResize="0"/>
+            <p:nvPr/>
+          </p:nvPicPr>
+          <p:blipFill rotWithShape="1">
+            <a:blip r:embed="rId3">
+              <a:alphaModFix/>
+            </a:blip>
+            <a:srcRect r="21120" b="6480"/>
+            <a:stretch/>
+          </p:blipFill>
+          <p:spPr>
+            <a:xfrm>
+              <a:off x="4134995" y="718674"/>
+              <a:ext cx="4537708" cy="4034937"/>
+            </a:xfrm>
+            <a:prstGeom prst="rect">
+              <a:avLst/>
+            </a:prstGeom>
+            <a:noFill/>
+            <a:ln>
+              <a:noFill/>
+            </a:ln>
+          </p:spPr>
+        </p:pic>
+        <p:pic>
+          <p:nvPicPr>
+            <p:cNvPr id="7" name="Google Shape;57;p13">
+              <a:extLst>
+                <a:ext uri="{FF2B5EF4-FFF2-40B4-BE49-F238E27FC236}">
+                  <a16:creationId xmlns:a16="http://schemas.microsoft.com/office/drawing/2014/main" id="{10F94A7C-88E9-5C51-67B3-A0D626F0ED7E}"/>
+                </a:ext>
+              </a:extLst>
+            </p:cNvPr>
+            <p:cNvPicPr preferRelativeResize="0"/>
+            <p:nvPr/>
+          </p:nvPicPr>
+          <p:blipFill rotWithShape="1">
+            <a:blip r:embed="rId4">
+              <a:alphaModFix/>
+            </a:blip>
+            <a:srcRect r="30302" b="6315"/>
+            <a:stretch/>
+          </p:blipFill>
+          <p:spPr>
+            <a:xfrm>
+              <a:off x="0" y="720478"/>
+              <a:ext cx="2004763" cy="4042022"/>
+            </a:xfrm>
+            <a:prstGeom prst="rect">
+              <a:avLst/>
+            </a:prstGeom>
+            <a:noFill/>
+            <a:ln>
+              <a:noFill/>
+            </a:ln>
+          </p:spPr>
+        </p:pic>
+        <p:cxnSp>
+          <p:nvCxnSpPr>
+            <p:cNvPr id="8" name="Google Shape;58;p13">
+              <a:extLst>
+                <a:ext uri="{FF2B5EF4-FFF2-40B4-BE49-F238E27FC236}">
+                  <a16:creationId xmlns:a16="http://schemas.microsoft.com/office/drawing/2014/main" id="{46962B81-738C-975C-4D3F-B26A335B9574}"/>
+                </a:ext>
+              </a:extLst>
+            </p:cNvPr>
+            <p:cNvCxnSpPr>
+              <a:cxnSpLocks/>
+            </p:cNvCxnSpPr>
+            <p:nvPr/>
+          </p:nvCxnSpPr>
+          <p:spPr>
+            <a:xfrm flipV="1">
+              <a:off x="901050" y="476928"/>
+              <a:ext cx="0" cy="541525"/>
+            </a:xfrm>
+            <a:prstGeom prst="straightConnector1">
+              <a:avLst/>
+            </a:prstGeom>
+            <a:noFill/>
+            <a:ln w="19050" cap="flat" cmpd="sng">
+              <a:solidFill>
+                <a:schemeClr val="dk1"/>
+              </a:solidFill>
+              <a:prstDash val="solid"/>
+              <a:round/>
+              <a:headEnd type="none" w="med" len="med"/>
+              <a:tailEnd type="none" w="med" len="med"/>
+            </a:ln>
+          </p:spPr>
+        </p:cxnSp>
+        <p:cxnSp>
+          <p:nvCxnSpPr>
+            <p:cNvPr id="9" name="Google Shape;59;p13">
+              <a:extLst>
+                <a:ext uri="{FF2B5EF4-FFF2-40B4-BE49-F238E27FC236}">
+                  <a16:creationId xmlns:a16="http://schemas.microsoft.com/office/drawing/2014/main" id="{339EA3E9-41EE-D314-3767-DF4C845AB741}"/>
+                </a:ext>
+              </a:extLst>
+            </p:cNvPr>
+            <p:cNvCxnSpPr>
+              <a:cxnSpLocks/>
+            </p:cNvCxnSpPr>
+            <p:nvPr/>
+          </p:nvCxnSpPr>
+          <p:spPr>
+            <a:xfrm>
+              <a:off x="901050" y="486452"/>
+              <a:ext cx="698125" cy="0"/>
+            </a:xfrm>
+            <a:prstGeom prst="straightConnector1">
+              <a:avLst/>
+            </a:prstGeom>
+            <a:noFill/>
+            <a:ln w="19050" cap="flat" cmpd="sng">
+              <a:solidFill>
+                <a:schemeClr val="dk1"/>
+              </a:solidFill>
+              <a:prstDash val="solid"/>
+              <a:round/>
+              <a:headEnd type="none" w="med" len="med"/>
+              <a:tailEnd type="none" w="med" len="med"/>
+            </a:ln>
+          </p:spPr>
+        </p:cxnSp>
+        <p:cxnSp>
+          <p:nvCxnSpPr>
+            <p:cNvPr id="10" name="Google Shape;60;p13">
+              <a:extLst>
+                <a:ext uri="{FF2B5EF4-FFF2-40B4-BE49-F238E27FC236}">
+                  <a16:creationId xmlns:a16="http://schemas.microsoft.com/office/drawing/2014/main" id="{655AC665-672D-A2A1-B893-4F8EED5C882A}"/>
+                </a:ext>
+              </a:extLst>
+            </p:cNvPr>
+            <p:cNvCxnSpPr/>
+            <p:nvPr/>
+          </p:nvCxnSpPr>
+          <p:spPr>
+            <a:xfrm rot="10800000">
+              <a:off x="1589250" y="491752"/>
+              <a:ext cx="0" cy="283200"/>
+            </a:xfrm>
+            <a:prstGeom prst="straightConnector1">
+              <a:avLst/>
+            </a:prstGeom>
+            <a:noFill/>
+            <a:ln w="19050" cap="flat" cmpd="sng">
+              <a:solidFill>
+                <a:schemeClr val="dk1"/>
+              </a:solidFill>
+              <a:prstDash val="solid"/>
+              <a:round/>
+              <a:headEnd type="none" w="med" len="med"/>
+              <a:tailEnd type="none" w="med" len="med"/>
+            </a:ln>
+          </p:spPr>
+        </p:cxnSp>
+        <p:sp>
+          <p:nvSpPr>
+            <p:cNvPr id="11" name="Google Shape;61;p13">
+              <a:extLst>
+                <a:ext uri="{FF2B5EF4-FFF2-40B4-BE49-F238E27FC236}">
+                  <a16:creationId xmlns:a16="http://schemas.microsoft.com/office/drawing/2014/main" id="{591C140D-C4C0-CD44-115F-CD70982B611B}"/>
+                </a:ext>
+              </a:extLst>
+            </p:cNvPr>
+            <p:cNvSpPr txBox="1"/>
+            <p:nvPr/>
+          </p:nvSpPr>
+          <p:spPr>
+            <a:xfrm>
+              <a:off x="901050" y="127977"/>
+              <a:ext cx="688200" cy="341100"/>
+            </a:xfrm>
+            <a:prstGeom prst="rect">
+              <a:avLst/>
+            </a:prstGeom>
+            <a:noFill/>
+            <a:ln>
+              <a:noFill/>
+            </a:ln>
+          </p:spPr>
+          <p:txBody>
+            <a:bodyPr spcFirstLastPara="1" wrap="square" lIns="91425" tIns="91425" rIns="91425" bIns="91425" anchor="t" anchorCtr="0">
+              <a:noAutofit/>
+            </a:bodyPr>
+            <a:lstStyle/>
+            <a:p>
+              <a:pPr algn="ctr"/>
+              <a:r>
+                <a:rPr lang="en-GB" sz="2400" dirty="0"/>
+                <a:t>*</a:t>
+              </a:r>
+              <a:endParaRPr sz="2400" dirty="0"/>
+            </a:p>
+          </p:txBody>
+        </p:sp>
+        <p:pic>
+          <p:nvPicPr>
+            <p:cNvPr id="15" name="Picture 14" descr="A bar graph showing a number of objects&#10;&#10;Description automatically generated with medium confidence">
+              <a:extLst>
+                <a:ext uri="{FF2B5EF4-FFF2-40B4-BE49-F238E27FC236}">
+                  <a16:creationId xmlns:a16="http://schemas.microsoft.com/office/drawing/2014/main" id="{BCCF2FF2-CE98-BBBF-DF1E-B3F4A27672F5}"/>
+                </a:ext>
+              </a:extLst>
+            </p:cNvPr>
+            <p:cNvPicPr>
+              <a:picLocks noChangeAspect="1"/>
+            </p:cNvPicPr>
+            <p:nvPr/>
+          </p:nvPicPr>
+          <p:blipFill rotWithShape="1">
+            <a:blip r:embed="rId5"/>
+            <a:srcRect r="30302" b="6316"/>
+            <a:stretch/>
+          </p:blipFill>
+          <p:spPr>
+            <a:xfrm>
+              <a:off x="2067497" y="719577"/>
+              <a:ext cx="2004764" cy="4042023"/>
+            </a:xfrm>
+            <a:prstGeom prst="rect">
+              <a:avLst/>
+            </a:prstGeom>
+          </p:spPr>
+        </p:pic>
+        <p:pic>
+          <p:nvPicPr>
+            <p:cNvPr id="16" name="Picture 15" descr="A graph showing different colored squares&#10;&#10;Description automatically generated">
+              <a:extLst>
+                <a:ext uri="{FF2B5EF4-FFF2-40B4-BE49-F238E27FC236}">
+                  <a16:creationId xmlns:a16="http://schemas.microsoft.com/office/drawing/2014/main" id="{044426D3-86CF-2916-4091-262C44945223}"/>
+                </a:ext>
+              </a:extLst>
+            </p:cNvPr>
+            <p:cNvPicPr>
+              <a:picLocks noChangeAspect="1"/>
+            </p:cNvPicPr>
+            <p:nvPr/>
+          </p:nvPicPr>
+          <p:blipFill rotWithShape="1">
+            <a:blip r:embed="rId6"/>
+            <a:srcRect r="21120" b="6274"/>
+            <a:stretch/>
+          </p:blipFill>
+          <p:spPr>
+            <a:xfrm>
+              <a:off x="8672703" y="717772"/>
+              <a:ext cx="4537708" cy="4043828"/>
+            </a:xfrm>
+            <a:prstGeom prst="rect">
+              <a:avLst/>
+            </a:prstGeom>
+          </p:spPr>
+        </p:pic>
+        <p:pic>
+          <p:nvPicPr>
+            <p:cNvPr id="17" name="Picture 16" descr="A bar graph showing a number of objects&#10;&#10;Description automatically generated with medium confidence">
+              <a:extLst>
+                <a:ext uri="{FF2B5EF4-FFF2-40B4-BE49-F238E27FC236}">
+                  <a16:creationId xmlns:a16="http://schemas.microsoft.com/office/drawing/2014/main" id="{ADD1BB7A-9EC1-6496-7DDE-C5027DDCBD42}"/>
+                </a:ext>
+              </a:extLst>
+            </p:cNvPr>
+            <p:cNvPicPr>
+              <a:picLocks noChangeAspect="1"/>
+            </p:cNvPicPr>
+            <p:nvPr/>
+          </p:nvPicPr>
+          <p:blipFill rotWithShape="1">
+            <a:blip r:embed="rId5"/>
+            <a:srcRect l="71338" t="40404" b="44781"/>
+            <a:stretch/>
+          </p:blipFill>
+          <p:spPr>
+            <a:xfrm>
+              <a:off x="3275260" y="127977"/>
+              <a:ext cx="824404" cy="639192"/>
+            </a:xfrm>
+            <a:prstGeom prst="rect">
+              <a:avLst/>
+            </a:prstGeom>
+          </p:spPr>
+        </p:pic>
+        <p:sp>
+          <p:nvSpPr>
+            <p:cNvPr id="19" name="TextBox 18">
+              <a:extLst>
+                <a:ext uri="{FF2B5EF4-FFF2-40B4-BE49-F238E27FC236}">
+                  <a16:creationId xmlns:a16="http://schemas.microsoft.com/office/drawing/2014/main" id="{D4538021-7876-20BF-2AF2-1E5680E877E7}"/>
+                </a:ext>
+              </a:extLst>
+            </p:cNvPr>
+            <p:cNvSpPr txBox="1"/>
+            <p:nvPr/>
+          </p:nvSpPr>
+          <p:spPr>
+            <a:xfrm>
+              <a:off x="173236" y="4725423"/>
+              <a:ext cx="281940" cy="307777"/>
+            </a:xfrm>
+            <a:prstGeom prst="rect">
+              <a:avLst/>
+            </a:prstGeom>
+            <a:noFill/>
+          </p:spPr>
+          <p:txBody>
+            <a:bodyPr wrap="square" rtlCol="0">
+              <a:spAutoFit/>
+            </a:bodyPr>
+            <a:lstStyle/>
+            <a:p>
+              <a:r>
+                <a:rPr lang="en-US" dirty="0"/>
+                <a:t>a</a:t>
+              </a:r>
+              <a:endParaRPr lang="en-AU" dirty="0"/>
+            </a:p>
+          </p:txBody>
+        </p:sp>
+        <p:sp>
+          <p:nvSpPr>
+            <p:cNvPr id="20" name="TextBox 19">
+              <a:extLst>
+                <a:ext uri="{FF2B5EF4-FFF2-40B4-BE49-F238E27FC236}">
+                  <a16:creationId xmlns:a16="http://schemas.microsoft.com/office/drawing/2014/main" id="{68AC2E59-57FD-B995-452A-4289ADCBD828}"/>
+                </a:ext>
+              </a:extLst>
+            </p:cNvPr>
+            <p:cNvSpPr txBox="1"/>
+            <p:nvPr/>
+          </p:nvSpPr>
+          <p:spPr>
+            <a:xfrm>
+              <a:off x="2270175" y="4725423"/>
+              <a:ext cx="281940" cy="307777"/>
+            </a:xfrm>
+            <a:prstGeom prst="rect">
+              <a:avLst/>
+            </a:prstGeom>
+            <a:noFill/>
+          </p:spPr>
+          <p:txBody>
+            <a:bodyPr wrap="square" rtlCol="0">
+              <a:spAutoFit/>
+            </a:bodyPr>
+            <a:lstStyle/>
+            <a:p>
+              <a:r>
+                <a:rPr lang="en-US" dirty="0"/>
+                <a:t>b</a:t>
+              </a:r>
+              <a:endParaRPr lang="en-AU" dirty="0"/>
+            </a:p>
+          </p:txBody>
+        </p:sp>
+        <p:sp>
+          <p:nvSpPr>
+            <p:cNvPr id="21" name="TextBox 20">
+              <a:extLst>
+                <a:ext uri="{FF2B5EF4-FFF2-40B4-BE49-F238E27FC236}">
+                  <a16:creationId xmlns:a16="http://schemas.microsoft.com/office/drawing/2014/main" id="{FC92BD5D-2ECD-92EF-3186-0F23EF231ECB}"/>
+                </a:ext>
+              </a:extLst>
+            </p:cNvPr>
+            <p:cNvSpPr txBox="1"/>
+            <p:nvPr/>
+          </p:nvSpPr>
+          <p:spPr>
+            <a:xfrm>
+              <a:off x="4389035" y="4725423"/>
+              <a:ext cx="281940" cy="307777"/>
+            </a:xfrm>
+            <a:prstGeom prst="rect">
+              <a:avLst/>
+            </a:prstGeom>
+            <a:noFill/>
+          </p:spPr>
+          <p:txBody>
+            <a:bodyPr wrap="square" rtlCol="0">
+              <a:spAutoFit/>
+            </a:bodyPr>
+            <a:lstStyle/>
+            <a:p>
+              <a:r>
+                <a:rPr lang="en-US" dirty="0"/>
+                <a:t>c</a:t>
+              </a:r>
+              <a:endParaRPr lang="en-AU" dirty="0"/>
+            </a:p>
+          </p:txBody>
+        </p:sp>
+        <p:sp>
+          <p:nvSpPr>
+            <p:cNvPr id="22" name="TextBox 21">
+              <a:extLst>
+                <a:ext uri="{FF2B5EF4-FFF2-40B4-BE49-F238E27FC236}">
+                  <a16:creationId xmlns:a16="http://schemas.microsoft.com/office/drawing/2014/main" id="{AB84159E-CB40-BBCA-1C29-99FD5EC5CCF5}"/>
+                </a:ext>
+              </a:extLst>
+            </p:cNvPr>
+            <p:cNvSpPr txBox="1"/>
+            <p:nvPr/>
+          </p:nvSpPr>
+          <p:spPr>
+            <a:xfrm>
+              <a:off x="8958702" y="4725422"/>
+              <a:ext cx="281940" cy="307777"/>
+            </a:xfrm>
+            <a:prstGeom prst="rect">
+              <a:avLst/>
+            </a:prstGeom>
+            <a:noFill/>
+          </p:spPr>
+          <p:txBody>
+            <a:bodyPr wrap="square" rtlCol="0">
+              <a:spAutoFit/>
+            </a:bodyPr>
+            <a:lstStyle/>
+            <a:p>
+              <a:r>
+                <a:rPr lang="en-US" dirty="0"/>
+                <a:t>d</a:t>
+              </a:r>
+              <a:endParaRPr lang="en-AU" dirty="0"/>
+            </a:p>
+          </p:txBody>
+        </p:sp>
+        <p:pic>
+          <p:nvPicPr>
+            <p:cNvPr id="3" name="Picture 2" descr="A graph showing different colored squares&#10;&#10;Description automatically generated">
+              <a:extLst>
+                <a:ext uri="{FF2B5EF4-FFF2-40B4-BE49-F238E27FC236}">
+                  <a16:creationId xmlns:a16="http://schemas.microsoft.com/office/drawing/2014/main" id="{FD5DA6EB-860B-D2DE-23C8-2F9D70C882D8}"/>
+                </a:ext>
+              </a:extLst>
+            </p:cNvPr>
+            <p:cNvPicPr>
+              <a:picLocks noChangeAspect="1"/>
+            </p:cNvPicPr>
+            <p:nvPr/>
+          </p:nvPicPr>
+          <p:blipFill rotWithShape="1">
+            <a:blip r:embed="rId6"/>
+            <a:srcRect l="79776" t="40902" r="17311" b="54606"/>
+            <a:stretch/>
+          </p:blipFill>
+          <p:spPr>
+            <a:xfrm>
+              <a:off x="6773311" y="439584"/>
+              <a:ext cx="167577" cy="193822"/>
+            </a:xfrm>
+            <a:prstGeom prst="rect">
+              <a:avLst/>
+            </a:prstGeom>
+          </p:spPr>
+        </p:pic>
+        <p:pic>
+          <p:nvPicPr>
+            <p:cNvPr id="4" name="Picture 3" descr="A graph showing different colored squares&#10;&#10;Description automatically generated">
+              <a:extLst>
+                <a:ext uri="{FF2B5EF4-FFF2-40B4-BE49-F238E27FC236}">
+                  <a16:creationId xmlns:a16="http://schemas.microsoft.com/office/drawing/2014/main" id="{C5BCC620-4CEB-5204-5190-2F3FC9E8C92D}"/>
+                </a:ext>
+              </a:extLst>
+            </p:cNvPr>
+            <p:cNvPicPr>
+              <a:picLocks noChangeAspect="1"/>
+            </p:cNvPicPr>
+            <p:nvPr/>
+          </p:nvPicPr>
+          <p:blipFill rotWithShape="1">
+            <a:blip r:embed="rId6"/>
+            <a:srcRect l="79500" t="45441" r="17039" b="50025"/>
+            <a:stretch/>
+          </p:blipFill>
+          <p:spPr>
+            <a:xfrm>
+              <a:off x="8174102" y="437727"/>
+              <a:ext cx="199101" cy="195625"/>
+            </a:xfrm>
+            <a:prstGeom prst="rect">
+              <a:avLst/>
+            </a:prstGeom>
+          </p:spPr>
+        </p:pic>
+        <p:pic>
+          <p:nvPicPr>
+            <p:cNvPr id="14" name="Picture 13" descr="A graph showing different colored squares&#10;&#10;Description automatically generated">
+              <a:extLst>
+                <a:ext uri="{FF2B5EF4-FFF2-40B4-BE49-F238E27FC236}">
+                  <a16:creationId xmlns:a16="http://schemas.microsoft.com/office/drawing/2014/main" id="{24B23684-1F73-6601-76ED-23018D50837E}"/>
+                </a:ext>
+              </a:extLst>
+            </p:cNvPr>
+            <p:cNvPicPr>
+              <a:picLocks noChangeAspect="1"/>
+            </p:cNvPicPr>
+            <p:nvPr/>
+          </p:nvPicPr>
+          <p:blipFill rotWithShape="1">
+            <a:blip r:embed="rId6"/>
+            <a:srcRect l="79611" t="54491" r="16928" b="41400"/>
+            <a:stretch/>
+          </p:blipFill>
+          <p:spPr>
+            <a:xfrm>
+              <a:off x="11198727" y="442709"/>
+              <a:ext cx="199101" cy="177306"/>
+            </a:xfrm>
+            <a:prstGeom prst="rect">
+              <a:avLst/>
+            </a:prstGeom>
+          </p:spPr>
+        </p:pic>
+        <p:sp>
+          <p:nvSpPr>
+            <p:cNvPr id="25" name="TextBox 24">
+              <a:extLst>
+                <a:ext uri="{FF2B5EF4-FFF2-40B4-BE49-F238E27FC236}">
+                  <a16:creationId xmlns:a16="http://schemas.microsoft.com/office/drawing/2014/main" id="{B5B2AC4F-DCFC-4989-95D1-DA4233F22531}"/>
+                </a:ext>
+              </a:extLst>
+            </p:cNvPr>
+            <p:cNvSpPr txBox="1"/>
+            <p:nvPr/>
+          </p:nvSpPr>
+          <p:spPr>
+            <a:xfrm>
+              <a:off x="419255" y="4735214"/>
+              <a:ext cx="963589" cy="230832"/>
+            </a:xfrm>
+            <a:prstGeom prst="rect">
+              <a:avLst/>
+            </a:prstGeom>
+            <a:noFill/>
+          </p:spPr>
+          <p:txBody>
+            <a:bodyPr wrap="square" rtlCol="0">
+              <a:spAutoFit/>
+            </a:bodyPr>
+            <a:lstStyle/>
+            <a:p>
+              <a:pPr algn="ctr"/>
+              <a:r>
+                <a:rPr lang="en-AU" sz="900" b="1" dirty="0"/>
+                <a:t>Furniture</a:t>
+              </a:r>
+            </a:p>
+          </p:txBody>
+        </p:sp>
+        <p:sp>
+          <p:nvSpPr>
+            <p:cNvPr id="27" name="TextBox 26">
+              <a:extLst>
+                <a:ext uri="{FF2B5EF4-FFF2-40B4-BE49-F238E27FC236}">
+                  <a16:creationId xmlns:a16="http://schemas.microsoft.com/office/drawing/2014/main" id="{8AE49550-FBB4-42D1-8AB3-454DB838CCCD}"/>
+                </a:ext>
+              </a:extLst>
+            </p:cNvPr>
+            <p:cNvSpPr txBox="1"/>
+            <p:nvPr/>
+          </p:nvSpPr>
+          <p:spPr>
+            <a:xfrm>
+              <a:off x="1054580" y="4735213"/>
+              <a:ext cx="1057208" cy="230832"/>
+            </a:xfrm>
+            <a:prstGeom prst="rect">
+              <a:avLst/>
+            </a:prstGeom>
+            <a:noFill/>
+          </p:spPr>
+          <p:txBody>
+            <a:bodyPr wrap="square" rtlCol="0">
+              <a:spAutoFit/>
+            </a:bodyPr>
+            <a:lstStyle/>
+            <a:p>
+              <a:pPr algn="ctr"/>
+              <a:r>
+                <a:rPr lang="en-AU" sz="900" b="1" dirty="0" err="1"/>
+                <a:t>NoFurniture</a:t>
+              </a:r>
+              <a:endParaRPr lang="en-AU" sz="900" b="1" dirty="0"/>
+            </a:p>
+          </p:txBody>
+        </p:sp>
+        <p:sp>
+          <p:nvSpPr>
+            <p:cNvPr id="26" name="TextBox 25">
+              <a:extLst>
+                <a:ext uri="{FF2B5EF4-FFF2-40B4-BE49-F238E27FC236}">
+                  <a16:creationId xmlns:a16="http://schemas.microsoft.com/office/drawing/2014/main" id="{C7CD4CEA-AE63-4BCC-9580-78B13908B597}"/>
+                </a:ext>
+              </a:extLst>
+            </p:cNvPr>
+            <p:cNvSpPr txBox="1"/>
+            <p:nvPr/>
+          </p:nvSpPr>
+          <p:spPr>
+            <a:xfrm>
+              <a:off x="2442462" y="4735214"/>
+              <a:ext cx="963589" cy="230832"/>
+            </a:xfrm>
+            <a:prstGeom prst="rect">
+              <a:avLst/>
+            </a:prstGeom>
+            <a:noFill/>
+          </p:spPr>
+          <p:txBody>
+            <a:bodyPr wrap="square" rtlCol="0">
+              <a:spAutoFit/>
+            </a:bodyPr>
+            <a:lstStyle/>
+            <a:p>
+              <a:pPr algn="ctr"/>
+              <a:r>
+                <a:rPr lang="en-AU" sz="900" b="1" dirty="0"/>
+                <a:t>Furniture</a:t>
+              </a:r>
+            </a:p>
+          </p:txBody>
+        </p:sp>
+        <p:sp>
+          <p:nvSpPr>
+            <p:cNvPr id="28" name="TextBox 27">
+              <a:extLst>
+                <a:ext uri="{FF2B5EF4-FFF2-40B4-BE49-F238E27FC236}">
+                  <a16:creationId xmlns:a16="http://schemas.microsoft.com/office/drawing/2014/main" id="{F16CC02B-128F-4A20-8F0C-C0254BF751C7}"/>
+                </a:ext>
+              </a:extLst>
+            </p:cNvPr>
+            <p:cNvSpPr txBox="1"/>
+            <p:nvPr/>
+          </p:nvSpPr>
+          <p:spPr>
+            <a:xfrm>
+              <a:off x="3077787" y="4735213"/>
+              <a:ext cx="1057208" cy="230832"/>
+            </a:xfrm>
+            <a:prstGeom prst="rect">
+              <a:avLst/>
+            </a:prstGeom>
+            <a:noFill/>
+          </p:spPr>
+          <p:txBody>
+            <a:bodyPr wrap="square" rtlCol="0">
+              <a:spAutoFit/>
+            </a:bodyPr>
+            <a:lstStyle/>
+            <a:p>
+              <a:pPr algn="ctr"/>
+              <a:r>
+                <a:rPr lang="en-AU" sz="900" b="1" dirty="0" err="1"/>
+                <a:t>NoFurniture</a:t>
+              </a:r>
+              <a:endParaRPr lang="en-AU" sz="900" b="1" dirty="0"/>
+            </a:p>
+          </p:txBody>
+        </p:sp>
+        <p:sp>
+          <p:nvSpPr>
+            <p:cNvPr id="29" name="TextBox 28">
+              <a:extLst>
+                <a:ext uri="{FF2B5EF4-FFF2-40B4-BE49-F238E27FC236}">
+                  <a16:creationId xmlns:a16="http://schemas.microsoft.com/office/drawing/2014/main" id="{FD906E0F-28E4-4965-A68C-832812D099D6}"/>
+                </a:ext>
+              </a:extLst>
+            </p:cNvPr>
+            <p:cNvSpPr txBox="1"/>
+            <p:nvPr/>
+          </p:nvSpPr>
+          <p:spPr>
+            <a:xfrm>
+              <a:off x="4591773" y="4709155"/>
+              <a:ext cx="1221164" cy="400110"/>
+            </a:xfrm>
+            <a:prstGeom prst="rect">
+              <a:avLst/>
+            </a:prstGeom>
+            <a:noFill/>
+          </p:spPr>
+          <p:txBody>
+            <a:bodyPr wrap="square" rtlCol="0">
+              <a:spAutoFit/>
+            </a:bodyPr>
+            <a:lstStyle/>
+            <a:p>
+              <a:pPr algn="ctr"/>
+              <a:r>
+                <a:rPr lang="en-AU" sz="1000" b="1" dirty="0"/>
+                <a:t>Furniture-</a:t>
+              </a:r>
+            </a:p>
+            <a:p>
+              <a:pPr algn="ctr"/>
+              <a:r>
+                <a:rPr lang="en-AU" sz="1000" b="1" dirty="0"/>
+                <a:t>Irregular</a:t>
+              </a:r>
+            </a:p>
+          </p:txBody>
+        </p:sp>
+        <p:sp>
+          <p:nvSpPr>
+            <p:cNvPr id="31" name="TextBox 30">
+              <a:extLst>
+                <a:ext uri="{FF2B5EF4-FFF2-40B4-BE49-F238E27FC236}">
+                  <a16:creationId xmlns:a16="http://schemas.microsoft.com/office/drawing/2014/main" id="{F3D48B5C-2FCB-45B5-B2FD-E6D7FBE7A472}"/>
+                </a:ext>
+              </a:extLst>
+            </p:cNvPr>
+            <p:cNvSpPr txBox="1"/>
+            <p:nvPr/>
+          </p:nvSpPr>
+          <p:spPr>
+            <a:xfrm>
+              <a:off x="5563469" y="4709155"/>
+              <a:ext cx="1221164" cy="400110"/>
+            </a:xfrm>
+            <a:prstGeom prst="rect">
+              <a:avLst/>
+            </a:prstGeom>
+            <a:noFill/>
+          </p:spPr>
+          <p:txBody>
+            <a:bodyPr wrap="square" rtlCol="0">
+              <a:spAutoFit/>
+            </a:bodyPr>
+            <a:lstStyle/>
+            <a:p>
+              <a:pPr algn="ctr"/>
+              <a:r>
+                <a:rPr lang="en-AU" sz="1000" b="1" dirty="0"/>
+                <a:t>Furniture-</a:t>
+              </a:r>
+            </a:p>
+            <a:p>
+              <a:pPr algn="ctr"/>
+              <a:r>
+                <a:rPr lang="en-AU" sz="1000" b="1" dirty="0"/>
+                <a:t>Regular</a:t>
+              </a:r>
+            </a:p>
+          </p:txBody>
+        </p:sp>
+        <p:sp>
+          <p:nvSpPr>
+            <p:cNvPr id="32" name="TextBox 31">
+              <a:extLst>
+                <a:ext uri="{FF2B5EF4-FFF2-40B4-BE49-F238E27FC236}">
+                  <a16:creationId xmlns:a16="http://schemas.microsoft.com/office/drawing/2014/main" id="{1FB56B86-84EE-4E63-B437-64B4E33C75F3}"/>
+                </a:ext>
+              </a:extLst>
+            </p:cNvPr>
+            <p:cNvSpPr txBox="1"/>
+            <p:nvPr/>
+          </p:nvSpPr>
+          <p:spPr>
+            <a:xfrm>
+              <a:off x="6519951" y="4709155"/>
+              <a:ext cx="1221164" cy="400110"/>
+            </a:xfrm>
+            <a:prstGeom prst="rect">
+              <a:avLst/>
+            </a:prstGeom>
+            <a:noFill/>
+          </p:spPr>
+          <p:txBody>
+            <a:bodyPr wrap="square" rtlCol="0">
+              <a:spAutoFit/>
+            </a:bodyPr>
+            <a:lstStyle/>
+            <a:p>
+              <a:pPr algn="ctr"/>
+              <a:r>
+                <a:rPr lang="en-AU" sz="1000" b="1" dirty="0" err="1"/>
+                <a:t>NoFurniture</a:t>
+              </a:r>
+              <a:r>
+                <a:rPr lang="en-AU" sz="1000" b="1" dirty="0"/>
+                <a:t>-</a:t>
+              </a:r>
+            </a:p>
+            <a:p>
+              <a:pPr algn="ctr"/>
+              <a:r>
+                <a:rPr lang="en-AU" sz="1000" b="1" dirty="0"/>
+                <a:t>Irregular</a:t>
+              </a:r>
+            </a:p>
+          </p:txBody>
+        </p:sp>
+        <p:sp>
+          <p:nvSpPr>
+            <p:cNvPr id="33" name="TextBox 32">
+              <a:extLst>
+                <a:ext uri="{FF2B5EF4-FFF2-40B4-BE49-F238E27FC236}">
+                  <a16:creationId xmlns:a16="http://schemas.microsoft.com/office/drawing/2014/main" id="{5AF5036E-1713-4A8D-BA74-E9967E4E3506}"/>
+                </a:ext>
+              </a:extLst>
+            </p:cNvPr>
+            <p:cNvSpPr txBox="1"/>
+            <p:nvPr/>
+          </p:nvSpPr>
+          <p:spPr>
+            <a:xfrm>
+              <a:off x="7486870" y="4709155"/>
+              <a:ext cx="1221164" cy="400110"/>
+            </a:xfrm>
+            <a:prstGeom prst="rect">
+              <a:avLst/>
+            </a:prstGeom>
+            <a:noFill/>
+          </p:spPr>
+          <p:txBody>
+            <a:bodyPr wrap="square" rtlCol="0">
+              <a:spAutoFit/>
+            </a:bodyPr>
+            <a:lstStyle/>
+            <a:p>
+              <a:pPr algn="ctr"/>
+              <a:r>
+                <a:rPr lang="en-AU" sz="1000" b="1" dirty="0" err="1"/>
+                <a:t>NoFurniture</a:t>
+              </a:r>
+              <a:r>
+                <a:rPr lang="en-AU" sz="1000" b="1" dirty="0"/>
+                <a:t>-</a:t>
+              </a:r>
+            </a:p>
+            <a:p>
+              <a:pPr algn="ctr"/>
+              <a:r>
+                <a:rPr lang="en-AU" sz="1000" b="1" dirty="0"/>
+                <a:t>Regular</a:t>
+              </a:r>
+            </a:p>
+          </p:txBody>
+        </p:sp>
+        <p:sp>
+          <p:nvSpPr>
+            <p:cNvPr id="34" name="TextBox 33">
+              <a:extLst>
+                <a:ext uri="{FF2B5EF4-FFF2-40B4-BE49-F238E27FC236}">
+                  <a16:creationId xmlns:a16="http://schemas.microsoft.com/office/drawing/2014/main" id="{BCC42B34-1B10-4BD0-9CBE-CDCFCE84B2F2}"/>
+                </a:ext>
+              </a:extLst>
+            </p:cNvPr>
+            <p:cNvSpPr txBox="1"/>
+            <p:nvPr/>
+          </p:nvSpPr>
+          <p:spPr>
+            <a:xfrm>
+              <a:off x="9129481" y="4709155"/>
+              <a:ext cx="1221164" cy="400110"/>
+            </a:xfrm>
+            <a:prstGeom prst="rect">
+              <a:avLst/>
+            </a:prstGeom>
+            <a:noFill/>
+          </p:spPr>
+          <p:txBody>
+            <a:bodyPr wrap="square" rtlCol="0">
+              <a:spAutoFit/>
+            </a:bodyPr>
+            <a:lstStyle/>
+            <a:p>
+              <a:pPr algn="ctr"/>
+              <a:r>
+                <a:rPr lang="en-AU" sz="1000" b="1" dirty="0"/>
+                <a:t>Furniture-</a:t>
+              </a:r>
+            </a:p>
+            <a:p>
+              <a:pPr algn="ctr"/>
+              <a:r>
+                <a:rPr lang="en-AU" sz="1000" b="1" dirty="0"/>
+                <a:t>Irregular</a:t>
+              </a:r>
+            </a:p>
+          </p:txBody>
+        </p:sp>
+        <p:sp>
+          <p:nvSpPr>
+            <p:cNvPr id="35" name="TextBox 34">
+              <a:extLst>
+                <a:ext uri="{FF2B5EF4-FFF2-40B4-BE49-F238E27FC236}">
+                  <a16:creationId xmlns:a16="http://schemas.microsoft.com/office/drawing/2014/main" id="{2DB93E20-D969-4271-A88F-FA533690F94E}"/>
+                </a:ext>
+              </a:extLst>
+            </p:cNvPr>
+            <p:cNvSpPr txBox="1"/>
+            <p:nvPr/>
+          </p:nvSpPr>
+          <p:spPr>
+            <a:xfrm>
+              <a:off x="10101177" y="4709155"/>
+              <a:ext cx="1221164" cy="400110"/>
+            </a:xfrm>
+            <a:prstGeom prst="rect">
+              <a:avLst/>
+            </a:prstGeom>
+            <a:noFill/>
+          </p:spPr>
+          <p:txBody>
+            <a:bodyPr wrap="square" rtlCol="0">
+              <a:spAutoFit/>
+            </a:bodyPr>
+            <a:lstStyle/>
+            <a:p>
+              <a:pPr algn="ctr"/>
+              <a:r>
+                <a:rPr lang="en-AU" sz="1000" b="1" dirty="0"/>
+                <a:t>Furniture-</a:t>
+              </a:r>
+            </a:p>
+            <a:p>
+              <a:pPr algn="ctr"/>
+              <a:r>
+                <a:rPr lang="en-AU" sz="1000" b="1" dirty="0"/>
+                <a:t>Regular</a:t>
+              </a:r>
+            </a:p>
+          </p:txBody>
+        </p:sp>
+        <p:sp>
+          <p:nvSpPr>
+            <p:cNvPr id="36" name="TextBox 35">
+              <a:extLst>
+                <a:ext uri="{FF2B5EF4-FFF2-40B4-BE49-F238E27FC236}">
+                  <a16:creationId xmlns:a16="http://schemas.microsoft.com/office/drawing/2014/main" id="{1909C531-1B92-4933-B330-C41048F477BD}"/>
+                </a:ext>
+              </a:extLst>
+            </p:cNvPr>
+            <p:cNvSpPr txBox="1"/>
+            <p:nvPr/>
+          </p:nvSpPr>
+          <p:spPr>
+            <a:xfrm>
+              <a:off x="11057659" y="4709155"/>
+              <a:ext cx="1221164" cy="400110"/>
+            </a:xfrm>
+            <a:prstGeom prst="rect">
+              <a:avLst/>
+            </a:prstGeom>
+            <a:noFill/>
+          </p:spPr>
+          <p:txBody>
+            <a:bodyPr wrap="square" rtlCol="0">
+              <a:spAutoFit/>
+            </a:bodyPr>
+            <a:lstStyle/>
+            <a:p>
+              <a:pPr algn="ctr"/>
+              <a:r>
+                <a:rPr lang="en-AU" sz="1000" b="1" dirty="0" err="1"/>
+                <a:t>NoFurniture</a:t>
+              </a:r>
+              <a:r>
+                <a:rPr lang="en-AU" sz="1000" b="1" dirty="0"/>
+                <a:t>-</a:t>
+              </a:r>
+            </a:p>
+            <a:p>
+              <a:pPr algn="ctr"/>
+              <a:r>
+                <a:rPr lang="en-AU" sz="1000" b="1" dirty="0"/>
+                <a:t>Irregular</a:t>
+              </a:r>
+            </a:p>
+          </p:txBody>
+        </p:sp>
+        <p:sp>
+          <p:nvSpPr>
+            <p:cNvPr id="37" name="TextBox 36">
+              <a:extLst>
+                <a:ext uri="{FF2B5EF4-FFF2-40B4-BE49-F238E27FC236}">
+                  <a16:creationId xmlns:a16="http://schemas.microsoft.com/office/drawing/2014/main" id="{8D027C55-FC99-431F-9497-5D76882B2867}"/>
+                </a:ext>
+              </a:extLst>
+            </p:cNvPr>
+            <p:cNvSpPr txBox="1"/>
+            <p:nvPr/>
+          </p:nvSpPr>
+          <p:spPr>
+            <a:xfrm>
+              <a:off x="12024578" y="4709155"/>
+              <a:ext cx="1221164" cy="400110"/>
+            </a:xfrm>
+            <a:prstGeom prst="rect">
+              <a:avLst/>
+            </a:prstGeom>
+            <a:noFill/>
+          </p:spPr>
+          <p:txBody>
+            <a:bodyPr wrap="square" rtlCol="0">
+              <a:spAutoFit/>
+            </a:bodyPr>
+            <a:lstStyle/>
+            <a:p>
+              <a:pPr algn="ctr"/>
+              <a:r>
+                <a:rPr lang="en-AU" sz="1000" b="1" dirty="0" err="1"/>
+                <a:t>NoFurniture</a:t>
+              </a:r>
+              <a:r>
+                <a:rPr lang="en-AU" sz="1000" b="1" dirty="0"/>
+                <a:t>-</a:t>
+              </a:r>
+            </a:p>
+            <a:p>
+              <a:pPr algn="ctr"/>
+              <a:r>
+                <a:rPr lang="en-AU" sz="1000" b="1" dirty="0"/>
+                <a:t>Regular</a:t>
+              </a:r>
+            </a:p>
+          </p:txBody>
+        </p:sp>
+        <p:sp>
+          <p:nvSpPr>
+            <p:cNvPr id="38" name="TextBox 37">
+              <a:extLst>
+                <a:ext uri="{FF2B5EF4-FFF2-40B4-BE49-F238E27FC236}">
+                  <a16:creationId xmlns:a16="http://schemas.microsoft.com/office/drawing/2014/main" id="{4B68EE21-A442-4B02-8B46-EBA86BAB1A0F}"/>
+                </a:ext>
+              </a:extLst>
+            </p:cNvPr>
+            <p:cNvSpPr txBox="1"/>
+            <p:nvPr/>
+          </p:nvSpPr>
+          <p:spPr>
+            <a:xfrm>
+              <a:off x="6902400" y="419767"/>
+              <a:ext cx="1313257" cy="246221"/>
+            </a:xfrm>
+            <a:prstGeom prst="rect">
+              <a:avLst/>
+            </a:prstGeom>
+            <a:noFill/>
+          </p:spPr>
+          <p:txBody>
+            <a:bodyPr wrap="square" rtlCol="0">
+              <a:spAutoFit/>
+            </a:bodyPr>
+            <a:lstStyle/>
+            <a:p>
+              <a:pPr algn="ctr"/>
+              <a:r>
+                <a:rPr lang="en-AU" sz="1000" b="1" dirty="0"/>
+                <a:t>Furniture-Irregular</a:t>
+              </a:r>
+            </a:p>
+          </p:txBody>
+        </p:sp>
+        <p:sp>
+          <p:nvSpPr>
+            <p:cNvPr id="39" name="TextBox 38">
+              <a:extLst>
+                <a:ext uri="{FF2B5EF4-FFF2-40B4-BE49-F238E27FC236}">
+                  <a16:creationId xmlns:a16="http://schemas.microsoft.com/office/drawing/2014/main" id="{FB93D981-1A37-4E8D-AB00-C0E315210CA4}"/>
+                </a:ext>
+              </a:extLst>
+            </p:cNvPr>
+            <p:cNvSpPr txBox="1"/>
+            <p:nvPr/>
+          </p:nvSpPr>
+          <p:spPr>
+            <a:xfrm>
+              <a:off x="8149167" y="424835"/>
+              <a:ext cx="1639440" cy="246221"/>
+            </a:xfrm>
+            <a:prstGeom prst="rect">
+              <a:avLst/>
+            </a:prstGeom>
+            <a:noFill/>
+          </p:spPr>
+          <p:txBody>
+            <a:bodyPr wrap="square" rtlCol="0">
+              <a:spAutoFit/>
+            </a:bodyPr>
+            <a:lstStyle/>
+            <a:p>
+              <a:pPr algn="ctr"/>
+              <a:r>
+                <a:rPr lang="en-AU" sz="1000" b="1" dirty="0"/>
+                <a:t>Furniture-Regular</a:t>
+              </a:r>
+            </a:p>
+          </p:txBody>
+        </p:sp>
+        <p:grpSp>
+          <p:nvGrpSpPr>
+            <p:cNvPr id="6" name="Group 5">
+              <a:extLst>
+                <a:ext uri="{FF2B5EF4-FFF2-40B4-BE49-F238E27FC236}">
+                  <a16:creationId xmlns:a16="http://schemas.microsoft.com/office/drawing/2014/main" id="{974C4273-CA6A-4BB4-996E-89842076AA49}"/>
+                </a:ext>
+              </a:extLst>
+            </p:cNvPr>
+            <p:cNvGrpSpPr/>
+            <p:nvPr/>
+          </p:nvGrpSpPr>
+          <p:grpSpPr>
+            <a:xfrm>
+              <a:off x="9620624" y="411376"/>
+              <a:ext cx="1611407" cy="246221"/>
+              <a:chOff x="9874624" y="394499"/>
+              <a:chExt cx="1611407" cy="246221"/>
+            </a:xfrm>
+          </p:grpSpPr>
+          <p:pic>
+            <p:nvPicPr>
+              <p:cNvPr id="12" name="Picture 11" descr="A graph showing different colored squares&#10;&#10;Description automatically generated">
+                <a:extLst>
+                  <a:ext uri="{FF2B5EF4-FFF2-40B4-BE49-F238E27FC236}">
+                    <a16:creationId xmlns:a16="http://schemas.microsoft.com/office/drawing/2014/main" id="{B22CFE36-5B29-1196-1497-A43DC538C517}"/>
+                  </a:ext>
+                </a:extLst>
+              </p:cNvPr>
+              <p:cNvPicPr>
+                <a:picLocks noChangeAspect="1"/>
+              </p:cNvPicPr>
+              <p:nvPr/>
+            </p:nvPicPr>
+            <p:blipFill rotWithShape="1">
+              <a:blip r:embed="rId6"/>
+              <a:srcRect l="79500" t="50076" r="17039" b="45890"/>
+              <a:stretch/>
+            </p:blipFill>
+            <p:spPr>
+              <a:xfrm>
+                <a:off x="9874624" y="427467"/>
+                <a:ext cx="199101" cy="174036"/>
+              </a:xfrm>
+              <a:prstGeom prst="rect">
+                <a:avLst/>
+              </a:prstGeom>
+            </p:spPr>
+          </p:pic>
+          <p:sp>
+            <p:nvSpPr>
+              <p:cNvPr id="40" name="TextBox 39">
+                <a:extLst>
+                  <a:ext uri="{FF2B5EF4-FFF2-40B4-BE49-F238E27FC236}">
+                    <a16:creationId xmlns:a16="http://schemas.microsoft.com/office/drawing/2014/main" id="{1B3AC146-9B85-4055-8621-BA7365396BF0}"/>
+                  </a:ext>
+                </a:extLst>
+              </p:cNvPr>
+              <p:cNvSpPr txBox="1"/>
+              <p:nvPr/>
+            </p:nvSpPr>
+            <p:spPr>
+              <a:xfrm>
+                <a:off x="9998808" y="394499"/>
+                <a:ext cx="1487223" cy="246221"/>
+              </a:xfrm>
+              <a:prstGeom prst="rect">
+                <a:avLst/>
+              </a:prstGeom>
+              <a:noFill/>
+            </p:spPr>
+            <p:txBody>
+              <a:bodyPr wrap="square" rtlCol="0">
+                <a:spAutoFit/>
+              </a:bodyPr>
+              <a:lstStyle/>
+              <a:p>
+                <a:pPr algn="ctr"/>
+                <a:r>
+                  <a:rPr lang="en-AU" sz="1000" b="1" dirty="0" err="1"/>
+                  <a:t>NoFurniture</a:t>
+                </a:r>
+                <a:r>
+                  <a:rPr lang="en-AU" sz="1000" b="1" dirty="0"/>
+                  <a:t>-Irregular</a:t>
+                </a:r>
+              </a:p>
+            </p:txBody>
+          </p:sp>
+        </p:grpSp>
+        <p:sp>
+          <p:nvSpPr>
+            <p:cNvPr id="41" name="TextBox 40">
+              <a:extLst>
+                <a:ext uri="{FF2B5EF4-FFF2-40B4-BE49-F238E27FC236}">
+                  <a16:creationId xmlns:a16="http://schemas.microsoft.com/office/drawing/2014/main" id="{45B6F7FE-1ED0-4939-8F9E-FC0D455ED0C2}"/>
+                </a:ext>
+              </a:extLst>
+            </p:cNvPr>
+            <p:cNvSpPr txBox="1"/>
+            <p:nvPr/>
+          </p:nvSpPr>
+          <p:spPr>
+            <a:xfrm>
+              <a:off x="11327705" y="419070"/>
+              <a:ext cx="1448235" cy="246221"/>
+            </a:xfrm>
+            <a:prstGeom prst="rect">
+              <a:avLst/>
+            </a:prstGeom>
+            <a:noFill/>
+          </p:spPr>
+          <p:txBody>
+            <a:bodyPr wrap="square" rtlCol="0">
+              <a:spAutoFit/>
+            </a:bodyPr>
+            <a:lstStyle/>
+            <a:p>
+              <a:pPr algn="ctr"/>
+              <a:r>
+                <a:rPr lang="en-AU" sz="1000" b="1" dirty="0" err="1"/>
+                <a:t>NoFurniture</a:t>
+              </a:r>
+              <a:r>
+                <a:rPr lang="en-AU" sz="1000" b="1" dirty="0"/>
+                <a:t>-Regular</a:t>
+              </a:r>
+            </a:p>
+          </p:txBody>
+        </p:sp>
+        <p:sp>
+          <p:nvSpPr>
+            <p:cNvPr id="42" name="TextBox 41">
+              <a:extLst>
+                <a:ext uri="{FF2B5EF4-FFF2-40B4-BE49-F238E27FC236}">
+                  <a16:creationId xmlns:a16="http://schemas.microsoft.com/office/drawing/2014/main" id="{D764DF6B-4635-4810-9A52-487B6DF27CB2}"/>
+                </a:ext>
+              </a:extLst>
+            </p:cNvPr>
+            <p:cNvSpPr txBox="1"/>
+            <p:nvPr/>
+          </p:nvSpPr>
+          <p:spPr>
+            <a:xfrm>
+              <a:off x="5669186" y="411376"/>
+              <a:ext cx="1313257" cy="261610"/>
+            </a:xfrm>
+            <a:prstGeom prst="rect">
+              <a:avLst/>
+            </a:prstGeom>
+            <a:noFill/>
+          </p:spPr>
+          <p:txBody>
+            <a:bodyPr wrap="square" rtlCol="0">
+              <a:spAutoFit/>
+            </a:bodyPr>
+            <a:lstStyle/>
+            <a:p>
+              <a:pPr algn="ctr"/>
+              <a:r>
+                <a:rPr lang="en-AU" sz="1100" b="1" dirty="0"/>
+                <a:t>Condition</a:t>
+              </a:r>
+            </a:p>
+          </p:txBody>
+        </p:sp>
+      </p:grpSp>
+    </p:spTree>
+  </p:cSld>
+  <p:clrMapOvr>
+    <a:masterClrMapping/>
+  </p:clrMapOvr>
+</p:sld>
+</file>
+
+<file path=ppt/slides/slide7.xml><?xml version="1.0" encoding="utf-8"?>
+<p:sld xmlns:a="http://schemas.openxmlformats.org/drawingml/2006/main" xmlns:r="http://schemas.openxmlformats.org/officeDocument/2006/relationships" xmlns:p="http://schemas.openxmlformats.org/presentationml/2006/main">
+  <p:cSld>
+    <p:bg>
+      <p:bgPr>
+        <a:solidFill>
+          <a:schemeClr val="bg2"/>
+        </a:solidFill>
+        <a:effectLst/>
+      </p:bgPr>
+    </p:bg>
+    <p:spTree>
+      <p:nvGrpSpPr>
+        <p:cNvPr id="1" name="Shape 80"/>
+        <p:cNvGrpSpPr/>
+        <p:nvPr/>
+      </p:nvGrpSpPr>
+      <p:grpSpPr>
+        <a:xfrm>
+          <a:off x="0" y="0"/>
+          <a:ext cx="0" cy="0"/>
+          <a:chOff x="0" y="0"/>
+          <a:chExt cx="0" cy="0"/>
+        </a:xfrm>
+      </p:grpSpPr>
+      <p:grpSp>
+        <p:nvGrpSpPr>
+          <p:cNvPr id="2" name="Group 1">
+            <a:extLst>
+              <a:ext uri="{FF2B5EF4-FFF2-40B4-BE49-F238E27FC236}">
+                <a16:creationId xmlns:a16="http://schemas.microsoft.com/office/drawing/2014/main" id="{A51B854C-BDDE-455D-88B9-8F36E67603EC}"/>
+              </a:ext>
+            </a:extLst>
+          </p:cNvPr>
+          <p:cNvGrpSpPr/>
+          <p:nvPr/>
+        </p:nvGrpSpPr>
+        <p:grpSpPr>
+          <a:xfrm>
+            <a:off x="849086" y="81106"/>
+            <a:ext cx="13245742" cy="4981288"/>
+            <a:chOff x="0" y="127977"/>
+            <a:chExt cx="13245742" cy="4981288"/>
+          </a:xfrm>
+        </p:grpSpPr>
+        <p:sp>
+          <p:nvSpPr>
+            <p:cNvPr id="13" name="Rectangle 12">
+              <a:extLst>
+                <a:ext uri="{FF2B5EF4-FFF2-40B4-BE49-F238E27FC236}">
+                  <a16:creationId xmlns:a16="http://schemas.microsoft.com/office/drawing/2014/main" id="{D743ACEA-90E6-5FC0-4E62-2E507DE3B6FF}"/>
+                </a:ext>
+              </a:extLst>
+            </p:cNvPr>
+            <p:cNvSpPr/>
+            <p:nvPr/>
+          </p:nvSpPr>
+          <p:spPr>
+            <a:xfrm>
+              <a:off x="0" y="177454"/>
+              <a:ext cx="13210411" cy="4931811"/>
+            </a:xfrm>
+            <a:prstGeom prst="rect">
+              <a:avLst/>
+            </a:prstGeom>
+            <a:solidFill>
+              <a:schemeClr val="bg1"/>
+            </a:solidFill>
+            <a:ln>
+              <a:noFill/>
+            </a:ln>
+          </p:spPr>
+          <p:style>
+            <a:lnRef idx="2">
+              <a:schemeClr val="accent1">
+                <a:shade val="50000"/>
+              </a:schemeClr>
+            </a:lnRef>
+            <a:fillRef idx="1">
+              <a:schemeClr val="accent1"/>
+            </a:fillRef>
+            <a:effectRef idx="0">
+              <a:schemeClr val="accent1"/>
+            </a:effectRef>
+            <a:fontRef idx="minor">
+              <a:schemeClr val="lt1"/>
+            </a:fontRef>
+          </p:style>
+          <p:txBody>
+            <a:bodyPr rtlCol="0" anchor="ctr"/>
+            <a:lstStyle/>
+            <a:p>
+              <a:pPr algn="ctr"/>
+              <a:endParaRPr lang="en-AU" dirty="0">
+                <a:solidFill>
+                  <a:schemeClr val="bg1"/>
+                </a:solidFill>
+              </a:endParaRPr>
+            </a:p>
+          </p:txBody>
+        </p:sp>
+        <p:pic>
+          <p:nvPicPr>
+            <p:cNvPr id="5" name="Google Shape;55;p13">
+              <a:extLst>
+                <a:ext uri="{FF2B5EF4-FFF2-40B4-BE49-F238E27FC236}">
+                  <a16:creationId xmlns:a16="http://schemas.microsoft.com/office/drawing/2014/main" id="{027ACC19-A9FF-3981-6AD7-9BD154765EEF}"/>
+                </a:ext>
+              </a:extLst>
+            </p:cNvPr>
+            <p:cNvPicPr preferRelativeResize="0"/>
+            <p:nvPr/>
+          </p:nvPicPr>
+          <p:blipFill rotWithShape="1">
+            <a:blip r:embed="rId3">
+              <a:alphaModFix/>
+            </a:blip>
+            <a:srcRect r="21120" b="6480"/>
+            <a:stretch/>
+          </p:blipFill>
+          <p:spPr>
+            <a:xfrm>
+              <a:off x="4134995" y="718674"/>
+              <a:ext cx="4537708" cy="4034937"/>
+            </a:xfrm>
+            <a:prstGeom prst="rect">
+              <a:avLst/>
+            </a:prstGeom>
+            <a:noFill/>
+            <a:ln>
+              <a:noFill/>
+            </a:ln>
+          </p:spPr>
+        </p:pic>
+        <p:pic>
+          <p:nvPicPr>
+            <p:cNvPr id="7" name="Google Shape;57;p13">
+              <a:extLst>
+                <a:ext uri="{FF2B5EF4-FFF2-40B4-BE49-F238E27FC236}">
+                  <a16:creationId xmlns:a16="http://schemas.microsoft.com/office/drawing/2014/main" id="{10F94A7C-88E9-5C51-67B3-A0D626F0ED7E}"/>
+                </a:ext>
+              </a:extLst>
+            </p:cNvPr>
+            <p:cNvPicPr preferRelativeResize="0"/>
+            <p:nvPr/>
+          </p:nvPicPr>
+          <p:blipFill rotWithShape="1">
+            <a:blip r:embed="rId4">
+              <a:alphaModFix/>
+            </a:blip>
+            <a:srcRect r="30302" b="6315"/>
+            <a:stretch/>
+          </p:blipFill>
+          <p:spPr>
+            <a:xfrm>
+              <a:off x="0" y="720478"/>
+              <a:ext cx="2004763" cy="4042022"/>
+            </a:xfrm>
+            <a:prstGeom prst="rect">
+              <a:avLst/>
+            </a:prstGeom>
+            <a:noFill/>
+            <a:ln>
+              <a:noFill/>
+            </a:ln>
+          </p:spPr>
+        </p:pic>
+        <p:cxnSp>
+          <p:nvCxnSpPr>
+            <p:cNvPr id="8" name="Google Shape;58;p13">
+              <a:extLst>
+                <a:ext uri="{FF2B5EF4-FFF2-40B4-BE49-F238E27FC236}">
+                  <a16:creationId xmlns:a16="http://schemas.microsoft.com/office/drawing/2014/main" id="{46962B81-738C-975C-4D3F-B26A335B9574}"/>
+                </a:ext>
+              </a:extLst>
+            </p:cNvPr>
+            <p:cNvCxnSpPr>
+              <a:cxnSpLocks/>
+            </p:cNvCxnSpPr>
+            <p:nvPr/>
+          </p:nvCxnSpPr>
+          <p:spPr>
+            <a:xfrm flipV="1">
+              <a:off x="901050" y="484548"/>
+              <a:ext cx="0" cy="541525"/>
+            </a:xfrm>
+            <a:prstGeom prst="straightConnector1">
+              <a:avLst/>
+            </a:prstGeom>
+            <a:noFill/>
+            <a:ln w="19050" cap="flat" cmpd="sng">
+              <a:solidFill>
+                <a:schemeClr val="dk1"/>
+              </a:solidFill>
+              <a:prstDash val="solid"/>
+              <a:round/>
+              <a:headEnd type="none" w="med" len="med"/>
+              <a:tailEnd type="none" w="med" len="med"/>
+            </a:ln>
+          </p:spPr>
+        </p:cxnSp>
+        <p:cxnSp>
+          <p:nvCxnSpPr>
+            <p:cNvPr id="9" name="Google Shape;59;p13">
+              <a:extLst>
+                <a:ext uri="{FF2B5EF4-FFF2-40B4-BE49-F238E27FC236}">
+                  <a16:creationId xmlns:a16="http://schemas.microsoft.com/office/drawing/2014/main" id="{339EA3E9-41EE-D314-3767-DF4C845AB741}"/>
+                </a:ext>
+              </a:extLst>
+            </p:cNvPr>
+            <p:cNvCxnSpPr>
+              <a:cxnSpLocks/>
+            </p:cNvCxnSpPr>
+            <p:nvPr/>
+          </p:nvCxnSpPr>
+          <p:spPr>
+            <a:xfrm>
+              <a:off x="901050" y="486452"/>
+              <a:ext cx="698125" cy="0"/>
+            </a:xfrm>
+            <a:prstGeom prst="straightConnector1">
+              <a:avLst/>
+            </a:prstGeom>
+            <a:noFill/>
+            <a:ln w="19050" cap="flat" cmpd="sng">
+              <a:solidFill>
+                <a:schemeClr val="dk1"/>
+              </a:solidFill>
+              <a:prstDash val="solid"/>
+              <a:round/>
+              <a:headEnd type="none" w="med" len="med"/>
+              <a:tailEnd type="none" w="med" len="med"/>
+            </a:ln>
+          </p:spPr>
+        </p:cxnSp>
+        <p:cxnSp>
+          <p:nvCxnSpPr>
+            <p:cNvPr id="10" name="Google Shape;60;p13">
+              <a:extLst>
+                <a:ext uri="{FF2B5EF4-FFF2-40B4-BE49-F238E27FC236}">
+                  <a16:creationId xmlns:a16="http://schemas.microsoft.com/office/drawing/2014/main" id="{655AC665-672D-A2A1-B893-4F8EED5C882A}"/>
+                </a:ext>
+              </a:extLst>
+            </p:cNvPr>
+            <p:cNvCxnSpPr/>
+            <p:nvPr/>
+          </p:nvCxnSpPr>
+          <p:spPr>
+            <a:xfrm rot="10800000">
+              <a:off x="1589250" y="491752"/>
+              <a:ext cx="0" cy="283200"/>
+            </a:xfrm>
+            <a:prstGeom prst="straightConnector1">
+              <a:avLst/>
+            </a:prstGeom>
+            <a:noFill/>
+            <a:ln w="19050" cap="flat" cmpd="sng">
+              <a:solidFill>
+                <a:schemeClr val="dk1"/>
+              </a:solidFill>
+              <a:prstDash val="solid"/>
+              <a:round/>
+              <a:headEnd type="none" w="med" len="med"/>
+              <a:tailEnd type="none" w="med" len="med"/>
+            </a:ln>
+          </p:spPr>
+        </p:cxnSp>
+        <p:sp>
+          <p:nvSpPr>
+            <p:cNvPr id="11" name="Google Shape;61;p13">
+              <a:extLst>
+                <a:ext uri="{FF2B5EF4-FFF2-40B4-BE49-F238E27FC236}">
+                  <a16:creationId xmlns:a16="http://schemas.microsoft.com/office/drawing/2014/main" id="{591C140D-C4C0-CD44-115F-CD70982B611B}"/>
+                </a:ext>
+              </a:extLst>
+            </p:cNvPr>
+            <p:cNvSpPr txBox="1"/>
+            <p:nvPr/>
+          </p:nvSpPr>
+          <p:spPr>
+            <a:xfrm>
+              <a:off x="901050" y="127977"/>
+              <a:ext cx="688200" cy="341100"/>
+            </a:xfrm>
+            <a:prstGeom prst="rect">
+              <a:avLst/>
+            </a:prstGeom>
+            <a:noFill/>
+            <a:ln>
+              <a:noFill/>
+            </a:ln>
+          </p:spPr>
+          <p:txBody>
+            <a:bodyPr spcFirstLastPara="1" wrap="square" lIns="91425" tIns="91425" rIns="91425" bIns="91425" anchor="t" anchorCtr="0">
+              <a:noAutofit/>
+            </a:bodyPr>
+            <a:lstStyle/>
+            <a:p>
+              <a:pPr algn="ctr"/>
+              <a:r>
+                <a:rPr lang="en-GB" sz="2400" dirty="0"/>
+                <a:t>*</a:t>
+              </a:r>
+              <a:endParaRPr sz="2400" dirty="0"/>
+            </a:p>
+          </p:txBody>
+        </p:sp>
+        <p:pic>
+          <p:nvPicPr>
+            <p:cNvPr id="15" name="Picture 14" descr="A bar graph showing a number of objects&#10;&#10;Description automatically generated with medium confidence">
+              <a:extLst>
+                <a:ext uri="{FF2B5EF4-FFF2-40B4-BE49-F238E27FC236}">
+                  <a16:creationId xmlns:a16="http://schemas.microsoft.com/office/drawing/2014/main" id="{BCCF2FF2-CE98-BBBF-DF1E-B3F4A27672F5}"/>
+                </a:ext>
+              </a:extLst>
+            </p:cNvPr>
+            <p:cNvPicPr>
+              <a:picLocks noChangeAspect="1"/>
+            </p:cNvPicPr>
+            <p:nvPr/>
+          </p:nvPicPr>
+          <p:blipFill rotWithShape="1">
+            <a:blip r:embed="rId5"/>
+            <a:srcRect r="30302" b="6316"/>
+            <a:stretch/>
+          </p:blipFill>
+          <p:spPr>
+            <a:xfrm>
+              <a:off x="2067497" y="719577"/>
+              <a:ext cx="2004764" cy="4042023"/>
+            </a:xfrm>
+            <a:prstGeom prst="rect">
+              <a:avLst/>
+            </a:prstGeom>
+          </p:spPr>
+        </p:pic>
+        <p:pic>
+          <p:nvPicPr>
+            <p:cNvPr id="16" name="Picture 15" descr="A graph showing different colored squares&#10;&#10;Description automatically generated">
+              <a:extLst>
+                <a:ext uri="{FF2B5EF4-FFF2-40B4-BE49-F238E27FC236}">
+                  <a16:creationId xmlns:a16="http://schemas.microsoft.com/office/drawing/2014/main" id="{044426D3-86CF-2916-4091-262C44945223}"/>
+                </a:ext>
+              </a:extLst>
+            </p:cNvPr>
+            <p:cNvPicPr>
+              <a:picLocks noChangeAspect="1"/>
+            </p:cNvPicPr>
+            <p:nvPr/>
+          </p:nvPicPr>
+          <p:blipFill rotWithShape="1">
+            <a:blip r:embed="rId6"/>
+            <a:srcRect r="21120" b="6274"/>
+            <a:stretch/>
+          </p:blipFill>
+          <p:spPr>
+            <a:xfrm>
+              <a:off x="8672703" y="717772"/>
+              <a:ext cx="4537708" cy="4043828"/>
+            </a:xfrm>
+            <a:prstGeom prst="rect">
+              <a:avLst/>
+            </a:prstGeom>
+          </p:spPr>
+        </p:pic>
+        <p:sp>
+          <p:nvSpPr>
+            <p:cNvPr id="19" name="TextBox 18">
+              <a:extLst>
+                <a:ext uri="{FF2B5EF4-FFF2-40B4-BE49-F238E27FC236}">
+                  <a16:creationId xmlns:a16="http://schemas.microsoft.com/office/drawing/2014/main" id="{D4538021-7876-20BF-2AF2-1E5680E877E7}"/>
+                </a:ext>
+              </a:extLst>
+            </p:cNvPr>
+            <p:cNvSpPr txBox="1"/>
+            <p:nvPr/>
+          </p:nvSpPr>
+          <p:spPr>
+            <a:xfrm>
+              <a:off x="173236" y="4725423"/>
+              <a:ext cx="281940" cy="307777"/>
+            </a:xfrm>
+            <a:prstGeom prst="rect">
+              <a:avLst/>
+            </a:prstGeom>
+            <a:noFill/>
+          </p:spPr>
+          <p:txBody>
+            <a:bodyPr wrap="square" rtlCol="0">
+              <a:spAutoFit/>
+            </a:bodyPr>
+            <a:lstStyle/>
+            <a:p>
+              <a:r>
+                <a:rPr lang="en-US" dirty="0"/>
+                <a:t>a</a:t>
+              </a:r>
+              <a:endParaRPr lang="en-AU" dirty="0"/>
+            </a:p>
+          </p:txBody>
+        </p:sp>
+        <p:sp>
+          <p:nvSpPr>
+            <p:cNvPr id="20" name="TextBox 19">
+              <a:extLst>
+                <a:ext uri="{FF2B5EF4-FFF2-40B4-BE49-F238E27FC236}">
+                  <a16:creationId xmlns:a16="http://schemas.microsoft.com/office/drawing/2014/main" id="{68AC2E59-57FD-B995-452A-4289ADCBD828}"/>
+                </a:ext>
+              </a:extLst>
+            </p:cNvPr>
+            <p:cNvSpPr txBox="1"/>
+            <p:nvPr/>
+          </p:nvSpPr>
+          <p:spPr>
+            <a:xfrm>
+              <a:off x="2270175" y="4725423"/>
+              <a:ext cx="281940" cy="307777"/>
+            </a:xfrm>
+            <a:prstGeom prst="rect">
+              <a:avLst/>
+            </a:prstGeom>
+            <a:noFill/>
+          </p:spPr>
+          <p:txBody>
+            <a:bodyPr wrap="square" rtlCol="0">
+              <a:spAutoFit/>
+            </a:bodyPr>
+            <a:lstStyle/>
+            <a:p>
+              <a:r>
+                <a:rPr lang="en-US" dirty="0"/>
+                <a:t>b</a:t>
+              </a:r>
+              <a:endParaRPr lang="en-AU" dirty="0"/>
+            </a:p>
+          </p:txBody>
+        </p:sp>
+        <p:sp>
+          <p:nvSpPr>
+            <p:cNvPr id="21" name="TextBox 20">
+              <a:extLst>
+                <a:ext uri="{FF2B5EF4-FFF2-40B4-BE49-F238E27FC236}">
+                  <a16:creationId xmlns:a16="http://schemas.microsoft.com/office/drawing/2014/main" id="{FC92BD5D-2ECD-92EF-3186-0F23EF231ECB}"/>
+                </a:ext>
+              </a:extLst>
+            </p:cNvPr>
+            <p:cNvSpPr txBox="1"/>
+            <p:nvPr/>
+          </p:nvSpPr>
+          <p:spPr>
+            <a:xfrm>
+              <a:off x="4389035" y="4725423"/>
+              <a:ext cx="281940" cy="307777"/>
+            </a:xfrm>
+            <a:prstGeom prst="rect">
+              <a:avLst/>
+            </a:prstGeom>
+            <a:noFill/>
+          </p:spPr>
+          <p:txBody>
+            <a:bodyPr wrap="square" rtlCol="0">
+              <a:spAutoFit/>
+            </a:bodyPr>
+            <a:lstStyle/>
+            <a:p>
+              <a:r>
+                <a:rPr lang="en-US" dirty="0"/>
+                <a:t>c</a:t>
+              </a:r>
+              <a:endParaRPr lang="en-AU" dirty="0"/>
+            </a:p>
+          </p:txBody>
+        </p:sp>
+        <p:sp>
+          <p:nvSpPr>
+            <p:cNvPr id="22" name="TextBox 21">
+              <a:extLst>
+                <a:ext uri="{FF2B5EF4-FFF2-40B4-BE49-F238E27FC236}">
+                  <a16:creationId xmlns:a16="http://schemas.microsoft.com/office/drawing/2014/main" id="{AB84159E-CB40-BBCA-1C29-99FD5EC5CCF5}"/>
+                </a:ext>
+              </a:extLst>
+            </p:cNvPr>
+            <p:cNvSpPr txBox="1"/>
+            <p:nvPr/>
+          </p:nvSpPr>
+          <p:spPr>
+            <a:xfrm>
+              <a:off x="8958702" y="4725422"/>
+              <a:ext cx="281940" cy="307777"/>
+            </a:xfrm>
+            <a:prstGeom prst="rect">
+              <a:avLst/>
+            </a:prstGeom>
+            <a:noFill/>
+          </p:spPr>
+          <p:txBody>
+            <a:bodyPr wrap="square" rtlCol="0">
+              <a:spAutoFit/>
+            </a:bodyPr>
+            <a:lstStyle/>
+            <a:p>
+              <a:r>
+                <a:rPr lang="en-US" dirty="0"/>
+                <a:t>d</a:t>
+              </a:r>
+              <a:endParaRPr lang="en-AU" dirty="0"/>
+            </a:p>
+          </p:txBody>
+        </p:sp>
+        <p:sp>
+          <p:nvSpPr>
+            <p:cNvPr id="25" name="TextBox 24">
+              <a:extLst>
+                <a:ext uri="{FF2B5EF4-FFF2-40B4-BE49-F238E27FC236}">
+                  <a16:creationId xmlns:a16="http://schemas.microsoft.com/office/drawing/2014/main" id="{B5B2AC4F-DCFC-4989-95D1-DA4233F22531}"/>
+                </a:ext>
+              </a:extLst>
+            </p:cNvPr>
+            <p:cNvSpPr txBox="1"/>
+            <p:nvPr/>
+          </p:nvSpPr>
+          <p:spPr>
+            <a:xfrm>
+              <a:off x="419255" y="4735214"/>
+              <a:ext cx="963589" cy="230832"/>
+            </a:xfrm>
+            <a:prstGeom prst="rect">
+              <a:avLst/>
+            </a:prstGeom>
+            <a:noFill/>
+          </p:spPr>
+          <p:txBody>
+            <a:bodyPr wrap="square" rtlCol="0">
+              <a:spAutoFit/>
+            </a:bodyPr>
+            <a:lstStyle/>
+            <a:p>
+              <a:pPr algn="ctr"/>
+              <a:r>
+                <a:rPr lang="en-AU" sz="900" b="1" dirty="0"/>
+                <a:t>Furniture</a:t>
+              </a:r>
+            </a:p>
+          </p:txBody>
+        </p:sp>
+        <p:sp>
+          <p:nvSpPr>
+            <p:cNvPr id="27" name="TextBox 26">
+              <a:extLst>
+                <a:ext uri="{FF2B5EF4-FFF2-40B4-BE49-F238E27FC236}">
+                  <a16:creationId xmlns:a16="http://schemas.microsoft.com/office/drawing/2014/main" id="{8AE49550-FBB4-42D1-8AB3-454DB838CCCD}"/>
+                </a:ext>
+              </a:extLst>
+            </p:cNvPr>
+            <p:cNvSpPr txBox="1"/>
+            <p:nvPr/>
+          </p:nvSpPr>
+          <p:spPr>
+            <a:xfrm>
+              <a:off x="1054580" y="4735213"/>
+              <a:ext cx="1057208" cy="230832"/>
+            </a:xfrm>
+            <a:prstGeom prst="rect">
+              <a:avLst/>
+            </a:prstGeom>
+            <a:noFill/>
+          </p:spPr>
+          <p:txBody>
+            <a:bodyPr wrap="square" rtlCol="0">
+              <a:spAutoFit/>
+            </a:bodyPr>
+            <a:lstStyle/>
+            <a:p>
+              <a:pPr algn="ctr"/>
+              <a:r>
+                <a:rPr lang="en-AU" sz="900" b="1" dirty="0" err="1"/>
+                <a:t>NoFurniture</a:t>
+              </a:r>
+              <a:endParaRPr lang="en-AU" sz="900" b="1" dirty="0"/>
+            </a:p>
+          </p:txBody>
+        </p:sp>
+        <p:sp>
+          <p:nvSpPr>
+            <p:cNvPr id="26" name="TextBox 25">
+              <a:extLst>
+                <a:ext uri="{FF2B5EF4-FFF2-40B4-BE49-F238E27FC236}">
+                  <a16:creationId xmlns:a16="http://schemas.microsoft.com/office/drawing/2014/main" id="{C7CD4CEA-AE63-4BCC-9580-78B13908B597}"/>
+                </a:ext>
+              </a:extLst>
+            </p:cNvPr>
+            <p:cNvSpPr txBox="1"/>
+            <p:nvPr/>
+          </p:nvSpPr>
+          <p:spPr>
+            <a:xfrm>
+              <a:off x="2442462" y="4735214"/>
+              <a:ext cx="963589" cy="230832"/>
+            </a:xfrm>
+            <a:prstGeom prst="rect">
+              <a:avLst/>
+            </a:prstGeom>
+            <a:noFill/>
+          </p:spPr>
+          <p:txBody>
+            <a:bodyPr wrap="square" rtlCol="0">
+              <a:spAutoFit/>
+            </a:bodyPr>
+            <a:lstStyle/>
+            <a:p>
+              <a:pPr algn="ctr"/>
+              <a:r>
+                <a:rPr lang="en-AU" sz="900" b="1" dirty="0"/>
+                <a:t>Furniture</a:t>
+              </a:r>
+            </a:p>
+          </p:txBody>
+        </p:sp>
+        <p:sp>
+          <p:nvSpPr>
+            <p:cNvPr id="28" name="TextBox 27">
+              <a:extLst>
+                <a:ext uri="{FF2B5EF4-FFF2-40B4-BE49-F238E27FC236}">
+                  <a16:creationId xmlns:a16="http://schemas.microsoft.com/office/drawing/2014/main" id="{F16CC02B-128F-4A20-8F0C-C0254BF751C7}"/>
+                </a:ext>
+              </a:extLst>
+            </p:cNvPr>
+            <p:cNvSpPr txBox="1"/>
+            <p:nvPr/>
+          </p:nvSpPr>
+          <p:spPr>
+            <a:xfrm>
+              <a:off x="3077787" y="4735213"/>
+              <a:ext cx="1057208" cy="230832"/>
+            </a:xfrm>
+            <a:prstGeom prst="rect">
+              <a:avLst/>
+            </a:prstGeom>
+            <a:noFill/>
+          </p:spPr>
+          <p:txBody>
+            <a:bodyPr wrap="square" rtlCol="0">
+              <a:spAutoFit/>
+            </a:bodyPr>
+            <a:lstStyle/>
+            <a:p>
+              <a:pPr algn="ctr"/>
+              <a:r>
+                <a:rPr lang="en-AU" sz="900" b="1" dirty="0" err="1"/>
+                <a:t>NoFurniture</a:t>
+              </a:r>
+              <a:endParaRPr lang="en-AU" sz="900" b="1" dirty="0"/>
+            </a:p>
+          </p:txBody>
+        </p:sp>
+        <p:sp>
+          <p:nvSpPr>
+            <p:cNvPr id="29" name="TextBox 28">
+              <a:extLst>
+                <a:ext uri="{FF2B5EF4-FFF2-40B4-BE49-F238E27FC236}">
+                  <a16:creationId xmlns:a16="http://schemas.microsoft.com/office/drawing/2014/main" id="{FD906E0F-28E4-4965-A68C-832812D099D6}"/>
+                </a:ext>
+              </a:extLst>
+            </p:cNvPr>
+            <p:cNvSpPr txBox="1"/>
+            <p:nvPr/>
+          </p:nvSpPr>
+          <p:spPr>
+            <a:xfrm>
+              <a:off x="4591773" y="4709155"/>
+              <a:ext cx="1221164" cy="400110"/>
+            </a:xfrm>
+            <a:prstGeom prst="rect">
+              <a:avLst/>
+            </a:prstGeom>
+            <a:noFill/>
+          </p:spPr>
+          <p:txBody>
+            <a:bodyPr wrap="square" rtlCol="0">
+              <a:spAutoFit/>
+            </a:bodyPr>
+            <a:lstStyle/>
+            <a:p>
+              <a:pPr algn="ctr"/>
+              <a:r>
+                <a:rPr lang="en-AU" sz="1000" b="1" dirty="0"/>
+                <a:t>Furniture-</a:t>
+              </a:r>
+            </a:p>
+            <a:p>
+              <a:pPr algn="ctr"/>
+              <a:r>
+                <a:rPr lang="en-AU" sz="1000" b="1" dirty="0"/>
+                <a:t>Irregular</a:t>
+              </a:r>
+            </a:p>
+          </p:txBody>
+        </p:sp>
+        <p:sp>
+          <p:nvSpPr>
+            <p:cNvPr id="31" name="TextBox 30">
+              <a:extLst>
+                <a:ext uri="{FF2B5EF4-FFF2-40B4-BE49-F238E27FC236}">
+                  <a16:creationId xmlns:a16="http://schemas.microsoft.com/office/drawing/2014/main" id="{F3D48B5C-2FCB-45B5-B2FD-E6D7FBE7A472}"/>
+                </a:ext>
+              </a:extLst>
+            </p:cNvPr>
+            <p:cNvSpPr txBox="1"/>
+            <p:nvPr/>
+          </p:nvSpPr>
+          <p:spPr>
+            <a:xfrm>
+              <a:off x="5563469" y="4709155"/>
+              <a:ext cx="1221164" cy="400110"/>
+            </a:xfrm>
+            <a:prstGeom prst="rect">
+              <a:avLst/>
+            </a:prstGeom>
+            <a:noFill/>
+          </p:spPr>
+          <p:txBody>
+            <a:bodyPr wrap="square" rtlCol="0">
+              <a:spAutoFit/>
+            </a:bodyPr>
+            <a:lstStyle/>
+            <a:p>
+              <a:pPr algn="ctr"/>
+              <a:r>
+                <a:rPr lang="en-AU" sz="1000" b="1" dirty="0"/>
+                <a:t>Furniture-</a:t>
+              </a:r>
+            </a:p>
+            <a:p>
+              <a:pPr algn="ctr"/>
+              <a:r>
+                <a:rPr lang="en-AU" sz="1000" b="1" dirty="0"/>
+                <a:t>Regular</a:t>
+              </a:r>
+            </a:p>
+          </p:txBody>
+        </p:sp>
+        <p:sp>
+          <p:nvSpPr>
+            <p:cNvPr id="32" name="TextBox 31">
+              <a:extLst>
+                <a:ext uri="{FF2B5EF4-FFF2-40B4-BE49-F238E27FC236}">
+                  <a16:creationId xmlns:a16="http://schemas.microsoft.com/office/drawing/2014/main" id="{1FB56B86-84EE-4E63-B437-64B4E33C75F3}"/>
+                </a:ext>
+              </a:extLst>
+            </p:cNvPr>
+            <p:cNvSpPr txBox="1"/>
+            <p:nvPr/>
+          </p:nvSpPr>
+          <p:spPr>
+            <a:xfrm>
+              <a:off x="6519951" y="4709155"/>
+              <a:ext cx="1221164" cy="400110"/>
+            </a:xfrm>
+            <a:prstGeom prst="rect">
+              <a:avLst/>
+            </a:prstGeom>
+            <a:noFill/>
+          </p:spPr>
+          <p:txBody>
+            <a:bodyPr wrap="square" rtlCol="0">
+              <a:spAutoFit/>
+            </a:bodyPr>
+            <a:lstStyle/>
+            <a:p>
+              <a:pPr algn="ctr"/>
+              <a:r>
+                <a:rPr lang="en-AU" sz="1000" b="1" dirty="0" err="1"/>
+                <a:t>NoFurniture</a:t>
+              </a:r>
+              <a:r>
+                <a:rPr lang="en-AU" sz="1000" b="1" dirty="0"/>
+                <a:t>-</a:t>
+              </a:r>
+            </a:p>
+            <a:p>
+              <a:pPr algn="ctr"/>
+              <a:r>
+                <a:rPr lang="en-AU" sz="1000" b="1" dirty="0"/>
+                <a:t>Irregular</a:t>
+              </a:r>
+            </a:p>
+          </p:txBody>
+        </p:sp>
+        <p:sp>
+          <p:nvSpPr>
+            <p:cNvPr id="33" name="TextBox 32">
+              <a:extLst>
+                <a:ext uri="{FF2B5EF4-FFF2-40B4-BE49-F238E27FC236}">
+                  <a16:creationId xmlns:a16="http://schemas.microsoft.com/office/drawing/2014/main" id="{5AF5036E-1713-4A8D-BA74-E9967E4E3506}"/>
+                </a:ext>
+              </a:extLst>
+            </p:cNvPr>
+            <p:cNvSpPr txBox="1"/>
+            <p:nvPr/>
+          </p:nvSpPr>
+          <p:spPr>
+            <a:xfrm>
+              <a:off x="7486870" y="4709155"/>
+              <a:ext cx="1221164" cy="400110"/>
+            </a:xfrm>
+            <a:prstGeom prst="rect">
+              <a:avLst/>
+            </a:prstGeom>
+            <a:noFill/>
+          </p:spPr>
+          <p:txBody>
+            <a:bodyPr wrap="square" rtlCol="0">
+              <a:spAutoFit/>
+            </a:bodyPr>
+            <a:lstStyle/>
+            <a:p>
+              <a:pPr algn="ctr"/>
+              <a:r>
+                <a:rPr lang="en-AU" sz="1000" b="1" dirty="0" err="1"/>
+                <a:t>NoFurniture</a:t>
+              </a:r>
+              <a:r>
+                <a:rPr lang="en-AU" sz="1000" b="1" dirty="0"/>
+                <a:t>-</a:t>
+              </a:r>
+            </a:p>
+            <a:p>
+              <a:pPr algn="ctr"/>
+              <a:r>
+                <a:rPr lang="en-AU" sz="1000" b="1" dirty="0"/>
+                <a:t>Regular</a:t>
+              </a:r>
+            </a:p>
+          </p:txBody>
+        </p:sp>
+        <p:sp>
+          <p:nvSpPr>
+            <p:cNvPr id="34" name="TextBox 33">
+              <a:extLst>
+                <a:ext uri="{FF2B5EF4-FFF2-40B4-BE49-F238E27FC236}">
+                  <a16:creationId xmlns:a16="http://schemas.microsoft.com/office/drawing/2014/main" id="{BCC42B34-1B10-4BD0-9CBE-CDCFCE84B2F2}"/>
+                </a:ext>
+              </a:extLst>
+            </p:cNvPr>
+            <p:cNvSpPr txBox="1"/>
+            <p:nvPr/>
+          </p:nvSpPr>
+          <p:spPr>
+            <a:xfrm>
+              <a:off x="9129481" y="4709155"/>
+              <a:ext cx="1221164" cy="400110"/>
+            </a:xfrm>
+            <a:prstGeom prst="rect">
+              <a:avLst/>
+            </a:prstGeom>
+            <a:noFill/>
+          </p:spPr>
+          <p:txBody>
+            <a:bodyPr wrap="square" rtlCol="0">
+              <a:spAutoFit/>
+            </a:bodyPr>
+            <a:lstStyle/>
+            <a:p>
+              <a:pPr algn="ctr"/>
+              <a:r>
+                <a:rPr lang="en-AU" sz="1000" b="1" dirty="0"/>
+                <a:t>Furniture-</a:t>
+              </a:r>
+            </a:p>
+            <a:p>
+              <a:pPr algn="ctr"/>
+              <a:r>
+                <a:rPr lang="en-AU" sz="1000" b="1" dirty="0"/>
+                <a:t>Irregular</a:t>
+              </a:r>
+            </a:p>
+          </p:txBody>
+        </p:sp>
+        <p:sp>
+          <p:nvSpPr>
+            <p:cNvPr id="35" name="TextBox 34">
+              <a:extLst>
+                <a:ext uri="{FF2B5EF4-FFF2-40B4-BE49-F238E27FC236}">
+                  <a16:creationId xmlns:a16="http://schemas.microsoft.com/office/drawing/2014/main" id="{2DB93E20-D969-4271-A88F-FA533690F94E}"/>
+                </a:ext>
+              </a:extLst>
+            </p:cNvPr>
+            <p:cNvSpPr txBox="1"/>
+            <p:nvPr/>
+          </p:nvSpPr>
+          <p:spPr>
+            <a:xfrm>
+              <a:off x="10101177" y="4709155"/>
+              <a:ext cx="1221164" cy="400110"/>
+            </a:xfrm>
+            <a:prstGeom prst="rect">
+              <a:avLst/>
+            </a:prstGeom>
+            <a:noFill/>
+          </p:spPr>
+          <p:txBody>
+            <a:bodyPr wrap="square" rtlCol="0">
+              <a:spAutoFit/>
+            </a:bodyPr>
+            <a:lstStyle/>
+            <a:p>
+              <a:pPr algn="ctr"/>
+              <a:r>
+                <a:rPr lang="en-AU" sz="1000" b="1" dirty="0"/>
+                <a:t>Furniture-</a:t>
+              </a:r>
+            </a:p>
+            <a:p>
+              <a:pPr algn="ctr"/>
+              <a:r>
+                <a:rPr lang="en-AU" sz="1000" b="1" dirty="0"/>
+                <a:t>Regular</a:t>
+              </a:r>
+            </a:p>
+          </p:txBody>
+        </p:sp>
+        <p:sp>
+          <p:nvSpPr>
+            <p:cNvPr id="36" name="TextBox 35">
+              <a:extLst>
+                <a:ext uri="{FF2B5EF4-FFF2-40B4-BE49-F238E27FC236}">
+                  <a16:creationId xmlns:a16="http://schemas.microsoft.com/office/drawing/2014/main" id="{1909C531-1B92-4933-B330-C41048F477BD}"/>
+                </a:ext>
+              </a:extLst>
+            </p:cNvPr>
+            <p:cNvSpPr txBox="1"/>
+            <p:nvPr/>
+          </p:nvSpPr>
+          <p:spPr>
+            <a:xfrm>
+              <a:off x="11057659" y="4709155"/>
+              <a:ext cx="1221164" cy="400110"/>
+            </a:xfrm>
+            <a:prstGeom prst="rect">
+              <a:avLst/>
+            </a:prstGeom>
+            <a:noFill/>
+          </p:spPr>
+          <p:txBody>
+            <a:bodyPr wrap="square" rtlCol="0">
+              <a:spAutoFit/>
+            </a:bodyPr>
+            <a:lstStyle/>
+            <a:p>
+              <a:pPr algn="ctr"/>
+              <a:r>
+                <a:rPr lang="en-AU" sz="1000" b="1" dirty="0" err="1"/>
+                <a:t>NoFurniture</a:t>
+              </a:r>
+              <a:r>
+                <a:rPr lang="en-AU" sz="1000" b="1" dirty="0"/>
+                <a:t>-</a:t>
+              </a:r>
+            </a:p>
+            <a:p>
+              <a:pPr algn="ctr"/>
+              <a:r>
+                <a:rPr lang="en-AU" sz="1000" b="1" dirty="0"/>
+                <a:t>Irregular</a:t>
+              </a:r>
+            </a:p>
+          </p:txBody>
+        </p:sp>
+        <p:sp>
+          <p:nvSpPr>
+            <p:cNvPr id="37" name="TextBox 36">
+              <a:extLst>
+                <a:ext uri="{FF2B5EF4-FFF2-40B4-BE49-F238E27FC236}">
+                  <a16:creationId xmlns:a16="http://schemas.microsoft.com/office/drawing/2014/main" id="{8D027C55-FC99-431F-9497-5D76882B2867}"/>
+                </a:ext>
+              </a:extLst>
+            </p:cNvPr>
+            <p:cNvSpPr txBox="1"/>
+            <p:nvPr/>
+          </p:nvSpPr>
+          <p:spPr>
+            <a:xfrm>
+              <a:off x="12024578" y="4709155"/>
+              <a:ext cx="1221164" cy="400110"/>
+            </a:xfrm>
+            <a:prstGeom prst="rect">
+              <a:avLst/>
+            </a:prstGeom>
+            <a:noFill/>
+          </p:spPr>
+          <p:txBody>
+            <a:bodyPr wrap="square" rtlCol="0">
+              <a:spAutoFit/>
+            </a:bodyPr>
+            <a:lstStyle/>
+            <a:p>
+              <a:pPr algn="ctr"/>
+              <a:r>
+                <a:rPr lang="en-AU" sz="1000" b="1" dirty="0" err="1"/>
+                <a:t>NoFurniture</a:t>
+              </a:r>
+              <a:r>
+                <a:rPr lang="en-AU" sz="1000" b="1" dirty="0"/>
+                <a:t>-</a:t>
+              </a:r>
+            </a:p>
+            <a:p>
+              <a:pPr algn="ctr"/>
+              <a:r>
+                <a:rPr lang="en-AU" sz="1000" b="1" dirty="0"/>
+                <a:t>Regular</a:t>
+              </a:r>
+            </a:p>
+          </p:txBody>
+        </p:sp>
+      </p:grpSp>
+    </p:spTree>
+    <p:extLst>
+      <p:ext uri="{BB962C8B-B14F-4D97-AF65-F5344CB8AC3E}">
+        <p14:creationId xmlns:p14="http://schemas.microsoft.com/office/powerpoint/2010/main" val="1446693873"/>
+      </p:ext>
+    </p:extLst>
+  </p:cSld>
+  <p:clrMapOvr>
+    <a:masterClrMapping/>
+  </p:clrMapOvr>
+</p:sld>
+</file>
+
+<file path=ppt/slides/slide8.xml><?xml version="1.0" encoding="utf-8"?>
+<p:sld xmlns:a="http://schemas.openxmlformats.org/drawingml/2006/main" xmlns:r="http://schemas.openxmlformats.org/officeDocument/2006/relationships" xmlns:p="http://schemas.openxmlformats.org/presentationml/2006/main">
+  <p:cSld>
+    <p:bg>
+      <p:bgPr>
+        <a:solidFill>
+          <a:schemeClr val="bg2"/>
+        </a:solidFill>
+        <a:effectLst/>
+      </p:bgPr>
+    </p:bg>
+    <p:spTree>
+      <p:nvGrpSpPr>
+        <p:cNvPr id="1" name="Shape 90"/>
+        <p:cNvGrpSpPr/>
+        <p:nvPr/>
+      </p:nvGrpSpPr>
+      <p:grpSpPr>
+        <a:xfrm>
+          <a:off x="0" y="0"/>
+          <a:ext cx="0" cy="0"/>
+          <a:chOff x="0" y="0"/>
+          <a:chExt cx="0" cy="0"/>
+        </a:xfrm>
+      </p:grpSpPr>
+      <p:grpSp>
+        <p:nvGrpSpPr>
+          <p:cNvPr id="12" name="Group 11">
+            <a:extLst>
+              <a:ext uri="{FF2B5EF4-FFF2-40B4-BE49-F238E27FC236}">
+                <a16:creationId xmlns:a16="http://schemas.microsoft.com/office/drawing/2014/main" id="{09CAD3FA-92CA-4033-A919-F1525B8341A6}"/>
+              </a:ext>
+            </a:extLst>
+          </p:cNvPr>
+          <p:cNvGrpSpPr/>
+          <p:nvPr/>
+        </p:nvGrpSpPr>
+        <p:grpSpPr>
+          <a:xfrm>
+            <a:off x="60960" y="275480"/>
+            <a:ext cx="11864899" cy="4824105"/>
+            <a:chOff x="60960" y="275480"/>
+            <a:chExt cx="11864899" cy="4824105"/>
+          </a:xfrm>
+        </p:grpSpPr>
+        <p:sp>
+          <p:nvSpPr>
+            <p:cNvPr id="6" name="Rectangle 5">
+              <a:extLst>
+                <a:ext uri="{FF2B5EF4-FFF2-40B4-BE49-F238E27FC236}">
+                  <a16:creationId xmlns:a16="http://schemas.microsoft.com/office/drawing/2014/main" id="{C0BB6597-9BF5-DD11-19A1-1F9A397682E8}"/>
+                </a:ext>
+              </a:extLst>
+            </p:cNvPr>
+            <p:cNvSpPr/>
+            <p:nvPr/>
+          </p:nvSpPr>
+          <p:spPr>
+            <a:xfrm>
+              <a:off x="60960" y="335283"/>
+              <a:ext cx="11813469" cy="4720872"/>
+            </a:xfrm>
+            <a:prstGeom prst="rect">
+              <a:avLst/>
+            </a:prstGeom>
+            <a:solidFill>
+              <a:schemeClr val="bg1"/>
+            </a:solidFill>
+            <a:ln>
+              <a:noFill/>
+            </a:ln>
+          </p:spPr>
+          <p:style>
+            <a:lnRef idx="2">
+              <a:schemeClr val="accent1">
+                <a:shade val="50000"/>
+              </a:schemeClr>
+            </a:lnRef>
+            <a:fillRef idx="1">
+              <a:schemeClr val="accent1"/>
+            </a:fillRef>
+            <a:effectRef idx="0">
+              <a:schemeClr val="accent1"/>
+            </a:effectRef>
+            <a:fontRef idx="minor">
+              <a:schemeClr val="lt1"/>
+            </a:fontRef>
+          </p:style>
+          <p:txBody>
+            <a:bodyPr rtlCol="0" anchor="ctr"/>
+            <a:lstStyle/>
+            <a:p>
+              <a:pPr algn="ctr"/>
+              <a:endParaRPr lang="en-AU"/>
+            </a:p>
+          </p:txBody>
+        </p:sp>
+        <p:sp>
+          <p:nvSpPr>
+            <p:cNvPr id="10" name="Google Shape;61;p13">
+              <a:extLst>
+                <a:ext uri="{FF2B5EF4-FFF2-40B4-BE49-F238E27FC236}">
+                  <a16:creationId xmlns:a16="http://schemas.microsoft.com/office/drawing/2014/main" id="{D4E47743-3822-57F0-EF5E-7002F8F4649B}"/>
+                </a:ext>
+              </a:extLst>
+            </p:cNvPr>
+            <p:cNvSpPr txBox="1"/>
+            <p:nvPr/>
+          </p:nvSpPr>
+          <p:spPr>
+            <a:xfrm>
+              <a:off x="1131660" y="461678"/>
+              <a:ext cx="1036588" cy="306678"/>
+            </a:xfrm>
+            <a:prstGeom prst="rect">
+              <a:avLst/>
+            </a:prstGeom>
+            <a:noFill/>
+            <a:ln>
+              <a:noFill/>
+            </a:ln>
+          </p:spPr>
+          <p:txBody>
+            <a:bodyPr spcFirstLastPara="1" wrap="square" lIns="91425" tIns="91425" rIns="91425" bIns="91425" anchor="t" anchorCtr="0">
+              <a:noAutofit/>
+            </a:bodyPr>
+            <a:lstStyle/>
+            <a:p>
+              <a:pPr algn="ctr"/>
+              <a:r>
+                <a:rPr lang="en-GB" sz="2400" dirty="0"/>
+                <a:t>***</a:t>
+              </a:r>
+              <a:endParaRPr sz="2400" dirty="0"/>
+            </a:p>
+          </p:txBody>
+        </p:sp>
         <p:grpSp>
           <p:nvGrpSpPr>
             <p:cNvPr id="2" name="Group 1">
@@ -7604,10 +12355,10 @@
           </p:nvGrpSpPr>
           <p:grpSpPr>
             <a:xfrm>
-              <a:off x="8923022" y="462285"/>
-              <a:ext cx="5547569" cy="4529090"/>
-              <a:chOff x="909037" y="477247"/>
-              <a:chExt cx="5547569" cy="4529090"/>
+              <a:off x="7526417" y="447930"/>
+              <a:ext cx="4348012" cy="4538203"/>
+              <a:chOff x="909038" y="477247"/>
+              <a:chExt cx="4348012" cy="4538203"/>
             </a:xfrm>
           </p:grpSpPr>
           <p:pic>
@@ -7626,13 +12377,13 @@
             </p:nvPicPr>
             <p:blipFill rotWithShape="1">
               <a:blip r:embed="rId3"/>
-              <a:srcRect r="-535"/>
+              <a:srcRect r="21204" b="5778"/>
               <a:stretch/>
             </p:blipFill>
             <p:spPr>
               <a:xfrm>
-                <a:off x="909037" y="867765"/>
-                <a:ext cx="5547569" cy="4138572"/>
+                <a:off x="909038" y="867765"/>
+                <a:ext cx="4348012" cy="3899453"/>
               </a:xfrm>
               <a:prstGeom prst="rect">
                 <a:avLst/>
@@ -7689,7 +12440,7 @@
             </p:nvCxnSpPr>
             <p:spPr>
               <a:xfrm>
-                <a:off x="3794800" y="791174"/>
+                <a:off x="3794800" y="783554"/>
                 <a:ext cx="909588" cy="0"/>
               </a:xfrm>
               <a:prstGeom prst="straightConnector1">
@@ -7795,7 +12546,7 @@
             </p:nvSpPr>
             <p:spPr>
               <a:xfrm>
-                <a:off x="1240286" y="4684813"/>
+                <a:off x="1240286" y="4707673"/>
                 <a:ext cx="281940" cy="307777"/>
               </a:xfrm>
               <a:prstGeom prst="rect">
@@ -7818,12 +12569,208 @@
             </p:txBody>
           </p:sp>
         </p:grpSp>
+        <p:pic>
+          <p:nvPicPr>
+            <p:cNvPr id="3" name="Picture 2" descr="A bar graph with different colored bars&#10;&#10;Description automatically generated with medium confidence">
+              <a:extLst>
+                <a:ext uri="{FF2B5EF4-FFF2-40B4-BE49-F238E27FC236}">
+                  <a16:creationId xmlns:a16="http://schemas.microsoft.com/office/drawing/2014/main" id="{6237924F-536E-5C5C-88AF-88AA6737ADD2}"/>
+                </a:ext>
+              </a:extLst>
+            </p:cNvPr>
+            <p:cNvPicPr>
+              <a:picLocks noChangeAspect="1"/>
+            </p:cNvPicPr>
+            <p:nvPr/>
+          </p:nvPicPr>
+          <p:blipFill rotWithShape="1">
+            <a:blip r:embed="rId4"/>
+            <a:srcRect l="4724" r="20697" b="4411"/>
+            <a:stretch/>
+          </p:blipFill>
+          <p:spPr>
+            <a:xfrm>
+              <a:off x="369622" y="852468"/>
+              <a:ext cx="2418465" cy="3955749"/>
+            </a:xfrm>
+            <a:prstGeom prst="rect">
+              <a:avLst/>
+            </a:prstGeom>
+          </p:spPr>
+        </p:pic>
+        <p:cxnSp>
+          <p:nvCxnSpPr>
+            <p:cNvPr id="7" name="Google Shape;58;p13">
+              <a:extLst>
+                <a:ext uri="{FF2B5EF4-FFF2-40B4-BE49-F238E27FC236}">
+                  <a16:creationId xmlns:a16="http://schemas.microsoft.com/office/drawing/2014/main" id="{7027E329-8E48-EB66-875F-CD5A4C2B2C18}"/>
+                </a:ext>
+              </a:extLst>
+            </p:cNvPr>
+            <p:cNvCxnSpPr>
+              <a:cxnSpLocks/>
+            </p:cNvCxnSpPr>
+            <p:nvPr/>
+          </p:nvCxnSpPr>
+          <p:spPr>
+            <a:xfrm flipV="1">
+              <a:off x="1131660" y="764282"/>
+              <a:ext cx="0" cy="165145"/>
+            </a:xfrm>
+            <a:prstGeom prst="straightConnector1">
+              <a:avLst/>
+            </a:prstGeom>
+            <a:noFill/>
+            <a:ln w="19050" cap="flat" cmpd="sng">
+              <a:solidFill>
+                <a:schemeClr val="dk1"/>
+              </a:solidFill>
+              <a:prstDash val="solid"/>
+              <a:round/>
+              <a:headEnd type="none" w="med" len="med"/>
+              <a:tailEnd type="none" w="med" len="med"/>
+            </a:ln>
+          </p:spPr>
+        </p:cxnSp>
+        <p:cxnSp>
+          <p:nvCxnSpPr>
+            <p:cNvPr id="8" name="Google Shape;59;p13">
+              <a:extLst>
+                <a:ext uri="{FF2B5EF4-FFF2-40B4-BE49-F238E27FC236}">
+                  <a16:creationId xmlns:a16="http://schemas.microsoft.com/office/drawing/2014/main" id="{134E4E59-91ED-E80F-CBC5-1C09E9E0EF4C}"/>
+                </a:ext>
+              </a:extLst>
+            </p:cNvPr>
+            <p:cNvCxnSpPr>
+              <a:cxnSpLocks/>
+            </p:cNvCxnSpPr>
+            <p:nvPr/>
+          </p:nvCxnSpPr>
+          <p:spPr>
+            <a:xfrm>
+              <a:off x="1131660" y="764810"/>
+              <a:ext cx="1036588" cy="0"/>
+            </a:xfrm>
+            <a:prstGeom prst="straightConnector1">
+              <a:avLst/>
+            </a:prstGeom>
+            <a:noFill/>
+            <a:ln w="19050" cap="flat" cmpd="sng">
+              <a:solidFill>
+                <a:schemeClr val="dk1"/>
+              </a:solidFill>
+              <a:prstDash val="solid"/>
+              <a:round/>
+              <a:headEnd type="none" w="med" len="med"/>
+              <a:tailEnd type="none" w="med" len="med"/>
+            </a:ln>
+          </p:spPr>
+        </p:cxnSp>
+        <p:cxnSp>
+          <p:nvCxnSpPr>
+            <p:cNvPr id="9" name="Google Shape;60;p13">
+              <a:extLst>
+                <a:ext uri="{FF2B5EF4-FFF2-40B4-BE49-F238E27FC236}">
+                  <a16:creationId xmlns:a16="http://schemas.microsoft.com/office/drawing/2014/main" id="{3C509AF9-D4F6-5756-AC50-65450E36C53E}"/>
+                </a:ext>
+              </a:extLst>
+            </p:cNvPr>
+            <p:cNvCxnSpPr>
+              <a:cxnSpLocks/>
+            </p:cNvCxnSpPr>
+            <p:nvPr/>
+          </p:nvCxnSpPr>
+          <p:spPr>
+            <a:xfrm flipV="1">
+              <a:off x="2168248" y="764282"/>
+              <a:ext cx="0" cy="1272850"/>
+            </a:xfrm>
+            <a:prstGeom prst="straightConnector1">
+              <a:avLst/>
+            </a:prstGeom>
+            <a:noFill/>
+            <a:ln w="19050" cap="flat" cmpd="sng">
+              <a:solidFill>
+                <a:schemeClr val="dk1"/>
+              </a:solidFill>
+              <a:prstDash val="solid"/>
+              <a:round/>
+              <a:headEnd type="none" w="med" len="med"/>
+              <a:tailEnd type="none" w="med" len="med"/>
+            </a:ln>
+          </p:spPr>
+        </p:cxnSp>
+        <p:pic>
+          <p:nvPicPr>
+            <p:cNvPr id="78" name="Picture 77" descr="A graph showing different colored squares&#10;&#10;Description automatically generated">
+              <a:extLst>
+                <a:ext uri="{FF2B5EF4-FFF2-40B4-BE49-F238E27FC236}">
+                  <a16:creationId xmlns:a16="http://schemas.microsoft.com/office/drawing/2014/main" id="{53C7E8B6-EA3A-0E41-5040-3D617F704A49}"/>
+                </a:ext>
+              </a:extLst>
+            </p:cNvPr>
+            <p:cNvPicPr>
+              <a:picLocks noChangeAspect="1"/>
+            </p:cNvPicPr>
+            <p:nvPr/>
+          </p:nvPicPr>
+          <p:blipFill rotWithShape="1">
+            <a:blip r:embed="rId5"/>
+            <a:srcRect r="95612"/>
+            <a:stretch/>
+          </p:blipFill>
+          <p:spPr>
+            <a:xfrm>
+              <a:off x="116797" y="846854"/>
+              <a:ext cx="252824" cy="4136206"/>
+            </a:xfrm>
+            <a:prstGeom prst="rect">
+              <a:avLst/>
+            </a:prstGeom>
+          </p:spPr>
+        </p:pic>
+        <p:sp>
+          <p:nvSpPr>
+            <p:cNvPr id="81" name="TextBox 80">
+              <a:extLst>
+                <a:ext uri="{FF2B5EF4-FFF2-40B4-BE49-F238E27FC236}">
+                  <a16:creationId xmlns:a16="http://schemas.microsoft.com/office/drawing/2014/main" id="{151007C4-2FEF-AAC6-4F1B-B6A133DB1A31}"/>
+                </a:ext>
+              </a:extLst>
+            </p:cNvPr>
+            <p:cNvSpPr txBox="1"/>
+            <p:nvPr/>
+          </p:nvSpPr>
+          <p:spPr>
+            <a:xfrm>
+              <a:off x="269487" y="4684483"/>
+              <a:ext cx="281940" cy="307777"/>
+            </a:xfrm>
+            <a:prstGeom prst="rect">
+              <a:avLst/>
+            </a:prstGeom>
+            <a:noFill/>
+          </p:spPr>
+          <p:txBody>
+            <a:bodyPr wrap="square" rtlCol="0">
+              <a:spAutoFit/>
+            </a:bodyPr>
+            <a:lstStyle/>
+            <a:p>
+              <a:r>
+                <a:rPr lang="en-US" dirty="0"/>
+                <a:t>a</a:t>
+              </a:r>
+              <a:endParaRPr lang="en-AU" dirty="0"/>
+            </a:p>
+          </p:txBody>
+        </p:sp>
         <p:grpSp>
           <p:nvGrpSpPr>
-            <p:cNvPr id="4" name="Group 3">
-              <a:extLst>
-                <a:ext uri="{FF2B5EF4-FFF2-40B4-BE49-F238E27FC236}">
-                  <a16:creationId xmlns:a16="http://schemas.microsoft.com/office/drawing/2014/main" id="{08A29214-29D0-6838-7BB0-C021A773E608}"/>
+            <p:cNvPr id="11" name="Group 10">
+              <a:extLst>
+                <a:ext uri="{FF2B5EF4-FFF2-40B4-BE49-F238E27FC236}">
+                  <a16:creationId xmlns:a16="http://schemas.microsoft.com/office/drawing/2014/main" id="{D2327EAB-A0B0-EB52-D651-7CCAB114A2B8}"/>
                 </a:ext>
               </a:extLst>
             </p:cNvPr>
@@ -7832,267 +12779,10 @@
           </p:nvGrpSpPr>
           <p:grpSpPr>
             <a:xfrm>
-              <a:off x="906910" y="476033"/>
-              <a:ext cx="3342443" cy="4529090"/>
-              <a:chOff x="6993797" y="477247"/>
-              <a:chExt cx="3342443" cy="4529090"/>
-            </a:xfrm>
-          </p:grpSpPr>
-          <p:pic>
-            <p:nvPicPr>
-              <p:cNvPr id="3" name="Picture 2" descr="A bar graph with different colored bars&#10;&#10;Description automatically generated with medium confidence">
-                <a:extLst>
-                  <a:ext uri="{FF2B5EF4-FFF2-40B4-BE49-F238E27FC236}">
-                    <a16:creationId xmlns:a16="http://schemas.microsoft.com/office/drawing/2014/main" id="{6237924F-536E-5C5C-88AF-88AA6737ADD2}"/>
-                  </a:ext>
-                </a:extLst>
-              </p:cNvPr>
-              <p:cNvPicPr>
-                <a:picLocks noChangeAspect="1"/>
-              </p:cNvPicPr>
-              <p:nvPr/>
-            </p:nvPicPr>
-            <p:blipFill rotWithShape="1">
-              <a:blip r:embed="rId4"/>
-              <a:srcRect l="4724"/>
-              <a:stretch/>
-            </p:blipFill>
-            <p:spPr>
-              <a:xfrm>
-                <a:off x="7246622" y="868037"/>
-                <a:ext cx="3089618" cy="4138300"/>
-              </a:xfrm>
-              <a:prstGeom prst="rect">
-                <a:avLst/>
-              </a:prstGeom>
-            </p:spPr>
-          </p:pic>
-          <p:cxnSp>
-            <p:nvCxnSpPr>
-              <p:cNvPr id="7" name="Google Shape;58;p13">
-                <a:extLst>
-                  <a:ext uri="{FF2B5EF4-FFF2-40B4-BE49-F238E27FC236}">
-                    <a16:creationId xmlns:a16="http://schemas.microsoft.com/office/drawing/2014/main" id="{7027E329-8E48-EB66-875F-CD5A4C2B2C18}"/>
-                  </a:ext>
-                </a:extLst>
-              </p:cNvPr>
-              <p:cNvCxnSpPr>
-                <a:cxnSpLocks/>
-              </p:cNvCxnSpPr>
-              <p:nvPr/>
-            </p:nvCxnSpPr>
-            <p:spPr>
-              <a:xfrm flipV="1">
-                <a:off x="8008660" y="779851"/>
-                <a:ext cx="0" cy="165145"/>
-              </a:xfrm>
-              <a:prstGeom prst="straightConnector1">
-                <a:avLst/>
-              </a:prstGeom>
-              <a:noFill/>
-              <a:ln w="19050" cap="flat" cmpd="sng">
-                <a:solidFill>
-                  <a:schemeClr val="dk1"/>
-                </a:solidFill>
-                <a:prstDash val="solid"/>
-                <a:round/>
-                <a:headEnd type="none" w="med" len="med"/>
-                <a:tailEnd type="none" w="med" len="med"/>
-              </a:ln>
-            </p:spPr>
-          </p:cxnSp>
-          <p:cxnSp>
-            <p:nvCxnSpPr>
-              <p:cNvPr id="8" name="Google Shape;59;p13">
-                <a:extLst>
-                  <a:ext uri="{FF2B5EF4-FFF2-40B4-BE49-F238E27FC236}">
-                    <a16:creationId xmlns:a16="http://schemas.microsoft.com/office/drawing/2014/main" id="{134E4E59-91ED-E80F-CBC5-1C09E9E0EF4C}"/>
-                  </a:ext>
-                </a:extLst>
-              </p:cNvPr>
-              <p:cNvCxnSpPr>
-                <a:cxnSpLocks/>
-              </p:cNvCxnSpPr>
-              <p:nvPr/>
-            </p:nvCxnSpPr>
-            <p:spPr>
-              <a:xfrm>
-                <a:off x="8008660" y="787999"/>
-                <a:ext cx="1036588" cy="0"/>
-              </a:xfrm>
-              <a:prstGeom prst="straightConnector1">
-                <a:avLst/>
-              </a:prstGeom>
-              <a:noFill/>
-              <a:ln w="19050" cap="flat" cmpd="sng">
-                <a:solidFill>
-                  <a:schemeClr val="dk1"/>
-                </a:solidFill>
-                <a:prstDash val="solid"/>
-                <a:round/>
-                <a:headEnd type="none" w="med" len="med"/>
-                <a:tailEnd type="none" w="med" len="med"/>
-              </a:ln>
-            </p:spPr>
-          </p:cxnSp>
-          <p:cxnSp>
-            <p:nvCxnSpPr>
-              <p:cNvPr id="9" name="Google Shape;60;p13">
-                <a:extLst>
-                  <a:ext uri="{FF2B5EF4-FFF2-40B4-BE49-F238E27FC236}">
-                    <a16:creationId xmlns:a16="http://schemas.microsoft.com/office/drawing/2014/main" id="{3C509AF9-D4F6-5756-AC50-65450E36C53E}"/>
-                  </a:ext>
-                </a:extLst>
-              </p:cNvPr>
-              <p:cNvCxnSpPr>
-                <a:cxnSpLocks/>
-              </p:cNvCxnSpPr>
-              <p:nvPr/>
-            </p:nvCxnSpPr>
-            <p:spPr>
-              <a:xfrm flipV="1">
-                <a:off x="9045248" y="779851"/>
-                <a:ext cx="0" cy="1272850"/>
-              </a:xfrm>
-              <a:prstGeom prst="straightConnector1">
-                <a:avLst/>
-              </a:prstGeom>
-              <a:noFill/>
-              <a:ln w="19050" cap="flat" cmpd="sng">
-                <a:solidFill>
-                  <a:schemeClr val="dk1"/>
-                </a:solidFill>
-                <a:prstDash val="solid"/>
-                <a:round/>
-                <a:headEnd type="none" w="med" len="med"/>
-                <a:tailEnd type="none" w="med" len="med"/>
-              </a:ln>
-            </p:spPr>
-          </p:cxnSp>
-          <p:sp>
-            <p:nvSpPr>
-              <p:cNvPr id="10" name="Google Shape;61;p13">
-                <a:extLst>
-                  <a:ext uri="{FF2B5EF4-FFF2-40B4-BE49-F238E27FC236}">
-                    <a16:creationId xmlns:a16="http://schemas.microsoft.com/office/drawing/2014/main" id="{D4E47743-3822-57F0-EF5E-7002F8F4649B}"/>
-                  </a:ext>
-                </a:extLst>
-              </p:cNvPr>
-              <p:cNvSpPr txBox="1"/>
-              <p:nvPr/>
-            </p:nvSpPr>
-            <p:spPr>
-              <a:xfrm>
-                <a:off x="8008660" y="477247"/>
-                <a:ext cx="1036588" cy="306678"/>
-              </a:xfrm>
-              <a:prstGeom prst="rect">
-                <a:avLst/>
-              </a:prstGeom>
-              <a:noFill/>
-              <a:ln>
-                <a:noFill/>
-              </a:ln>
-            </p:spPr>
-            <p:txBody>
-              <a:bodyPr spcFirstLastPara="1" wrap="square" lIns="91425" tIns="91425" rIns="91425" bIns="91425" anchor="t" anchorCtr="0">
-                <a:noAutofit/>
-              </a:bodyPr>
-              <a:lstStyle/>
-              <a:p>
-                <a:pPr algn="ctr"/>
-                <a:r>
-                  <a:rPr lang="en-GB" sz="2400" dirty="0"/>
-                  <a:t>**</a:t>
-                </a:r>
-                <a:endParaRPr sz="2400" dirty="0"/>
-              </a:p>
-            </p:txBody>
-          </p:sp>
-          <p:pic>
-            <p:nvPicPr>
-              <p:cNvPr id="78" name="Picture 77" descr="A graph showing different colored squares&#10;&#10;Description automatically generated">
-                <a:extLst>
-                  <a:ext uri="{FF2B5EF4-FFF2-40B4-BE49-F238E27FC236}">
-                    <a16:creationId xmlns:a16="http://schemas.microsoft.com/office/drawing/2014/main" id="{53C7E8B6-EA3A-0E41-5040-3D617F704A49}"/>
-                  </a:ext>
-                </a:extLst>
-              </p:cNvPr>
-              <p:cNvPicPr>
-                <a:picLocks noChangeAspect="1"/>
-              </p:cNvPicPr>
-              <p:nvPr/>
-            </p:nvPicPr>
-            <p:blipFill rotWithShape="1">
-              <a:blip r:embed="rId5"/>
-              <a:srcRect r="95612"/>
-              <a:stretch/>
-            </p:blipFill>
-            <p:spPr>
-              <a:xfrm>
-                <a:off x="6993797" y="862423"/>
-                <a:ext cx="252824" cy="4136206"/>
-              </a:xfrm>
-              <a:prstGeom prst="rect">
-                <a:avLst/>
-              </a:prstGeom>
-            </p:spPr>
-          </p:pic>
-          <p:sp>
-            <p:nvSpPr>
-              <p:cNvPr id="81" name="TextBox 80">
-                <a:extLst>
-                  <a:ext uri="{FF2B5EF4-FFF2-40B4-BE49-F238E27FC236}">
-                    <a16:creationId xmlns:a16="http://schemas.microsoft.com/office/drawing/2014/main" id="{151007C4-2FEF-AAC6-4F1B-B6A133DB1A31}"/>
-                  </a:ext>
-                </a:extLst>
-              </p:cNvPr>
-              <p:cNvSpPr txBox="1"/>
-              <p:nvPr/>
-            </p:nvSpPr>
-            <p:spPr>
-              <a:xfrm>
-                <a:off x="7146487" y="4684812"/>
-                <a:ext cx="281940" cy="307777"/>
-              </a:xfrm>
-              <a:prstGeom prst="rect">
-                <a:avLst/>
-              </a:prstGeom>
-              <a:noFill/>
-            </p:spPr>
-            <p:txBody>
-              <a:bodyPr wrap="square" rtlCol="0">
-                <a:spAutoFit/>
-              </a:bodyPr>
-              <a:lstStyle/>
-              <a:p>
-                <a:r>
-                  <a:rPr lang="en-US" dirty="0"/>
-                  <a:t>a</a:t>
-                </a:r>
-                <a:endParaRPr lang="en-AU" dirty="0"/>
-              </a:p>
-            </p:txBody>
-          </p:sp>
-        </p:grpSp>
-        <p:grpSp>
-          <p:nvGrpSpPr>
-            <p:cNvPr id="11" name="Group 10">
-              <a:extLst>
-                <a:ext uri="{FF2B5EF4-FFF2-40B4-BE49-F238E27FC236}">
-                  <a16:creationId xmlns:a16="http://schemas.microsoft.com/office/drawing/2014/main" id="{D2327EAB-A0B0-EB52-D651-7CCAB114A2B8}"/>
-                </a:ext>
-              </a:extLst>
-            </p:cNvPr>
-            <p:cNvGrpSpPr/>
-            <p:nvPr/>
-          </p:nvGrpSpPr>
-          <p:grpSpPr>
-            <a:xfrm>
-              <a:off x="4270649" y="289835"/>
-              <a:ext cx="4562633" cy="4701540"/>
+              <a:off x="2874043" y="275480"/>
+              <a:ext cx="4562633" cy="4718271"/>
               <a:chOff x="10377076" y="304798"/>
-              <a:chExt cx="4562633" cy="4701540"/>
+              <a:chExt cx="4562633" cy="4718271"/>
             </a:xfrm>
           </p:grpSpPr>
           <p:pic>
@@ -8111,13 +12801,13 @@
             </p:nvPicPr>
             <p:blipFill rotWithShape="1">
               <a:blip r:embed="rId5"/>
-              <a:srcRect r="20816"/>
+              <a:srcRect r="20816" b="5724"/>
               <a:stretch/>
             </p:blipFill>
             <p:spPr>
               <a:xfrm>
                 <a:off x="10377076" y="870132"/>
-                <a:ext cx="4562633" cy="4136206"/>
+                <a:ext cx="4562633" cy="3899454"/>
               </a:xfrm>
               <a:prstGeom prst="rect">
                 <a:avLst/>
@@ -8388,7 +13078,7 @@
             </p:nvSpPr>
             <p:spPr>
               <a:xfrm>
-                <a:off x="10587725" y="4684812"/>
+                <a:off x="10587725" y="4715292"/>
                 <a:ext cx="281940" cy="307777"/>
               </a:xfrm>
               <a:prstGeom prst="rect">
@@ -8411,8 +13101,446 @@
             </p:txBody>
           </p:sp>
         </p:grpSp>
+        <p:sp>
+          <p:nvSpPr>
+            <p:cNvPr id="29" name="TextBox 28">
+              <a:extLst>
+                <a:ext uri="{FF2B5EF4-FFF2-40B4-BE49-F238E27FC236}">
+                  <a16:creationId xmlns:a16="http://schemas.microsoft.com/office/drawing/2014/main" id="{153201E5-91E5-479F-85B9-00E7A232916B}"/>
+                </a:ext>
+              </a:extLst>
+            </p:cNvPr>
+            <p:cNvSpPr txBox="1"/>
+            <p:nvPr/>
+          </p:nvSpPr>
+          <p:spPr>
+            <a:xfrm>
+              <a:off x="631185" y="4763188"/>
+              <a:ext cx="963589" cy="230832"/>
+            </a:xfrm>
+            <a:prstGeom prst="rect">
+              <a:avLst/>
+            </a:prstGeom>
+            <a:noFill/>
+          </p:spPr>
+          <p:txBody>
+            <a:bodyPr wrap="square" rtlCol="0">
+              <a:spAutoFit/>
+            </a:bodyPr>
+            <a:lstStyle/>
+            <a:p>
+              <a:pPr algn="ctr"/>
+              <a:r>
+                <a:rPr lang="en-AU" sz="900" b="1" dirty="0"/>
+                <a:t>Furniture</a:t>
+              </a:r>
+            </a:p>
+          </p:txBody>
+        </p:sp>
+        <p:sp>
+          <p:nvSpPr>
+            <p:cNvPr id="30" name="TextBox 29">
+              <a:extLst>
+                <a:ext uri="{FF2B5EF4-FFF2-40B4-BE49-F238E27FC236}">
+                  <a16:creationId xmlns:a16="http://schemas.microsoft.com/office/drawing/2014/main" id="{70C496F2-28C4-4EA4-BB39-2DF77E78195C}"/>
+                </a:ext>
+              </a:extLst>
+            </p:cNvPr>
+            <p:cNvSpPr txBox="1"/>
+            <p:nvPr/>
+          </p:nvSpPr>
+          <p:spPr>
+            <a:xfrm>
+              <a:off x="1639644" y="4763188"/>
+              <a:ext cx="1057208" cy="230832"/>
+            </a:xfrm>
+            <a:prstGeom prst="rect">
+              <a:avLst/>
+            </a:prstGeom>
+            <a:noFill/>
+          </p:spPr>
+          <p:txBody>
+            <a:bodyPr wrap="square" rtlCol="0">
+              <a:spAutoFit/>
+            </a:bodyPr>
+            <a:lstStyle/>
+            <a:p>
+              <a:pPr algn="ctr"/>
+              <a:r>
+                <a:rPr lang="en-AU" sz="900" b="1" dirty="0" err="1"/>
+                <a:t>NoFurniture</a:t>
+              </a:r>
+              <a:endParaRPr lang="en-AU" sz="900" b="1" dirty="0"/>
+            </a:p>
+          </p:txBody>
+        </p:sp>
+        <p:sp>
+          <p:nvSpPr>
+            <p:cNvPr id="31" name="TextBox 30">
+              <a:extLst>
+                <a:ext uri="{FF2B5EF4-FFF2-40B4-BE49-F238E27FC236}">
+                  <a16:creationId xmlns:a16="http://schemas.microsoft.com/office/drawing/2014/main" id="{0EC15CCD-E1CE-4EFD-ABCC-E011D7F71B64}"/>
+                </a:ext>
+              </a:extLst>
+            </p:cNvPr>
+            <p:cNvSpPr txBox="1"/>
+            <p:nvPr/>
+          </p:nvSpPr>
+          <p:spPr>
+            <a:xfrm>
+              <a:off x="3297307" y="4694493"/>
+              <a:ext cx="1221164" cy="400110"/>
+            </a:xfrm>
+            <a:prstGeom prst="rect">
+              <a:avLst/>
+            </a:prstGeom>
+            <a:noFill/>
+          </p:spPr>
+          <p:txBody>
+            <a:bodyPr wrap="square" rtlCol="0">
+              <a:spAutoFit/>
+            </a:bodyPr>
+            <a:lstStyle/>
+            <a:p>
+              <a:pPr algn="ctr"/>
+              <a:r>
+                <a:rPr lang="en-AU" sz="1000" b="1" dirty="0"/>
+                <a:t>Furniture-</a:t>
+              </a:r>
+            </a:p>
+            <a:p>
+              <a:pPr algn="ctr"/>
+              <a:r>
+                <a:rPr lang="en-AU" sz="1000" b="1" dirty="0"/>
+                <a:t>Irregular</a:t>
+              </a:r>
+            </a:p>
+          </p:txBody>
+        </p:sp>
+        <p:sp>
+          <p:nvSpPr>
+            <p:cNvPr id="32" name="TextBox 31">
+              <a:extLst>
+                <a:ext uri="{FF2B5EF4-FFF2-40B4-BE49-F238E27FC236}">
+                  <a16:creationId xmlns:a16="http://schemas.microsoft.com/office/drawing/2014/main" id="{74B7103B-80B7-4F40-A446-D46D7E6E6291}"/>
+                </a:ext>
+              </a:extLst>
+            </p:cNvPr>
+            <p:cNvSpPr txBox="1"/>
+            <p:nvPr/>
+          </p:nvSpPr>
+          <p:spPr>
+            <a:xfrm>
+              <a:off x="4269003" y="4694493"/>
+              <a:ext cx="1221164" cy="400110"/>
+            </a:xfrm>
+            <a:prstGeom prst="rect">
+              <a:avLst/>
+            </a:prstGeom>
+            <a:noFill/>
+          </p:spPr>
+          <p:txBody>
+            <a:bodyPr wrap="square" rtlCol="0">
+              <a:spAutoFit/>
+            </a:bodyPr>
+            <a:lstStyle/>
+            <a:p>
+              <a:pPr algn="ctr"/>
+              <a:r>
+                <a:rPr lang="en-AU" sz="1000" b="1" dirty="0"/>
+                <a:t>Furniture-</a:t>
+              </a:r>
+            </a:p>
+            <a:p>
+              <a:pPr algn="ctr"/>
+              <a:r>
+                <a:rPr lang="en-AU" sz="1000" b="1" dirty="0"/>
+                <a:t>Regular</a:t>
+              </a:r>
+            </a:p>
+          </p:txBody>
+        </p:sp>
+        <p:sp>
+          <p:nvSpPr>
+            <p:cNvPr id="33" name="TextBox 32">
+              <a:extLst>
+                <a:ext uri="{FF2B5EF4-FFF2-40B4-BE49-F238E27FC236}">
+                  <a16:creationId xmlns:a16="http://schemas.microsoft.com/office/drawing/2014/main" id="{4A63E84C-F59F-42D7-BED4-325BC10AEADB}"/>
+                </a:ext>
+              </a:extLst>
+            </p:cNvPr>
+            <p:cNvSpPr txBox="1"/>
+            <p:nvPr/>
+          </p:nvSpPr>
+          <p:spPr>
+            <a:xfrm>
+              <a:off x="5225485" y="4694493"/>
+              <a:ext cx="1221164" cy="400110"/>
+            </a:xfrm>
+            <a:prstGeom prst="rect">
+              <a:avLst/>
+            </a:prstGeom>
+            <a:noFill/>
+          </p:spPr>
+          <p:txBody>
+            <a:bodyPr wrap="square" rtlCol="0">
+              <a:spAutoFit/>
+            </a:bodyPr>
+            <a:lstStyle/>
+            <a:p>
+              <a:pPr algn="ctr"/>
+              <a:r>
+                <a:rPr lang="en-AU" sz="1000" b="1" dirty="0" err="1"/>
+                <a:t>NoFurniture</a:t>
+              </a:r>
+              <a:r>
+                <a:rPr lang="en-AU" sz="1000" b="1" dirty="0"/>
+                <a:t>-</a:t>
+              </a:r>
+            </a:p>
+            <a:p>
+              <a:pPr algn="ctr"/>
+              <a:r>
+                <a:rPr lang="en-AU" sz="1000" b="1" dirty="0"/>
+                <a:t>Irregular</a:t>
+              </a:r>
+            </a:p>
+          </p:txBody>
+        </p:sp>
+        <p:sp>
+          <p:nvSpPr>
+            <p:cNvPr id="34" name="TextBox 33">
+              <a:extLst>
+                <a:ext uri="{FF2B5EF4-FFF2-40B4-BE49-F238E27FC236}">
+                  <a16:creationId xmlns:a16="http://schemas.microsoft.com/office/drawing/2014/main" id="{62DB307E-339C-418A-B89C-29B75E421419}"/>
+                </a:ext>
+              </a:extLst>
+            </p:cNvPr>
+            <p:cNvSpPr txBox="1"/>
+            <p:nvPr/>
+          </p:nvSpPr>
+          <p:spPr>
+            <a:xfrm>
+              <a:off x="6192404" y="4694493"/>
+              <a:ext cx="1221164" cy="400110"/>
+            </a:xfrm>
+            <a:prstGeom prst="rect">
+              <a:avLst/>
+            </a:prstGeom>
+            <a:noFill/>
+          </p:spPr>
+          <p:txBody>
+            <a:bodyPr wrap="square" rtlCol="0">
+              <a:spAutoFit/>
+            </a:bodyPr>
+            <a:lstStyle/>
+            <a:p>
+              <a:pPr algn="ctr"/>
+              <a:r>
+                <a:rPr lang="en-AU" sz="1000" b="1" dirty="0" err="1"/>
+                <a:t>NoFurniture</a:t>
+              </a:r>
+              <a:r>
+                <a:rPr lang="en-AU" sz="1000" b="1" dirty="0"/>
+                <a:t>-</a:t>
+              </a:r>
+            </a:p>
+            <a:p>
+              <a:pPr algn="ctr"/>
+              <a:r>
+                <a:rPr lang="en-AU" sz="1000" b="1" dirty="0"/>
+                <a:t>Regular</a:t>
+              </a:r>
+            </a:p>
+          </p:txBody>
+        </p:sp>
+        <p:sp>
+          <p:nvSpPr>
+            <p:cNvPr id="35" name="TextBox 34">
+              <a:extLst>
+                <a:ext uri="{FF2B5EF4-FFF2-40B4-BE49-F238E27FC236}">
+                  <a16:creationId xmlns:a16="http://schemas.microsoft.com/office/drawing/2014/main" id="{EC3FC811-0B03-4B06-A4EB-59B301ABB117}"/>
+                </a:ext>
+              </a:extLst>
+            </p:cNvPr>
+            <p:cNvSpPr txBox="1"/>
+            <p:nvPr/>
+          </p:nvSpPr>
+          <p:spPr>
+            <a:xfrm>
+              <a:off x="8007342" y="4694493"/>
+              <a:ext cx="1221164" cy="400110"/>
+            </a:xfrm>
+            <a:prstGeom prst="rect">
+              <a:avLst/>
+            </a:prstGeom>
+            <a:noFill/>
+          </p:spPr>
+          <p:txBody>
+            <a:bodyPr wrap="square" rtlCol="0">
+              <a:spAutoFit/>
+            </a:bodyPr>
+            <a:lstStyle/>
+            <a:p>
+              <a:pPr algn="ctr"/>
+              <a:r>
+                <a:rPr lang="en-AU" sz="1000" b="1" dirty="0"/>
+                <a:t>Furniture-</a:t>
+              </a:r>
+            </a:p>
+            <a:p>
+              <a:pPr algn="ctr"/>
+              <a:r>
+                <a:rPr lang="en-AU" sz="1000" b="1" dirty="0"/>
+                <a:t>Irregular</a:t>
+              </a:r>
+            </a:p>
+          </p:txBody>
+        </p:sp>
+        <p:sp>
+          <p:nvSpPr>
+            <p:cNvPr id="36" name="TextBox 35">
+              <a:extLst>
+                <a:ext uri="{FF2B5EF4-FFF2-40B4-BE49-F238E27FC236}">
+                  <a16:creationId xmlns:a16="http://schemas.microsoft.com/office/drawing/2014/main" id="{10ADB7BC-7784-4CFD-8031-4673EBEFEE2A}"/>
+                </a:ext>
+              </a:extLst>
+            </p:cNvPr>
+            <p:cNvSpPr txBox="1"/>
+            <p:nvPr/>
+          </p:nvSpPr>
+          <p:spPr>
+            <a:xfrm>
+              <a:off x="8910440" y="4694493"/>
+              <a:ext cx="1221164" cy="400110"/>
+            </a:xfrm>
+            <a:prstGeom prst="rect">
+              <a:avLst/>
+            </a:prstGeom>
+            <a:noFill/>
+          </p:spPr>
+          <p:txBody>
+            <a:bodyPr wrap="square" rtlCol="0">
+              <a:spAutoFit/>
+            </a:bodyPr>
+            <a:lstStyle/>
+            <a:p>
+              <a:pPr algn="ctr"/>
+              <a:r>
+                <a:rPr lang="en-AU" sz="1000" b="1" dirty="0"/>
+                <a:t>Furniture-</a:t>
+              </a:r>
+            </a:p>
+            <a:p>
+              <a:pPr algn="ctr"/>
+              <a:r>
+                <a:rPr lang="en-AU" sz="1000" b="1" dirty="0"/>
+                <a:t>Regular</a:t>
+              </a:r>
+            </a:p>
+          </p:txBody>
+        </p:sp>
+        <p:sp>
+          <p:nvSpPr>
+            <p:cNvPr id="37" name="TextBox 36">
+              <a:extLst>
+                <a:ext uri="{FF2B5EF4-FFF2-40B4-BE49-F238E27FC236}">
+                  <a16:creationId xmlns:a16="http://schemas.microsoft.com/office/drawing/2014/main" id="{FED84D8A-947C-4A43-B367-1DA08682FBAA}"/>
+                </a:ext>
+              </a:extLst>
+            </p:cNvPr>
+            <p:cNvSpPr txBox="1"/>
+            <p:nvPr/>
+          </p:nvSpPr>
+          <p:spPr>
+            <a:xfrm>
+              <a:off x="9801597" y="4695066"/>
+              <a:ext cx="1221164" cy="400110"/>
+            </a:xfrm>
+            <a:prstGeom prst="rect">
+              <a:avLst/>
+            </a:prstGeom>
+            <a:noFill/>
+          </p:spPr>
+          <p:txBody>
+            <a:bodyPr wrap="square" rtlCol="0">
+              <a:spAutoFit/>
+            </a:bodyPr>
+            <a:lstStyle/>
+            <a:p>
+              <a:pPr algn="ctr"/>
+              <a:r>
+                <a:rPr lang="en-AU" sz="1000" b="1" dirty="0" err="1"/>
+                <a:t>NoFurniture</a:t>
+              </a:r>
+              <a:r>
+                <a:rPr lang="en-AU" sz="1000" b="1" dirty="0"/>
+                <a:t>-</a:t>
+              </a:r>
+            </a:p>
+            <a:p>
+              <a:pPr algn="ctr"/>
+              <a:r>
+                <a:rPr lang="en-AU" sz="1000" b="1" dirty="0"/>
+                <a:t>Irregular</a:t>
+              </a:r>
+            </a:p>
+          </p:txBody>
+        </p:sp>
+        <p:sp>
+          <p:nvSpPr>
+            <p:cNvPr id="38" name="TextBox 37">
+              <a:extLst>
+                <a:ext uri="{FF2B5EF4-FFF2-40B4-BE49-F238E27FC236}">
+                  <a16:creationId xmlns:a16="http://schemas.microsoft.com/office/drawing/2014/main" id="{6FD771EF-96EF-43BB-A5CC-15C6E086B2D4}"/>
+                </a:ext>
+              </a:extLst>
+            </p:cNvPr>
+            <p:cNvSpPr txBox="1"/>
+            <p:nvPr/>
+          </p:nvSpPr>
+          <p:spPr>
+            <a:xfrm>
+              <a:off x="10704695" y="4699475"/>
+              <a:ext cx="1221164" cy="400110"/>
+            </a:xfrm>
+            <a:prstGeom prst="rect">
+              <a:avLst/>
+            </a:prstGeom>
+            <a:noFill/>
+          </p:spPr>
+          <p:txBody>
+            <a:bodyPr wrap="square" rtlCol="0">
+              <a:spAutoFit/>
+            </a:bodyPr>
+            <a:lstStyle/>
+            <a:p>
+              <a:pPr algn="ctr"/>
+              <a:r>
+                <a:rPr lang="en-AU" sz="1000" b="1" dirty="0" err="1"/>
+                <a:t>NoFurniture</a:t>
+              </a:r>
+              <a:r>
+                <a:rPr lang="en-AU" sz="1000" b="1" dirty="0"/>
+                <a:t>-</a:t>
+              </a:r>
+            </a:p>
+            <a:p>
+              <a:pPr algn="ctr"/>
+              <a:r>
+                <a:rPr lang="en-AU" sz="1000" b="1" dirty="0"/>
+                <a:t>Regular</a:t>
+              </a:r>
+            </a:p>
+          </p:txBody>
+        </p:sp>
       </p:grpSp>
     </p:spTree>
+    <p:extLst>
+      <p:ext uri="{BB962C8B-B14F-4D97-AF65-F5344CB8AC3E}">
+        <p14:creationId xmlns:p14="http://schemas.microsoft.com/office/powerpoint/2010/main" val="1819702650"/>
+      </p:ext>
+    </p:extLst>
   </p:cSld>
   <p:clrMapOvr>
     <a:masterClrMapping/>
@@ -8420,1721 +13548,7 @@
 </p:sld>
 </file>
 
-<file path=ppt/slides/slide6.xml><?xml version="1.0" encoding="utf-8"?>
-<p:sld xmlns:a="http://schemas.openxmlformats.org/drawingml/2006/main" xmlns:r="http://schemas.openxmlformats.org/officeDocument/2006/relationships" xmlns:p="http://schemas.openxmlformats.org/presentationml/2006/main">
-  <p:cSld>
-    <p:bg>
-      <p:bgPr>
-        <a:solidFill>
-          <a:schemeClr val="bg2"/>
-        </a:solidFill>
-        <a:effectLst/>
-      </p:bgPr>
-    </p:bg>
-    <p:spTree>
-      <p:nvGrpSpPr>
-        <p:cNvPr id="1" name="Shape 95"/>
-        <p:cNvGrpSpPr/>
-        <p:nvPr/>
-      </p:nvGrpSpPr>
-      <p:grpSpPr>
-        <a:xfrm>
-          <a:off x="0" y="0"/>
-          <a:ext cx="0" cy="0"/>
-          <a:chOff x="0" y="0"/>
-          <a:chExt cx="0" cy="0"/>
-        </a:xfrm>
-      </p:grpSpPr>
-      <p:grpSp>
-        <p:nvGrpSpPr>
-          <p:cNvPr id="122" name="Group 121">
-            <a:extLst>
-              <a:ext uri="{FF2B5EF4-FFF2-40B4-BE49-F238E27FC236}">
-                <a16:creationId xmlns:a16="http://schemas.microsoft.com/office/drawing/2014/main" id="{DF1AE1D5-CFA4-DE86-804C-D585AAA0D7E2}"/>
-              </a:ext>
-            </a:extLst>
-          </p:cNvPr>
-          <p:cNvGrpSpPr/>
-          <p:nvPr/>
-        </p:nvGrpSpPr>
-        <p:grpSpPr>
-          <a:xfrm>
-            <a:off x="3598069" y="548404"/>
-            <a:ext cx="6350000" cy="4518897"/>
-            <a:chOff x="69850" y="548402"/>
-            <a:chExt cx="6350000" cy="4518897"/>
-          </a:xfrm>
-        </p:grpSpPr>
-        <p:sp>
-          <p:nvSpPr>
-            <p:cNvPr id="120" name="Rectangle 119">
-              <a:extLst>
-                <a:ext uri="{FF2B5EF4-FFF2-40B4-BE49-F238E27FC236}">
-                  <a16:creationId xmlns:a16="http://schemas.microsoft.com/office/drawing/2014/main" id="{D55DD015-C9E2-4367-D7F8-4CCB3DC2E9A9}"/>
-                </a:ext>
-              </a:extLst>
-            </p:cNvPr>
-            <p:cNvSpPr/>
-            <p:nvPr/>
-          </p:nvSpPr>
-          <p:spPr>
-            <a:xfrm>
-              <a:off x="69850" y="548402"/>
-              <a:ext cx="6350000" cy="4518897"/>
-            </a:xfrm>
-            <a:prstGeom prst="rect">
-              <a:avLst/>
-            </a:prstGeom>
-            <a:solidFill>
-              <a:schemeClr val="bg1"/>
-            </a:solidFill>
-            <a:ln>
-              <a:noFill/>
-            </a:ln>
-          </p:spPr>
-          <p:style>
-            <a:lnRef idx="2">
-              <a:schemeClr val="accent1">
-                <a:shade val="50000"/>
-              </a:schemeClr>
-            </a:lnRef>
-            <a:fillRef idx="1">
-              <a:schemeClr val="accent1"/>
-            </a:fillRef>
-            <a:effectRef idx="0">
-              <a:schemeClr val="accent1"/>
-            </a:effectRef>
-            <a:fontRef idx="minor">
-              <a:schemeClr val="lt1"/>
-            </a:fontRef>
-          </p:style>
-          <p:txBody>
-            <a:bodyPr rtlCol="0" anchor="ctr"/>
-            <a:lstStyle/>
-            <a:p>
-              <a:pPr algn="ctr"/>
-              <a:endParaRPr lang="en-AU"/>
-            </a:p>
-          </p:txBody>
-        </p:sp>
-        <p:pic>
-          <p:nvPicPr>
-            <p:cNvPr id="3" name="Picture 2" descr="A graph of different colored bars&#10;&#10;Description automatically generated with medium confidence">
-              <a:extLst>
-                <a:ext uri="{FF2B5EF4-FFF2-40B4-BE49-F238E27FC236}">
-                  <a16:creationId xmlns:a16="http://schemas.microsoft.com/office/drawing/2014/main" id="{74DF6D8D-5585-FBEA-C080-E6CF9C83791C}"/>
-                </a:ext>
-              </a:extLst>
-            </p:cNvPr>
-            <p:cNvPicPr>
-              <a:picLocks noChangeAspect="1"/>
-            </p:cNvPicPr>
-            <p:nvPr/>
-          </p:nvPicPr>
-          <p:blipFill rotWithShape="1">
-            <a:blip r:embed="rId3"/>
-            <a:srcRect t="14118" r="8002" b="10124"/>
-            <a:stretch/>
-          </p:blipFill>
-          <p:spPr>
-            <a:xfrm>
-              <a:off x="69850" y="1170632"/>
-              <a:ext cx="6309236" cy="3896667"/>
-            </a:xfrm>
-            <a:prstGeom prst="rect">
-              <a:avLst/>
-            </a:prstGeom>
-          </p:spPr>
-        </p:pic>
-        <p:cxnSp>
-          <p:nvCxnSpPr>
-            <p:cNvPr id="4" name="Google Shape;58;p13">
-              <a:extLst>
-                <a:ext uri="{FF2B5EF4-FFF2-40B4-BE49-F238E27FC236}">
-                  <a16:creationId xmlns:a16="http://schemas.microsoft.com/office/drawing/2014/main" id="{688C2D36-DBD5-741D-2A1D-F132E03DB99A}"/>
-                </a:ext>
-              </a:extLst>
-            </p:cNvPr>
-            <p:cNvCxnSpPr>
-              <a:cxnSpLocks/>
-            </p:cNvCxnSpPr>
-            <p:nvPr/>
-          </p:nvCxnSpPr>
-          <p:spPr>
-            <a:xfrm flipV="1">
-              <a:off x="1122507" y="1331826"/>
-              <a:ext cx="0" cy="612776"/>
-            </a:xfrm>
-            <a:prstGeom prst="straightConnector1">
-              <a:avLst/>
-            </a:prstGeom>
-            <a:noFill/>
-            <a:ln w="19050" cap="flat" cmpd="sng">
-              <a:solidFill>
-                <a:schemeClr val="dk1"/>
-              </a:solidFill>
-              <a:prstDash val="solid"/>
-              <a:round/>
-              <a:headEnd type="none" w="med" len="med"/>
-              <a:tailEnd type="none" w="med" len="med"/>
-            </a:ln>
-          </p:spPr>
-        </p:cxnSp>
-        <p:cxnSp>
-          <p:nvCxnSpPr>
-            <p:cNvPr id="5" name="Google Shape;59;p13">
-              <a:extLst>
-                <a:ext uri="{FF2B5EF4-FFF2-40B4-BE49-F238E27FC236}">
-                  <a16:creationId xmlns:a16="http://schemas.microsoft.com/office/drawing/2014/main" id="{8738CEA6-4C09-9A65-99ED-F62C3F5D597B}"/>
-                </a:ext>
-              </a:extLst>
-            </p:cNvPr>
-            <p:cNvCxnSpPr>
-              <a:cxnSpLocks/>
-            </p:cNvCxnSpPr>
-            <p:nvPr/>
-          </p:nvCxnSpPr>
-          <p:spPr>
-            <a:xfrm>
-              <a:off x="1122507" y="1341350"/>
-              <a:ext cx="269099" cy="0"/>
-            </a:xfrm>
-            <a:prstGeom prst="straightConnector1">
-              <a:avLst/>
-            </a:prstGeom>
-            <a:noFill/>
-            <a:ln w="19050" cap="flat" cmpd="sng">
-              <a:solidFill>
-                <a:schemeClr val="dk1"/>
-              </a:solidFill>
-              <a:prstDash val="solid"/>
-              <a:round/>
-              <a:headEnd type="none" w="med" len="med"/>
-              <a:tailEnd type="none" w="med" len="med"/>
-            </a:ln>
-          </p:spPr>
-        </p:cxnSp>
-        <p:cxnSp>
-          <p:nvCxnSpPr>
-            <p:cNvPr id="6" name="Google Shape;60;p13">
-              <a:extLst>
-                <a:ext uri="{FF2B5EF4-FFF2-40B4-BE49-F238E27FC236}">
-                  <a16:creationId xmlns:a16="http://schemas.microsoft.com/office/drawing/2014/main" id="{A7C6E458-447D-ABB9-74B8-1DD46F10E7D5}"/>
-                </a:ext>
-              </a:extLst>
-            </p:cNvPr>
-            <p:cNvCxnSpPr>
-              <a:cxnSpLocks/>
-            </p:cNvCxnSpPr>
-            <p:nvPr/>
-          </p:nvCxnSpPr>
-          <p:spPr>
-            <a:xfrm flipV="1">
-              <a:off x="1391607" y="1331826"/>
-              <a:ext cx="0" cy="100064"/>
-            </a:xfrm>
-            <a:prstGeom prst="straightConnector1">
-              <a:avLst/>
-            </a:prstGeom>
-            <a:noFill/>
-            <a:ln w="19050" cap="flat" cmpd="sng">
-              <a:solidFill>
-                <a:schemeClr val="dk1"/>
-              </a:solidFill>
-              <a:prstDash val="solid"/>
-              <a:round/>
-              <a:headEnd type="none" w="med" len="med"/>
-              <a:tailEnd type="none" w="med" len="med"/>
-            </a:ln>
-          </p:spPr>
-        </p:cxnSp>
-        <p:sp>
-          <p:nvSpPr>
-            <p:cNvPr id="7" name="Google Shape;61;p13">
-              <a:extLst>
-                <a:ext uri="{FF2B5EF4-FFF2-40B4-BE49-F238E27FC236}">
-                  <a16:creationId xmlns:a16="http://schemas.microsoft.com/office/drawing/2014/main" id="{A40AB4CE-886C-951B-EE66-06DE41816743}"/>
-                </a:ext>
-              </a:extLst>
-            </p:cNvPr>
-            <p:cNvSpPr txBox="1"/>
-            <p:nvPr/>
-          </p:nvSpPr>
-          <p:spPr>
-            <a:xfrm>
-              <a:off x="957850" y="985964"/>
-              <a:ext cx="598411" cy="341100"/>
-            </a:xfrm>
-            <a:prstGeom prst="rect">
-              <a:avLst/>
-            </a:prstGeom>
-            <a:noFill/>
-            <a:ln>
-              <a:noFill/>
-            </a:ln>
-          </p:spPr>
-          <p:txBody>
-            <a:bodyPr spcFirstLastPara="1" wrap="square" lIns="91425" tIns="91425" rIns="91425" bIns="91425" anchor="t" anchorCtr="0">
-              <a:noAutofit/>
-            </a:bodyPr>
-            <a:lstStyle/>
-            <a:p>
-              <a:pPr algn="ctr"/>
-              <a:r>
-                <a:rPr lang="en-GB" sz="2400" dirty="0"/>
-                <a:t>***</a:t>
-              </a:r>
-              <a:endParaRPr sz="2400" dirty="0"/>
-            </a:p>
-          </p:txBody>
-        </p:sp>
-        <p:cxnSp>
-          <p:nvCxnSpPr>
-            <p:cNvPr id="10" name="Google Shape;58;p13">
-              <a:extLst>
-                <a:ext uri="{FF2B5EF4-FFF2-40B4-BE49-F238E27FC236}">
-                  <a16:creationId xmlns:a16="http://schemas.microsoft.com/office/drawing/2014/main" id="{9B4D9000-29E5-3B88-3BBB-3181D0995B5D}"/>
-                </a:ext>
-              </a:extLst>
-            </p:cNvPr>
-            <p:cNvCxnSpPr>
-              <a:cxnSpLocks/>
-            </p:cNvCxnSpPr>
-            <p:nvPr/>
-          </p:nvCxnSpPr>
-          <p:spPr>
-            <a:xfrm flipV="1">
-              <a:off x="1919432" y="1331826"/>
-              <a:ext cx="0" cy="771525"/>
-            </a:xfrm>
-            <a:prstGeom prst="straightConnector1">
-              <a:avLst/>
-            </a:prstGeom>
-            <a:noFill/>
-            <a:ln w="19050" cap="flat" cmpd="sng">
-              <a:solidFill>
-                <a:schemeClr val="dk1"/>
-              </a:solidFill>
-              <a:prstDash val="solid"/>
-              <a:round/>
-              <a:headEnd type="none" w="med" len="med"/>
-              <a:tailEnd type="none" w="med" len="med"/>
-            </a:ln>
-          </p:spPr>
-        </p:cxnSp>
-        <p:cxnSp>
-          <p:nvCxnSpPr>
-            <p:cNvPr id="11" name="Google Shape;59;p13">
-              <a:extLst>
-                <a:ext uri="{FF2B5EF4-FFF2-40B4-BE49-F238E27FC236}">
-                  <a16:creationId xmlns:a16="http://schemas.microsoft.com/office/drawing/2014/main" id="{E14AC5CC-810A-7294-E760-F5218F2B16C0}"/>
-                </a:ext>
-              </a:extLst>
-            </p:cNvPr>
-            <p:cNvCxnSpPr>
-              <a:cxnSpLocks/>
-            </p:cNvCxnSpPr>
-            <p:nvPr/>
-          </p:nvCxnSpPr>
-          <p:spPr>
-            <a:xfrm>
-              <a:off x="1919432" y="1341350"/>
-              <a:ext cx="269099" cy="0"/>
-            </a:xfrm>
-            <a:prstGeom prst="straightConnector1">
-              <a:avLst/>
-            </a:prstGeom>
-            <a:noFill/>
-            <a:ln w="19050" cap="flat" cmpd="sng">
-              <a:solidFill>
-                <a:schemeClr val="dk1"/>
-              </a:solidFill>
-              <a:prstDash val="solid"/>
-              <a:round/>
-              <a:headEnd type="none" w="med" len="med"/>
-              <a:tailEnd type="none" w="med" len="med"/>
-            </a:ln>
-          </p:spPr>
-        </p:cxnSp>
-        <p:cxnSp>
-          <p:nvCxnSpPr>
-            <p:cNvPr id="12" name="Google Shape;60;p13">
-              <a:extLst>
-                <a:ext uri="{FF2B5EF4-FFF2-40B4-BE49-F238E27FC236}">
-                  <a16:creationId xmlns:a16="http://schemas.microsoft.com/office/drawing/2014/main" id="{4974DD92-ED5F-0E85-4F96-5E58F9347DA2}"/>
-                </a:ext>
-              </a:extLst>
-            </p:cNvPr>
-            <p:cNvCxnSpPr>
-              <a:cxnSpLocks/>
-            </p:cNvCxnSpPr>
-            <p:nvPr/>
-          </p:nvCxnSpPr>
-          <p:spPr>
-            <a:xfrm flipV="1">
-              <a:off x="2188532" y="1331826"/>
-              <a:ext cx="0" cy="436684"/>
-            </a:xfrm>
-            <a:prstGeom prst="straightConnector1">
-              <a:avLst/>
-            </a:prstGeom>
-            <a:noFill/>
-            <a:ln w="19050" cap="flat" cmpd="sng">
-              <a:solidFill>
-                <a:schemeClr val="dk1"/>
-              </a:solidFill>
-              <a:prstDash val="solid"/>
-              <a:round/>
-              <a:headEnd type="none" w="med" len="med"/>
-              <a:tailEnd type="none" w="med" len="med"/>
-            </a:ln>
-          </p:spPr>
-        </p:cxnSp>
-        <p:cxnSp>
-          <p:nvCxnSpPr>
-            <p:cNvPr id="17" name="Google Shape;58;p13">
-              <a:extLst>
-                <a:ext uri="{FF2B5EF4-FFF2-40B4-BE49-F238E27FC236}">
-                  <a16:creationId xmlns:a16="http://schemas.microsoft.com/office/drawing/2014/main" id="{E1400834-EDB5-172D-5F4E-47585D6C2B29}"/>
-                </a:ext>
-              </a:extLst>
-            </p:cNvPr>
-            <p:cNvCxnSpPr>
-              <a:cxnSpLocks/>
-            </p:cNvCxnSpPr>
-            <p:nvPr/>
-          </p:nvCxnSpPr>
-          <p:spPr>
-            <a:xfrm flipV="1">
-              <a:off x="3532332" y="1331826"/>
-              <a:ext cx="0" cy="612776"/>
-            </a:xfrm>
-            <a:prstGeom prst="straightConnector1">
-              <a:avLst/>
-            </a:prstGeom>
-            <a:noFill/>
-            <a:ln w="19050" cap="flat" cmpd="sng">
-              <a:solidFill>
-                <a:schemeClr val="dk1"/>
-              </a:solidFill>
-              <a:prstDash val="solid"/>
-              <a:round/>
-              <a:headEnd type="none" w="med" len="med"/>
-              <a:tailEnd type="none" w="med" len="med"/>
-            </a:ln>
-          </p:spPr>
-        </p:cxnSp>
-        <p:cxnSp>
-          <p:nvCxnSpPr>
-            <p:cNvPr id="18" name="Google Shape;59;p13">
-              <a:extLst>
-                <a:ext uri="{FF2B5EF4-FFF2-40B4-BE49-F238E27FC236}">
-                  <a16:creationId xmlns:a16="http://schemas.microsoft.com/office/drawing/2014/main" id="{857FB21C-A2D7-63A1-B47C-FE3EDBC5C125}"/>
-                </a:ext>
-              </a:extLst>
-            </p:cNvPr>
-            <p:cNvCxnSpPr>
-              <a:cxnSpLocks/>
-            </p:cNvCxnSpPr>
-            <p:nvPr/>
-          </p:nvCxnSpPr>
-          <p:spPr>
-            <a:xfrm>
-              <a:off x="3532332" y="1341350"/>
-              <a:ext cx="269099" cy="0"/>
-            </a:xfrm>
-            <a:prstGeom prst="straightConnector1">
-              <a:avLst/>
-            </a:prstGeom>
-            <a:noFill/>
-            <a:ln w="19050" cap="flat" cmpd="sng">
-              <a:solidFill>
-                <a:schemeClr val="dk1"/>
-              </a:solidFill>
-              <a:prstDash val="solid"/>
-              <a:round/>
-              <a:headEnd type="none" w="med" len="med"/>
-              <a:tailEnd type="none" w="med" len="med"/>
-            </a:ln>
-          </p:spPr>
-        </p:cxnSp>
-        <p:cxnSp>
-          <p:nvCxnSpPr>
-            <p:cNvPr id="19" name="Google Shape;60;p13">
-              <a:extLst>
-                <a:ext uri="{FF2B5EF4-FFF2-40B4-BE49-F238E27FC236}">
-                  <a16:creationId xmlns:a16="http://schemas.microsoft.com/office/drawing/2014/main" id="{AD5ADC08-E984-91E8-7A67-9EA3C44B811D}"/>
-                </a:ext>
-              </a:extLst>
-            </p:cNvPr>
-            <p:cNvCxnSpPr>
-              <a:cxnSpLocks/>
-            </p:cNvCxnSpPr>
-            <p:nvPr/>
-          </p:nvCxnSpPr>
-          <p:spPr>
-            <a:xfrm flipV="1">
-              <a:off x="3801432" y="1331826"/>
-              <a:ext cx="0" cy="175427"/>
-            </a:xfrm>
-            <a:prstGeom prst="straightConnector1">
-              <a:avLst/>
-            </a:prstGeom>
-            <a:noFill/>
-            <a:ln w="19050" cap="flat" cmpd="sng">
-              <a:solidFill>
-                <a:schemeClr val="dk1"/>
-              </a:solidFill>
-              <a:prstDash val="solid"/>
-              <a:round/>
-              <a:headEnd type="none" w="med" len="med"/>
-              <a:tailEnd type="none" w="med" len="med"/>
-            </a:ln>
-          </p:spPr>
-        </p:cxnSp>
-        <p:cxnSp>
-          <p:nvCxnSpPr>
-            <p:cNvPr id="22" name="Google Shape;58;p13">
-              <a:extLst>
-                <a:ext uri="{FF2B5EF4-FFF2-40B4-BE49-F238E27FC236}">
-                  <a16:creationId xmlns:a16="http://schemas.microsoft.com/office/drawing/2014/main" id="{5FAE7A98-06AB-67D7-221A-3D96E02CFA8F}"/>
-                </a:ext>
-              </a:extLst>
-            </p:cNvPr>
-            <p:cNvCxnSpPr>
-              <a:cxnSpLocks/>
-            </p:cNvCxnSpPr>
-            <p:nvPr/>
-          </p:nvCxnSpPr>
-          <p:spPr>
-            <a:xfrm flipV="1">
-              <a:off x="4341957" y="1331826"/>
-              <a:ext cx="0" cy="532143"/>
-            </a:xfrm>
-            <a:prstGeom prst="straightConnector1">
-              <a:avLst/>
-            </a:prstGeom>
-            <a:noFill/>
-            <a:ln w="19050" cap="flat" cmpd="sng">
-              <a:solidFill>
-                <a:schemeClr val="dk1"/>
-              </a:solidFill>
-              <a:prstDash val="solid"/>
-              <a:round/>
-              <a:headEnd type="none" w="med" len="med"/>
-              <a:tailEnd type="none" w="med" len="med"/>
-            </a:ln>
-          </p:spPr>
-        </p:cxnSp>
-        <p:cxnSp>
-          <p:nvCxnSpPr>
-            <p:cNvPr id="23" name="Google Shape;59;p13">
-              <a:extLst>
-                <a:ext uri="{FF2B5EF4-FFF2-40B4-BE49-F238E27FC236}">
-                  <a16:creationId xmlns:a16="http://schemas.microsoft.com/office/drawing/2014/main" id="{24D1520F-1AE6-564C-733C-DBCD5EB66A63}"/>
-                </a:ext>
-              </a:extLst>
-            </p:cNvPr>
-            <p:cNvCxnSpPr>
-              <a:cxnSpLocks/>
-            </p:cNvCxnSpPr>
-            <p:nvPr/>
-          </p:nvCxnSpPr>
-          <p:spPr>
-            <a:xfrm>
-              <a:off x="4341957" y="1341350"/>
-              <a:ext cx="269099" cy="0"/>
-            </a:xfrm>
-            <a:prstGeom prst="straightConnector1">
-              <a:avLst/>
-            </a:prstGeom>
-            <a:noFill/>
-            <a:ln w="19050" cap="flat" cmpd="sng">
-              <a:solidFill>
-                <a:schemeClr val="dk1"/>
-              </a:solidFill>
-              <a:prstDash val="solid"/>
-              <a:round/>
-              <a:headEnd type="none" w="med" len="med"/>
-              <a:tailEnd type="none" w="med" len="med"/>
-            </a:ln>
-          </p:spPr>
-        </p:cxnSp>
-        <p:cxnSp>
-          <p:nvCxnSpPr>
-            <p:cNvPr id="24" name="Google Shape;60;p13">
-              <a:extLst>
-                <a:ext uri="{FF2B5EF4-FFF2-40B4-BE49-F238E27FC236}">
-                  <a16:creationId xmlns:a16="http://schemas.microsoft.com/office/drawing/2014/main" id="{CD9A0A3A-4BF0-7553-79F8-040898F0C3A8}"/>
-                </a:ext>
-              </a:extLst>
-            </p:cNvPr>
-            <p:cNvCxnSpPr>
-              <a:cxnSpLocks/>
-            </p:cNvCxnSpPr>
-            <p:nvPr/>
-          </p:nvCxnSpPr>
-          <p:spPr>
-            <a:xfrm flipV="1">
-              <a:off x="4611057" y="1331826"/>
-              <a:ext cx="0" cy="175427"/>
-            </a:xfrm>
-            <a:prstGeom prst="straightConnector1">
-              <a:avLst/>
-            </a:prstGeom>
-            <a:noFill/>
-            <a:ln w="19050" cap="flat" cmpd="sng">
-              <a:solidFill>
-                <a:schemeClr val="dk1"/>
-              </a:solidFill>
-              <a:prstDash val="solid"/>
-              <a:round/>
-              <a:headEnd type="none" w="med" len="med"/>
-              <a:tailEnd type="none" w="med" len="med"/>
-            </a:ln>
-          </p:spPr>
-        </p:cxnSp>
-        <p:cxnSp>
-          <p:nvCxnSpPr>
-            <p:cNvPr id="25" name="Google Shape;58;p13">
-              <a:extLst>
-                <a:ext uri="{FF2B5EF4-FFF2-40B4-BE49-F238E27FC236}">
-                  <a16:creationId xmlns:a16="http://schemas.microsoft.com/office/drawing/2014/main" id="{CCD5AA91-B690-BDF4-090B-23EB04FD2D48}"/>
-                </a:ext>
-              </a:extLst>
-            </p:cNvPr>
-            <p:cNvCxnSpPr>
-              <a:cxnSpLocks/>
-            </p:cNvCxnSpPr>
-            <p:nvPr/>
-          </p:nvCxnSpPr>
-          <p:spPr>
-            <a:xfrm flipV="1">
-              <a:off x="5145232" y="1328650"/>
-              <a:ext cx="0" cy="1118124"/>
-            </a:xfrm>
-            <a:prstGeom prst="straightConnector1">
-              <a:avLst/>
-            </a:prstGeom>
-            <a:noFill/>
-            <a:ln w="19050" cap="flat" cmpd="sng">
-              <a:solidFill>
-                <a:schemeClr val="dk1"/>
-              </a:solidFill>
-              <a:prstDash val="solid"/>
-              <a:round/>
-              <a:headEnd type="none" w="med" len="med"/>
-              <a:tailEnd type="none" w="med" len="med"/>
-            </a:ln>
-          </p:spPr>
-        </p:cxnSp>
-        <p:cxnSp>
-          <p:nvCxnSpPr>
-            <p:cNvPr id="26" name="Google Shape;59;p13">
-              <a:extLst>
-                <a:ext uri="{FF2B5EF4-FFF2-40B4-BE49-F238E27FC236}">
-                  <a16:creationId xmlns:a16="http://schemas.microsoft.com/office/drawing/2014/main" id="{52402E8B-6B4C-9E86-4A9E-05C55EBBDF67}"/>
-                </a:ext>
-              </a:extLst>
-            </p:cNvPr>
-            <p:cNvCxnSpPr>
-              <a:cxnSpLocks/>
-            </p:cNvCxnSpPr>
-            <p:nvPr/>
-          </p:nvCxnSpPr>
-          <p:spPr>
-            <a:xfrm>
-              <a:off x="5145232" y="1338174"/>
-              <a:ext cx="269099" cy="0"/>
-            </a:xfrm>
-            <a:prstGeom prst="straightConnector1">
-              <a:avLst/>
-            </a:prstGeom>
-            <a:noFill/>
-            <a:ln w="19050" cap="flat" cmpd="sng">
-              <a:solidFill>
-                <a:schemeClr val="dk1"/>
-              </a:solidFill>
-              <a:prstDash val="solid"/>
-              <a:round/>
-              <a:headEnd type="none" w="med" len="med"/>
-              <a:tailEnd type="none" w="med" len="med"/>
-            </a:ln>
-          </p:spPr>
-        </p:cxnSp>
-        <p:cxnSp>
-          <p:nvCxnSpPr>
-            <p:cNvPr id="27" name="Google Shape;60;p13">
-              <a:extLst>
-                <a:ext uri="{FF2B5EF4-FFF2-40B4-BE49-F238E27FC236}">
-                  <a16:creationId xmlns:a16="http://schemas.microsoft.com/office/drawing/2014/main" id="{404B8531-069F-B2F3-157D-941EC9BE7F45}"/>
-                </a:ext>
-              </a:extLst>
-            </p:cNvPr>
-            <p:cNvCxnSpPr>
-              <a:cxnSpLocks/>
-            </p:cNvCxnSpPr>
-            <p:nvPr/>
-          </p:nvCxnSpPr>
-          <p:spPr>
-            <a:xfrm flipV="1">
-              <a:off x="5414332" y="1328650"/>
-              <a:ext cx="0" cy="774701"/>
-            </a:xfrm>
-            <a:prstGeom prst="straightConnector1">
-              <a:avLst/>
-            </a:prstGeom>
-            <a:noFill/>
-            <a:ln w="19050" cap="flat" cmpd="sng">
-              <a:solidFill>
-                <a:schemeClr val="dk1"/>
-              </a:solidFill>
-              <a:prstDash val="solid"/>
-              <a:round/>
-              <a:headEnd type="none" w="med" len="med"/>
-              <a:tailEnd type="none" w="med" len="med"/>
-            </a:ln>
-          </p:spPr>
-        </p:cxnSp>
-        <p:cxnSp>
-          <p:nvCxnSpPr>
-            <p:cNvPr id="30" name="Google Shape;58;p13">
-              <a:extLst>
-                <a:ext uri="{FF2B5EF4-FFF2-40B4-BE49-F238E27FC236}">
-                  <a16:creationId xmlns:a16="http://schemas.microsoft.com/office/drawing/2014/main" id="{445D986A-9E0B-86C2-1E91-04F832206120}"/>
-                </a:ext>
-              </a:extLst>
-            </p:cNvPr>
-            <p:cNvCxnSpPr>
-              <a:cxnSpLocks/>
-            </p:cNvCxnSpPr>
-            <p:nvPr/>
-          </p:nvCxnSpPr>
-          <p:spPr>
-            <a:xfrm flipV="1">
-              <a:off x="5945332" y="1328650"/>
-              <a:ext cx="0" cy="675996"/>
-            </a:xfrm>
-            <a:prstGeom prst="straightConnector1">
-              <a:avLst/>
-            </a:prstGeom>
-            <a:noFill/>
-            <a:ln w="19050" cap="flat" cmpd="sng">
-              <a:solidFill>
-                <a:schemeClr val="dk1"/>
-              </a:solidFill>
-              <a:prstDash val="solid"/>
-              <a:round/>
-              <a:headEnd type="none" w="med" len="med"/>
-              <a:tailEnd type="none" w="med" len="med"/>
-            </a:ln>
-          </p:spPr>
-        </p:cxnSp>
-        <p:cxnSp>
-          <p:nvCxnSpPr>
-            <p:cNvPr id="31" name="Google Shape;59;p13">
-              <a:extLst>
-                <a:ext uri="{FF2B5EF4-FFF2-40B4-BE49-F238E27FC236}">
-                  <a16:creationId xmlns:a16="http://schemas.microsoft.com/office/drawing/2014/main" id="{4E59457B-53F8-C6BB-37E4-909B74BD1C0D}"/>
-                </a:ext>
-              </a:extLst>
-            </p:cNvPr>
-            <p:cNvCxnSpPr>
-              <a:cxnSpLocks/>
-            </p:cNvCxnSpPr>
-            <p:nvPr/>
-          </p:nvCxnSpPr>
-          <p:spPr>
-            <a:xfrm>
-              <a:off x="5945332" y="1338174"/>
-              <a:ext cx="269099" cy="0"/>
-            </a:xfrm>
-            <a:prstGeom prst="straightConnector1">
-              <a:avLst/>
-            </a:prstGeom>
-            <a:noFill/>
-            <a:ln w="19050" cap="flat" cmpd="sng">
-              <a:solidFill>
-                <a:schemeClr val="dk1"/>
-              </a:solidFill>
-              <a:prstDash val="solid"/>
-              <a:round/>
-              <a:headEnd type="none" w="med" len="med"/>
-              <a:tailEnd type="none" w="med" len="med"/>
-            </a:ln>
-          </p:spPr>
-        </p:cxnSp>
-        <p:cxnSp>
-          <p:nvCxnSpPr>
-            <p:cNvPr id="97" name="Google Shape;60;p13">
-              <a:extLst>
-                <a:ext uri="{FF2B5EF4-FFF2-40B4-BE49-F238E27FC236}">
-                  <a16:creationId xmlns:a16="http://schemas.microsoft.com/office/drawing/2014/main" id="{F6678F08-E0E8-4D4F-926C-49D4ADA0DF0E}"/>
-                </a:ext>
-              </a:extLst>
-            </p:cNvPr>
-            <p:cNvCxnSpPr>
-              <a:cxnSpLocks/>
-            </p:cNvCxnSpPr>
-            <p:nvPr/>
-          </p:nvCxnSpPr>
-          <p:spPr>
-            <a:xfrm flipV="1">
-              <a:off x="6214432" y="1328650"/>
-              <a:ext cx="0" cy="334352"/>
-            </a:xfrm>
-            <a:prstGeom prst="straightConnector1">
-              <a:avLst/>
-            </a:prstGeom>
-            <a:noFill/>
-            <a:ln w="19050" cap="flat" cmpd="sng">
-              <a:solidFill>
-                <a:schemeClr val="dk1"/>
-              </a:solidFill>
-              <a:prstDash val="solid"/>
-              <a:round/>
-              <a:headEnd type="none" w="med" len="med"/>
-              <a:tailEnd type="none" w="med" len="med"/>
-            </a:ln>
-          </p:spPr>
-        </p:cxnSp>
-        <p:sp>
-          <p:nvSpPr>
-            <p:cNvPr id="114" name="Google Shape;61;p13">
-              <a:extLst>
-                <a:ext uri="{FF2B5EF4-FFF2-40B4-BE49-F238E27FC236}">
-                  <a16:creationId xmlns:a16="http://schemas.microsoft.com/office/drawing/2014/main" id="{CB9CBF6D-5BA6-06C1-9BEF-4462BEAD0E94}"/>
-                </a:ext>
-              </a:extLst>
-            </p:cNvPr>
-            <p:cNvSpPr txBox="1"/>
-            <p:nvPr/>
-          </p:nvSpPr>
-          <p:spPr>
-            <a:xfrm>
-              <a:off x="1754775" y="985964"/>
-              <a:ext cx="598411" cy="341100"/>
-            </a:xfrm>
-            <a:prstGeom prst="rect">
-              <a:avLst/>
-            </a:prstGeom>
-            <a:noFill/>
-            <a:ln>
-              <a:noFill/>
-            </a:ln>
-          </p:spPr>
-          <p:txBody>
-            <a:bodyPr spcFirstLastPara="1" wrap="square" lIns="91425" tIns="91425" rIns="91425" bIns="91425" anchor="t" anchorCtr="0">
-              <a:noAutofit/>
-            </a:bodyPr>
-            <a:lstStyle/>
-            <a:p>
-              <a:pPr algn="ctr"/>
-              <a:r>
-                <a:rPr lang="en-GB" sz="2400" b="1" dirty="0"/>
-                <a:t>*</a:t>
-              </a:r>
-              <a:endParaRPr sz="2400" b="1" dirty="0"/>
-            </a:p>
-          </p:txBody>
-        </p:sp>
-        <p:sp>
-          <p:nvSpPr>
-            <p:cNvPr id="115" name="Google Shape;61;p13">
-              <a:extLst>
-                <a:ext uri="{FF2B5EF4-FFF2-40B4-BE49-F238E27FC236}">
-                  <a16:creationId xmlns:a16="http://schemas.microsoft.com/office/drawing/2014/main" id="{43FEF645-1E02-FAEC-1086-C4EE038A60C7}"/>
-                </a:ext>
-              </a:extLst>
-            </p:cNvPr>
-            <p:cNvSpPr txBox="1"/>
-            <p:nvPr/>
-          </p:nvSpPr>
-          <p:spPr>
-            <a:xfrm>
-              <a:off x="3372209" y="985964"/>
-              <a:ext cx="598411" cy="341100"/>
-            </a:xfrm>
-            <a:prstGeom prst="rect">
-              <a:avLst/>
-            </a:prstGeom>
-            <a:noFill/>
-            <a:ln>
-              <a:noFill/>
-            </a:ln>
-          </p:spPr>
-          <p:txBody>
-            <a:bodyPr spcFirstLastPara="1" wrap="square" lIns="91425" tIns="91425" rIns="91425" bIns="91425" anchor="t" anchorCtr="0">
-              <a:noAutofit/>
-            </a:bodyPr>
-            <a:lstStyle/>
-            <a:p>
-              <a:pPr algn="ctr"/>
-              <a:r>
-                <a:rPr lang="en-GB" sz="2400" b="1" dirty="0"/>
-                <a:t>**</a:t>
-              </a:r>
-              <a:endParaRPr sz="2400" b="1" dirty="0"/>
-            </a:p>
-          </p:txBody>
-        </p:sp>
-        <p:sp>
-          <p:nvSpPr>
-            <p:cNvPr id="116" name="Google Shape;61;p13">
-              <a:extLst>
-                <a:ext uri="{FF2B5EF4-FFF2-40B4-BE49-F238E27FC236}">
-                  <a16:creationId xmlns:a16="http://schemas.microsoft.com/office/drawing/2014/main" id="{E62FE6F9-FE94-9D70-1A38-EA82F3DE7093}"/>
-                </a:ext>
-              </a:extLst>
-            </p:cNvPr>
-            <p:cNvSpPr txBox="1"/>
-            <p:nvPr/>
-          </p:nvSpPr>
-          <p:spPr>
-            <a:xfrm>
-              <a:off x="4177300" y="985964"/>
-              <a:ext cx="598411" cy="341100"/>
-            </a:xfrm>
-            <a:prstGeom prst="rect">
-              <a:avLst/>
-            </a:prstGeom>
-            <a:noFill/>
-            <a:ln>
-              <a:noFill/>
-            </a:ln>
-          </p:spPr>
-          <p:txBody>
-            <a:bodyPr spcFirstLastPara="1" wrap="square" lIns="91425" tIns="91425" rIns="91425" bIns="91425" anchor="t" anchorCtr="0">
-              <a:noAutofit/>
-            </a:bodyPr>
-            <a:lstStyle/>
-            <a:p>
-              <a:pPr algn="ctr"/>
-              <a:r>
-                <a:rPr lang="en-GB" sz="2400" b="1" dirty="0"/>
-                <a:t>**</a:t>
-              </a:r>
-              <a:endParaRPr sz="2400" b="1" dirty="0"/>
-            </a:p>
-          </p:txBody>
-        </p:sp>
-        <p:sp>
-          <p:nvSpPr>
-            <p:cNvPr id="117" name="Google Shape;61;p13">
-              <a:extLst>
-                <a:ext uri="{FF2B5EF4-FFF2-40B4-BE49-F238E27FC236}">
-                  <a16:creationId xmlns:a16="http://schemas.microsoft.com/office/drawing/2014/main" id="{E2B191C2-E619-E603-EC52-7E53B4EC8FA7}"/>
-                </a:ext>
-              </a:extLst>
-            </p:cNvPr>
-            <p:cNvSpPr txBox="1"/>
-            <p:nvPr/>
-          </p:nvSpPr>
-          <p:spPr>
-            <a:xfrm>
-              <a:off x="4982391" y="982788"/>
-              <a:ext cx="598411" cy="341100"/>
-            </a:xfrm>
-            <a:prstGeom prst="rect">
-              <a:avLst/>
-            </a:prstGeom>
-            <a:noFill/>
-            <a:ln>
-              <a:noFill/>
-            </a:ln>
-          </p:spPr>
-          <p:txBody>
-            <a:bodyPr spcFirstLastPara="1" wrap="square" lIns="91425" tIns="91425" rIns="91425" bIns="91425" anchor="t" anchorCtr="0">
-              <a:noAutofit/>
-            </a:bodyPr>
-            <a:lstStyle/>
-            <a:p>
-              <a:pPr algn="ctr"/>
-              <a:r>
-                <a:rPr lang="en-GB" sz="2400" b="1" dirty="0"/>
-                <a:t>*</a:t>
-              </a:r>
-              <a:endParaRPr sz="2400" b="1" dirty="0"/>
-            </a:p>
-          </p:txBody>
-        </p:sp>
-        <p:sp>
-          <p:nvSpPr>
-            <p:cNvPr id="118" name="Google Shape;61;p13">
-              <a:extLst>
-                <a:ext uri="{FF2B5EF4-FFF2-40B4-BE49-F238E27FC236}">
-                  <a16:creationId xmlns:a16="http://schemas.microsoft.com/office/drawing/2014/main" id="{1E71B5E9-61CF-B59B-B0EA-A5974DB9F400}"/>
-                </a:ext>
-              </a:extLst>
-            </p:cNvPr>
-            <p:cNvSpPr txBox="1"/>
-            <p:nvPr/>
-          </p:nvSpPr>
-          <p:spPr>
-            <a:xfrm>
-              <a:off x="5780675" y="990726"/>
-              <a:ext cx="598411" cy="341100"/>
-            </a:xfrm>
-            <a:prstGeom prst="rect">
-              <a:avLst/>
-            </a:prstGeom>
-            <a:noFill/>
-            <a:ln>
-              <a:noFill/>
-            </a:ln>
-          </p:spPr>
-          <p:txBody>
-            <a:bodyPr spcFirstLastPara="1" wrap="square" lIns="91425" tIns="91425" rIns="91425" bIns="91425" anchor="t" anchorCtr="0">
-              <a:noAutofit/>
-            </a:bodyPr>
-            <a:lstStyle/>
-            <a:p>
-              <a:pPr algn="ctr"/>
-              <a:r>
-                <a:rPr lang="en-GB" sz="2400" b="1" dirty="0"/>
-                <a:t>***</a:t>
-              </a:r>
-              <a:endParaRPr sz="2400" b="1" dirty="0"/>
-            </a:p>
-          </p:txBody>
-        </p:sp>
-        <p:pic>
-          <p:nvPicPr>
-            <p:cNvPr id="119" name="Picture 118" descr="A graph of different colored bars&#10;&#10;Description automatically generated with medium confidence">
-              <a:extLst>
-                <a:ext uri="{FF2B5EF4-FFF2-40B4-BE49-F238E27FC236}">
-                  <a16:creationId xmlns:a16="http://schemas.microsoft.com/office/drawing/2014/main" id="{D7271F7C-9732-84F1-88D0-CFF697DA962D}"/>
-                </a:ext>
-              </a:extLst>
-            </p:cNvPr>
-            <p:cNvPicPr>
-              <a:picLocks noChangeAspect="1"/>
-            </p:cNvPicPr>
-            <p:nvPr/>
-          </p:nvPicPr>
-          <p:blipFill rotWithShape="1">
-            <a:blip r:embed="rId3"/>
-            <a:srcRect l="75034" t="3536" r="4368" b="85437"/>
-            <a:stretch/>
-          </p:blipFill>
-          <p:spPr>
-            <a:xfrm>
-              <a:off x="4968555" y="548402"/>
-              <a:ext cx="1412564" cy="567139"/>
-            </a:xfrm>
-            <a:prstGeom prst="rect">
-              <a:avLst/>
-            </a:prstGeom>
-          </p:spPr>
-        </p:pic>
-      </p:grpSp>
-    </p:spTree>
-  </p:cSld>
-  <p:clrMapOvr>
-    <a:masterClrMapping/>
-  </p:clrMapOvr>
-</p:sld>
-</file>
-
-<file path=ppt/slides/slide7.xml><?xml version="1.0" encoding="utf-8"?>
-<p:sld xmlns:a="http://schemas.openxmlformats.org/drawingml/2006/main" xmlns:r="http://schemas.openxmlformats.org/officeDocument/2006/relationships" xmlns:p="http://schemas.openxmlformats.org/presentationml/2006/main">
-  <p:cSld>
-    <p:bg>
-      <p:bgPr>
-        <a:solidFill>
-          <a:schemeClr val="bg2"/>
-        </a:solidFill>
-        <a:effectLst/>
-      </p:bgPr>
-    </p:bg>
-    <p:spTree>
-      <p:nvGrpSpPr>
-        <p:cNvPr id="1" name="Shape 100"/>
-        <p:cNvGrpSpPr/>
-        <p:nvPr/>
-      </p:nvGrpSpPr>
-      <p:grpSpPr>
-        <a:xfrm>
-          <a:off x="0" y="0"/>
-          <a:ext cx="0" cy="0"/>
-          <a:chOff x="0" y="0"/>
-          <a:chExt cx="0" cy="0"/>
-        </a:xfrm>
-      </p:grpSpPr>
-      <p:grpSp>
-        <p:nvGrpSpPr>
-          <p:cNvPr id="99" name="Group 98">
-            <a:extLst>
-              <a:ext uri="{FF2B5EF4-FFF2-40B4-BE49-F238E27FC236}">
-                <a16:creationId xmlns:a16="http://schemas.microsoft.com/office/drawing/2014/main" id="{62FC7EBD-BE25-2868-67BB-AE0399FA74A6}"/>
-              </a:ext>
-            </a:extLst>
-          </p:cNvPr>
-          <p:cNvGrpSpPr/>
-          <p:nvPr/>
-        </p:nvGrpSpPr>
-        <p:grpSpPr>
-          <a:xfrm>
-            <a:off x="4045744" y="233346"/>
-            <a:ext cx="6350000" cy="4857766"/>
-            <a:chOff x="517525" y="233346"/>
-            <a:chExt cx="6350000" cy="4857766"/>
-          </a:xfrm>
-        </p:grpSpPr>
-        <p:sp>
-          <p:nvSpPr>
-            <p:cNvPr id="98" name="Rectangle 97">
-              <a:extLst>
-                <a:ext uri="{FF2B5EF4-FFF2-40B4-BE49-F238E27FC236}">
-                  <a16:creationId xmlns:a16="http://schemas.microsoft.com/office/drawing/2014/main" id="{A89E47C2-D1DB-795B-0612-BA1BDE4B2E1E}"/>
-                </a:ext>
-              </a:extLst>
-            </p:cNvPr>
-            <p:cNvSpPr/>
-            <p:nvPr/>
-          </p:nvSpPr>
-          <p:spPr>
-            <a:xfrm>
-              <a:off x="517525" y="233346"/>
-              <a:ext cx="6350000" cy="4857766"/>
-            </a:xfrm>
-            <a:prstGeom prst="rect">
-              <a:avLst/>
-            </a:prstGeom>
-            <a:solidFill>
-              <a:schemeClr val="bg1"/>
-            </a:solidFill>
-            <a:ln>
-              <a:noFill/>
-            </a:ln>
-          </p:spPr>
-          <p:style>
-            <a:lnRef idx="2">
-              <a:schemeClr val="accent1">
-                <a:shade val="50000"/>
-              </a:schemeClr>
-            </a:lnRef>
-            <a:fillRef idx="1">
-              <a:schemeClr val="accent1"/>
-            </a:fillRef>
-            <a:effectRef idx="0">
-              <a:schemeClr val="accent1"/>
-            </a:effectRef>
-            <a:fontRef idx="minor">
-              <a:schemeClr val="lt1"/>
-            </a:fontRef>
-          </p:style>
-          <p:txBody>
-            <a:bodyPr rtlCol="0" anchor="ctr"/>
-            <a:lstStyle/>
-            <a:p>
-              <a:pPr algn="ctr"/>
-              <a:endParaRPr lang="en-AU"/>
-            </a:p>
-          </p:txBody>
-        </p:sp>
-        <p:pic>
-          <p:nvPicPr>
-            <p:cNvPr id="3" name="Picture 2" descr="A bar graph with different colored bars&#10;&#10;Description automatically generated">
-              <a:extLst>
-                <a:ext uri="{FF2B5EF4-FFF2-40B4-BE49-F238E27FC236}">
-                  <a16:creationId xmlns:a16="http://schemas.microsoft.com/office/drawing/2014/main" id="{C05C46D8-BA65-2B95-6449-1D0360ED0DD9}"/>
-                </a:ext>
-              </a:extLst>
-            </p:cNvPr>
-            <p:cNvPicPr>
-              <a:picLocks noChangeAspect="1"/>
-            </p:cNvPicPr>
-            <p:nvPr/>
-          </p:nvPicPr>
-          <p:blipFill rotWithShape="1">
-            <a:blip r:embed="rId3"/>
-            <a:srcRect t="18055" r="7570" b="10000"/>
-            <a:stretch/>
-          </p:blipFill>
-          <p:spPr>
-            <a:xfrm>
-              <a:off x="528637" y="1390649"/>
-              <a:ext cx="6338888" cy="3700463"/>
-            </a:xfrm>
-            <a:prstGeom prst="rect">
-              <a:avLst/>
-            </a:prstGeom>
-          </p:spPr>
-        </p:pic>
-        <p:pic>
-          <p:nvPicPr>
-            <p:cNvPr id="4" name="Picture 3" descr="A bar graph with different colored bars&#10;&#10;Description automatically generated">
-              <a:extLst>
-                <a:ext uri="{FF2B5EF4-FFF2-40B4-BE49-F238E27FC236}">
-                  <a16:creationId xmlns:a16="http://schemas.microsoft.com/office/drawing/2014/main" id="{A2F25DD1-3299-5A60-ED84-EB285E28D83B}"/>
-                </a:ext>
-              </a:extLst>
-            </p:cNvPr>
-            <p:cNvPicPr>
-              <a:picLocks noChangeAspect="1"/>
-            </p:cNvPicPr>
-            <p:nvPr/>
-          </p:nvPicPr>
-          <p:blipFill rotWithShape="1">
-            <a:blip r:embed="rId3"/>
-            <a:srcRect l="66110" t="-649" r="4654" b="83797"/>
-            <a:stretch/>
-          </p:blipFill>
-          <p:spPr>
-            <a:xfrm>
-              <a:off x="4862512" y="233346"/>
-              <a:ext cx="2005013" cy="866776"/>
-            </a:xfrm>
-            <a:prstGeom prst="rect">
-              <a:avLst/>
-            </a:prstGeom>
-          </p:spPr>
-        </p:pic>
-        <p:cxnSp>
-          <p:nvCxnSpPr>
-            <p:cNvPr id="8" name="Google Shape;58;p13">
-              <a:extLst>
-                <a:ext uri="{FF2B5EF4-FFF2-40B4-BE49-F238E27FC236}">
-                  <a16:creationId xmlns:a16="http://schemas.microsoft.com/office/drawing/2014/main" id="{E9168466-7F86-27B7-A3F2-108A101002F4}"/>
-                </a:ext>
-              </a:extLst>
-            </p:cNvPr>
-            <p:cNvCxnSpPr>
-              <a:cxnSpLocks/>
-            </p:cNvCxnSpPr>
-            <p:nvPr/>
-          </p:nvCxnSpPr>
-          <p:spPr>
-            <a:xfrm flipV="1">
-              <a:off x="1678925" y="1339885"/>
-              <a:ext cx="0" cy="771525"/>
-            </a:xfrm>
-            <a:prstGeom prst="straightConnector1">
-              <a:avLst/>
-            </a:prstGeom>
-            <a:noFill/>
-            <a:ln w="19050" cap="flat" cmpd="sng">
-              <a:solidFill>
-                <a:schemeClr val="dk1"/>
-              </a:solidFill>
-              <a:prstDash val="solid"/>
-              <a:round/>
-              <a:headEnd type="none" w="med" len="med"/>
-              <a:tailEnd type="none" w="med" len="med"/>
-            </a:ln>
-          </p:spPr>
-        </p:cxnSp>
-        <p:cxnSp>
-          <p:nvCxnSpPr>
-            <p:cNvPr id="9" name="Google Shape;59;p13">
-              <a:extLst>
-                <a:ext uri="{FF2B5EF4-FFF2-40B4-BE49-F238E27FC236}">
-                  <a16:creationId xmlns:a16="http://schemas.microsoft.com/office/drawing/2014/main" id="{435E9E27-A9A7-CDF3-5B34-8BBC7F656008}"/>
-                </a:ext>
-              </a:extLst>
-            </p:cNvPr>
-            <p:cNvCxnSpPr>
-              <a:cxnSpLocks/>
-            </p:cNvCxnSpPr>
-            <p:nvPr/>
-          </p:nvCxnSpPr>
-          <p:spPr>
-            <a:xfrm>
-              <a:off x="1674162" y="1350114"/>
-              <a:ext cx="169089" cy="0"/>
-            </a:xfrm>
-            <a:prstGeom prst="straightConnector1">
-              <a:avLst/>
-            </a:prstGeom>
-            <a:noFill/>
-            <a:ln w="19050" cap="flat" cmpd="sng">
-              <a:solidFill>
-                <a:schemeClr val="dk1"/>
-              </a:solidFill>
-              <a:prstDash val="solid"/>
-              <a:round/>
-              <a:headEnd type="none" w="med" len="med"/>
-              <a:tailEnd type="none" w="med" len="med"/>
-            </a:ln>
-          </p:spPr>
-        </p:cxnSp>
-        <p:cxnSp>
-          <p:nvCxnSpPr>
-            <p:cNvPr id="10" name="Google Shape;60;p13">
-              <a:extLst>
-                <a:ext uri="{FF2B5EF4-FFF2-40B4-BE49-F238E27FC236}">
-                  <a16:creationId xmlns:a16="http://schemas.microsoft.com/office/drawing/2014/main" id="{EA8DFFC4-5EF1-8F32-387B-1072D315F853}"/>
-                </a:ext>
-              </a:extLst>
-            </p:cNvPr>
-            <p:cNvCxnSpPr>
-              <a:cxnSpLocks/>
-            </p:cNvCxnSpPr>
-            <p:nvPr/>
-          </p:nvCxnSpPr>
-          <p:spPr>
-            <a:xfrm flipV="1">
-              <a:off x="1843251" y="1339885"/>
-              <a:ext cx="0" cy="218342"/>
-            </a:xfrm>
-            <a:prstGeom prst="straightConnector1">
-              <a:avLst/>
-            </a:prstGeom>
-            <a:noFill/>
-            <a:ln w="19050" cap="flat" cmpd="sng">
-              <a:solidFill>
-                <a:schemeClr val="dk1"/>
-              </a:solidFill>
-              <a:prstDash val="solid"/>
-              <a:round/>
-              <a:headEnd type="none" w="med" len="med"/>
-              <a:tailEnd type="none" w="med" len="med"/>
-            </a:ln>
-          </p:spPr>
-        </p:cxnSp>
-        <p:sp>
-          <p:nvSpPr>
-            <p:cNvPr id="11" name="Google Shape;61;p13">
-              <a:extLst>
-                <a:ext uri="{FF2B5EF4-FFF2-40B4-BE49-F238E27FC236}">
-                  <a16:creationId xmlns:a16="http://schemas.microsoft.com/office/drawing/2014/main" id="{A72E448F-D798-F7AA-D42B-8A7AF798CF81}"/>
-                </a:ext>
-              </a:extLst>
-            </p:cNvPr>
-            <p:cNvSpPr txBox="1"/>
-            <p:nvPr/>
-          </p:nvSpPr>
-          <p:spPr>
-            <a:xfrm>
-              <a:off x="1459500" y="1027218"/>
-              <a:ext cx="598411" cy="341100"/>
-            </a:xfrm>
-            <a:prstGeom prst="rect">
-              <a:avLst/>
-            </a:prstGeom>
-            <a:noFill/>
-            <a:ln>
-              <a:noFill/>
-            </a:ln>
-          </p:spPr>
-          <p:txBody>
-            <a:bodyPr spcFirstLastPara="1" wrap="square" lIns="91425" tIns="91425" rIns="91425" bIns="91425" anchor="t" anchorCtr="0">
-              <a:noAutofit/>
-            </a:bodyPr>
-            <a:lstStyle/>
-            <a:p>
-              <a:pPr algn="ctr"/>
-              <a:r>
-                <a:rPr lang="en-GB" sz="1800" b="1" dirty="0"/>
-                <a:t>*</a:t>
-              </a:r>
-              <a:endParaRPr sz="1800" b="1" dirty="0"/>
-            </a:p>
-          </p:txBody>
-        </p:sp>
-        <p:cxnSp>
-          <p:nvCxnSpPr>
-            <p:cNvPr id="18" name="Google Shape;58;p13">
-              <a:extLst>
-                <a:ext uri="{FF2B5EF4-FFF2-40B4-BE49-F238E27FC236}">
-                  <a16:creationId xmlns:a16="http://schemas.microsoft.com/office/drawing/2014/main" id="{EC543E24-BAF0-2E58-5D44-B217FAA7C137}"/>
-                </a:ext>
-              </a:extLst>
-            </p:cNvPr>
-            <p:cNvCxnSpPr>
-              <a:cxnSpLocks/>
-            </p:cNvCxnSpPr>
-            <p:nvPr/>
-          </p:nvCxnSpPr>
-          <p:spPr>
-            <a:xfrm flipV="1">
-              <a:off x="2463424" y="1339885"/>
-              <a:ext cx="0" cy="938971"/>
-            </a:xfrm>
-            <a:prstGeom prst="straightConnector1">
-              <a:avLst/>
-            </a:prstGeom>
-            <a:noFill/>
-            <a:ln w="19050" cap="flat" cmpd="sng">
-              <a:solidFill>
-                <a:schemeClr val="dk1"/>
-              </a:solidFill>
-              <a:prstDash val="solid"/>
-              <a:round/>
-              <a:headEnd type="none" w="med" len="med"/>
-              <a:tailEnd type="none" w="med" len="med"/>
-            </a:ln>
-          </p:spPr>
-        </p:cxnSp>
-        <p:cxnSp>
-          <p:nvCxnSpPr>
-            <p:cNvPr id="19" name="Google Shape;59;p13">
-              <a:extLst>
-                <a:ext uri="{FF2B5EF4-FFF2-40B4-BE49-F238E27FC236}">
-                  <a16:creationId xmlns:a16="http://schemas.microsoft.com/office/drawing/2014/main" id="{9E28C352-35D7-EC0A-D5E7-F9E291308769}"/>
-                </a:ext>
-              </a:extLst>
-            </p:cNvPr>
-            <p:cNvCxnSpPr>
-              <a:cxnSpLocks/>
-            </p:cNvCxnSpPr>
-            <p:nvPr/>
-          </p:nvCxnSpPr>
-          <p:spPr>
-            <a:xfrm>
-              <a:off x="2458661" y="1350114"/>
-              <a:ext cx="169089" cy="0"/>
-            </a:xfrm>
-            <a:prstGeom prst="straightConnector1">
-              <a:avLst/>
-            </a:prstGeom>
-            <a:noFill/>
-            <a:ln w="19050" cap="flat" cmpd="sng">
-              <a:solidFill>
-                <a:schemeClr val="dk1"/>
-              </a:solidFill>
-              <a:prstDash val="solid"/>
-              <a:round/>
-              <a:headEnd type="none" w="med" len="med"/>
-              <a:tailEnd type="none" w="med" len="med"/>
-            </a:ln>
-          </p:spPr>
-        </p:cxnSp>
-        <p:cxnSp>
-          <p:nvCxnSpPr>
-            <p:cNvPr id="20" name="Google Shape;60;p13">
-              <a:extLst>
-                <a:ext uri="{FF2B5EF4-FFF2-40B4-BE49-F238E27FC236}">
-                  <a16:creationId xmlns:a16="http://schemas.microsoft.com/office/drawing/2014/main" id="{7D246DBC-A0CB-9261-0F4B-7368AFDDA752}"/>
-                </a:ext>
-              </a:extLst>
-            </p:cNvPr>
-            <p:cNvCxnSpPr>
-              <a:cxnSpLocks/>
-            </p:cNvCxnSpPr>
-            <p:nvPr/>
-          </p:nvCxnSpPr>
-          <p:spPr>
-            <a:xfrm flipV="1">
-              <a:off x="2627750" y="1339885"/>
-              <a:ext cx="0" cy="379378"/>
-            </a:xfrm>
-            <a:prstGeom prst="straightConnector1">
-              <a:avLst/>
-            </a:prstGeom>
-            <a:noFill/>
-            <a:ln w="19050" cap="flat" cmpd="sng">
-              <a:solidFill>
-                <a:schemeClr val="dk1"/>
-              </a:solidFill>
-              <a:prstDash val="solid"/>
-              <a:round/>
-              <a:headEnd type="none" w="med" len="med"/>
-              <a:tailEnd type="none" w="med" len="med"/>
-            </a:ln>
-          </p:spPr>
-        </p:cxnSp>
-        <p:sp>
-          <p:nvSpPr>
-            <p:cNvPr id="21" name="Google Shape;61;p13">
-              <a:extLst>
-                <a:ext uri="{FF2B5EF4-FFF2-40B4-BE49-F238E27FC236}">
-                  <a16:creationId xmlns:a16="http://schemas.microsoft.com/office/drawing/2014/main" id="{C26FDA7A-35ED-ED2B-B120-A298D5115745}"/>
-                </a:ext>
-              </a:extLst>
-            </p:cNvPr>
-            <p:cNvSpPr txBox="1"/>
-            <p:nvPr/>
-          </p:nvSpPr>
-          <p:spPr>
-            <a:xfrm>
-              <a:off x="2243999" y="1027218"/>
-              <a:ext cx="598411" cy="341100"/>
-            </a:xfrm>
-            <a:prstGeom prst="rect">
-              <a:avLst/>
-            </a:prstGeom>
-            <a:noFill/>
-            <a:ln>
-              <a:noFill/>
-            </a:ln>
-          </p:spPr>
-          <p:txBody>
-            <a:bodyPr spcFirstLastPara="1" wrap="square" lIns="91425" tIns="91425" rIns="91425" bIns="91425" anchor="t" anchorCtr="0">
-              <a:noAutofit/>
-            </a:bodyPr>
-            <a:lstStyle/>
-            <a:p>
-              <a:pPr algn="ctr"/>
-              <a:r>
-                <a:rPr lang="en-GB" sz="1800" b="1" dirty="0"/>
-                <a:t>*</a:t>
-              </a:r>
-              <a:endParaRPr sz="1800" b="1" dirty="0"/>
-            </a:p>
-          </p:txBody>
-        </p:sp>
-        <p:cxnSp>
-          <p:nvCxnSpPr>
-            <p:cNvPr id="24" name="Google Shape;58;p13">
-              <a:extLst>
-                <a:ext uri="{FF2B5EF4-FFF2-40B4-BE49-F238E27FC236}">
-                  <a16:creationId xmlns:a16="http://schemas.microsoft.com/office/drawing/2014/main" id="{179DADEA-24F2-F01D-AD7A-B753ACE935D8}"/>
-                </a:ext>
-              </a:extLst>
-            </p:cNvPr>
-            <p:cNvCxnSpPr>
-              <a:cxnSpLocks/>
-            </p:cNvCxnSpPr>
-            <p:nvPr/>
-          </p:nvCxnSpPr>
-          <p:spPr>
-            <a:xfrm flipV="1">
-              <a:off x="6412330" y="1625723"/>
-              <a:ext cx="0" cy="642992"/>
-            </a:xfrm>
-            <a:prstGeom prst="straightConnector1">
-              <a:avLst/>
-            </a:prstGeom>
-            <a:noFill/>
-            <a:ln w="19050" cap="flat" cmpd="sng">
-              <a:solidFill>
-                <a:schemeClr val="dk1"/>
-              </a:solidFill>
-              <a:prstDash val="solid"/>
-              <a:round/>
-              <a:headEnd type="none" w="med" len="med"/>
-              <a:tailEnd type="none" w="med" len="med"/>
-            </a:ln>
-          </p:spPr>
-        </p:cxnSp>
-        <p:cxnSp>
-          <p:nvCxnSpPr>
-            <p:cNvPr id="25" name="Google Shape;59;p13">
-              <a:extLst>
-                <a:ext uri="{FF2B5EF4-FFF2-40B4-BE49-F238E27FC236}">
-                  <a16:creationId xmlns:a16="http://schemas.microsoft.com/office/drawing/2014/main" id="{1471951A-31C4-3681-4E33-49BA55B00480}"/>
-                </a:ext>
-              </a:extLst>
-            </p:cNvPr>
-            <p:cNvCxnSpPr>
-              <a:cxnSpLocks/>
-            </p:cNvCxnSpPr>
-            <p:nvPr/>
-          </p:nvCxnSpPr>
-          <p:spPr>
-            <a:xfrm>
-              <a:off x="6402805" y="1625723"/>
-              <a:ext cx="169089" cy="0"/>
-            </a:xfrm>
-            <a:prstGeom prst="straightConnector1">
-              <a:avLst/>
-            </a:prstGeom>
-            <a:noFill/>
-            <a:ln w="19050" cap="flat" cmpd="sng">
-              <a:solidFill>
-                <a:schemeClr val="dk1"/>
-              </a:solidFill>
-              <a:prstDash val="solid"/>
-              <a:round/>
-              <a:headEnd type="none" w="med" len="med"/>
-              <a:tailEnd type="none" w="med" len="med"/>
-            </a:ln>
-          </p:spPr>
-        </p:cxnSp>
-        <p:cxnSp>
-          <p:nvCxnSpPr>
-            <p:cNvPr id="26" name="Google Shape;60;p13">
-              <a:extLst>
-                <a:ext uri="{FF2B5EF4-FFF2-40B4-BE49-F238E27FC236}">
-                  <a16:creationId xmlns:a16="http://schemas.microsoft.com/office/drawing/2014/main" id="{27719A97-8096-FE18-99F6-419153107683}"/>
-                </a:ext>
-              </a:extLst>
-            </p:cNvPr>
-            <p:cNvCxnSpPr>
-              <a:cxnSpLocks/>
-            </p:cNvCxnSpPr>
-            <p:nvPr/>
-          </p:nvCxnSpPr>
-          <p:spPr>
-            <a:xfrm flipV="1">
-              <a:off x="6571894" y="1329744"/>
-              <a:ext cx="0" cy="379378"/>
-            </a:xfrm>
-            <a:prstGeom prst="straightConnector1">
-              <a:avLst/>
-            </a:prstGeom>
-            <a:noFill/>
-            <a:ln w="19050" cap="flat" cmpd="sng">
-              <a:solidFill>
-                <a:schemeClr val="dk1"/>
-              </a:solidFill>
-              <a:prstDash val="solid"/>
-              <a:round/>
-              <a:headEnd type="none" w="med" len="med"/>
-              <a:tailEnd type="none" w="med" len="med"/>
-            </a:ln>
-          </p:spPr>
-        </p:cxnSp>
-        <p:sp>
-          <p:nvSpPr>
-            <p:cNvPr id="27" name="Google Shape;61;p13">
-              <a:extLst>
-                <a:ext uri="{FF2B5EF4-FFF2-40B4-BE49-F238E27FC236}">
-                  <a16:creationId xmlns:a16="http://schemas.microsoft.com/office/drawing/2014/main" id="{EBFF971C-BC68-C60C-6D03-236F50DE6D6E}"/>
-                </a:ext>
-              </a:extLst>
-            </p:cNvPr>
-            <p:cNvSpPr txBox="1"/>
-            <p:nvPr/>
-          </p:nvSpPr>
-          <p:spPr>
-            <a:xfrm>
-              <a:off x="6124038" y="1024211"/>
-              <a:ext cx="598411" cy="341100"/>
-            </a:xfrm>
-            <a:prstGeom prst="rect">
-              <a:avLst/>
-            </a:prstGeom>
-            <a:noFill/>
-            <a:ln>
-              <a:noFill/>
-            </a:ln>
-          </p:spPr>
-          <p:txBody>
-            <a:bodyPr spcFirstLastPara="1" wrap="square" lIns="91425" tIns="91425" rIns="91425" bIns="91425" anchor="t" anchorCtr="0">
-              <a:noAutofit/>
-            </a:bodyPr>
-            <a:lstStyle/>
-            <a:p>
-              <a:pPr algn="ctr"/>
-              <a:r>
-                <a:rPr lang="en-GB" sz="1800" b="1" dirty="0"/>
-                <a:t>*</a:t>
-              </a:r>
-              <a:endParaRPr sz="1800" b="1" dirty="0"/>
-            </a:p>
-          </p:txBody>
-        </p:sp>
-        <p:cxnSp>
-          <p:nvCxnSpPr>
-            <p:cNvPr id="28" name="Google Shape;59;p13">
-              <a:extLst>
-                <a:ext uri="{FF2B5EF4-FFF2-40B4-BE49-F238E27FC236}">
-                  <a16:creationId xmlns:a16="http://schemas.microsoft.com/office/drawing/2014/main" id="{684EF03A-8471-B0BD-0869-91277375C50E}"/>
-                </a:ext>
-              </a:extLst>
-            </p:cNvPr>
-            <p:cNvCxnSpPr>
-              <a:cxnSpLocks/>
-            </p:cNvCxnSpPr>
-            <p:nvPr/>
-          </p:nvCxnSpPr>
-          <p:spPr>
-            <a:xfrm>
-              <a:off x="6265069" y="1338598"/>
-              <a:ext cx="316350" cy="0"/>
-            </a:xfrm>
-            <a:prstGeom prst="straightConnector1">
-              <a:avLst/>
-            </a:prstGeom>
-            <a:noFill/>
-            <a:ln w="19050" cap="flat" cmpd="sng">
-              <a:solidFill>
-                <a:schemeClr val="dk1"/>
-              </a:solidFill>
-              <a:prstDash val="solid"/>
-              <a:round/>
-              <a:headEnd type="none" w="med" len="med"/>
-              <a:tailEnd type="none" w="med" len="med"/>
-            </a:ln>
-          </p:spPr>
-        </p:cxnSp>
-        <p:cxnSp>
-          <p:nvCxnSpPr>
-            <p:cNvPr id="31" name="Google Shape;58;p13">
-              <a:extLst>
-                <a:ext uri="{FF2B5EF4-FFF2-40B4-BE49-F238E27FC236}">
-                  <a16:creationId xmlns:a16="http://schemas.microsoft.com/office/drawing/2014/main" id="{929FACD4-10D3-936A-09AD-E9618654EC60}"/>
-                </a:ext>
-              </a:extLst>
-            </p:cNvPr>
-            <p:cNvCxnSpPr>
-              <a:cxnSpLocks/>
-            </p:cNvCxnSpPr>
-            <p:nvPr/>
-          </p:nvCxnSpPr>
-          <p:spPr>
-            <a:xfrm flipV="1">
-              <a:off x="6265069" y="1329744"/>
-              <a:ext cx="0" cy="781666"/>
-            </a:xfrm>
-            <a:prstGeom prst="straightConnector1">
-              <a:avLst/>
-            </a:prstGeom>
-            <a:noFill/>
-            <a:ln w="19050" cap="flat" cmpd="sng">
-              <a:solidFill>
-                <a:schemeClr val="dk1"/>
-              </a:solidFill>
-              <a:prstDash val="solid"/>
-              <a:round/>
-              <a:headEnd type="none" w="med" len="med"/>
-              <a:tailEnd type="none" w="med" len="med"/>
-            </a:ln>
-          </p:spPr>
-        </p:cxnSp>
-        <p:sp>
-          <p:nvSpPr>
-            <p:cNvPr id="97" name="Google Shape;61;p13">
-              <a:extLst>
-                <a:ext uri="{FF2B5EF4-FFF2-40B4-BE49-F238E27FC236}">
-                  <a16:creationId xmlns:a16="http://schemas.microsoft.com/office/drawing/2014/main" id="{D6F67493-7453-47A5-8A04-D77A359BA7E5}"/>
-                </a:ext>
-              </a:extLst>
-            </p:cNvPr>
-            <p:cNvSpPr txBox="1"/>
-            <p:nvPr/>
-          </p:nvSpPr>
-          <p:spPr>
-            <a:xfrm>
-              <a:off x="6188143" y="1323832"/>
-              <a:ext cx="598411" cy="341100"/>
-            </a:xfrm>
-            <a:prstGeom prst="rect">
-              <a:avLst/>
-            </a:prstGeom>
-            <a:noFill/>
-            <a:ln>
-              <a:noFill/>
-            </a:ln>
-          </p:spPr>
-          <p:txBody>
-            <a:bodyPr spcFirstLastPara="1" wrap="square" lIns="91425" tIns="91425" rIns="91425" bIns="91425" anchor="t" anchorCtr="0">
-              <a:noAutofit/>
-            </a:bodyPr>
-            <a:lstStyle/>
-            <a:p>
-              <a:pPr algn="ctr"/>
-              <a:r>
-                <a:rPr lang="en-GB" sz="1800" b="1" dirty="0"/>
-                <a:t>*</a:t>
-              </a:r>
-              <a:endParaRPr sz="1800" b="1" dirty="0"/>
-            </a:p>
-          </p:txBody>
-        </p:sp>
-      </p:grpSp>
-    </p:spTree>
-  </p:cSld>
-  <p:clrMapOvr>
-    <a:masterClrMapping/>
-  </p:clrMapOvr>
-</p:sld>
-</file>
-
-<file path=ppt/slides/slide8.xml><?xml version="1.0" encoding="utf-8"?>
+<file path=ppt/slides/slide9.xml><?xml version="1.0" encoding="utf-8"?>
 <p:sld xmlns:a="http://schemas.openxmlformats.org/drawingml/2006/main" xmlns:r="http://schemas.openxmlformats.org/officeDocument/2006/relationships" xmlns:p="http://schemas.openxmlformats.org/presentationml/2006/main">
   <p:cSld>
     <p:bg>
@@ -10228,6 +13642,195 @@
             <a:p>
               <a:pPr algn="ctr"/>
               <a:endParaRPr lang="en-AU"/>
+            </a:p>
+          </p:txBody>
+        </p:sp>
+        <p:pic>
+          <p:nvPicPr>
+            <p:cNvPr id="102" name="Picture 101" descr="A bar graph with different colored bars&#10;&#10;Description automatically generated">
+              <a:extLst>
+                <a:ext uri="{FF2B5EF4-FFF2-40B4-BE49-F238E27FC236}">
+                  <a16:creationId xmlns:a16="http://schemas.microsoft.com/office/drawing/2014/main" id="{3A9B0927-F4EB-8E97-262B-DE309435007B}"/>
+                </a:ext>
+              </a:extLst>
+            </p:cNvPr>
+            <p:cNvPicPr>
+              <a:picLocks noChangeAspect="1"/>
+            </p:cNvPicPr>
+            <p:nvPr/>
+          </p:nvPicPr>
+          <p:blipFill rotWithShape="1">
+            <a:blip r:embed="rId3"/>
+            <a:srcRect l="5595" t="18055" r="7570" b="10000"/>
+            <a:stretch/>
+          </p:blipFill>
+          <p:spPr>
+            <a:xfrm>
+              <a:off x="7682015" y="1204914"/>
+              <a:ext cx="5955155" cy="3700463"/>
+            </a:xfrm>
+            <a:prstGeom prst="rect">
+              <a:avLst/>
+            </a:prstGeom>
+          </p:spPr>
+        </p:pic>
+        <p:sp>
+          <p:nvSpPr>
+            <p:cNvPr id="118" name="Google Shape;61;p13">
+              <a:extLst>
+                <a:ext uri="{FF2B5EF4-FFF2-40B4-BE49-F238E27FC236}">
+                  <a16:creationId xmlns:a16="http://schemas.microsoft.com/office/drawing/2014/main" id="{26B58336-F4FF-C7FF-2C3F-B83951B9FE12}"/>
+                </a:ext>
+              </a:extLst>
+            </p:cNvPr>
+            <p:cNvSpPr txBox="1"/>
+            <p:nvPr/>
+          </p:nvSpPr>
+          <p:spPr>
+            <a:xfrm>
+              <a:off x="12957789" y="1138097"/>
+              <a:ext cx="598411" cy="341100"/>
+            </a:xfrm>
+            <a:prstGeom prst="rect">
+              <a:avLst/>
+            </a:prstGeom>
+            <a:noFill/>
+            <a:ln>
+              <a:noFill/>
+            </a:ln>
+          </p:spPr>
+          <p:txBody>
+            <a:bodyPr spcFirstLastPara="1" wrap="square" lIns="91425" tIns="91425" rIns="91425" bIns="91425" anchor="t" anchorCtr="0">
+              <a:noAutofit/>
+            </a:bodyPr>
+            <a:lstStyle/>
+            <a:p>
+              <a:pPr algn="ctr"/>
+              <a:r>
+                <a:rPr lang="en-GB" sz="1800" b="1" dirty="0"/>
+                <a:t>*</a:t>
+              </a:r>
+              <a:endParaRPr sz="1800" b="1" dirty="0"/>
+            </a:p>
+          </p:txBody>
+        </p:sp>
+        <p:sp>
+          <p:nvSpPr>
+            <p:cNvPr id="115" name="Google Shape;61;p13">
+              <a:extLst>
+                <a:ext uri="{FF2B5EF4-FFF2-40B4-BE49-F238E27FC236}">
+                  <a16:creationId xmlns:a16="http://schemas.microsoft.com/office/drawing/2014/main" id="{168324A9-3315-3701-5AB9-A323C335FB89}"/>
+                </a:ext>
+              </a:extLst>
+            </p:cNvPr>
+            <p:cNvSpPr txBox="1"/>
+            <p:nvPr/>
+          </p:nvSpPr>
+          <p:spPr>
+            <a:xfrm>
+              <a:off x="12893684" y="838476"/>
+              <a:ext cx="598411" cy="341100"/>
+            </a:xfrm>
+            <a:prstGeom prst="rect">
+              <a:avLst/>
+            </a:prstGeom>
+            <a:noFill/>
+            <a:ln>
+              <a:noFill/>
+            </a:ln>
+          </p:spPr>
+          <p:txBody>
+            <a:bodyPr spcFirstLastPara="1" wrap="square" lIns="91425" tIns="91425" rIns="91425" bIns="91425" anchor="t" anchorCtr="0">
+              <a:noAutofit/>
+            </a:bodyPr>
+            <a:lstStyle/>
+            <a:p>
+              <a:pPr algn="ctr"/>
+              <a:r>
+                <a:rPr lang="en-GB" sz="1800" b="1" dirty="0"/>
+                <a:t>*</a:t>
+              </a:r>
+              <a:endParaRPr sz="1800" b="1" dirty="0"/>
+            </a:p>
+          </p:txBody>
+        </p:sp>
+        <p:sp>
+          <p:nvSpPr>
+            <p:cNvPr id="111" name="Google Shape;61;p13">
+              <a:extLst>
+                <a:ext uri="{FF2B5EF4-FFF2-40B4-BE49-F238E27FC236}">
+                  <a16:creationId xmlns:a16="http://schemas.microsoft.com/office/drawing/2014/main" id="{A0B9694E-339C-3AB2-CD1E-CD420FFBAF13}"/>
+                </a:ext>
+              </a:extLst>
+            </p:cNvPr>
+            <p:cNvSpPr txBox="1"/>
+            <p:nvPr/>
+          </p:nvSpPr>
+          <p:spPr>
+            <a:xfrm>
+              <a:off x="9013645" y="841483"/>
+              <a:ext cx="598411" cy="341100"/>
+            </a:xfrm>
+            <a:prstGeom prst="rect">
+              <a:avLst/>
+            </a:prstGeom>
+            <a:noFill/>
+            <a:ln>
+              <a:noFill/>
+            </a:ln>
+          </p:spPr>
+          <p:txBody>
+            <a:bodyPr spcFirstLastPara="1" wrap="square" lIns="91425" tIns="91425" rIns="91425" bIns="91425" anchor="t" anchorCtr="0">
+              <a:noAutofit/>
+            </a:bodyPr>
+            <a:lstStyle/>
+            <a:p>
+              <a:pPr algn="ctr"/>
+              <a:r>
+                <a:rPr lang="en-GB" sz="1800" b="1" dirty="0"/>
+                <a:t>*</a:t>
+              </a:r>
+              <a:endParaRPr sz="1800" b="1" dirty="0"/>
+            </a:p>
+          </p:txBody>
+        </p:sp>
+        <p:sp>
+          <p:nvSpPr>
+            <p:cNvPr id="107" name="Google Shape;61;p13">
+              <a:extLst>
+                <a:ext uri="{FF2B5EF4-FFF2-40B4-BE49-F238E27FC236}">
+                  <a16:creationId xmlns:a16="http://schemas.microsoft.com/office/drawing/2014/main" id="{95D57E85-682E-24B7-BED2-37AAE4C5A50A}"/>
+                </a:ext>
+              </a:extLst>
+            </p:cNvPr>
+            <p:cNvSpPr txBox="1"/>
+            <p:nvPr/>
+          </p:nvSpPr>
+          <p:spPr>
+            <a:xfrm>
+              <a:off x="8229146" y="841483"/>
+              <a:ext cx="598411" cy="341100"/>
+            </a:xfrm>
+            <a:prstGeom prst="rect">
+              <a:avLst/>
+            </a:prstGeom>
+            <a:noFill/>
+            <a:ln>
+              <a:noFill/>
+            </a:ln>
+          </p:spPr>
+          <p:txBody>
+            <a:bodyPr spcFirstLastPara="1" wrap="square" lIns="91425" tIns="91425" rIns="91425" bIns="91425" anchor="t" anchorCtr="0">
+              <a:noAutofit/>
+            </a:bodyPr>
+            <a:lstStyle/>
+            <a:p>
+              <a:pPr algn="ctr"/>
+              <a:r>
+                <a:rPr lang="en-GB" sz="1800" b="1" dirty="0"/>
+                <a:t>*</a:t>
+              </a:r>
+              <a:endParaRPr sz="1800" b="1" dirty="0"/>
             </a:p>
           </p:txBody>
         </p:sp>
@@ -10318,7 +13921,7 @@
               <p:nvPr/>
             </p:nvPicPr>
             <p:blipFill rotWithShape="1">
-              <a:blip r:embed="rId3"/>
+              <a:blip r:embed="rId4"/>
               <a:srcRect t="14118" r="8002" b="10124"/>
               <a:stretch/>
             </p:blipFill>
@@ -11199,7 +14802,7 @@
               <p:nvPr/>
             </p:nvPicPr>
             <p:blipFill rotWithShape="1">
-              <a:blip r:embed="rId3"/>
+              <a:blip r:embed="rId4"/>
               <a:srcRect l="75034" t="3536" r="4368" b="85437"/>
               <a:stretch/>
             </p:blipFill>
@@ -11216,10 +14819,10 @@
         </p:grpSp>
         <p:pic>
           <p:nvPicPr>
-            <p:cNvPr id="102" name="Picture 101" descr="A bar graph with different colored bars&#10;&#10;Description automatically generated">
-              <a:extLst>
-                <a:ext uri="{FF2B5EF4-FFF2-40B4-BE49-F238E27FC236}">
-                  <a16:creationId xmlns:a16="http://schemas.microsoft.com/office/drawing/2014/main" id="{3A9B0927-F4EB-8E97-262B-DE309435007B}"/>
+            <p:cNvPr id="103" name="Picture 102" descr="A bar graph with different colored bars&#10;&#10;Description automatically generated">
+              <a:extLst>
+                <a:ext uri="{FF2B5EF4-FFF2-40B4-BE49-F238E27FC236}">
+                  <a16:creationId xmlns:a16="http://schemas.microsoft.com/office/drawing/2014/main" id="{3840C676-0FB3-F83C-A9BD-3C1FB299FEF1}"/>
                 </a:ext>
               </a:extLst>
             </p:cNvPr>
@@ -11229,36 +14832,7 @@
             <p:nvPr/>
           </p:nvPicPr>
           <p:blipFill rotWithShape="1">
-            <a:blip r:embed="rId4"/>
-            <a:srcRect l="5595" t="18055" r="7570" b="10000"/>
-            <a:stretch/>
-          </p:blipFill>
-          <p:spPr>
-            <a:xfrm>
-              <a:off x="7682015" y="1204914"/>
-              <a:ext cx="5955155" cy="3700463"/>
-            </a:xfrm>
-            <a:prstGeom prst="rect">
-              <a:avLst/>
-            </a:prstGeom>
-          </p:spPr>
-        </p:pic>
-        <p:pic>
-          <p:nvPicPr>
-            <p:cNvPr id="103" name="Picture 102" descr="A bar graph with different colored bars&#10;&#10;Description automatically generated">
-              <a:extLst>
-                <a:ext uri="{FF2B5EF4-FFF2-40B4-BE49-F238E27FC236}">
-                  <a16:creationId xmlns:a16="http://schemas.microsoft.com/office/drawing/2014/main" id="{3840C676-0FB3-F83C-A9BD-3C1FB299FEF1}"/>
-                </a:ext>
-              </a:extLst>
-            </p:cNvPr>
-            <p:cNvPicPr>
-              <a:picLocks noChangeAspect="1"/>
-            </p:cNvPicPr>
-            <p:nvPr/>
-          </p:nvPicPr>
-          <p:blipFill rotWithShape="1">
-            <a:blip r:embed="rId4"/>
+            <a:blip r:embed="rId3"/>
             <a:srcRect l="66110" t="-649" r="4654" b="83797"/>
             <a:stretch/>
           </p:blipFill>
@@ -11322,7 +14896,7 @@
           </p:nvCxnSpPr>
           <p:spPr>
             <a:xfrm>
-              <a:off x="8443808" y="1164379"/>
+              <a:off x="8443808" y="1161998"/>
               <a:ext cx="169089" cy="0"/>
             </a:xfrm>
             <a:prstGeom prst="straightConnector1">
@@ -11357,7 +14931,7 @@
           <p:spPr>
             <a:xfrm flipV="1">
               <a:off x="8612897" y="1154150"/>
-              <a:ext cx="0" cy="218342"/>
+              <a:ext cx="0" cy="93953"/>
             </a:xfrm>
             <a:prstGeom prst="straightConnector1">
               <a:avLst/>
@@ -11374,46 +14948,6 @@
             </a:ln>
           </p:spPr>
         </p:cxnSp>
-        <p:sp>
-          <p:nvSpPr>
-            <p:cNvPr id="107" name="Google Shape;61;p13">
-              <a:extLst>
-                <a:ext uri="{FF2B5EF4-FFF2-40B4-BE49-F238E27FC236}">
-                  <a16:creationId xmlns:a16="http://schemas.microsoft.com/office/drawing/2014/main" id="{95D57E85-682E-24B7-BED2-37AAE4C5A50A}"/>
-                </a:ext>
-              </a:extLst>
-            </p:cNvPr>
-            <p:cNvSpPr txBox="1"/>
-            <p:nvPr/>
-          </p:nvSpPr>
-          <p:spPr>
-            <a:xfrm>
-              <a:off x="8229146" y="841483"/>
-              <a:ext cx="598411" cy="341100"/>
-            </a:xfrm>
-            <a:prstGeom prst="rect">
-              <a:avLst/>
-            </a:prstGeom>
-            <a:noFill/>
-            <a:ln>
-              <a:noFill/>
-            </a:ln>
-          </p:spPr>
-          <p:txBody>
-            <a:bodyPr spcFirstLastPara="1" wrap="square" lIns="91425" tIns="91425" rIns="91425" bIns="91425" anchor="t" anchorCtr="0">
-              <a:noAutofit/>
-            </a:bodyPr>
-            <a:lstStyle/>
-            <a:p>
-              <a:pPr algn="ctr"/>
-              <a:r>
-                <a:rPr lang="en-GB" sz="1800" b="1" dirty="0"/>
-                <a:t>*</a:t>
-              </a:r>
-              <a:endParaRPr sz="1800" b="1" dirty="0"/>
-            </a:p>
-          </p:txBody>
-        </p:sp>
         <p:cxnSp>
           <p:nvCxnSpPr>
             <p:cNvPr id="108" name="Google Shape;58;p13">
@@ -11464,7 +14998,7 @@
           </p:nvCxnSpPr>
           <p:spPr>
             <a:xfrm>
-              <a:off x="9228307" y="1164379"/>
+              <a:off x="9228307" y="1161998"/>
               <a:ext cx="169089" cy="0"/>
             </a:xfrm>
             <a:prstGeom prst="straightConnector1">
@@ -11516,46 +15050,6 @@
             </a:ln>
           </p:spPr>
         </p:cxnSp>
-        <p:sp>
-          <p:nvSpPr>
-            <p:cNvPr id="111" name="Google Shape;61;p13">
-              <a:extLst>
-                <a:ext uri="{FF2B5EF4-FFF2-40B4-BE49-F238E27FC236}">
-                  <a16:creationId xmlns:a16="http://schemas.microsoft.com/office/drawing/2014/main" id="{A0B9694E-339C-3AB2-CD1E-CD420FFBAF13}"/>
-                </a:ext>
-              </a:extLst>
-            </p:cNvPr>
-            <p:cNvSpPr txBox="1"/>
-            <p:nvPr/>
-          </p:nvSpPr>
-          <p:spPr>
-            <a:xfrm>
-              <a:off x="9013645" y="841483"/>
-              <a:ext cx="598411" cy="341100"/>
-            </a:xfrm>
-            <a:prstGeom prst="rect">
-              <a:avLst/>
-            </a:prstGeom>
-            <a:noFill/>
-            <a:ln>
-              <a:noFill/>
-            </a:ln>
-          </p:spPr>
-          <p:txBody>
-            <a:bodyPr spcFirstLastPara="1" wrap="square" lIns="91425" tIns="91425" rIns="91425" bIns="91425" anchor="t" anchorCtr="0">
-              <a:noAutofit/>
-            </a:bodyPr>
-            <a:lstStyle/>
-            <a:p>
-              <a:pPr algn="ctr"/>
-              <a:r>
-                <a:rPr lang="en-GB" sz="1800" b="1" dirty="0"/>
-                <a:t>*</a:t>
-              </a:r>
-              <a:endParaRPr sz="1800" b="1" dirty="0"/>
-            </a:p>
-          </p:txBody>
-        </p:sp>
         <p:cxnSp>
           <p:nvCxnSpPr>
             <p:cNvPr id="112" name="Google Shape;58;p13">
@@ -11606,7 +15100,7 @@
           </p:nvCxnSpPr>
           <p:spPr>
             <a:xfrm>
-              <a:off x="13172451" y="1439988"/>
+              <a:off x="13174832" y="1439988"/>
               <a:ext cx="169089" cy="0"/>
             </a:xfrm>
             <a:prstGeom prst="straightConnector1">
@@ -11658,46 +15152,6 @@
             </a:ln>
           </p:spPr>
         </p:cxnSp>
-        <p:sp>
-          <p:nvSpPr>
-            <p:cNvPr id="115" name="Google Shape;61;p13">
-              <a:extLst>
-                <a:ext uri="{FF2B5EF4-FFF2-40B4-BE49-F238E27FC236}">
-                  <a16:creationId xmlns:a16="http://schemas.microsoft.com/office/drawing/2014/main" id="{168324A9-3315-3701-5AB9-A323C335FB89}"/>
-                </a:ext>
-              </a:extLst>
-            </p:cNvPr>
-            <p:cNvSpPr txBox="1"/>
-            <p:nvPr/>
-          </p:nvSpPr>
-          <p:spPr>
-            <a:xfrm>
-              <a:off x="12893684" y="838476"/>
-              <a:ext cx="598411" cy="341100"/>
-            </a:xfrm>
-            <a:prstGeom prst="rect">
-              <a:avLst/>
-            </a:prstGeom>
-            <a:noFill/>
-            <a:ln>
-              <a:noFill/>
-            </a:ln>
-          </p:spPr>
-          <p:txBody>
-            <a:bodyPr spcFirstLastPara="1" wrap="square" lIns="91425" tIns="91425" rIns="91425" bIns="91425" anchor="t" anchorCtr="0">
-              <a:noAutofit/>
-            </a:bodyPr>
-            <a:lstStyle/>
-            <a:p>
-              <a:pPr algn="ctr"/>
-              <a:r>
-                <a:rPr lang="en-GB" sz="1800" b="1" dirty="0"/>
-                <a:t>*</a:t>
-              </a:r>
-              <a:endParaRPr sz="1800" b="1" dirty="0"/>
-            </a:p>
-          </p:txBody>
-        </p:sp>
         <p:cxnSp>
           <p:nvCxnSpPr>
             <p:cNvPr id="116" name="Google Shape;59;p13">
@@ -11714,7 +15168,7 @@
           </p:nvCxnSpPr>
           <p:spPr>
             <a:xfrm>
-              <a:off x="13034715" y="1152863"/>
+              <a:off x="13034715" y="1150482"/>
               <a:ext cx="316350" cy="0"/>
             </a:xfrm>
             <a:prstGeom prst="straightConnector1">
@@ -11766,46 +15220,6 @@
             </a:ln>
           </p:spPr>
         </p:cxnSp>
-        <p:sp>
-          <p:nvSpPr>
-            <p:cNvPr id="118" name="Google Shape;61;p13">
-              <a:extLst>
-                <a:ext uri="{FF2B5EF4-FFF2-40B4-BE49-F238E27FC236}">
-                  <a16:creationId xmlns:a16="http://schemas.microsoft.com/office/drawing/2014/main" id="{26B58336-F4FF-C7FF-2C3F-B83951B9FE12}"/>
-                </a:ext>
-              </a:extLst>
-            </p:cNvPr>
-            <p:cNvSpPr txBox="1"/>
-            <p:nvPr/>
-          </p:nvSpPr>
-          <p:spPr>
-            <a:xfrm>
-              <a:off x="12957789" y="1138097"/>
-              <a:ext cx="598411" cy="341100"/>
-            </a:xfrm>
-            <a:prstGeom prst="rect">
-              <a:avLst/>
-            </a:prstGeom>
-            <a:noFill/>
-            <a:ln>
-              <a:noFill/>
-            </a:ln>
-          </p:spPr>
-          <p:txBody>
-            <a:bodyPr spcFirstLastPara="1" wrap="square" lIns="91425" tIns="91425" rIns="91425" bIns="91425" anchor="t" anchorCtr="0">
-              <a:noAutofit/>
-            </a:bodyPr>
-            <a:lstStyle/>
-            <a:p>
-              <a:pPr algn="ctr"/>
-              <a:r>
-                <a:rPr lang="en-GB" sz="1800" b="1" dirty="0"/>
-                <a:t>*</a:t>
-              </a:r>
-              <a:endParaRPr sz="1800" b="1" dirty="0"/>
-            </a:p>
-          </p:txBody>
-        </p:sp>
       </p:grpSp>
     </p:spTree>
     <p:extLst>
